--- a/tokistorage-partnership-deck.pptx
+++ b/tokistorage-partnership-deck.pptx
@@ -15,6 +15,8 @@
     <p:sldId id="263" r:id="rId14"/>
     <p:sldId id="264" r:id="rId15"/>
     <p:sldId id="265" r:id="rId16"/>
+    <p:sldId id="266" r:id="rId17"/>
+    <p:sldId id="267" r:id="rId18"/>
   </p:sldIdLst>
   <p:sldSz cx="9144000" cy="5143500" type="screen4x3"/>
   <p:notesSz cx="6858000" cy="9144000"/>
@@ -3140,9 +3142,33 @@
           </a:p>
         </p:txBody>
       </p:sp>
-      <p:sp>
-        <p:nvSpPr>
-          <p:cNvPr id="3" name="TextBox 2"/>
+      <p:pic>
+        <p:nvPicPr>
+          <p:cNvPr id="3" name="Picture 2" descr="tokistorage-icon-circle.png"/>
+          <p:cNvPicPr>
+            <a:picLocks noChangeAspect="1"/>
+          </p:cNvPicPr>
+          <p:nvPr/>
+        </p:nvPicPr>
+        <p:blipFill>
+          <a:blip r:embed="rId2"/>
+          <a:stretch>
+            <a:fillRect/>
+          </a:stretch>
+        </p:blipFill>
+        <p:spPr>
+          <a:xfrm>
+            <a:off x="7680960" y="365760"/>
+            <a:ext cx="914400" cy="914400"/>
+          </a:xfrm>
+          <a:prstGeom prst="rect">
+            <a:avLst/>
+          </a:prstGeom>
+        </p:spPr>
+      </p:pic>
+      <p:sp>
+        <p:nvSpPr>
+          <p:cNvPr id="4" name="TextBox 3"/>
           <p:cNvSpPr txBox="1"/>
           <p:nvPr/>
         </p:nvSpPr>
@@ -3185,7 +3211,7 @@
       </p:sp>
       <p:sp>
         <p:nvSpPr>
-          <p:cNvPr id="4" name="TextBox 3"/>
+          <p:cNvPr id="5" name="TextBox 4"/>
           <p:cNvSpPr txBox="1"/>
           <p:nvPr/>
         </p:nvSpPr>
@@ -3229,7 +3255,7 @@
       </p:sp>
       <p:sp>
         <p:nvSpPr>
-          <p:cNvPr id="5" name="TextBox 4"/>
+          <p:cNvPr id="6" name="TextBox 5"/>
           <p:cNvSpPr txBox="1"/>
           <p:nvPr/>
         </p:nvSpPr>
@@ -3273,7 +3299,7 @@
       </p:sp>
       <p:sp>
         <p:nvSpPr>
-          <p:cNvPr id="6" name="Rectangle 5"/>
+          <p:cNvPr id="7" name="Rectangle 6"/>
           <p:cNvSpPr/>
           <p:nvPr/>
         </p:nvSpPr>
@@ -3316,7 +3342,7 @@
       </p:sp>
       <p:sp>
         <p:nvSpPr>
-          <p:cNvPr id="7" name="TextBox 6"/>
+          <p:cNvPr id="8" name="TextBox 7"/>
           <p:cNvSpPr txBox="1"/>
           <p:nvPr/>
         </p:nvSpPr>
@@ -3359,7 +3385,7 @@
       </p:sp>
       <p:sp>
         <p:nvSpPr>
-          <p:cNvPr id="8" name="TextBox 7"/>
+          <p:cNvPr id="9" name="TextBox 8"/>
           <p:cNvSpPr txBox="1"/>
           <p:nvPr/>
         </p:nvSpPr>
@@ -3402,7 +3428,7 @@
       </p:sp>
       <p:sp>
         <p:nvSpPr>
-          <p:cNvPr id="9" name="TextBox 8"/>
+          <p:cNvPr id="10" name="TextBox 9"/>
           <p:cNvSpPr txBox="1"/>
           <p:nvPr/>
         </p:nvSpPr>
@@ -3470,6 +3496,2185 @@
         <p:spPr>
           <a:xfrm>
             <a:off x="0" y="0"/>
+            <a:ext cx="9144000" cy="594360"/>
+          </a:xfrm>
+          <a:prstGeom prst="rect">
+            <a:avLst/>
+          </a:prstGeom>
+          <a:solidFill>
+            <a:srgbClr val="1E293B"/>
+          </a:solidFill>
+          <a:ln>
+            <a:noFill/>
+          </a:ln>
+        </p:spPr>
+        <p:style>
+          <a:lnRef idx="1">
+            <a:schemeClr val="accent1"/>
+          </a:lnRef>
+          <a:fillRef idx="3">
+            <a:schemeClr val="accent1"/>
+          </a:fillRef>
+          <a:effectRef idx="2">
+            <a:schemeClr val="accent1"/>
+          </a:effectRef>
+          <a:fontRef idx="minor">
+            <a:schemeClr val="lt1"/>
+          </a:fontRef>
+        </p:style>
+        <p:txBody>
+          <a:bodyPr rtlCol="0" anchor="ctr"/>
+          <a:lstStyle/>
+          <a:p>
+            <a:pPr algn="ctr"/>
+          </a:p>
+        </p:txBody>
+      </p:sp>
+      <p:sp>
+        <p:nvSpPr>
+          <p:cNvPr id="3" name="TextBox 2"/>
+          <p:cNvSpPr txBox="1"/>
+          <p:nvPr/>
+        </p:nvSpPr>
+        <p:spPr>
+          <a:xfrm>
+            <a:off x="457200" y="0"/>
+            <a:ext cx="8229600" cy="594360"/>
+          </a:xfrm>
+          <a:prstGeom prst="rect">
+            <a:avLst/>
+          </a:prstGeom>
+          <a:noFill/>
+        </p:spPr>
+        <p:txBody>
+          <a:bodyPr wrap="square" anchor="ctr"/>
+          <a:lstStyle/>
+          <a:p>
+            <a:pPr algn="l">
+              <a:lnSpc>
+                <a:spcPct val="135000"/>
+              </a:lnSpc>
+              <a:spcBef>
+                <a:spcPts val="0"/>
+              </a:spcBef>
+              <a:spcAft>
+                <a:spcPts val="0"/>
+              </a:spcAft>
+            </a:pPr>
+            <a:r>
+              <a:rPr sz="1200" b="1">
+                <a:solidFill>
+                  <a:srgbClr val="FFFFFF"/>
+                </a:solidFill>
+                <a:latin typeface="IPAPGothic"/>
+              </a:rPr>
+              <a:t>代表はBig4出身であり、ファームのコンプライアンス要件を理解した上で提携モデルを設計している</a:t>
+            </a:r>
+          </a:p>
+        </p:txBody>
+      </p:sp>
+      <p:sp>
+        <p:nvSpPr>
+          <p:cNvPr id="4" name="TextBox 3"/>
+          <p:cNvSpPr txBox="1"/>
+          <p:nvPr/>
+        </p:nvSpPr>
+        <p:spPr>
+          <a:xfrm>
+            <a:off x="457200" y="731520"/>
+            <a:ext cx="2743200" cy="274320"/>
+          </a:xfrm>
+          <a:prstGeom prst="rect">
+            <a:avLst/>
+          </a:prstGeom>
+          <a:noFill/>
+        </p:spPr>
+        <p:txBody>
+          <a:bodyPr wrap="square"/>
+          <a:lstStyle/>
+          <a:p>
+            <a:pPr algn="l">
+              <a:lnSpc>
+                <a:spcPct val="135000"/>
+              </a:lnSpc>
+              <a:spcBef>
+                <a:spcPts val="0"/>
+              </a:spcBef>
+              <a:spcAft>
+                <a:spcPts val="0"/>
+              </a:spcAft>
+            </a:pPr>
+            <a:r>
+              <a:rPr sz="1000" b="1">
+                <a:solidFill>
+                  <a:srgbClr val="2563EB"/>
+                </a:solidFill>
+                <a:latin typeface="IPAPGothic"/>
+              </a:rPr>
+              <a:t>TEAM &amp; INDEPENDENCE</a:t>
+            </a:r>
+          </a:p>
+        </p:txBody>
+      </p:sp>
+      <p:pic>
+        <p:nvPicPr>
+          <p:cNvPr id="5" name="Picture 4" descr="_deck_profile.png"/>
+          <p:cNvPicPr>
+            <a:picLocks noChangeAspect="1"/>
+          </p:cNvPicPr>
+          <p:nvPr/>
+        </p:nvPicPr>
+        <p:blipFill>
+          <a:blip r:embed="rId2"/>
+          <a:stretch>
+            <a:fillRect/>
+          </a:stretch>
+        </p:blipFill>
+        <p:spPr>
+          <a:xfrm>
+            <a:off x="457200" y="1024128"/>
+            <a:ext cx="914400" cy="914400"/>
+          </a:xfrm>
+          <a:prstGeom prst="rect">
+            <a:avLst/>
+          </a:prstGeom>
+        </p:spPr>
+      </p:pic>
+      <p:sp>
+        <p:nvSpPr>
+          <p:cNvPr id="6" name="TextBox 5"/>
+          <p:cNvSpPr txBox="1"/>
+          <p:nvPr/>
+        </p:nvSpPr>
+        <p:spPr>
+          <a:xfrm>
+            <a:off x="1508760" y="1078992"/>
+            <a:ext cx="6675120" cy="320040"/>
+          </a:xfrm>
+          <a:prstGeom prst="rect">
+            <a:avLst/>
+          </a:prstGeom>
+          <a:noFill/>
+        </p:spPr>
+        <p:txBody>
+          <a:bodyPr wrap="square"/>
+          <a:lstStyle/>
+          <a:p>
+            <a:pPr algn="l">
+              <a:lnSpc>
+                <a:spcPct val="135000"/>
+              </a:lnSpc>
+              <a:spcBef>
+                <a:spcPts val="0"/>
+              </a:spcBef>
+              <a:spcAft>
+                <a:spcPts val="0"/>
+              </a:spcAft>
+            </a:pPr>
+            <a:r>
+              <a:rPr sz="1300" b="1">
+                <a:solidFill>
+                  <a:srgbClr val="1E293B"/>
+                </a:solidFill>
+                <a:latin typeface="IPAPGothic"/>
+              </a:rPr>
+              <a:t>佐藤卓也 — TokiStorage 代表</a:t>
+            </a:r>
+          </a:p>
+        </p:txBody>
+      </p:sp>
+      <p:sp>
+        <p:nvSpPr>
+          <p:cNvPr id="7" name="TextBox 6"/>
+          <p:cNvSpPr txBox="1"/>
+          <p:nvPr/>
+        </p:nvSpPr>
+        <p:spPr>
+          <a:xfrm>
+            <a:off x="1508760" y="1444752"/>
+            <a:ext cx="6675120" cy="1097280"/>
+          </a:xfrm>
+          <a:prstGeom prst="rect">
+            <a:avLst/>
+          </a:prstGeom>
+          <a:noFill/>
+        </p:spPr>
+        <p:txBody>
+          <a:bodyPr wrap="square"/>
+          <a:lstStyle/>
+          <a:p>
+            <a:pPr algn="l">
+              <a:lnSpc>
+                <a:spcPct val="135000"/>
+              </a:lnSpc>
+              <a:spcBef>
+                <a:spcPts val="0"/>
+              </a:spcBef>
+              <a:spcAft>
+                <a:spcPts val="0"/>
+              </a:spcAft>
+            </a:pPr>
+            <a:r>
+              <a:rPr sz="1000" b="0">
+                <a:solidFill>
+                  <a:srgbClr val="475569"/>
+                </a:solidFill>
+                <a:latin typeface="IPAPGothic"/>
+              </a:rPr>
+              <a:t>大手コンサルティングファームでの経験を経て、半導体製造装置のエンジニアリング20年超。タイムレスタウン新浦安（250世帯）の自治会長として「ゆりかごから墓場まで」のコミュニティ運営を経験。SoulCarrier活動で「記憶が消える恐怖」を目の当たりにし、TokiStorageを着想。マウイ・山中湖でのオフグリッド実証を経て、制度に依存しない千年設計の技術を完成。</a:t>
+            </a:r>
+          </a:p>
+        </p:txBody>
+      </p:sp>
+      <p:sp>
+        <p:nvSpPr>
+          <p:cNvPr id="8" name="Rectangle 7"/>
+          <p:cNvSpPr/>
+          <p:nvPr/>
+        </p:nvSpPr>
+        <p:spPr>
+          <a:xfrm>
+            <a:off x="457200" y="2459736"/>
+            <a:ext cx="1028700" cy="402336"/>
+          </a:xfrm>
+          <a:prstGeom prst="rect">
+            <a:avLst/>
+          </a:prstGeom>
+          <a:solidFill>
+            <a:srgbClr val="F1F5F9"/>
+          </a:solidFill>
+          <a:ln w="9525">
+            <a:solidFill>
+              <a:srgbClr val="E2E8F0"/>
+            </a:solidFill>
+          </a:ln>
+        </p:spPr>
+        <p:style>
+          <a:lnRef idx="1">
+            <a:schemeClr val="accent1"/>
+          </a:lnRef>
+          <a:fillRef idx="3">
+            <a:schemeClr val="accent1"/>
+          </a:fillRef>
+          <a:effectRef idx="2">
+            <a:schemeClr val="accent1"/>
+          </a:effectRef>
+          <a:fontRef idx="minor">
+            <a:schemeClr val="lt1"/>
+          </a:fontRef>
+        </p:style>
+        <p:txBody>
+          <a:bodyPr rtlCol="0" anchor="ctr"/>
+          <a:lstStyle/>
+          <a:p>
+            <a:pPr algn="ctr"/>
+          </a:p>
+        </p:txBody>
+      </p:sp>
+      <p:sp>
+        <p:nvSpPr>
+          <p:cNvPr id="9" name="TextBox 8"/>
+          <p:cNvSpPr txBox="1"/>
+          <p:nvPr/>
+        </p:nvSpPr>
+        <p:spPr>
+          <a:xfrm>
+            <a:off x="548640" y="2459736"/>
+            <a:ext cx="845820" cy="402336"/>
+          </a:xfrm>
+          <a:prstGeom prst="rect">
+            <a:avLst/>
+          </a:prstGeom>
+          <a:noFill/>
+        </p:spPr>
+        <p:txBody>
+          <a:bodyPr wrap="square" anchor="ctr"/>
+          <a:lstStyle/>
+          <a:p>
+            <a:pPr algn="ctr">
+              <a:lnSpc>
+                <a:spcPct val="135000"/>
+              </a:lnSpc>
+              <a:spcBef>
+                <a:spcPts val="0"/>
+              </a:spcBef>
+              <a:spcAft>
+                <a:spcPts val="0"/>
+              </a:spcAft>
+            </a:pPr>
+            <a:r>
+              <a:rPr sz="800" b="0">
+                <a:solidFill>
+                  <a:srgbClr val="475569"/>
+                </a:solidFill>
+                <a:latin typeface="IPAPGothic"/>
+              </a:rPr>
+              <a:t>元Big4ファーム</a:t>
+            </a:r>
+          </a:p>
+        </p:txBody>
+      </p:sp>
+      <p:sp>
+        <p:nvSpPr>
+          <p:cNvPr id="10" name="Rectangle 9"/>
+          <p:cNvSpPr/>
+          <p:nvPr/>
+        </p:nvSpPr>
+        <p:spPr>
+          <a:xfrm>
+            <a:off x="1595628" y="2459736"/>
+            <a:ext cx="1508760" cy="402336"/>
+          </a:xfrm>
+          <a:prstGeom prst="rect">
+            <a:avLst/>
+          </a:prstGeom>
+          <a:solidFill>
+            <a:srgbClr val="F1F5F9"/>
+          </a:solidFill>
+          <a:ln w="9525">
+            <a:solidFill>
+              <a:srgbClr val="E2E8F0"/>
+            </a:solidFill>
+          </a:ln>
+        </p:spPr>
+        <p:style>
+          <a:lnRef idx="1">
+            <a:schemeClr val="accent1"/>
+          </a:lnRef>
+          <a:fillRef idx="3">
+            <a:schemeClr val="accent1"/>
+          </a:fillRef>
+          <a:effectRef idx="2">
+            <a:schemeClr val="accent1"/>
+          </a:effectRef>
+          <a:fontRef idx="minor">
+            <a:schemeClr val="lt1"/>
+          </a:fontRef>
+        </p:style>
+        <p:txBody>
+          <a:bodyPr rtlCol="0" anchor="ctr"/>
+          <a:lstStyle/>
+          <a:p>
+            <a:pPr algn="ctr"/>
+          </a:p>
+        </p:txBody>
+      </p:sp>
+      <p:sp>
+        <p:nvSpPr>
+          <p:cNvPr id="11" name="TextBox 10"/>
+          <p:cNvSpPr txBox="1"/>
+          <p:nvPr/>
+        </p:nvSpPr>
+        <p:spPr>
+          <a:xfrm>
+            <a:off x="1687068" y="2459736"/>
+            <a:ext cx="1325880" cy="402336"/>
+          </a:xfrm>
+          <a:prstGeom prst="rect">
+            <a:avLst/>
+          </a:prstGeom>
+          <a:noFill/>
+        </p:spPr>
+        <p:txBody>
+          <a:bodyPr wrap="square" anchor="ctr"/>
+          <a:lstStyle/>
+          <a:p>
+            <a:pPr algn="ctr">
+              <a:lnSpc>
+                <a:spcPct val="135000"/>
+              </a:lnSpc>
+              <a:spcBef>
+                <a:spcPts val="0"/>
+              </a:spcBef>
+              <a:spcAft>
+                <a:spcPts val="0"/>
+              </a:spcAft>
+            </a:pPr>
+            <a:r>
+              <a:rPr sz="800" b="0">
+                <a:solidFill>
+                  <a:srgbClr val="475569"/>
+                </a:solidFill>
+                <a:latin typeface="IPAPGothic"/>
+              </a:rPr>
+              <a:t>半導体エンジニアリング 20年+</a:t>
+            </a:r>
+          </a:p>
+        </p:txBody>
+      </p:sp>
+      <p:sp>
+        <p:nvSpPr>
+          <p:cNvPr id="12" name="Rectangle 11"/>
+          <p:cNvSpPr/>
+          <p:nvPr/>
+        </p:nvSpPr>
+        <p:spPr>
+          <a:xfrm>
+            <a:off x="3214116" y="2459736"/>
+            <a:ext cx="1165860" cy="402336"/>
+          </a:xfrm>
+          <a:prstGeom prst="rect">
+            <a:avLst/>
+          </a:prstGeom>
+          <a:solidFill>
+            <a:srgbClr val="F1F5F9"/>
+          </a:solidFill>
+          <a:ln w="9525">
+            <a:solidFill>
+              <a:srgbClr val="E2E8F0"/>
+            </a:solidFill>
+          </a:ln>
+        </p:spPr>
+        <p:style>
+          <a:lnRef idx="1">
+            <a:schemeClr val="accent1"/>
+          </a:lnRef>
+          <a:fillRef idx="3">
+            <a:schemeClr val="accent1"/>
+          </a:fillRef>
+          <a:effectRef idx="2">
+            <a:schemeClr val="accent1"/>
+          </a:effectRef>
+          <a:fontRef idx="minor">
+            <a:schemeClr val="lt1"/>
+          </a:fontRef>
+        </p:style>
+        <p:txBody>
+          <a:bodyPr rtlCol="0" anchor="ctr"/>
+          <a:lstStyle/>
+          <a:p>
+            <a:pPr algn="ctr"/>
+          </a:p>
+        </p:txBody>
+      </p:sp>
+      <p:sp>
+        <p:nvSpPr>
+          <p:cNvPr id="13" name="TextBox 12"/>
+          <p:cNvSpPr txBox="1"/>
+          <p:nvPr/>
+        </p:nvSpPr>
+        <p:spPr>
+          <a:xfrm>
+            <a:off x="3305556" y="2459736"/>
+            <a:ext cx="982980" cy="402336"/>
+          </a:xfrm>
+          <a:prstGeom prst="rect">
+            <a:avLst/>
+          </a:prstGeom>
+          <a:noFill/>
+        </p:spPr>
+        <p:txBody>
+          <a:bodyPr wrap="square" anchor="ctr"/>
+          <a:lstStyle/>
+          <a:p>
+            <a:pPr algn="ctr">
+              <a:lnSpc>
+                <a:spcPct val="135000"/>
+              </a:lnSpc>
+              <a:spcBef>
+                <a:spcPts val="0"/>
+              </a:spcBef>
+              <a:spcAft>
+                <a:spcPts val="0"/>
+              </a:spcAft>
+            </a:pPr>
+            <a:r>
+              <a:rPr sz="800" b="0">
+                <a:solidFill>
+                  <a:srgbClr val="475569"/>
+                </a:solidFill>
+                <a:latin typeface="IPAPGothic"/>
+              </a:rPr>
+              <a:t>自治会長（250世帯）</a:t>
+            </a:r>
+          </a:p>
+        </p:txBody>
+      </p:sp>
+      <p:sp>
+        <p:nvSpPr>
+          <p:cNvPr id="14" name="Rectangle 13"/>
+          <p:cNvSpPr/>
+          <p:nvPr/>
+        </p:nvSpPr>
+        <p:spPr>
+          <a:xfrm>
+            <a:off x="4489704" y="2459736"/>
+            <a:ext cx="1303020" cy="402336"/>
+          </a:xfrm>
+          <a:prstGeom prst="rect">
+            <a:avLst/>
+          </a:prstGeom>
+          <a:solidFill>
+            <a:srgbClr val="F1F5F9"/>
+          </a:solidFill>
+          <a:ln w="9525">
+            <a:solidFill>
+              <a:srgbClr val="E2E8F0"/>
+            </a:solidFill>
+          </a:ln>
+        </p:spPr>
+        <p:style>
+          <a:lnRef idx="1">
+            <a:schemeClr val="accent1"/>
+          </a:lnRef>
+          <a:fillRef idx="3">
+            <a:schemeClr val="accent1"/>
+          </a:fillRef>
+          <a:effectRef idx="2">
+            <a:schemeClr val="accent1"/>
+          </a:effectRef>
+          <a:fontRef idx="minor">
+            <a:schemeClr val="lt1"/>
+          </a:fontRef>
+        </p:style>
+        <p:txBody>
+          <a:bodyPr rtlCol="0" anchor="ctr"/>
+          <a:lstStyle/>
+          <a:p>
+            <a:pPr algn="ctr"/>
+          </a:p>
+        </p:txBody>
+      </p:sp>
+      <p:sp>
+        <p:nvSpPr>
+          <p:cNvPr id="15" name="TextBox 14"/>
+          <p:cNvSpPr txBox="1"/>
+          <p:nvPr/>
+        </p:nvSpPr>
+        <p:spPr>
+          <a:xfrm>
+            <a:off x="4581144" y="2459736"/>
+            <a:ext cx="1120140" cy="402336"/>
+          </a:xfrm>
+          <a:prstGeom prst="rect">
+            <a:avLst/>
+          </a:prstGeom>
+          <a:noFill/>
+        </p:spPr>
+        <p:txBody>
+          <a:bodyPr wrap="square" anchor="ctr"/>
+          <a:lstStyle/>
+          <a:p>
+            <a:pPr algn="ctr">
+              <a:lnSpc>
+                <a:spcPct val="135000"/>
+              </a:lnSpc>
+              <a:spcBef>
+                <a:spcPts val="0"/>
+              </a:spcBef>
+              <a:spcAft>
+                <a:spcPts val="0"/>
+              </a:spcAft>
+            </a:pPr>
+            <a:r>
+              <a:rPr sz="800" b="0">
+                <a:solidFill>
+                  <a:srgbClr val="475569"/>
+                </a:solidFill>
+                <a:latin typeface="IPAPGothic"/>
+              </a:rPr>
+              <a:t>SoulCarrier主宰</a:t>
+            </a:r>
+          </a:p>
+        </p:txBody>
+      </p:sp>
+      <p:sp>
+        <p:nvSpPr>
+          <p:cNvPr id="16" name="Rectangle 15"/>
+          <p:cNvSpPr/>
+          <p:nvPr/>
+        </p:nvSpPr>
+        <p:spPr>
+          <a:xfrm>
+            <a:off x="5902452" y="2459736"/>
+            <a:ext cx="1097280" cy="402336"/>
+          </a:xfrm>
+          <a:prstGeom prst="rect">
+            <a:avLst/>
+          </a:prstGeom>
+          <a:solidFill>
+            <a:srgbClr val="F1F5F9"/>
+          </a:solidFill>
+          <a:ln w="9525">
+            <a:solidFill>
+              <a:srgbClr val="E2E8F0"/>
+            </a:solidFill>
+          </a:ln>
+        </p:spPr>
+        <p:style>
+          <a:lnRef idx="1">
+            <a:schemeClr val="accent1"/>
+          </a:lnRef>
+          <a:fillRef idx="3">
+            <a:schemeClr val="accent1"/>
+          </a:fillRef>
+          <a:effectRef idx="2">
+            <a:schemeClr val="accent1"/>
+          </a:effectRef>
+          <a:fontRef idx="minor">
+            <a:schemeClr val="lt1"/>
+          </a:fontRef>
+        </p:style>
+        <p:txBody>
+          <a:bodyPr rtlCol="0" anchor="ctr"/>
+          <a:lstStyle/>
+          <a:p>
+            <a:pPr algn="ctr"/>
+          </a:p>
+        </p:txBody>
+      </p:sp>
+      <p:sp>
+        <p:nvSpPr>
+          <p:cNvPr id="17" name="TextBox 16"/>
+          <p:cNvSpPr txBox="1"/>
+          <p:nvPr/>
+        </p:nvSpPr>
+        <p:spPr>
+          <a:xfrm>
+            <a:off x="5993892" y="2459736"/>
+            <a:ext cx="914400" cy="402336"/>
+          </a:xfrm>
+          <a:prstGeom prst="rect">
+            <a:avLst/>
+          </a:prstGeom>
+          <a:noFill/>
+        </p:spPr>
+        <p:txBody>
+          <a:bodyPr wrap="square" anchor="ctr"/>
+          <a:lstStyle/>
+          <a:p>
+            <a:pPr algn="ctr">
+              <a:lnSpc>
+                <a:spcPct val="135000"/>
+              </a:lnSpc>
+              <a:spcBef>
+                <a:spcPts val="0"/>
+              </a:spcBef>
+              <a:spcAft>
+                <a:spcPts val="0"/>
+              </a:spcAft>
+            </a:pPr>
+            <a:r>
+              <a:rPr sz="800" b="0">
+                <a:solidFill>
+                  <a:srgbClr val="475569"/>
+                </a:solidFill>
+                <a:latin typeface="IPAPGothic"/>
+              </a:rPr>
+              <a:t>オフグリッド実証済み</a:t>
+            </a:r>
+          </a:p>
+        </p:txBody>
+      </p:sp>
+      <p:sp>
+        <p:nvSpPr>
+          <p:cNvPr id="18" name="Rectangle 17"/>
+          <p:cNvSpPr/>
+          <p:nvPr/>
+        </p:nvSpPr>
+        <p:spPr>
+          <a:xfrm>
+            <a:off x="7109460" y="2459736"/>
+            <a:ext cx="1371600" cy="402336"/>
+          </a:xfrm>
+          <a:prstGeom prst="rect">
+            <a:avLst/>
+          </a:prstGeom>
+          <a:solidFill>
+            <a:srgbClr val="F1F5F9"/>
+          </a:solidFill>
+          <a:ln w="9525">
+            <a:solidFill>
+              <a:srgbClr val="E2E8F0"/>
+            </a:solidFill>
+          </a:ln>
+        </p:spPr>
+        <p:style>
+          <a:lnRef idx="1">
+            <a:schemeClr val="accent1"/>
+          </a:lnRef>
+          <a:fillRef idx="3">
+            <a:schemeClr val="accent1"/>
+          </a:fillRef>
+          <a:effectRef idx="2">
+            <a:schemeClr val="accent1"/>
+          </a:effectRef>
+          <a:fontRef idx="minor">
+            <a:schemeClr val="lt1"/>
+          </a:fontRef>
+        </p:style>
+        <p:txBody>
+          <a:bodyPr rtlCol="0" anchor="ctr"/>
+          <a:lstStyle/>
+          <a:p>
+            <a:pPr algn="ctr"/>
+          </a:p>
+        </p:txBody>
+      </p:sp>
+      <p:sp>
+        <p:nvSpPr>
+          <p:cNvPr id="19" name="TextBox 18"/>
+          <p:cNvSpPr txBox="1"/>
+          <p:nvPr/>
+        </p:nvSpPr>
+        <p:spPr>
+          <a:xfrm>
+            <a:off x="7200900" y="2459736"/>
+            <a:ext cx="1188720" cy="402336"/>
+          </a:xfrm>
+          <a:prstGeom prst="rect">
+            <a:avLst/>
+          </a:prstGeom>
+          <a:noFill/>
+        </p:spPr>
+        <p:txBody>
+          <a:bodyPr wrap="square" anchor="ctr"/>
+          <a:lstStyle/>
+          <a:p>
+            <a:pPr algn="ctr">
+              <a:lnSpc>
+                <a:spcPct val="135000"/>
+              </a:lnSpc>
+              <a:spcBef>
+                <a:spcPts val="0"/>
+              </a:spcBef>
+              <a:spcAft>
+                <a:spcPts val="0"/>
+              </a:spcAft>
+            </a:pPr>
+            <a:r>
+              <a:rPr sz="800" b="0">
+                <a:solidFill>
+                  <a:srgbClr val="475569"/>
+                </a:solidFill>
+                <a:latin typeface="IPAPGothic"/>
+              </a:rPr>
+              <a:t>佐渡島移住予定（2026春）</a:t>
+            </a:r>
+          </a:p>
+        </p:txBody>
+      </p:sp>
+      <p:sp>
+        <p:nvSpPr>
+          <p:cNvPr id="20" name="Rectangle 19"/>
+          <p:cNvSpPr/>
+          <p:nvPr/>
+        </p:nvSpPr>
+        <p:spPr>
+          <a:xfrm>
+            <a:off x="457200" y="2962656"/>
+            <a:ext cx="7863840" cy="1051560"/>
+          </a:xfrm>
+          <a:prstGeom prst="rect">
+            <a:avLst/>
+          </a:prstGeom>
+          <a:solidFill>
+            <a:srgbClr val="EFF6FF"/>
+          </a:solidFill>
+          <a:ln>
+            <a:noFill/>
+          </a:ln>
+        </p:spPr>
+        <p:style>
+          <a:lnRef idx="1">
+            <a:schemeClr val="accent1"/>
+          </a:lnRef>
+          <a:fillRef idx="3">
+            <a:schemeClr val="accent1"/>
+          </a:fillRef>
+          <a:effectRef idx="2">
+            <a:schemeClr val="accent1"/>
+          </a:effectRef>
+          <a:fontRef idx="minor">
+            <a:schemeClr val="lt1"/>
+          </a:fontRef>
+        </p:style>
+        <p:txBody>
+          <a:bodyPr rtlCol="0" anchor="ctr"/>
+          <a:lstStyle/>
+          <a:p>
+            <a:pPr algn="ctr"/>
+          </a:p>
+        </p:txBody>
+      </p:sp>
+      <p:sp>
+        <p:nvSpPr>
+          <p:cNvPr id="21" name="Rectangle 20"/>
+          <p:cNvSpPr/>
+          <p:nvPr/>
+        </p:nvSpPr>
+        <p:spPr>
+          <a:xfrm>
+            <a:off x="457200" y="2962656"/>
+            <a:ext cx="54864" cy="1051560"/>
+          </a:xfrm>
+          <a:prstGeom prst="rect">
+            <a:avLst/>
+          </a:prstGeom>
+          <a:solidFill>
+            <a:srgbClr val="2563EB"/>
+          </a:solidFill>
+          <a:ln>
+            <a:noFill/>
+          </a:ln>
+        </p:spPr>
+        <p:style>
+          <a:lnRef idx="1">
+            <a:schemeClr val="accent1"/>
+          </a:lnRef>
+          <a:fillRef idx="3">
+            <a:schemeClr val="accent1"/>
+          </a:fillRef>
+          <a:effectRef idx="2">
+            <a:schemeClr val="accent1"/>
+          </a:effectRef>
+          <a:fontRef idx="minor">
+            <a:schemeClr val="lt1"/>
+          </a:fontRef>
+        </p:style>
+        <p:txBody>
+          <a:bodyPr rtlCol="0" anchor="ctr"/>
+          <a:lstStyle/>
+          <a:p>
+            <a:pPr algn="ctr"/>
+          </a:p>
+        </p:txBody>
+      </p:sp>
+      <p:sp>
+        <p:nvSpPr>
+          <p:cNvPr id="22" name="TextBox 21"/>
+          <p:cNvSpPr txBox="1"/>
+          <p:nvPr/>
+        </p:nvSpPr>
+        <p:spPr>
+          <a:xfrm>
+            <a:off x="685800" y="3054096"/>
+            <a:ext cx="7543800" cy="256032"/>
+          </a:xfrm>
+          <a:prstGeom prst="rect">
+            <a:avLst/>
+          </a:prstGeom>
+          <a:noFill/>
+        </p:spPr>
+        <p:txBody>
+          <a:bodyPr wrap="square"/>
+          <a:lstStyle/>
+          <a:p>
+            <a:pPr algn="l">
+              <a:lnSpc>
+                <a:spcPct val="135000"/>
+              </a:lnSpc>
+              <a:spcBef>
+                <a:spcPts val="0"/>
+              </a:spcBef>
+              <a:spcAft>
+                <a:spcPts val="0"/>
+              </a:spcAft>
+            </a:pPr>
+            <a:r>
+              <a:rPr sz="1000" b="1">
+                <a:solidFill>
+                  <a:srgbClr val="1E293B"/>
+                </a:solidFill>
+                <a:latin typeface="IPAPGothic"/>
+              </a:rPr>
+              <a:t>独立性（Independence）について</a:t>
+            </a:r>
+          </a:p>
+        </p:txBody>
+      </p:sp>
+      <p:sp>
+        <p:nvSpPr>
+          <p:cNvPr id="23" name="TextBox 22"/>
+          <p:cNvSpPr txBox="1"/>
+          <p:nvPr/>
+        </p:nvSpPr>
+        <p:spPr>
+          <a:xfrm>
+            <a:off x="685800" y="3364992"/>
+            <a:ext cx="7543800" cy="576072"/>
+          </a:xfrm>
+          <a:prstGeom prst="rect">
+            <a:avLst/>
+          </a:prstGeom>
+          <a:noFill/>
+        </p:spPr>
+        <p:txBody>
+          <a:bodyPr wrap="square"/>
+          <a:lstStyle/>
+          <a:p>
+            <a:pPr algn="l">
+              <a:lnSpc>
+                <a:spcPct val="135000"/>
+              </a:lnSpc>
+              <a:spcBef>
+                <a:spcPts val="0"/>
+              </a:spcBef>
+              <a:spcAft>
+                <a:spcPts val="0"/>
+              </a:spcAft>
+            </a:pPr>
+            <a:r>
+              <a:rPr sz="1000" b="0">
+                <a:solidFill>
+                  <a:srgbClr val="475569"/>
+                </a:solidFill>
+                <a:latin typeface="IPAPGothic"/>
+              </a:rPr>
+              <a:t>本提携はベンダーパートナーシップです。SalesforceやSAPの導入推奨と同じ構造であり、監査契約・出資関係は一切含みません。独立性に関する懸念が発生しない設計です。</a:t>
+            </a:r>
+          </a:p>
+        </p:txBody>
+      </p:sp>
+      <p:sp>
+        <p:nvSpPr>
+          <p:cNvPr id="24" name="Rectangle 23"/>
+          <p:cNvSpPr/>
+          <p:nvPr/>
+        </p:nvSpPr>
+        <p:spPr>
+          <a:xfrm>
+            <a:off x="0" y="4796028"/>
+            <a:ext cx="9144000" cy="6350"/>
+          </a:xfrm>
+          <a:prstGeom prst="rect">
+            <a:avLst/>
+          </a:prstGeom>
+          <a:solidFill>
+            <a:srgbClr val="E2E8F0"/>
+          </a:solidFill>
+          <a:ln>
+            <a:noFill/>
+          </a:ln>
+        </p:spPr>
+        <p:style>
+          <a:lnRef idx="1">
+            <a:schemeClr val="accent1"/>
+          </a:lnRef>
+          <a:fillRef idx="3">
+            <a:schemeClr val="accent1"/>
+          </a:fillRef>
+          <a:effectRef idx="2">
+            <a:schemeClr val="accent1"/>
+          </a:effectRef>
+          <a:fontRef idx="minor">
+            <a:schemeClr val="lt1"/>
+          </a:fontRef>
+        </p:style>
+        <p:txBody>
+          <a:bodyPr rtlCol="0" anchor="ctr"/>
+          <a:lstStyle/>
+          <a:p>
+            <a:pPr algn="ctr"/>
+          </a:p>
+        </p:txBody>
+      </p:sp>
+      <p:sp>
+        <p:nvSpPr>
+          <p:cNvPr id="25" name="TextBox 24"/>
+          <p:cNvSpPr txBox="1"/>
+          <p:nvPr/>
+        </p:nvSpPr>
+        <p:spPr>
+          <a:xfrm>
+            <a:off x="457200" y="4821428"/>
+            <a:ext cx="3657600" cy="274320"/>
+          </a:xfrm>
+          <a:prstGeom prst="rect">
+            <a:avLst/>
+          </a:prstGeom>
+          <a:noFill/>
+        </p:spPr>
+        <p:txBody>
+          <a:bodyPr wrap="square"/>
+          <a:lstStyle/>
+          <a:p>
+            <a:pPr algn="l">
+              <a:lnSpc>
+                <a:spcPct val="135000"/>
+              </a:lnSpc>
+              <a:spcBef>
+                <a:spcPts val="0"/>
+              </a:spcBef>
+              <a:spcAft>
+                <a:spcPts val="0"/>
+              </a:spcAft>
+            </a:pPr>
+            <a:r>
+              <a:rPr sz="900" b="0">
+                <a:solidFill>
+                  <a:srgbClr val="94A3B8"/>
+                </a:solidFill>
+                <a:latin typeface="IPAPGothic"/>
+              </a:rPr>
+              <a:t>TokiStorage — 協業提案</a:t>
+            </a:r>
+          </a:p>
+        </p:txBody>
+      </p:sp>
+      <p:sp>
+        <p:nvSpPr>
+          <p:cNvPr id="26" name="TextBox 25"/>
+          <p:cNvSpPr txBox="1"/>
+          <p:nvPr/>
+        </p:nvSpPr>
+        <p:spPr>
+          <a:xfrm>
+            <a:off x="3657600" y="4821428"/>
+            <a:ext cx="1828800" cy="274320"/>
+          </a:xfrm>
+          <a:prstGeom prst="rect">
+            <a:avLst/>
+          </a:prstGeom>
+          <a:noFill/>
+        </p:spPr>
+        <p:txBody>
+          <a:bodyPr wrap="square"/>
+          <a:lstStyle/>
+          <a:p>
+            <a:pPr algn="ctr">
+              <a:lnSpc>
+                <a:spcPct val="135000"/>
+              </a:lnSpc>
+              <a:spcBef>
+                <a:spcPts val="0"/>
+              </a:spcBef>
+              <a:spcAft>
+                <a:spcPts val="0"/>
+              </a:spcAft>
+            </a:pPr>
+            <a:r>
+              <a:rPr sz="900" b="0">
+                <a:solidFill>
+                  <a:srgbClr val="94A3B8"/>
+                </a:solidFill>
+                <a:latin typeface="IPAPGothic"/>
+              </a:rPr>
+              <a:t>Confidential</a:t>
+            </a:r>
+          </a:p>
+        </p:txBody>
+      </p:sp>
+      <p:sp>
+        <p:nvSpPr>
+          <p:cNvPr id="27" name="TextBox 26"/>
+          <p:cNvSpPr txBox="1"/>
+          <p:nvPr/>
+        </p:nvSpPr>
+        <p:spPr>
+          <a:xfrm>
+            <a:off x="8229600" y="4821428"/>
+            <a:ext cx="457200" cy="274320"/>
+          </a:xfrm>
+          <a:prstGeom prst="rect">
+            <a:avLst/>
+          </a:prstGeom>
+          <a:noFill/>
+        </p:spPr>
+        <p:txBody>
+          <a:bodyPr wrap="square"/>
+          <a:lstStyle/>
+          <a:p>
+            <a:pPr algn="r">
+              <a:lnSpc>
+                <a:spcPct val="135000"/>
+              </a:lnSpc>
+              <a:spcBef>
+                <a:spcPts val="0"/>
+              </a:spcBef>
+              <a:spcAft>
+                <a:spcPts val="0"/>
+              </a:spcAft>
+            </a:pPr>
+            <a:r>
+              <a:rPr sz="900" b="1">
+                <a:solidFill>
+                  <a:srgbClr val="94A3B8"/>
+                </a:solidFill>
+                <a:latin typeface="IPAPGothic"/>
+              </a:rPr>
+              <a:t>10</a:t>
+            </a:r>
+          </a:p>
+        </p:txBody>
+      </p:sp>
+    </p:spTree>
+  </p:cSld>
+  <p:clrMapOvr>
+    <a:masterClrMapping/>
+  </p:clrMapOvr>
+</p:sld>
+</file>
+
+<file path=ppt/slides/slide11.xml><?xml version="1.0" encoding="utf-8"?>
+<p:sld xmlns:a="http://schemas.openxmlformats.org/drawingml/2006/main" xmlns:p="http://schemas.openxmlformats.org/presentationml/2006/main" xmlns:r="http://schemas.openxmlformats.org/officeDocument/2006/relationships">
+  <p:cSld>
+    <p:spTree>
+      <p:nvGrpSpPr>
+        <p:cNvPr id="1" name=""/>
+        <p:cNvGrpSpPr/>
+        <p:nvPr/>
+      </p:nvGrpSpPr>
+      <p:grpSpPr/>
+      <p:sp>
+        <p:nvSpPr>
+          <p:cNvPr id="2" name="Rectangle 1"/>
+          <p:cNvSpPr/>
+          <p:nvPr/>
+        </p:nvSpPr>
+        <p:spPr>
+          <a:xfrm>
+            <a:off x="0" y="0"/>
+            <a:ext cx="9144000" cy="5143500"/>
+          </a:xfrm>
+          <a:prstGeom prst="rect">
+            <a:avLst/>
+          </a:prstGeom>
+          <a:solidFill>
+            <a:srgbClr val="1E293B"/>
+          </a:solidFill>
+          <a:ln>
+            <a:noFill/>
+          </a:ln>
+        </p:spPr>
+        <p:style>
+          <a:lnRef idx="1">
+            <a:schemeClr val="accent1"/>
+          </a:lnRef>
+          <a:fillRef idx="3">
+            <a:schemeClr val="accent1"/>
+          </a:fillRef>
+          <a:effectRef idx="2">
+            <a:schemeClr val="accent1"/>
+          </a:effectRef>
+          <a:fontRef idx="minor">
+            <a:schemeClr val="lt1"/>
+          </a:fontRef>
+        </p:style>
+        <p:txBody>
+          <a:bodyPr rtlCol="0" anchor="ctr"/>
+          <a:lstStyle/>
+          <a:p>
+            <a:pPr algn="ctr"/>
+          </a:p>
+        </p:txBody>
+      </p:sp>
+      <p:sp>
+        <p:nvSpPr>
+          <p:cNvPr id="3" name="TextBox 2"/>
+          <p:cNvSpPr txBox="1"/>
+          <p:nvPr/>
+        </p:nvSpPr>
+        <p:spPr>
+          <a:xfrm>
+            <a:off x="457200" y="137160"/>
+            <a:ext cx="3657600" cy="411480"/>
+          </a:xfrm>
+          <a:prstGeom prst="rect">
+            <a:avLst/>
+          </a:prstGeom>
+          <a:noFill/>
+        </p:spPr>
+        <p:txBody>
+          <a:bodyPr wrap="square"/>
+          <a:lstStyle/>
+          <a:p>
+            <a:pPr algn="l">
+              <a:lnSpc>
+                <a:spcPct val="135000"/>
+              </a:lnSpc>
+              <a:spcBef>
+                <a:spcPts val="0"/>
+              </a:spcBef>
+              <a:spcAft>
+                <a:spcPts val="0"/>
+              </a:spcAft>
+            </a:pPr>
+            <a:r>
+              <a:rPr sz="1300" b="1">
+                <a:solidFill>
+                  <a:srgbClr val="FFFFFF"/>
+                </a:solidFill>
+                <a:latin typeface="IPAPGothic"/>
+              </a:rPr>
+              <a:t>Next Step</a:t>
+            </a:r>
+          </a:p>
+        </p:txBody>
+      </p:sp>
+      <p:sp>
+        <p:nvSpPr>
+          <p:cNvPr id="4" name="TextBox 3"/>
+          <p:cNvSpPr txBox="1"/>
+          <p:nvPr/>
+        </p:nvSpPr>
+        <p:spPr>
+          <a:xfrm>
+            <a:off x="457200" y="777240"/>
+            <a:ext cx="7315200" cy="457200"/>
+          </a:xfrm>
+          <a:prstGeom prst="rect">
+            <a:avLst/>
+          </a:prstGeom>
+          <a:noFill/>
+        </p:spPr>
+        <p:txBody>
+          <a:bodyPr wrap="square"/>
+          <a:lstStyle/>
+          <a:p>
+            <a:pPr algn="l">
+              <a:lnSpc>
+                <a:spcPct val="135000"/>
+              </a:lnSpc>
+              <a:spcBef>
+                <a:spcPts val="0"/>
+              </a:spcBef>
+              <a:spcAft>
+                <a:spcPts val="0"/>
+              </a:spcAft>
+            </a:pPr>
+            <a:r>
+              <a:rPr sz="2000" b="1">
+                <a:solidFill>
+                  <a:srgbClr val="FFFFFF"/>
+                </a:solidFill>
+                <a:latin typeface="IPAPGothic"/>
+              </a:rPr>
+              <a:t>ご検討のステップ</a:t>
+            </a:r>
+          </a:p>
+        </p:txBody>
+      </p:sp>
+      <p:sp>
+        <p:nvSpPr>
+          <p:cNvPr id="5" name="Oval 4"/>
+          <p:cNvSpPr/>
+          <p:nvPr/>
+        </p:nvSpPr>
+        <p:spPr>
+          <a:xfrm>
+            <a:off x="731520" y="1554480"/>
+            <a:ext cx="384048" cy="384048"/>
+          </a:xfrm>
+          <a:prstGeom prst="ellipse">
+            <a:avLst/>
+          </a:prstGeom>
+          <a:solidFill>
+            <a:srgbClr val="2563EB"/>
+          </a:solidFill>
+          <a:ln>
+            <a:noFill/>
+          </a:ln>
+        </p:spPr>
+        <p:style>
+          <a:lnRef idx="1">
+            <a:schemeClr val="accent1"/>
+          </a:lnRef>
+          <a:fillRef idx="3">
+            <a:schemeClr val="accent1"/>
+          </a:fillRef>
+          <a:effectRef idx="2">
+            <a:schemeClr val="accent1"/>
+          </a:effectRef>
+          <a:fontRef idx="minor">
+            <a:schemeClr val="lt1"/>
+          </a:fontRef>
+        </p:style>
+        <p:txBody>
+          <a:bodyPr rtlCol="0" anchor="ctr"/>
+          <a:lstStyle/>
+          <a:p>
+            <a:pPr algn="ctr"/>
+          </a:p>
+        </p:txBody>
+      </p:sp>
+      <p:sp>
+        <p:nvSpPr>
+          <p:cNvPr id="6" name="TextBox 5"/>
+          <p:cNvSpPr txBox="1"/>
+          <p:nvPr/>
+        </p:nvSpPr>
+        <p:spPr>
+          <a:xfrm>
+            <a:off x="731520" y="1554480"/>
+            <a:ext cx="384048" cy="384048"/>
+          </a:xfrm>
+          <a:prstGeom prst="rect">
+            <a:avLst/>
+          </a:prstGeom>
+          <a:noFill/>
+        </p:spPr>
+        <p:txBody>
+          <a:bodyPr wrap="square" anchor="ctr"/>
+          <a:lstStyle/>
+          <a:p>
+            <a:pPr algn="ctr">
+              <a:lnSpc>
+                <a:spcPct val="135000"/>
+              </a:lnSpc>
+              <a:spcBef>
+                <a:spcPts val="0"/>
+              </a:spcBef>
+              <a:spcAft>
+                <a:spcPts val="0"/>
+              </a:spcAft>
+            </a:pPr>
+            <a:r>
+              <a:rPr sz="1000" b="1">
+                <a:solidFill>
+                  <a:srgbClr val="FFFFFF"/>
+                </a:solidFill>
+                <a:latin typeface="IPAPGothic"/>
+              </a:rPr>
+              <a:t>01</a:t>
+            </a:r>
+          </a:p>
+        </p:txBody>
+      </p:sp>
+      <p:sp>
+        <p:nvSpPr>
+          <p:cNvPr id="7" name="TextBox 6"/>
+          <p:cNvSpPr txBox="1"/>
+          <p:nvPr/>
+        </p:nvSpPr>
+        <p:spPr>
+          <a:xfrm>
+            <a:off x="1280160" y="1517904"/>
+            <a:ext cx="3657600" cy="274320"/>
+          </a:xfrm>
+          <a:prstGeom prst="rect">
+            <a:avLst/>
+          </a:prstGeom>
+          <a:noFill/>
+        </p:spPr>
+        <p:txBody>
+          <a:bodyPr wrap="square"/>
+          <a:lstStyle/>
+          <a:p>
+            <a:pPr algn="l">
+              <a:lnSpc>
+                <a:spcPct val="135000"/>
+              </a:lnSpc>
+              <a:spcBef>
+                <a:spcPts val="0"/>
+              </a:spcBef>
+              <a:spcAft>
+                <a:spcPts val="0"/>
+              </a:spcAft>
+            </a:pPr>
+            <a:r>
+              <a:rPr sz="1200" b="1">
+                <a:solidFill>
+                  <a:srgbClr val="FFFFFF"/>
+                </a:solidFill>
+                <a:latin typeface="IPAPGothic"/>
+              </a:rPr>
+              <a:t>初回ミーティング（30分）</a:t>
+            </a:r>
+          </a:p>
+        </p:txBody>
+      </p:sp>
+      <p:sp>
+        <p:nvSpPr>
+          <p:cNvPr id="8" name="TextBox 7"/>
+          <p:cNvSpPr txBox="1"/>
+          <p:nvPr/>
+        </p:nvSpPr>
+        <p:spPr>
+          <a:xfrm>
+            <a:off x="1280160" y="1773936"/>
+            <a:ext cx="6400800" cy="237744"/>
+          </a:xfrm>
+          <a:prstGeom prst="rect">
+            <a:avLst/>
+          </a:prstGeom>
+          <a:noFill/>
+        </p:spPr>
+        <p:txBody>
+          <a:bodyPr wrap="square"/>
+          <a:lstStyle/>
+          <a:p>
+            <a:pPr algn="l">
+              <a:lnSpc>
+                <a:spcPct val="135000"/>
+              </a:lnSpc>
+              <a:spcBef>
+                <a:spcPts val="0"/>
+              </a:spcBef>
+              <a:spcAft>
+                <a:spcPts val="0"/>
+              </a:spcAft>
+            </a:pPr>
+            <a:r>
+              <a:rPr sz="1000" b="0">
+                <a:solidFill>
+                  <a:srgbClr val="BBBBCC"/>
+                </a:solidFill>
+                <a:latin typeface="IPAPGothic"/>
+              </a:rPr>
+              <a:t>貴社クライアントの課題感・ポートフォリオを共有</a:t>
+            </a:r>
+          </a:p>
+        </p:txBody>
+      </p:sp>
+      <p:sp>
+        <p:nvSpPr>
+          <p:cNvPr id="9" name="Oval 8"/>
+          <p:cNvSpPr/>
+          <p:nvPr/>
+        </p:nvSpPr>
+        <p:spPr>
+          <a:xfrm>
+            <a:off x="731520" y="2212848"/>
+            <a:ext cx="384048" cy="384048"/>
+          </a:xfrm>
+          <a:prstGeom prst="ellipse">
+            <a:avLst/>
+          </a:prstGeom>
+          <a:solidFill>
+            <a:srgbClr val="2563EB"/>
+          </a:solidFill>
+          <a:ln>
+            <a:noFill/>
+          </a:ln>
+        </p:spPr>
+        <p:style>
+          <a:lnRef idx="1">
+            <a:schemeClr val="accent1"/>
+          </a:lnRef>
+          <a:fillRef idx="3">
+            <a:schemeClr val="accent1"/>
+          </a:fillRef>
+          <a:effectRef idx="2">
+            <a:schemeClr val="accent1"/>
+          </a:effectRef>
+          <a:fontRef idx="minor">
+            <a:schemeClr val="lt1"/>
+          </a:fontRef>
+        </p:style>
+        <p:txBody>
+          <a:bodyPr rtlCol="0" anchor="ctr"/>
+          <a:lstStyle/>
+          <a:p>
+            <a:pPr algn="ctr"/>
+          </a:p>
+        </p:txBody>
+      </p:sp>
+      <p:sp>
+        <p:nvSpPr>
+          <p:cNvPr id="10" name="TextBox 9"/>
+          <p:cNvSpPr txBox="1"/>
+          <p:nvPr/>
+        </p:nvSpPr>
+        <p:spPr>
+          <a:xfrm>
+            <a:off x="731520" y="2212848"/>
+            <a:ext cx="384048" cy="384048"/>
+          </a:xfrm>
+          <a:prstGeom prst="rect">
+            <a:avLst/>
+          </a:prstGeom>
+          <a:noFill/>
+        </p:spPr>
+        <p:txBody>
+          <a:bodyPr wrap="square" anchor="ctr"/>
+          <a:lstStyle/>
+          <a:p>
+            <a:pPr algn="ctr">
+              <a:lnSpc>
+                <a:spcPct val="135000"/>
+              </a:lnSpc>
+              <a:spcBef>
+                <a:spcPts val="0"/>
+              </a:spcBef>
+              <a:spcAft>
+                <a:spcPts val="0"/>
+              </a:spcAft>
+            </a:pPr>
+            <a:r>
+              <a:rPr sz="1000" b="1">
+                <a:solidFill>
+                  <a:srgbClr val="FFFFFF"/>
+                </a:solidFill>
+                <a:latin typeface="IPAPGothic"/>
+              </a:rPr>
+              <a:t>02</a:t>
+            </a:r>
+          </a:p>
+        </p:txBody>
+      </p:sp>
+      <p:sp>
+        <p:nvSpPr>
+          <p:cNvPr id="11" name="TextBox 10"/>
+          <p:cNvSpPr txBox="1"/>
+          <p:nvPr/>
+        </p:nvSpPr>
+        <p:spPr>
+          <a:xfrm>
+            <a:off x="1280160" y="2176272"/>
+            <a:ext cx="3657600" cy="274320"/>
+          </a:xfrm>
+          <a:prstGeom prst="rect">
+            <a:avLst/>
+          </a:prstGeom>
+          <a:noFill/>
+        </p:spPr>
+        <p:txBody>
+          <a:bodyPr wrap="square"/>
+          <a:lstStyle/>
+          <a:p>
+            <a:pPr algn="l">
+              <a:lnSpc>
+                <a:spcPct val="135000"/>
+              </a:lnSpc>
+              <a:spcBef>
+                <a:spcPts val="0"/>
+              </a:spcBef>
+              <a:spcAft>
+                <a:spcPts val="0"/>
+              </a:spcAft>
+            </a:pPr>
+            <a:r>
+              <a:rPr sz="1200" b="1">
+                <a:solidFill>
+                  <a:srgbClr val="FFFFFF"/>
+                </a:solidFill>
+                <a:latin typeface="IPAPGothic"/>
+              </a:rPr>
+              <a:t>ユースケース選定</a:t>
+            </a:r>
+          </a:p>
+        </p:txBody>
+      </p:sp>
+      <p:sp>
+        <p:nvSpPr>
+          <p:cNvPr id="12" name="TextBox 11"/>
+          <p:cNvSpPr txBox="1"/>
+          <p:nvPr/>
+        </p:nvSpPr>
+        <p:spPr>
+          <a:xfrm>
+            <a:off x="1280160" y="2432304"/>
+            <a:ext cx="6400800" cy="237744"/>
+          </a:xfrm>
+          <a:prstGeom prst="rect">
+            <a:avLst/>
+          </a:prstGeom>
+          <a:noFill/>
+        </p:spPr>
+        <p:txBody>
+          <a:bodyPr wrap="square"/>
+          <a:lstStyle/>
+          <a:p>
+            <a:pPr algn="l">
+              <a:lnSpc>
+                <a:spcPct val="135000"/>
+              </a:lnSpc>
+              <a:spcBef>
+                <a:spcPts val="0"/>
+              </a:spcBef>
+              <a:spcAft>
+                <a:spcPts val="0"/>
+              </a:spcAft>
+            </a:pPr>
+            <a:r>
+              <a:rPr sz="1000" b="0">
+                <a:solidFill>
+                  <a:srgbClr val="BBBBCC"/>
+                </a:solidFill>
+                <a:latin typeface="IPAPGothic"/>
+              </a:rPr>
+              <a:t>貴社クライアントとの親和性が高い領域を整理</a:t>
+            </a:r>
+          </a:p>
+        </p:txBody>
+      </p:sp>
+      <p:sp>
+        <p:nvSpPr>
+          <p:cNvPr id="13" name="Oval 12"/>
+          <p:cNvSpPr/>
+          <p:nvPr/>
+        </p:nvSpPr>
+        <p:spPr>
+          <a:xfrm>
+            <a:off x="731520" y="2871216"/>
+            <a:ext cx="384048" cy="384048"/>
+          </a:xfrm>
+          <a:prstGeom prst="ellipse">
+            <a:avLst/>
+          </a:prstGeom>
+          <a:solidFill>
+            <a:srgbClr val="2563EB"/>
+          </a:solidFill>
+          <a:ln>
+            <a:noFill/>
+          </a:ln>
+        </p:spPr>
+        <p:style>
+          <a:lnRef idx="1">
+            <a:schemeClr val="accent1"/>
+          </a:lnRef>
+          <a:fillRef idx="3">
+            <a:schemeClr val="accent1"/>
+          </a:fillRef>
+          <a:effectRef idx="2">
+            <a:schemeClr val="accent1"/>
+          </a:effectRef>
+          <a:fontRef idx="minor">
+            <a:schemeClr val="lt1"/>
+          </a:fontRef>
+        </p:style>
+        <p:txBody>
+          <a:bodyPr rtlCol="0" anchor="ctr"/>
+          <a:lstStyle/>
+          <a:p>
+            <a:pPr algn="ctr"/>
+          </a:p>
+        </p:txBody>
+      </p:sp>
+      <p:sp>
+        <p:nvSpPr>
+          <p:cNvPr id="14" name="TextBox 13"/>
+          <p:cNvSpPr txBox="1"/>
+          <p:nvPr/>
+        </p:nvSpPr>
+        <p:spPr>
+          <a:xfrm>
+            <a:off x="731520" y="2871216"/>
+            <a:ext cx="384048" cy="384048"/>
+          </a:xfrm>
+          <a:prstGeom prst="rect">
+            <a:avLst/>
+          </a:prstGeom>
+          <a:noFill/>
+        </p:spPr>
+        <p:txBody>
+          <a:bodyPr wrap="square" anchor="ctr"/>
+          <a:lstStyle/>
+          <a:p>
+            <a:pPr algn="ctr">
+              <a:lnSpc>
+                <a:spcPct val="135000"/>
+              </a:lnSpc>
+              <a:spcBef>
+                <a:spcPts val="0"/>
+              </a:spcBef>
+              <a:spcAft>
+                <a:spcPts val="0"/>
+              </a:spcAft>
+            </a:pPr>
+            <a:r>
+              <a:rPr sz="1000" b="1">
+                <a:solidFill>
+                  <a:srgbClr val="FFFFFF"/>
+                </a:solidFill>
+                <a:latin typeface="IPAPGothic"/>
+              </a:rPr>
+              <a:t>03</a:t>
+            </a:r>
+          </a:p>
+        </p:txBody>
+      </p:sp>
+      <p:sp>
+        <p:nvSpPr>
+          <p:cNvPr id="15" name="TextBox 14"/>
+          <p:cNvSpPr txBox="1"/>
+          <p:nvPr/>
+        </p:nvSpPr>
+        <p:spPr>
+          <a:xfrm>
+            <a:off x="1280160" y="2834640"/>
+            <a:ext cx="3657600" cy="274320"/>
+          </a:xfrm>
+          <a:prstGeom prst="rect">
+            <a:avLst/>
+          </a:prstGeom>
+          <a:noFill/>
+        </p:spPr>
+        <p:txBody>
+          <a:bodyPr wrap="square"/>
+          <a:lstStyle/>
+          <a:p>
+            <a:pPr algn="l">
+              <a:lnSpc>
+                <a:spcPct val="135000"/>
+              </a:lnSpc>
+              <a:spcBef>
+                <a:spcPts val="0"/>
+              </a:spcBef>
+              <a:spcAft>
+                <a:spcPts val="0"/>
+              </a:spcAft>
+            </a:pPr>
+            <a:r>
+              <a:rPr sz="1200" b="1">
+                <a:solidFill>
+                  <a:srgbClr val="FFFFFF"/>
+                </a:solidFill>
+                <a:latin typeface="IPAPGothic"/>
+              </a:rPr>
+              <a:t>提携モデル設計</a:t>
+            </a:r>
+          </a:p>
+        </p:txBody>
+      </p:sp>
+      <p:sp>
+        <p:nvSpPr>
+          <p:cNvPr id="16" name="TextBox 15"/>
+          <p:cNvSpPr txBox="1"/>
+          <p:nvPr/>
+        </p:nvSpPr>
+        <p:spPr>
+          <a:xfrm>
+            <a:off x="1280160" y="3090672"/>
+            <a:ext cx="6400800" cy="237744"/>
+          </a:xfrm>
+          <a:prstGeom prst="rect">
+            <a:avLst/>
+          </a:prstGeom>
+          <a:noFill/>
+        </p:spPr>
+        <p:txBody>
+          <a:bodyPr wrap="square"/>
+          <a:lstStyle/>
+          <a:p>
+            <a:pPr algn="l">
+              <a:lnSpc>
+                <a:spcPct val="135000"/>
+              </a:lnSpc>
+              <a:spcBef>
+                <a:spcPts val="0"/>
+              </a:spcBef>
+              <a:spcAft>
+                <a:spcPts val="0"/>
+              </a:spcAft>
+            </a:pPr>
+            <a:r>
+              <a:rPr sz="1000" b="0">
+                <a:solidFill>
+                  <a:srgbClr val="BBBBCC"/>
+                </a:solidFill>
+                <a:latin typeface="IPAPGothic"/>
+              </a:rPr>
+              <a:t>最適なモデルの選択・条件・スコープの整理</a:t>
+            </a:r>
+          </a:p>
+        </p:txBody>
+      </p:sp>
+      <p:sp>
+        <p:nvSpPr>
+          <p:cNvPr id="17" name="Oval 16"/>
+          <p:cNvSpPr/>
+          <p:nvPr/>
+        </p:nvSpPr>
+        <p:spPr>
+          <a:xfrm>
+            <a:off x="731520" y="3529584"/>
+            <a:ext cx="384048" cy="384048"/>
+          </a:xfrm>
+          <a:prstGeom prst="ellipse">
+            <a:avLst/>
+          </a:prstGeom>
+          <a:solidFill>
+            <a:srgbClr val="2563EB"/>
+          </a:solidFill>
+          <a:ln>
+            <a:noFill/>
+          </a:ln>
+        </p:spPr>
+        <p:style>
+          <a:lnRef idx="1">
+            <a:schemeClr val="accent1"/>
+          </a:lnRef>
+          <a:fillRef idx="3">
+            <a:schemeClr val="accent1"/>
+          </a:fillRef>
+          <a:effectRef idx="2">
+            <a:schemeClr val="accent1"/>
+          </a:effectRef>
+          <a:fontRef idx="minor">
+            <a:schemeClr val="lt1"/>
+          </a:fontRef>
+        </p:style>
+        <p:txBody>
+          <a:bodyPr rtlCol="0" anchor="ctr"/>
+          <a:lstStyle/>
+          <a:p>
+            <a:pPr algn="ctr"/>
+          </a:p>
+        </p:txBody>
+      </p:sp>
+      <p:sp>
+        <p:nvSpPr>
+          <p:cNvPr id="18" name="TextBox 17"/>
+          <p:cNvSpPr txBox="1"/>
+          <p:nvPr/>
+        </p:nvSpPr>
+        <p:spPr>
+          <a:xfrm>
+            <a:off x="731520" y="3529584"/>
+            <a:ext cx="384048" cy="384048"/>
+          </a:xfrm>
+          <a:prstGeom prst="rect">
+            <a:avLst/>
+          </a:prstGeom>
+          <a:noFill/>
+        </p:spPr>
+        <p:txBody>
+          <a:bodyPr wrap="square" anchor="ctr"/>
+          <a:lstStyle/>
+          <a:p>
+            <a:pPr algn="ctr">
+              <a:lnSpc>
+                <a:spcPct val="135000"/>
+              </a:lnSpc>
+              <a:spcBef>
+                <a:spcPts val="0"/>
+              </a:spcBef>
+              <a:spcAft>
+                <a:spcPts val="0"/>
+              </a:spcAft>
+            </a:pPr>
+            <a:r>
+              <a:rPr sz="1000" b="1">
+                <a:solidFill>
+                  <a:srgbClr val="FFFFFF"/>
+                </a:solidFill>
+                <a:latin typeface="IPAPGothic"/>
+              </a:rPr>
+              <a:t>04</a:t>
+            </a:r>
+          </a:p>
+        </p:txBody>
+      </p:sp>
+      <p:sp>
+        <p:nvSpPr>
+          <p:cNvPr id="19" name="TextBox 18"/>
+          <p:cNvSpPr txBox="1"/>
+          <p:nvPr/>
+        </p:nvSpPr>
+        <p:spPr>
+          <a:xfrm>
+            <a:off x="1280160" y="3493008"/>
+            <a:ext cx="3657600" cy="274320"/>
+          </a:xfrm>
+          <a:prstGeom prst="rect">
+            <a:avLst/>
+          </a:prstGeom>
+          <a:noFill/>
+        </p:spPr>
+        <p:txBody>
+          <a:bodyPr wrap="square"/>
+          <a:lstStyle/>
+          <a:p>
+            <a:pPr algn="l">
+              <a:lnSpc>
+                <a:spcPct val="135000"/>
+              </a:lnSpc>
+              <a:spcBef>
+                <a:spcPts val="0"/>
+              </a:spcBef>
+              <a:spcAft>
+                <a:spcPts val="0"/>
+              </a:spcAft>
+            </a:pPr>
+            <a:r>
+              <a:rPr sz="1200" b="1">
+                <a:solidFill>
+                  <a:srgbClr val="FFFFFF"/>
+                </a:solidFill>
+                <a:latin typeface="IPAPGothic"/>
+              </a:rPr>
+              <a:t>パイロット実施</a:t>
+            </a:r>
+          </a:p>
+        </p:txBody>
+      </p:sp>
+      <p:sp>
+        <p:nvSpPr>
+          <p:cNvPr id="20" name="TextBox 19"/>
+          <p:cNvSpPr txBox="1"/>
+          <p:nvPr/>
+        </p:nvSpPr>
+        <p:spPr>
+          <a:xfrm>
+            <a:off x="1280160" y="3749040"/>
+            <a:ext cx="6400800" cy="237744"/>
+          </a:xfrm>
+          <a:prstGeom prst="rect">
+            <a:avLst/>
+          </a:prstGeom>
+          <a:noFill/>
+        </p:spPr>
+        <p:txBody>
+          <a:bodyPr wrap="square"/>
+          <a:lstStyle/>
+          <a:p>
+            <a:pPr algn="l">
+              <a:lnSpc>
+                <a:spcPct val="135000"/>
+              </a:lnSpc>
+              <a:spcBef>
+                <a:spcPts val="0"/>
+              </a:spcBef>
+              <a:spcAft>
+                <a:spcPts val="0"/>
+              </a:spcAft>
+            </a:pPr>
+            <a:r>
+              <a:rPr sz="1000" b="0">
+                <a:solidFill>
+                  <a:srgbClr val="BBBBCC"/>
+                </a:solidFill>
+                <a:latin typeface="IPAPGothic"/>
+              </a:rPr>
+              <a:t>1〜2件のクライアントで実証・フィードバック</a:t>
+            </a:r>
+          </a:p>
+        </p:txBody>
+      </p:sp>
+      <p:sp>
+        <p:nvSpPr>
+          <p:cNvPr id="21" name="TextBox 20"/>
+          <p:cNvSpPr txBox="1"/>
+          <p:nvPr/>
+        </p:nvSpPr>
+        <p:spPr>
+          <a:xfrm>
+            <a:off x="731520" y="4229100"/>
+            <a:ext cx="7315200" cy="274320"/>
+          </a:xfrm>
+          <a:prstGeom prst="rect">
+            <a:avLst/>
+          </a:prstGeom>
+          <a:noFill/>
+        </p:spPr>
+        <p:txBody>
+          <a:bodyPr wrap="square"/>
+          <a:lstStyle/>
+          <a:p>
+            <a:pPr algn="l">
+              <a:lnSpc>
+                <a:spcPct val="135000"/>
+              </a:lnSpc>
+              <a:spcBef>
+                <a:spcPts val="0"/>
+              </a:spcBef>
+              <a:spcAft>
+                <a:spcPts val="0"/>
+              </a:spcAft>
+            </a:pPr>
+            <a:r>
+              <a:rPr sz="1000" b="0">
+                <a:solidFill>
+                  <a:srgbClr val="94A3B8"/>
+                </a:solidFill>
+                <a:latin typeface="IPAPGothic"/>
+              </a:rPr>
+              <a:t>TokiStorage　佐藤卓也</a:t>
+            </a:r>
+          </a:p>
+        </p:txBody>
+      </p:sp>
+      <p:sp>
+        <p:nvSpPr>
+          <p:cNvPr id="22" name="Rectangle 21"/>
+          <p:cNvSpPr/>
+          <p:nvPr/>
+        </p:nvSpPr>
+        <p:spPr>
+          <a:xfrm>
+            <a:off x="0" y="4613148"/>
+            <a:ext cx="9144000" cy="6350"/>
+          </a:xfrm>
+          <a:prstGeom prst="rect">
+            <a:avLst/>
+          </a:prstGeom>
+          <a:solidFill>
+            <a:srgbClr val="334455"/>
+          </a:solidFill>
+          <a:ln>
+            <a:noFill/>
+          </a:ln>
+        </p:spPr>
+        <p:style>
+          <a:lnRef idx="1">
+            <a:schemeClr val="accent1"/>
+          </a:lnRef>
+          <a:fillRef idx="3">
+            <a:schemeClr val="accent1"/>
+          </a:fillRef>
+          <a:effectRef idx="2">
+            <a:schemeClr val="accent1"/>
+          </a:effectRef>
+          <a:fontRef idx="minor">
+            <a:schemeClr val="lt1"/>
+          </a:fontRef>
+        </p:style>
+        <p:txBody>
+          <a:bodyPr rtlCol="0" anchor="ctr"/>
+          <a:lstStyle/>
+          <a:p>
+            <a:pPr algn="ctr"/>
+          </a:p>
+        </p:txBody>
+      </p:sp>
+      <p:sp>
+        <p:nvSpPr>
+          <p:cNvPr id="23" name="TextBox 22"/>
+          <p:cNvSpPr txBox="1"/>
+          <p:nvPr/>
+        </p:nvSpPr>
+        <p:spPr>
+          <a:xfrm>
+            <a:off x="457200" y="4640580"/>
+            <a:ext cx="3657600" cy="320040"/>
+          </a:xfrm>
+          <a:prstGeom prst="rect">
+            <a:avLst/>
+          </a:prstGeom>
+          <a:noFill/>
+        </p:spPr>
+        <p:txBody>
+          <a:bodyPr wrap="square"/>
+          <a:lstStyle/>
+          <a:p>
+            <a:pPr algn="l">
+              <a:lnSpc>
+                <a:spcPct val="135000"/>
+              </a:lnSpc>
+              <a:spcBef>
+                <a:spcPts val="0"/>
+              </a:spcBef>
+              <a:spcAft>
+                <a:spcPts val="0"/>
+              </a:spcAft>
+            </a:pPr>
+            <a:r>
+              <a:rPr sz="900" b="0">
+                <a:solidFill>
+                  <a:srgbClr val="94A3B8"/>
+                </a:solidFill>
+                <a:latin typeface="IPAPGothic"/>
+              </a:rPr>
+              <a:t>TokiStorage</a:t>
+            </a:r>
+          </a:p>
+        </p:txBody>
+      </p:sp>
+      <p:sp>
+        <p:nvSpPr>
+          <p:cNvPr id="24" name="TextBox 23"/>
+          <p:cNvSpPr txBox="1"/>
+          <p:nvPr/>
+        </p:nvSpPr>
+        <p:spPr>
+          <a:xfrm>
+            <a:off x="3657600" y="4640580"/>
+            <a:ext cx="1828800" cy="320040"/>
+          </a:xfrm>
+          <a:prstGeom prst="rect">
+            <a:avLst/>
+          </a:prstGeom>
+          <a:noFill/>
+        </p:spPr>
+        <p:txBody>
+          <a:bodyPr wrap="square"/>
+          <a:lstStyle/>
+          <a:p>
+            <a:pPr algn="ctr">
+              <a:lnSpc>
+                <a:spcPct val="135000"/>
+              </a:lnSpc>
+              <a:spcBef>
+                <a:spcPts val="0"/>
+              </a:spcBef>
+              <a:spcAft>
+                <a:spcPts val="0"/>
+              </a:spcAft>
+            </a:pPr>
+            <a:r>
+              <a:rPr sz="900" b="0">
+                <a:solidFill>
+                  <a:srgbClr val="94A3B8"/>
+                </a:solidFill>
+                <a:latin typeface="IPAPGothic"/>
+              </a:rPr>
+              <a:t>Confidential</a:t>
+            </a:r>
+          </a:p>
+        </p:txBody>
+      </p:sp>
+      <p:sp>
+        <p:nvSpPr>
+          <p:cNvPr id="25" name="TextBox 24"/>
+          <p:cNvSpPr txBox="1"/>
+          <p:nvPr/>
+        </p:nvSpPr>
+        <p:spPr>
+          <a:xfrm>
+            <a:off x="8229600" y="4640580"/>
+            <a:ext cx="457200" cy="320040"/>
+          </a:xfrm>
+          <a:prstGeom prst="rect">
+            <a:avLst/>
+          </a:prstGeom>
+          <a:noFill/>
+        </p:spPr>
+        <p:txBody>
+          <a:bodyPr wrap="square"/>
+          <a:lstStyle/>
+          <a:p>
+            <a:pPr algn="r">
+              <a:lnSpc>
+                <a:spcPct val="135000"/>
+              </a:lnSpc>
+              <a:spcBef>
+                <a:spcPts val="0"/>
+              </a:spcBef>
+              <a:spcAft>
+                <a:spcPts val="0"/>
+              </a:spcAft>
+            </a:pPr>
+            <a:r>
+              <a:rPr sz="900" b="1">
+                <a:solidFill>
+                  <a:srgbClr val="94A3B8"/>
+                </a:solidFill>
+                <a:latin typeface="IPAPGothic"/>
+              </a:rPr>
+              <a:t>11</a:t>
+            </a:r>
+          </a:p>
+        </p:txBody>
+      </p:sp>
+    </p:spTree>
+  </p:cSld>
+  <p:clrMapOvr>
+    <a:masterClrMapping/>
+  </p:clrMapOvr>
+</p:sld>
+</file>
+
+<file path=ppt/slides/slide12.xml><?xml version="1.0" encoding="utf-8"?>
+<p:sld xmlns:a="http://schemas.openxmlformats.org/drawingml/2006/main" xmlns:p="http://schemas.openxmlformats.org/presentationml/2006/main" xmlns:r="http://schemas.openxmlformats.org/officeDocument/2006/relationships">
+  <p:cSld>
+    <p:spTree>
+      <p:nvGrpSpPr>
+        <p:cNvPr id="1" name=""/>
+        <p:cNvGrpSpPr/>
+        <p:nvPr/>
+      </p:nvGrpSpPr>
+      <p:grpSpPr/>
+      <p:sp>
+        <p:nvSpPr>
+          <p:cNvPr id="2" name="Rectangle 1"/>
+          <p:cNvSpPr/>
+          <p:nvPr/>
+        </p:nvSpPr>
+        <p:spPr>
+          <a:xfrm>
+            <a:off x="0" y="0"/>
             <a:ext cx="9144000" cy="5143500"/>
           </a:xfrm>
           <a:prstGeom prst="rect">
@@ -3846,7 +6051,7 @@
                 </a:solidFill>
                 <a:latin typeface="IPAPGothic"/>
               </a:rPr>
-              <a:t>10</a:t>
+              <a:t>12</a:t>
             </a:r>
           </a:p>
         </p:txBody>
@@ -5008,7 +7213,7 @@
                 </a:solidFill>
                 <a:latin typeface="IPAPGothic"/>
               </a:rPr>
-              <a:t>石英ガラス記録技術</a:t>
+              <a:t>三層分散保管アーキテクチャ</a:t>
             </a:r>
           </a:p>
         </p:txBody>
@@ -5051,7 +7256,7 @@
                 </a:solidFill>
                 <a:latin typeface="IPAPGothic"/>
               </a:rPr>
-              <a:t>金属蒸着によるQRコード刻印。サーバー・電源ゼロ。SLA 100%、1000年保証。スマホカメラで読取可能。</a:t>
+              <a:t>物理層（石英ガラス/ラミネート）・国家層（国立国会図書館 法定納本）・民間層（GitHub）。3-2-1バックアップルールに完全準拠。単一障害点ゼロ。</a:t>
             </a:r>
           </a:p>
         </p:txBody>
@@ -7693,7 +9898,7 @@
                 </a:solidFill>
                 <a:latin typeface="IPAPGothic"/>
               </a:rPr>
-              <a:t>社会的接点</a:t>
+              <a:t>保管構造</a:t>
             </a:r>
           </a:p>
         </p:txBody>
@@ -7781,7 +9986,7 @@
                 </a:solidFill>
                 <a:latin typeface="IPAPGothic"/>
               </a:rPr>
-              <a:t>プラットフォームとしての貢献</a:t>
+              <a:t>クラウド一極集中</a:t>
             </a:r>
           </a:p>
         </p:txBody>
@@ -7869,6 +10074,270 @@
                 </a:solidFill>
                 <a:latin typeface="IPAPGothic"/>
               </a:rPr>
+              <a:t>三層分散保管（物理/国家/民間）・3-2-1ルール準拠</a:t>
+            </a:r>
+          </a:p>
+        </p:txBody>
+      </p:sp>
+      <p:sp>
+        <p:nvSpPr>
+          <p:cNvPr id="47" name="Rectangle 46"/>
+          <p:cNvSpPr/>
+          <p:nvPr/>
+        </p:nvSpPr>
+        <p:spPr>
+          <a:xfrm>
+            <a:off x="640080" y="4251960"/>
+            <a:ext cx="1371600" cy="457200"/>
+          </a:xfrm>
+          <a:prstGeom prst="rect">
+            <a:avLst/>
+          </a:prstGeom>
+          <a:solidFill>
+            <a:srgbClr val="F1F5F9"/>
+          </a:solidFill>
+          <a:ln w="6350">
+            <a:solidFill>
+              <a:srgbClr val="E2E8F0"/>
+            </a:solidFill>
+          </a:ln>
+        </p:spPr>
+        <p:style>
+          <a:lnRef idx="1">
+            <a:schemeClr val="accent1"/>
+          </a:lnRef>
+          <a:fillRef idx="3">
+            <a:schemeClr val="accent1"/>
+          </a:fillRef>
+          <a:effectRef idx="2">
+            <a:schemeClr val="accent1"/>
+          </a:effectRef>
+          <a:fontRef idx="minor">
+            <a:schemeClr val="lt1"/>
+          </a:fontRef>
+        </p:style>
+        <p:txBody>
+          <a:bodyPr rtlCol="0" anchor="ctr"/>
+          <a:lstStyle/>
+          <a:p>
+            <a:pPr algn="ctr"/>
+          </a:p>
+        </p:txBody>
+      </p:sp>
+      <p:sp>
+        <p:nvSpPr>
+          <p:cNvPr id="48" name="TextBox 47"/>
+          <p:cNvSpPr txBox="1"/>
+          <p:nvPr/>
+        </p:nvSpPr>
+        <p:spPr>
+          <a:xfrm>
+            <a:off x="731520" y="4251960"/>
+            <a:ext cx="1188720" cy="457200"/>
+          </a:xfrm>
+          <a:prstGeom prst="rect">
+            <a:avLst/>
+          </a:prstGeom>
+          <a:noFill/>
+        </p:spPr>
+        <p:txBody>
+          <a:bodyPr wrap="square" anchor="ctr"/>
+          <a:lstStyle/>
+          <a:p>
+            <a:pPr algn="l">
+              <a:lnSpc>
+                <a:spcPct val="135000"/>
+              </a:lnSpc>
+              <a:spcBef>
+                <a:spcPts val="0"/>
+              </a:spcBef>
+              <a:spcAft>
+                <a:spcPts val="0"/>
+              </a:spcAft>
+            </a:pPr>
+            <a:r>
+              <a:rPr sz="1000" b="1">
+                <a:solidFill>
+                  <a:srgbClr val="1E293B"/>
+                </a:solidFill>
+                <a:latin typeface="IPAPGothic"/>
+              </a:rPr>
+              <a:t>社会的接点</a:t>
+            </a:r>
+          </a:p>
+        </p:txBody>
+      </p:sp>
+      <p:sp>
+        <p:nvSpPr>
+          <p:cNvPr id="49" name="Rectangle 48"/>
+          <p:cNvSpPr/>
+          <p:nvPr/>
+        </p:nvSpPr>
+        <p:spPr>
+          <a:xfrm>
+            <a:off x="2011680" y="4251960"/>
+            <a:ext cx="3200400" cy="457200"/>
+          </a:xfrm>
+          <a:prstGeom prst="rect">
+            <a:avLst/>
+          </a:prstGeom>
+          <a:solidFill>
+            <a:srgbClr val="FFFFFF"/>
+          </a:solidFill>
+          <a:ln w="6350">
+            <a:solidFill>
+              <a:srgbClr val="E2E8F0"/>
+            </a:solidFill>
+          </a:ln>
+        </p:spPr>
+        <p:style>
+          <a:lnRef idx="1">
+            <a:schemeClr val="accent1"/>
+          </a:lnRef>
+          <a:fillRef idx="3">
+            <a:schemeClr val="accent1"/>
+          </a:fillRef>
+          <a:effectRef idx="2">
+            <a:schemeClr val="accent1"/>
+          </a:effectRef>
+          <a:fontRef idx="minor">
+            <a:schemeClr val="lt1"/>
+          </a:fontRef>
+        </p:style>
+        <p:txBody>
+          <a:bodyPr rtlCol="0" anchor="ctr"/>
+          <a:lstStyle/>
+          <a:p>
+            <a:pPr algn="ctr"/>
+          </a:p>
+        </p:txBody>
+      </p:sp>
+      <p:sp>
+        <p:nvSpPr>
+          <p:cNvPr id="50" name="TextBox 49"/>
+          <p:cNvSpPr txBox="1"/>
+          <p:nvPr/>
+        </p:nvSpPr>
+        <p:spPr>
+          <a:xfrm>
+            <a:off x="2103120" y="4251960"/>
+            <a:ext cx="3017520" cy="457200"/>
+          </a:xfrm>
+          <a:prstGeom prst="rect">
+            <a:avLst/>
+          </a:prstGeom>
+          <a:noFill/>
+        </p:spPr>
+        <p:txBody>
+          <a:bodyPr wrap="square" anchor="ctr"/>
+          <a:lstStyle/>
+          <a:p>
+            <a:pPr algn="l">
+              <a:lnSpc>
+                <a:spcPct val="135000"/>
+              </a:lnSpc>
+              <a:spcBef>
+                <a:spcPts val="0"/>
+              </a:spcBef>
+              <a:spcAft>
+                <a:spcPts val="0"/>
+              </a:spcAft>
+            </a:pPr>
+            <a:r>
+              <a:rPr sz="1000" b="0">
+                <a:solidFill>
+                  <a:srgbClr val="475569"/>
+                </a:solidFill>
+                <a:latin typeface="IPAPGothic"/>
+              </a:rPr>
+              <a:t>プラットフォームとしての貢献</a:t>
+            </a:r>
+          </a:p>
+        </p:txBody>
+      </p:sp>
+      <p:sp>
+        <p:nvSpPr>
+          <p:cNvPr id="51" name="Rectangle 50"/>
+          <p:cNvSpPr/>
+          <p:nvPr/>
+        </p:nvSpPr>
+        <p:spPr>
+          <a:xfrm>
+            <a:off x="5212080" y="4251960"/>
+            <a:ext cx="3291840" cy="457200"/>
+          </a:xfrm>
+          <a:prstGeom prst="rect">
+            <a:avLst/>
+          </a:prstGeom>
+          <a:solidFill>
+            <a:srgbClr val="EFF6FF"/>
+          </a:solidFill>
+          <a:ln w="6350">
+            <a:solidFill>
+              <a:srgbClr val="E2E8F0"/>
+            </a:solidFill>
+          </a:ln>
+        </p:spPr>
+        <p:style>
+          <a:lnRef idx="1">
+            <a:schemeClr val="accent1"/>
+          </a:lnRef>
+          <a:fillRef idx="3">
+            <a:schemeClr val="accent1"/>
+          </a:fillRef>
+          <a:effectRef idx="2">
+            <a:schemeClr val="accent1"/>
+          </a:effectRef>
+          <a:fontRef idx="minor">
+            <a:schemeClr val="lt1"/>
+          </a:fontRef>
+        </p:style>
+        <p:txBody>
+          <a:bodyPr rtlCol="0" anchor="ctr"/>
+          <a:lstStyle/>
+          <a:p>
+            <a:pPr algn="ctr"/>
+          </a:p>
+        </p:txBody>
+      </p:sp>
+      <p:sp>
+        <p:nvSpPr>
+          <p:cNvPr id="52" name="TextBox 51"/>
+          <p:cNvSpPr txBox="1"/>
+          <p:nvPr/>
+        </p:nvSpPr>
+        <p:spPr>
+          <a:xfrm>
+            <a:off x="5303520" y="4251960"/>
+            <a:ext cx="3108960" cy="457200"/>
+          </a:xfrm>
+          <a:prstGeom prst="rect">
+            <a:avLst/>
+          </a:prstGeom>
+          <a:noFill/>
+        </p:spPr>
+        <p:txBody>
+          <a:bodyPr wrap="square" anchor="ctr"/>
+          <a:lstStyle/>
+          <a:p>
+            <a:pPr algn="l">
+              <a:lnSpc>
+                <a:spcPct val="135000"/>
+              </a:lnSpc>
+              <a:spcBef>
+                <a:spcPts val="0"/>
+              </a:spcBef>
+              <a:spcAft>
+                <a:spcPts val="0"/>
+              </a:spcAft>
+            </a:pPr>
+            <a:r>
+              <a:rPr sz="1000" b="0">
+                <a:solidFill>
+                  <a:srgbClr val="1D4ED8"/>
+                </a:solidFill>
+                <a:latin typeface="IPAPGothic"/>
+              </a:rPr>
               <a:t>SoulCarrier（無縁墓・遺骨送還活動）</a:t>
             </a:r>
           </a:p>
@@ -7876,7 +10345,7 @@
       </p:sp>
       <p:sp>
         <p:nvSpPr>
-          <p:cNvPr id="47" name="Rectangle 46"/>
+          <p:cNvPr id="53" name="Rectangle 52"/>
           <p:cNvSpPr/>
           <p:nvPr/>
         </p:nvSpPr>
@@ -7919,7 +10388,7 @@
       </p:sp>
       <p:sp>
         <p:nvSpPr>
-          <p:cNvPr id="48" name="TextBox 47"/>
+          <p:cNvPr id="54" name="TextBox 53"/>
           <p:cNvSpPr txBox="1"/>
           <p:nvPr/>
         </p:nvSpPr>
@@ -7962,7 +10431,7 @@
       </p:sp>
       <p:sp>
         <p:nvSpPr>
-          <p:cNvPr id="49" name="TextBox 48"/>
+          <p:cNvPr id="55" name="TextBox 54"/>
           <p:cNvSpPr txBox="1"/>
           <p:nvPr/>
         </p:nvSpPr>
@@ -8005,7 +10474,7 @@
       </p:sp>
       <p:sp>
         <p:nvSpPr>
-          <p:cNvPr id="50" name="TextBox 49"/>
+          <p:cNvPr id="56" name="TextBox 55"/>
           <p:cNvSpPr txBox="1"/>
           <p:nvPr/>
         </p:nvSpPr>
@@ -8145,7 +10614,7 @@
                 </a:solidFill>
                 <a:latin typeface="IPAPGothic"/>
               </a:rPr>
-              <a:t>貴社のビジネスモデルに応じた3つの提携モデルを用意しており、段階的な移行も可能</a:t>
+              <a:t>体験プラン5,000円からスタートできる——エントリー障壁が極めて低い提案設計</a:t>
             </a:r>
           </a:p>
         </p:txBody>
@@ -8188,7 +10657,7 @@
                 </a:solidFill>
                 <a:latin typeface="IPAPGothic"/>
               </a:rPr>
-              <a:t>PARTNERSHIP MODELS</a:t>
+              <a:t>PRICING</a:t>
             </a:r>
           </a:p>
         </p:txBody>
@@ -8202,7 +10671,7 @@
         <p:spPr>
           <a:xfrm>
             <a:off x="457200" y="1051560"/>
-            <a:ext cx="7863840" cy="1051560"/>
+            <a:ext cx="3931920" cy="1783080"/>
           </a:xfrm>
           <a:prstGeom prst="rect">
             <a:avLst/>
@@ -8240,230 +10709,143 @@
       </p:sp>
       <p:sp>
         <p:nvSpPr>
-          <p:cNvPr id="6" name="Rectangle 5"/>
+          <p:cNvPr id="6" name="TextBox 5"/>
+          <p:cNvSpPr txBox="1"/>
+          <p:nvPr/>
+        </p:nvSpPr>
+        <p:spPr>
+          <a:xfrm>
+            <a:off x="594360" y="1143000"/>
+            <a:ext cx="3657600" cy="274320"/>
+          </a:xfrm>
+          <a:prstGeom prst="rect">
+            <a:avLst/>
+          </a:prstGeom>
+          <a:noFill/>
+        </p:spPr>
+        <p:txBody>
+          <a:bodyPr wrap="square"/>
+          <a:lstStyle/>
+          <a:p>
+            <a:pPr algn="l">
+              <a:lnSpc>
+                <a:spcPct val="135000"/>
+              </a:lnSpc>
+              <a:spcBef>
+                <a:spcPts val="0"/>
+              </a:spcBef>
+              <a:spcAft>
+                <a:spcPts val="0"/>
+              </a:spcAft>
+            </a:pPr>
+            <a:r>
+              <a:rPr sz="1200" b="1">
+                <a:solidFill>
+                  <a:srgbClr val="1E293B"/>
+                </a:solidFill>
+                <a:latin typeface="IPAPGothic"/>
+              </a:rPr>
+              <a:t>体験プラン</a:t>
+            </a:r>
+          </a:p>
+        </p:txBody>
+      </p:sp>
+      <p:sp>
+        <p:nvSpPr>
+          <p:cNvPr id="7" name="TextBox 6"/>
+          <p:cNvSpPr txBox="1"/>
+          <p:nvPr/>
+        </p:nvSpPr>
+        <p:spPr>
+          <a:xfrm>
+            <a:off x="594360" y="1435608"/>
+            <a:ext cx="3657600" cy="320040"/>
+          </a:xfrm>
+          <a:prstGeom prst="rect">
+            <a:avLst/>
+          </a:prstGeom>
+          <a:noFill/>
+        </p:spPr>
+        <p:txBody>
+          <a:bodyPr wrap="square"/>
+          <a:lstStyle/>
+          <a:p>
+            <a:pPr algn="l">
+              <a:lnSpc>
+                <a:spcPct val="135000"/>
+              </a:lnSpc>
+              <a:spcBef>
+                <a:spcPts val="0"/>
+              </a:spcBef>
+              <a:spcAft>
+                <a:spcPts val="0"/>
+              </a:spcAft>
+            </a:pPr>
+            <a:r>
+              <a:rPr sz="1400" b="1">
+                <a:solidFill>
+                  <a:srgbClr val="2563EB"/>
+                </a:solidFill>
+                <a:latin typeface="IPAPGothic"/>
+              </a:rPr>
+              <a:t>¥5,000（税込）</a:t>
+            </a:r>
+          </a:p>
+        </p:txBody>
+      </p:sp>
+      <p:sp>
+        <p:nvSpPr>
+          <p:cNvPr id="8" name="TextBox 7"/>
+          <p:cNvSpPr txBox="1"/>
+          <p:nvPr/>
+        </p:nvSpPr>
+        <p:spPr>
+          <a:xfrm>
+            <a:off x="594360" y="1828800"/>
+            <a:ext cx="3657600" cy="914400"/>
+          </a:xfrm>
+          <a:prstGeom prst="rect">
+            <a:avLst/>
+          </a:prstGeom>
+          <a:noFill/>
+        </p:spPr>
+        <p:txBody>
+          <a:bodyPr wrap="square"/>
+          <a:lstStyle/>
+          <a:p>
+            <a:pPr algn="l">
+              <a:lnSpc>
+                <a:spcPct val="135000"/>
+              </a:lnSpc>
+              <a:spcBef>
+                <a:spcPts val="0"/>
+              </a:spcBef>
+              <a:spcAft>
+                <a:spcPts val="0"/>
+              </a:spcAft>
+            </a:pPr>
+            <a:r>
+              <a:rPr sz="1000" b="0">
+                <a:solidFill>
+                  <a:srgbClr val="475569"/>
+                </a:solidFill>
+                <a:latin typeface="IPAPGothic"/>
+              </a:rPr>
+              <a:t>三層保管をA4ラミネートで体験。声のQRコード→ラミネート＋NDL納本＋GitHub格納。</a:t>
+            </a:r>
+          </a:p>
+        </p:txBody>
+      </p:sp>
+      <p:sp>
+        <p:nvSpPr>
+          <p:cNvPr id="9" name="Rectangle 8"/>
           <p:cNvSpPr/>
           <p:nvPr/>
         </p:nvSpPr>
         <p:spPr>
           <a:xfrm>
-            <a:off x="594360" y="1170432"/>
-            <a:ext cx="777240" cy="822960"/>
-          </a:xfrm>
-          <a:prstGeom prst="rect">
-            <a:avLst/>
-          </a:prstGeom>
-          <a:solidFill>
-            <a:srgbClr val="2563EB"/>
-          </a:solidFill>
-          <a:ln>
-            <a:noFill/>
-          </a:ln>
-        </p:spPr>
-        <p:style>
-          <a:lnRef idx="1">
-            <a:schemeClr val="accent1"/>
-          </a:lnRef>
-          <a:fillRef idx="3">
-            <a:schemeClr val="accent1"/>
-          </a:fillRef>
-          <a:effectRef idx="2">
-            <a:schemeClr val="accent1"/>
-          </a:effectRef>
-          <a:fontRef idx="minor">
-            <a:schemeClr val="lt1"/>
-          </a:fontRef>
-        </p:style>
-        <p:txBody>
-          <a:bodyPr rtlCol="0" anchor="ctr"/>
-          <a:lstStyle/>
-          <a:p>
-            <a:pPr algn="ctr"/>
-          </a:p>
-        </p:txBody>
-      </p:sp>
-      <p:sp>
-        <p:nvSpPr>
-          <p:cNvPr id="7" name="TextBox 6"/>
-          <p:cNvSpPr txBox="1"/>
-          <p:nvPr/>
-        </p:nvSpPr>
-        <p:spPr>
-          <a:xfrm>
-            <a:off x="594360" y="1170432"/>
-            <a:ext cx="777240" cy="822960"/>
-          </a:xfrm>
-          <a:prstGeom prst="rect">
-            <a:avLst/>
-          </a:prstGeom>
-          <a:noFill/>
-        </p:spPr>
-        <p:txBody>
-          <a:bodyPr wrap="square" anchor="ctr"/>
-          <a:lstStyle/>
-          <a:p>
-            <a:pPr algn="ctr">
-              <a:lnSpc>
-                <a:spcPct val="135000"/>
-              </a:lnSpc>
-              <a:spcBef>
-                <a:spcPts val="0"/>
-              </a:spcBef>
-              <a:spcAft>
-                <a:spcPts val="0"/>
-              </a:spcAft>
-            </a:pPr>
-            <a:r>
-              <a:rPr sz="800" b="1">
-                <a:solidFill>
-                  <a:srgbClr val="FFFFFF"/>
-                </a:solidFill>
-                <a:latin typeface="IPAPGothic"/>
-              </a:rPr>
-              <a:t>紹介
-モデル</a:t>
-            </a:r>
-          </a:p>
-        </p:txBody>
-      </p:sp>
-      <p:sp>
-        <p:nvSpPr>
-          <p:cNvPr id="8" name="TextBox 7"/>
-          <p:cNvSpPr txBox="1"/>
-          <p:nvPr/>
-        </p:nvSpPr>
-        <p:spPr>
-          <a:xfrm>
-            <a:off x="1508760" y="1124712"/>
-            <a:ext cx="6675120" cy="347472"/>
-          </a:xfrm>
-          <a:prstGeom prst="rect">
-            <a:avLst/>
-          </a:prstGeom>
-          <a:noFill/>
-        </p:spPr>
-        <p:txBody>
-          <a:bodyPr wrap="square"/>
-          <a:lstStyle/>
-          <a:p>
-            <a:pPr algn="l">
-              <a:lnSpc>
-                <a:spcPct val="135000"/>
-              </a:lnSpc>
-              <a:spcBef>
-                <a:spcPts val="0"/>
-              </a:spcBef>
-              <a:spcAft>
-                <a:spcPts val="0"/>
-              </a:spcAft>
-            </a:pPr>
-            <a:r>
-              <a:rPr sz="1100" b="1">
-                <a:solidFill>
-                  <a:srgbClr val="1E293B"/>
-                </a:solidFill>
-                <a:latin typeface="IPAPGothic"/>
-              </a:rPr>
-              <a:t>A. クライアント紹介型パートナーシップ</a:t>
-            </a:r>
-          </a:p>
-        </p:txBody>
-      </p:sp>
-      <p:sp>
-        <p:nvSpPr>
-          <p:cNvPr id="9" name="TextBox 8"/>
-          <p:cNvSpPr txBox="1"/>
-          <p:nvPr/>
-        </p:nvSpPr>
-        <p:spPr>
-          <a:xfrm>
-            <a:off x="1508760" y="1417320"/>
-            <a:ext cx="6675120" cy="310896"/>
-          </a:xfrm>
-          <a:prstGeom prst="rect">
-            <a:avLst/>
-          </a:prstGeom>
-          <a:noFill/>
-        </p:spPr>
-        <p:txBody>
-          <a:bodyPr wrap="square"/>
-          <a:lstStyle/>
-          <a:p>
-            <a:pPr algn="l">
-              <a:lnSpc>
-                <a:spcPct val="135000"/>
-              </a:lnSpc>
-              <a:spcBef>
-                <a:spcPts val="0"/>
-              </a:spcBef>
-              <a:spcAft>
-                <a:spcPts val="0"/>
-              </a:spcAft>
-            </a:pPr>
-            <a:r>
-              <a:rPr sz="1000" b="0">
-                <a:solidFill>
-                  <a:srgbClr val="475569"/>
-                </a:solidFill>
-                <a:latin typeface="IPAPGothic"/>
-              </a:rPr>
-              <a:t>紹介ベースで連携。リファラルフィーをお支払い。クライアント対応・納品はTokiStorage側で完結。</a:t>
-            </a:r>
-          </a:p>
-        </p:txBody>
-      </p:sp>
-      <p:sp>
-        <p:nvSpPr>
-          <p:cNvPr id="10" name="TextBox 9"/>
-          <p:cNvSpPr txBox="1"/>
-          <p:nvPr/>
-        </p:nvSpPr>
-        <p:spPr>
-          <a:xfrm>
-            <a:off x="1508760" y="1783080"/>
-            <a:ext cx="6675120" cy="201168"/>
-          </a:xfrm>
-          <a:prstGeom prst="rect">
-            <a:avLst/>
-          </a:prstGeom>
-          <a:noFill/>
-        </p:spPr>
-        <p:txBody>
-          <a:bodyPr wrap="square"/>
-          <a:lstStyle/>
-          <a:p>
-            <a:pPr algn="l">
-              <a:lnSpc>
-                <a:spcPct val="135000"/>
-              </a:lnSpc>
-              <a:spcBef>
-                <a:spcPts val="0"/>
-              </a:spcBef>
-              <a:spcAft>
-                <a:spcPts val="0"/>
-              </a:spcAft>
-            </a:pPr>
-            <a:r>
-              <a:rPr sz="900" b="0">
-                <a:solidFill>
-                  <a:srgbClr val="2563EB"/>
-                </a:solidFill>
-                <a:latin typeface="IPAPGothic"/>
-              </a:rPr>
-              <a:t>例：終活コンサル→存在証明を提案 / 葬祭業DX→メモリアルオプション追加</a:t>
-            </a:r>
-          </a:p>
-        </p:txBody>
-      </p:sp>
-      <p:sp>
-        <p:nvSpPr>
-          <p:cNvPr id="11" name="Rectangle 10"/>
-          <p:cNvSpPr/>
-          <p:nvPr/>
-        </p:nvSpPr>
-        <p:spPr>
-          <a:xfrm>
-            <a:off x="457200" y="2212848"/>
-            <a:ext cx="7863840" cy="1051560"/>
+            <a:off x="4617720" y="1051560"/>
+            <a:ext cx="3931920" cy="1783080"/>
           </a:xfrm>
           <a:prstGeom prst="rect">
             <a:avLst/>
@@ -8501,230 +10883,143 @@
       </p:sp>
       <p:sp>
         <p:nvSpPr>
-          <p:cNvPr id="12" name="Rectangle 11"/>
+          <p:cNvPr id="10" name="TextBox 9"/>
+          <p:cNvSpPr txBox="1"/>
+          <p:nvPr/>
+        </p:nvSpPr>
+        <p:spPr>
+          <a:xfrm>
+            <a:off x="4754880" y="1143000"/>
+            <a:ext cx="3657600" cy="274320"/>
+          </a:xfrm>
+          <a:prstGeom prst="rect">
+            <a:avLst/>
+          </a:prstGeom>
+          <a:noFill/>
+        </p:spPr>
+        <p:txBody>
+          <a:bodyPr wrap="square"/>
+          <a:lstStyle/>
+          <a:p>
+            <a:pPr algn="l">
+              <a:lnSpc>
+                <a:spcPct val="135000"/>
+              </a:lnSpc>
+              <a:spcBef>
+                <a:spcPts val="0"/>
+              </a:spcBef>
+              <a:spcAft>
+                <a:spcPts val="0"/>
+              </a:spcAft>
+            </a:pPr>
+            <a:r>
+              <a:rPr sz="1200" b="1">
+                <a:solidFill>
+                  <a:srgbClr val="1E293B"/>
+                </a:solidFill>
+                <a:latin typeface="IPAPGothic"/>
+              </a:rPr>
+              <a:t>個人プラン</a:t>
+            </a:r>
+          </a:p>
+        </p:txBody>
+      </p:sp>
+      <p:sp>
+        <p:nvSpPr>
+          <p:cNvPr id="11" name="TextBox 10"/>
+          <p:cNvSpPr txBox="1"/>
+          <p:nvPr/>
+        </p:nvSpPr>
+        <p:spPr>
+          <a:xfrm>
+            <a:off x="4754880" y="1435608"/>
+            <a:ext cx="3657600" cy="320040"/>
+          </a:xfrm>
+          <a:prstGeom prst="rect">
+            <a:avLst/>
+          </a:prstGeom>
+          <a:noFill/>
+        </p:spPr>
+        <p:txBody>
+          <a:bodyPr wrap="square"/>
+          <a:lstStyle/>
+          <a:p>
+            <a:pPr algn="l">
+              <a:lnSpc>
+                <a:spcPct val="135000"/>
+              </a:lnSpc>
+              <a:spcBef>
+                <a:spcPts val="0"/>
+              </a:spcBef>
+              <a:spcAft>
+                <a:spcPts val="0"/>
+              </a:spcAft>
+            </a:pPr>
+            <a:r>
+              <a:rPr sz="1400" b="1">
+                <a:solidFill>
+                  <a:srgbClr val="2563EB"/>
+                </a:solidFill>
+                <a:latin typeface="IPAPGothic"/>
+              </a:rPr>
+              <a:t>¥50,000（税込）</a:t>
+            </a:r>
+          </a:p>
+        </p:txBody>
+      </p:sp>
+      <p:sp>
+        <p:nvSpPr>
+          <p:cNvPr id="12" name="TextBox 11"/>
+          <p:cNvSpPr txBox="1"/>
+          <p:nvPr/>
+        </p:nvSpPr>
+        <p:spPr>
+          <a:xfrm>
+            <a:off x="4754880" y="1828800"/>
+            <a:ext cx="3657600" cy="914400"/>
+          </a:xfrm>
+          <a:prstGeom prst="rect">
+            <a:avLst/>
+          </a:prstGeom>
+          <a:noFill/>
+        </p:spPr>
+        <p:txBody>
+          <a:bodyPr wrap="square"/>
+          <a:lstStyle/>
+          <a:p>
+            <a:pPr algn="l">
+              <a:lnSpc>
+                <a:spcPct val="135000"/>
+              </a:lnSpc>
+              <a:spcBef>
+                <a:spcPts val="0"/>
+              </a:spcBef>
+              <a:spcAft>
+                <a:spcPts val="0"/>
+              </a:spcAft>
+            </a:pPr>
+            <a:r>
+              <a:rPr sz="1000" b="0">
+                <a:solidFill>
+                  <a:srgbClr val="475569"/>
+                </a:solidFill>
+                <a:latin typeface="IPAPGothic"/>
+              </a:rPr>
+              <a:t>石英ガラスに刻印。年あたり50円。1000年耐久（理論値）の存在証明。</a:t>
+            </a:r>
+          </a:p>
+        </p:txBody>
+      </p:sp>
+      <p:sp>
+        <p:nvSpPr>
+          <p:cNvPr id="13" name="Rectangle 12"/>
           <p:cNvSpPr/>
           <p:nvPr/>
         </p:nvSpPr>
         <p:spPr>
           <a:xfrm>
-            <a:off x="594360" y="2331720"/>
-            <a:ext cx="777240" cy="822960"/>
-          </a:xfrm>
-          <a:prstGeom prst="rect">
-            <a:avLst/>
-          </a:prstGeom>
-          <a:solidFill>
-            <a:srgbClr val="C9A962"/>
-          </a:solidFill>
-          <a:ln>
-            <a:noFill/>
-          </a:ln>
-        </p:spPr>
-        <p:style>
-          <a:lnRef idx="1">
-            <a:schemeClr val="accent1"/>
-          </a:lnRef>
-          <a:fillRef idx="3">
-            <a:schemeClr val="accent1"/>
-          </a:fillRef>
-          <a:effectRef idx="2">
-            <a:schemeClr val="accent1"/>
-          </a:effectRef>
-          <a:fontRef idx="minor">
-            <a:schemeClr val="lt1"/>
-          </a:fontRef>
-        </p:style>
-        <p:txBody>
-          <a:bodyPr rtlCol="0" anchor="ctr"/>
-          <a:lstStyle/>
-          <a:p>
-            <a:pPr algn="ctr"/>
-          </a:p>
-        </p:txBody>
-      </p:sp>
-      <p:sp>
-        <p:nvSpPr>
-          <p:cNvPr id="13" name="TextBox 12"/>
-          <p:cNvSpPr txBox="1"/>
-          <p:nvPr/>
-        </p:nvSpPr>
-        <p:spPr>
-          <a:xfrm>
-            <a:off x="594360" y="2331720"/>
-            <a:ext cx="777240" cy="822960"/>
-          </a:xfrm>
-          <a:prstGeom prst="rect">
-            <a:avLst/>
-          </a:prstGeom>
-          <a:noFill/>
-        </p:spPr>
-        <p:txBody>
-          <a:bodyPr wrap="square" anchor="ctr"/>
-          <a:lstStyle/>
-          <a:p>
-            <a:pPr algn="ctr">
-              <a:lnSpc>
-                <a:spcPct val="135000"/>
-              </a:lnSpc>
-              <a:spcBef>
-                <a:spcPts val="0"/>
-              </a:spcBef>
-              <a:spcAft>
-                <a:spcPts val="0"/>
-              </a:spcAft>
-            </a:pPr>
-            <a:r>
-              <a:rPr sz="800" b="1">
-                <a:solidFill>
-                  <a:srgbClr val="FFFFFF"/>
-                </a:solidFill>
-                <a:latin typeface="IPAPGothic"/>
-              </a:rPr>
-              <a:t>共同
-提案</a:t>
-            </a:r>
-          </a:p>
-        </p:txBody>
-      </p:sp>
-      <p:sp>
-        <p:nvSpPr>
-          <p:cNvPr id="14" name="TextBox 13"/>
-          <p:cNvSpPr txBox="1"/>
-          <p:nvPr/>
-        </p:nvSpPr>
-        <p:spPr>
-          <a:xfrm>
-            <a:off x="1508760" y="2286000"/>
-            <a:ext cx="6675120" cy="347472"/>
-          </a:xfrm>
-          <a:prstGeom prst="rect">
-            <a:avLst/>
-          </a:prstGeom>
-          <a:noFill/>
-        </p:spPr>
-        <p:txBody>
-          <a:bodyPr wrap="square"/>
-          <a:lstStyle/>
-          <a:p>
-            <a:pPr algn="l">
-              <a:lnSpc>
-                <a:spcPct val="135000"/>
-              </a:lnSpc>
-              <a:spcBef>
-                <a:spcPts val="0"/>
-              </a:spcBef>
-              <a:spcAft>
-                <a:spcPts val="0"/>
-              </a:spcAft>
-            </a:pPr>
-            <a:r>
-              <a:rPr sz="1100" b="1">
-                <a:solidFill>
-                  <a:srgbClr val="1E293B"/>
-                </a:solidFill>
-                <a:latin typeface="IPAPGothic"/>
-              </a:rPr>
-              <a:t>B. 共同ソリューション型</a:t>
-            </a:r>
-          </a:p>
-        </p:txBody>
-      </p:sp>
-      <p:sp>
-        <p:nvSpPr>
-          <p:cNvPr id="15" name="TextBox 14"/>
-          <p:cNvSpPr txBox="1"/>
-          <p:nvPr/>
-        </p:nvSpPr>
-        <p:spPr>
-          <a:xfrm>
-            <a:off x="1508760" y="2578608"/>
-            <a:ext cx="6675120" cy="310896"/>
-          </a:xfrm>
-          <a:prstGeom prst="rect">
-            <a:avLst/>
-          </a:prstGeom>
-          <a:noFill/>
-        </p:spPr>
-        <p:txBody>
-          <a:bodyPr wrap="square"/>
-          <a:lstStyle/>
-          <a:p>
-            <a:pPr algn="l">
-              <a:lnSpc>
-                <a:spcPct val="135000"/>
-              </a:lnSpc>
-              <a:spcBef>
-                <a:spcPts val="0"/>
-              </a:spcBef>
-              <a:spcAft>
-                <a:spcPts val="0"/>
-              </a:spcAft>
-            </a:pPr>
-            <a:r>
-              <a:rPr sz="1000" b="0">
-                <a:solidFill>
-                  <a:srgbClr val="475569"/>
-                </a:solidFill>
-                <a:latin typeface="IPAPGothic"/>
-              </a:rPr>
-              <a:t>貴社コンサルにTokiStorageを組み込んだ共同提案。ESG・地方創生・文化保存の「出口」として千年記録を位置づけ。</a:t>
-            </a:r>
-          </a:p>
-        </p:txBody>
-      </p:sp>
-      <p:sp>
-        <p:nvSpPr>
-          <p:cNvPr id="16" name="TextBox 15"/>
-          <p:cNvSpPr txBox="1"/>
-          <p:nvPr/>
-        </p:nvSpPr>
-        <p:spPr>
-          <a:xfrm>
-            <a:off x="1508760" y="2944368"/>
-            <a:ext cx="6675120" cy="201168"/>
-          </a:xfrm>
-          <a:prstGeom prst="rect">
-            <a:avLst/>
-          </a:prstGeom>
-          <a:noFill/>
-        </p:spPr>
-        <p:txBody>
-          <a:bodyPr wrap="square"/>
-          <a:lstStyle/>
-          <a:p>
-            <a:pPr algn="l">
-              <a:lnSpc>
-                <a:spcPct val="135000"/>
-              </a:lnSpc>
-              <a:spcBef>
-                <a:spcPts val="0"/>
-              </a:spcBef>
-              <a:spcAft>
-                <a:spcPts val="0"/>
-              </a:spcAft>
-            </a:pPr>
-            <a:r>
-              <a:rPr sz="900" b="0">
-                <a:solidFill>
-                  <a:srgbClr val="2563EB"/>
-                </a:solidFill>
-                <a:latin typeface="IPAPGothic"/>
-              </a:rPr>
-              <a:t>例：自治体DX→地域記憶アーカイブ / ホテルCX改革→ゲスト記録のアップグレード</a:t>
-            </a:r>
-          </a:p>
-        </p:txBody>
-      </p:sp>
-      <p:sp>
-        <p:nvSpPr>
-          <p:cNvPr id="17" name="Rectangle 16"/>
-          <p:cNvSpPr/>
-          <p:nvPr/>
-        </p:nvSpPr>
-        <p:spPr>
-          <a:xfrm>
-            <a:off x="457200" y="3374136"/>
-            <a:ext cx="7863840" cy="1051560"/>
+            <a:off x="457200" y="2971800"/>
+            <a:ext cx="3931920" cy="1783080"/>
           </a:xfrm>
           <a:prstGeom prst="rect">
             <a:avLst/>
@@ -8762,23 +11057,154 @@
       </p:sp>
       <p:sp>
         <p:nvSpPr>
-          <p:cNvPr id="18" name="Rectangle 17"/>
+          <p:cNvPr id="14" name="TextBox 13"/>
+          <p:cNvSpPr txBox="1"/>
+          <p:nvPr/>
+        </p:nvSpPr>
+        <p:spPr>
+          <a:xfrm>
+            <a:off x="594360" y="3063240"/>
+            <a:ext cx="3657600" cy="274320"/>
+          </a:xfrm>
+          <a:prstGeom prst="rect">
+            <a:avLst/>
+          </a:prstGeom>
+          <a:noFill/>
+        </p:spPr>
+        <p:txBody>
+          <a:bodyPr wrap="square"/>
+          <a:lstStyle/>
+          <a:p>
+            <a:pPr algn="l">
+              <a:lnSpc>
+                <a:spcPct val="135000"/>
+              </a:lnSpc>
+              <a:spcBef>
+                <a:spcPts val="0"/>
+              </a:spcBef>
+              <a:spcAft>
+                <a:spcPts val="0"/>
+              </a:spcAft>
+            </a:pPr>
+            <a:r>
+              <a:rPr sz="1200" b="1">
+                <a:solidFill>
+                  <a:srgbClr val="1E293B"/>
+                </a:solidFill>
+                <a:latin typeface="IPAPGothic"/>
+              </a:rPr>
+              <a:t>三世代プラン</a:t>
+            </a:r>
+          </a:p>
+        </p:txBody>
+      </p:sp>
+      <p:sp>
+        <p:nvSpPr>
+          <p:cNvPr id="15" name="TextBox 14"/>
+          <p:cNvSpPr txBox="1"/>
+          <p:nvPr/>
+        </p:nvSpPr>
+        <p:spPr>
+          <a:xfrm>
+            <a:off x="594360" y="3355848"/>
+            <a:ext cx="3657600" cy="320040"/>
+          </a:xfrm>
+          <a:prstGeom prst="rect">
+            <a:avLst/>
+          </a:prstGeom>
+          <a:noFill/>
+        </p:spPr>
+        <p:txBody>
+          <a:bodyPr wrap="square"/>
+          <a:lstStyle/>
+          <a:p>
+            <a:pPr algn="l">
+              <a:lnSpc>
+                <a:spcPct val="135000"/>
+              </a:lnSpc>
+              <a:spcBef>
+                <a:spcPts val="0"/>
+              </a:spcBef>
+              <a:spcAft>
+                <a:spcPts val="0"/>
+              </a:spcAft>
+            </a:pPr>
+            <a:r>
+              <a:rPr sz="1400" b="1">
+                <a:solidFill>
+                  <a:srgbClr val="2563EB"/>
+                </a:solidFill>
+                <a:latin typeface="IPAPGothic"/>
+              </a:rPr>
+              <a:t>¥550,000（税込・推奨）</a:t>
+            </a:r>
+          </a:p>
+        </p:txBody>
+      </p:sp>
+      <p:sp>
+        <p:nvSpPr>
+          <p:cNvPr id="16" name="TextBox 15"/>
+          <p:cNvSpPr txBox="1"/>
+          <p:nvPr/>
+        </p:nvSpPr>
+        <p:spPr>
+          <a:xfrm>
+            <a:off x="594360" y="3749040"/>
+            <a:ext cx="3657600" cy="914400"/>
+          </a:xfrm>
+          <a:prstGeom prst="rect">
+            <a:avLst/>
+          </a:prstGeom>
+          <a:noFill/>
+        </p:spPr>
+        <p:txBody>
+          <a:bodyPr wrap="square"/>
+          <a:lstStyle/>
+          <a:p>
+            <a:pPr algn="l">
+              <a:lnSpc>
+                <a:spcPct val="135000"/>
+              </a:lnSpc>
+              <a:spcBef>
+                <a:spcPts val="0"/>
+              </a:spcBef>
+              <a:spcAft>
+                <a:spcPts val="0"/>
+              </a:spcAft>
+            </a:pPr>
+            <a:r>
+              <a:rPr sz="1000" b="0">
+                <a:solidFill>
+                  <a:srgbClr val="475569"/>
+                </a:solidFill>
+                <a:latin typeface="IPAPGothic"/>
+              </a:rPr>
+              <a:t>家族3名分＋佐渡島での現地刻印体験。お墓・仏壇の代替として。</a:t>
+            </a:r>
+          </a:p>
+        </p:txBody>
+      </p:sp>
+      <p:sp>
+        <p:nvSpPr>
+          <p:cNvPr id="17" name="Rectangle 16"/>
           <p:cNvSpPr/>
           <p:nvPr/>
         </p:nvSpPr>
         <p:spPr>
           <a:xfrm>
-            <a:off x="594360" y="3493008"/>
-            <a:ext cx="777240" cy="822960"/>
+            <a:off x="4617720" y="2971800"/>
+            <a:ext cx="3931920" cy="1783080"/>
           </a:xfrm>
           <a:prstGeom prst="rect">
             <a:avLst/>
           </a:prstGeom>
           <a:solidFill>
-            <a:srgbClr val="16A34A"/>
+            <a:srgbClr val="FFFFFF"/>
           </a:solidFill>
-          <a:ln>
-            <a:noFill/>
+          <a:ln w="9525">
+            <a:solidFill>
+              <a:srgbClr val="E2E8F0"/>
+            </a:solidFill>
           </a:ln>
         </p:spPr>
         <p:style>
@@ -8805,44 +11231,86 @@
       </p:sp>
       <p:sp>
         <p:nvSpPr>
+          <p:cNvPr id="18" name="TextBox 17"/>
+          <p:cNvSpPr txBox="1"/>
+          <p:nvPr/>
+        </p:nvSpPr>
+        <p:spPr>
+          <a:xfrm>
+            <a:off x="4754880" y="3063240"/>
+            <a:ext cx="3657600" cy="274320"/>
+          </a:xfrm>
+          <a:prstGeom prst="rect">
+            <a:avLst/>
+          </a:prstGeom>
+          <a:noFill/>
+        </p:spPr>
+        <p:txBody>
+          <a:bodyPr wrap="square"/>
+          <a:lstStyle/>
+          <a:p>
+            <a:pPr algn="l">
+              <a:lnSpc>
+                <a:spcPct val="135000"/>
+              </a:lnSpc>
+              <a:spcBef>
+                <a:spcPts val="0"/>
+              </a:spcBef>
+              <a:spcAft>
+                <a:spcPts val="0"/>
+              </a:spcAft>
+            </a:pPr>
+            <a:r>
+              <a:rPr sz="1200" b="1">
+                <a:solidFill>
+                  <a:srgbClr val="1E293B"/>
+                </a:solidFill>
+                <a:latin typeface="IPAPGothic"/>
+              </a:rPr>
+              <a:t>ボイスメモリアル</a:t>
+            </a:r>
+          </a:p>
+        </p:txBody>
+      </p:sp>
+      <p:sp>
+        <p:nvSpPr>
           <p:cNvPr id="19" name="TextBox 18"/>
           <p:cNvSpPr txBox="1"/>
           <p:nvPr/>
         </p:nvSpPr>
         <p:spPr>
           <a:xfrm>
-            <a:off x="594360" y="3493008"/>
-            <a:ext cx="777240" cy="822960"/>
-          </a:xfrm>
-          <a:prstGeom prst="rect">
-            <a:avLst/>
-          </a:prstGeom>
-          <a:noFill/>
-        </p:spPr>
-        <p:txBody>
-          <a:bodyPr wrap="square" anchor="ctr"/>
-          <a:lstStyle/>
-          <a:p>
-            <a:pPr algn="ctr">
-              <a:lnSpc>
-                <a:spcPct val="135000"/>
-              </a:lnSpc>
-              <a:spcBef>
-                <a:spcPts val="0"/>
-              </a:spcBef>
-              <a:spcAft>
-                <a:spcPts val="0"/>
-              </a:spcAft>
-            </a:pPr>
-            <a:r>
-              <a:rPr sz="800" b="1">
-                <a:solidFill>
-                  <a:srgbClr val="FFFFFF"/>
-                </a:solidFill>
-                <a:latin typeface="IPAPGothic"/>
-              </a:rPr>
-              <a:t>事業
-共創</a:t>
+            <a:off x="4754880" y="3355848"/>
+            <a:ext cx="3657600" cy="320040"/>
+          </a:xfrm>
+          <a:prstGeom prst="rect">
+            <a:avLst/>
+          </a:prstGeom>
+          <a:noFill/>
+        </p:spPr>
+        <p:txBody>
+          <a:bodyPr wrap="square"/>
+          <a:lstStyle/>
+          <a:p>
+            <a:pPr algn="l">
+              <a:lnSpc>
+                <a:spcPct val="135000"/>
+              </a:lnSpc>
+              <a:spcBef>
+                <a:spcPts val="0"/>
+              </a:spcBef>
+              <a:spcAft>
+                <a:spcPts val="0"/>
+              </a:spcAft>
+            </a:pPr>
+            <a:r>
+              <a:rPr sz="1400" b="1">
+                <a:solidFill>
+                  <a:srgbClr val="2563EB"/>
+                </a:solidFill>
+                <a:latin typeface="IPAPGothic"/>
+              </a:rPr>
+              <a:t>¥5,550,000（税込）</a:t>
             </a:r>
           </a:p>
         </p:txBody>
@@ -8855,8 +11323,8 @@
         </p:nvSpPr>
         <p:spPr>
           <a:xfrm>
-            <a:off x="1508760" y="3447288"/>
-            <a:ext cx="6675120" cy="347472"/>
+            <a:off x="4754880" y="3749040"/>
+            <a:ext cx="3657600" cy="914400"/>
           </a:xfrm>
           <a:prstGeom prst="rect">
             <a:avLst/>
@@ -8879,106 +11347,20 @@
               </a:spcAft>
             </a:pPr>
             <a:r>
-              <a:rPr sz="1100" b="1">
-                <a:solidFill>
-                  <a:srgbClr val="1E293B"/>
-                </a:solidFill>
-                <a:latin typeface="IPAPGothic"/>
-              </a:rPr>
-              <a:t>C. 新規事業共創型</a:t>
-            </a:r>
-          </a:p>
-        </p:txBody>
-      </p:sp>
-      <p:sp>
-        <p:nvSpPr>
-          <p:cNvPr id="21" name="TextBox 20"/>
-          <p:cNvSpPr txBox="1"/>
-          <p:nvPr/>
-        </p:nvSpPr>
-        <p:spPr>
-          <a:xfrm>
-            <a:off x="1508760" y="3739896"/>
-            <a:ext cx="6675120" cy="310896"/>
-          </a:xfrm>
-          <a:prstGeom prst="rect">
-            <a:avLst/>
-          </a:prstGeom>
-          <a:noFill/>
-        </p:spPr>
-        <p:txBody>
-          <a:bodyPr wrap="square"/>
-          <a:lstStyle/>
-          <a:p>
-            <a:pPr algn="l">
-              <a:lnSpc>
-                <a:spcPct val="135000"/>
-              </a:lnSpc>
-              <a:spcBef>
-                <a:spcPts val="0"/>
-              </a:spcBef>
-              <a:spcAft>
-                <a:spcPts val="0"/>
-              </a:spcAft>
-            </a:pPr>
-            <a:r>
               <a:rPr sz="1000" b="0">
                 <a:solidFill>
                   <a:srgbClr val="475569"/>
                 </a:solidFill>
                 <a:latin typeface="IPAPGothic"/>
               </a:rPr>
-              <a:t>存在証明を軸に新規事業を共同立ち上げ。技術・思想・ユースケースはTokiStorage、市場アクセス・信用・スケールは貴社。</a:t>
-            </a:r>
-          </a:p>
-        </p:txBody>
-      </p:sp>
-      <p:sp>
-        <p:nvSpPr>
-          <p:cNvPr id="22" name="TextBox 21"/>
-          <p:cNvSpPr txBox="1"/>
-          <p:nvPr/>
-        </p:nvSpPr>
-        <p:spPr>
-          <a:xfrm>
-            <a:off x="1508760" y="4105656"/>
-            <a:ext cx="6675120" cy="201168"/>
-          </a:xfrm>
-          <a:prstGeom prst="rect">
-            <a:avLst/>
-          </a:prstGeom>
-          <a:noFill/>
-        </p:spPr>
-        <p:txBody>
-          <a:bodyPr wrap="square"/>
-          <a:lstStyle/>
-          <a:p>
-            <a:pPr algn="l">
-              <a:lnSpc>
-                <a:spcPct val="135000"/>
-              </a:lnSpc>
-              <a:spcBef>
-                <a:spcPts val="0"/>
-              </a:spcBef>
-              <a:spcAft>
-                <a:spcPts val="0"/>
-              </a:spcAft>
-            </a:pPr>
-            <a:r>
-              <a:rPr sz="900" b="0">
-                <a:solidFill>
-                  <a:srgbClr val="2563EB"/>
-                </a:solidFill>
-                <a:latin typeface="IPAPGothic"/>
-              </a:rPr>
-              <a:t>例：メモリアルテック新規事業 / 企業向け永続アーカイブサービス</a:t>
-            </a:r>
-          </a:p>
-        </p:txBody>
-      </p:sp>
-      <p:sp>
-        <p:nvSpPr>
-          <p:cNvPr id="23" name="Rectangle 22"/>
+              <a:t>完全オーダーメイド。音声復元・専用デザイン・プレミアム体験。</a:t>
+            </a:r>
+          </a:p>
+        </p:txBody>
+      </p:sp>
+      <p:sp>
+        <p:nvSpPr>
+          <p:cNvPr id="21" name="Rectangle 20"/>
           <p:cNvSpPr/>
           <p:nvPr/>
         </p:nvSpPr>
@@ -9021,7 +11403,7 @@
       </p:sp>
       <p:sp>
         <p:nvSpPr>
-          <p:cNvPr id="24" name="TextBox 23"/>
+          <p:cNvPr id="22" name="TextBox 21"/>
           <p:cNvSpPr txBox="1"/>
           <p:nvPr/>
         </p:nvSpPr>
@@ -9064,7 +11446,7 @@
       </p:sp>
       <p:sp>
         <p:nvSpPr>
-          <p:cNvPr id="25" name="TextBox 24"/>
+          <p:cNvPr id="23" name="TextBox 22"/>
           <p:cNvSpPr txBox="1"/>
           <p:nvPr/>
         </p:nvSpPr>
@@ -9107,7 +11489,7 @@
       </p:sp>
       <p:sp>
         <p:nvSpPr>
-          <p:cNvPr id="26" name="TextBox 25"/>
+          <p:cNvPr id="24" name="TextBox 23"/>
           <p:cNvSpPr txBox="1"/>
           <p:nvPr/>
         </p:nvSpPr>
@@ -9247,7 +11629,7 @@
                 </a:solidFill>
                 <a:latin typeface="IPAPGothic"/>
               </a:rPr>
-              <a:t>クライアント・パートナー・TokiStorageの三者がWinになる収益設計を採用している</a:t>
+              <a:t>貴社のビジネスモデルに応じた3つの提携モデルを用意しており、段階的な移行も可能</a:t>
             </a:r>
           </a:p>
         </p:txBody>
@@ -9290,7 +11672,7 @@
                 </a:solidFill>
                 <a:latin typeface="IPAPGothic"/>
               </a:rPr>
-              <a:t>REVENUE FLOW</a:t>
+              <a:t>PARTNERSHIP MODELS</a:t>
             </a:r>
           </a:p>
         </p:txBody>
@@ -9303,14 +11685,14 @@
         </p:nvSpPr>
         <p:spPr>
           <a:xfrm>
-            <a:off x="777240" y="1097280"/>
-            <a:ext cx="2286000" cy="960120"/>
+            <a:off x="457200" y="1051560"/>
+            <a:ext cx="7863840" cy="1051560"/>
           </a:xfrm>
           <a:prstGeom prst="rect">
             <a:avLst/>
           </a:prstGeom>
           <a:solidFill>
-            <a:srgbClr val="F0FDF4"/>
+            <a:srgbClr val="FFFFFF"/>
           </a:solidFill>
           <a:ln w="9525">
             <a:solidFill>
@@ -9342,14 +11724,101 @@
       </p:sp>
       <p:sp>
         <p:nvSpPr>
-          <p:cNvPr id="6" name="TextBox 5"/>
-          <p:cNvSpPr txBox="1"/>
-          <p:nvPr/>
-        </p:nvSpPr>
-        <p:spPr>
-          <a:xfrm>
-            <a:off x="868680" y="1170432"/>
-            <a:ext cx="2103120" cy="274320"/>
+          <p:cNvPr id="6" name="Rectangle 5"/>
+          <p:cNvSpPr/>
+          <p:nvPr/>
+        </p:nvSpPr>
+        <p:spPr>
+          <a:xfrm>
+            <a:off x="594360" y="1170432"/>
+            <a:ext cx="777240" cy="822960"/>
+          </a:xfrm>
+          <a:prstGeom prst="rect">
+            <a:avLst/>
+          </a:prstGeom>
+          <a:solidFill>
+            <a:srgbClr val="2563EB"/>
+          </a:solidFill>
+          <a:ln>
+            <a:noFill/>
+          </a:ln>
+        </p:spPr>
+        <p:style>
+          <a:lnRef idx="1">
+            <a:schemeClr val="accent1"/>
+          </a:lnRef>
+          <a:fillRef idx="3">
+            <a:schemeClr val="accent1"/>
+          </a:fillRef>
+          <a:effectRef idx="2">
+            <a:schemeClr val="accent1"/>
+          </a:effectRef>
+          <a:fontRef idx="minor">
+            <a:schemeClr val="lt1"/>
+          </a:fontRef>
+        </p:style>
+        <p:txBody>
+          <a:bodyPr rtlCol="0" anchor="ctr"/>
+          <a:lstStyle/>
+          <a:p>
+            <a:pPr algn="ctr"/>
+          </a:p>
+        </p:txBody>
+      </p:sp>
+      <p:sp>
+        <p:nvSpPr>
+          <p:cNvPr id="7" name="TextBox 6"/>
+          <p:cNvSpPr txBox="1"/>
+          <p:nvPr/>
+        </p:nvSpPr>
+        <p:spPr>
+          <a:xfrm>
+            <a:off x="594360" y="1170432"/>
+            <a:ext cx="777240" cy="822960"/>
+          </a:xfrm>
+          <a:prstGeom prst="rect">
+            <a:avLst/>
+          </a:prstGeom>
+          <a:noFill/>
+        </p:spPr>
+        <p:txBody>
+          <a:bodyPr wrap="square" anchor="ctr"/>
+          <a:lstStyle/>
+          <a:p>
+            <a:pPr algn="ctr">
+              <a:lnSpc>
+                <a:spcPct val="135000"/>
+              </a:lnSpc>
+              <a:spcBef>
+                <a:spcPts val="0"/>
+              </a:spcBef>
+              <a:spcAft>
+                <a:spcPts val="0"/>
+              </a:spcAft>
+            </a:pPr>
+            <a:r>
+              <a:rPr sz="800" b="1">
+                <a:solidFill>
+                  <a:srgbClr val="FFFFFF"/>
+                </a:solidFill>
+                <a:latin typeface="IPAPGothic"/>
+              </a:rPr>
+              <a:t>紹介
+モデル</a:t>
+            </a:r>
+          </a:p>
+        </p:txBody>
+      </p:sp>
+      <p:sp>
+        <p:nvSpPr>
+          <p:cNvPr id="8" name="TextBox 7"/>
+          <p:cNvSpPr txBox="1"/>
+          <p:nvPr/>
+        </p:nvSpPr>
+        <p:spPr>
+          <a:xfrm>
+            <a:off x="1508760" y="1124712"/>
+            <a:ext cx="6675120" cy="347472"/>
           </a:xfrm>
           <a:prstGeom prst="rect">
             <a:avLst/>
@@ -9360,7 +11829,7 @@
           <a:bodyPr wrap="square"/>
           <a:lstStyle/>
           <a:p>
-            <a:pPr algn="ctr">
+            <a:pPr algn="l">
               <a:lnSpc>
                 <a:spcPct val="135000"/>
               </a:lnSpc>
@@ -9374,25 +11843,25 @@
             <a:r>
               <a:rPr sz="1100" b="1">
                 <a:solidFill>
-                  <a:srgbClr val="16A34A"/>
-                </a:solidFill>
-                <a:latin typeface="IPAPGothic"/>
-              </a:rPr>
-              <a:t>クライアント</a:t>
-            </a:r>
-          </a:p>
-        </p:txBody>
-      </p:sp>
-      <p:sp>
-        <p:nvSpPr>
-          <p:cNvPr id="7" name="TextBox 6"/>
-          <p:cNvSpPr txBox="1"/>
-          <p:nvPr/>
-        </p:nvSpPr>
-        <p:spPr>
-          <a:xfrm>
-            <a:off x="868680" y="1517904"/>
-            <a:ext cx="2103120" cy="466344"/>
+                  <a:srgbClr val="1E293B"/>
+                </a:solidFill>
+                <a:latin typeface="IPAPGothic"/>
+              </a:rPr>
+              <a:t>A. クライアント紹介型パートナーシップ</a:t>
+            </a:r>
+          </a:p>
+        </p:txBody>
+      </p:sp>
+      <p:sp>
+        <p:nvSpPr>
+          <p:cNvPr id="9" name="TextBox 8"/>
+          <p:cNvSpPr txBox="1"/>
+          <p:nvPr/>
+        </p:nvSpPr>
+        <p:spPr>
+          <a:xfrm>
+            <a:off x="1508760" y="1417320"/>
+            <a:ext cx="6675120" cy="310896"/>
           </a:xfrm>
           <a:prstGeom prst="rect">
             <a:avLst/>
@@ -9403,7 +11872,7 @@
           <a:bodyPr wrap="square"/>
           <a:lstStyle/>
           <a:p>
-            <a:pPr algn="ctr">
+            <a:pPr algn="l">
               <a:lnSpc>
                 <a:spcPct val="135000"/>
               </a:lnSpc>
@@ -9421,22 +11890,21 @@
                 </a:solidFill>
                 <a:latin typeface="IPAPGothic"/>
               </a:rPr>
-              <a:t>千年の存在証明
-社会的意義の実感</a:t>
-            </a:r>
-          </a:p>
-        </p:txBody>
-      </p:sp>
-      <p:sp>
-        <p:nvSpPr>
-          <p:cNvPr id="8" name="TextBox 7"/>
-          <p:cNvSpPr txBox="1"/>
-          <p:nvPr/>
-        </p:nvSpPr>
-        <p:spPr>
-          <a:xfrm>
-            <a:off x="3108960" y="1371600"/>
-            <a:ext cx="274320" cy="320040"/>
+              <a:t>紹介ベースで連携。リファラルフィーをお支払い。クライアント対応・納品はTokiStorage側で完結。</a:t>
+            </a:r>
+          </a:p>
+        </p:txBody>
+      </p:sp>
+      <p:sp>
+        <p:nvSpPr>
+          <p:cNvPr id="10" name="TextBox 9"/>
+          <p:cNvSpPr txBox="1"/>
+          <p:nvPr/>
+        </p:nvSpPr>
+        <p:spPr>
+          <a:xfrm>
+            <a:off x="1508760" y="1783080"/>
+            <a:ext cx="6675120" cy="201168"/>
           </a:xfrm>
           <a:prstGeom prst="rect">
             <a:avLst/>
@@ -9447,45 +11915,45 @@
           <a:bodyPr wrap="square"/>
           <a:lstStyle/>
           <a:p>
-            <a:pPr algn="ctr">
-              <a:lnSpc>
-                <a:spcPct val="135000"/>
-              </a:lnSpc>
-              <a:spcBef>
-                <a:spcPts val="0"/>
-              </a:spcBef>
-              <a:spcAft>
-                <a:spcPts val="0"/>
-              </a:spcAft>
-            </a:pPr>
-            <a:r>
-              <a:rPr sz="1800" b="0">
-                <a:solidFill>
-                  <a:srgbClr val="94A3B8"/>
-                </a:solidFill>
-                <a:latin typeface="IPAPGothic"/>
-              </a:rPr>
-              <a:t>←</a:t>
-            </a:r>
-          </a:p>
-        </p:txBody>
-      </p:sp>
-      <p:sp>
-        <p:nvSpPr>
-          <p:cNvPr id="9" name="Rectangle 8"/>
+            <a:pPr algn="l">
+              <a:lnSpc>
+                <a:spcPct val="135000"/>
+              </a:lnSpc>
+              <a:spcBef>
+                <a:spcPts val="0"/>
+              </a:spcBef>
+              <a:spcAft>
+                <a:spcPts val="0"/>
+              </a:spcAft>
+            </a:pPr>
+            <a:r>
+              <a:rPr sz="900" b="0">
+                <a:solidFill>
+                  <a:srgbClr val="2563EB"/>
+                </a:solidFill>
+                <a:latin typeface="IPAPGothic"/>
+              </a:rPr>
+              <a:t>例：終活コンサル→存在証明を提案 / 葬祭業DX→メモリアルオプション追加</a:t>
+            </a:r>
+          </a:p>
+        </p:txBody>
+      </p:sp>
+      <p:sp>
+        <p:nvSpPr>
+          <p:cNvPr id="11" name="Rectangle 10"/>
           <p:cNvSpPr/>
           <p:nvPr/>
         </p:nvSpPr>
         <p:spPr>
           <a:xfrm>
-            <a:off x="3429000" y="1097280"/>
-            <a:ext cx="2286000" cy="960120"/>
+            <a:off x="457200" y="2212848"/>
+            <a:ext cx="7863840" cy="1051560"/>
           </a:xfrm>
           <a:prstGeom prst="rect">
             <a:avLst/>
           </a:prstGeom>
           <a:solidFill>
-            <a:srgbClr val="EFF6FF"/>
+            <a:srgbClr val="FFFFFF"/>
           </a:solidFill>
           <a:ln w="9525">
             <a:solidFill>
@@ -9517,14 +11985,101 @@
       </p:sp>
       <p:sp>
         <p:nvSpPr>
-          <p:cNvPr id="10" name="TextBox 9"/>
-          <p:cNvSpPr txBox="1"/>
-          <p:nvPr/>
-        </p:nvSpPr>
-        <p:spPr>
-          <a:xfrm>
-            <a:off x="3520440" y="1170432"/>
-            <a:ext cx="2103120" cy="274320"/>
+          <p:cNvPr id="12" name="Rectangle 11"/>
+          <p:cNvSpPr/>
+          <p:nvPr/>
+        </p:nvSpPr>
+        <p:spPr>
+          <a:xfrm>
+            <a:off x="594360" y="2331720"/>
+            <a:ext cx="777240" cy="822960"/>
+          </a:xfrm>
+          <a:prstGeom prst="rect">
+            <a:avLst/>
+          </a:prstGeom>
+          <a:solidFill>
+            <a:srgbClr val="C9A962"/>
+          </a:solidFill>
+          <a:ln>
+            <a:noFill/>
+          </a:ln>
+        </p:spPr>
+        <p:style>
+          <a:lnRef idx="1">
+            <a:schemeClr val="accent1"/>
+          </a:lnRef>
+          <a:fillRef idx="3">
+            <a:schemeClr val="accent1"/>
+          </a:fillRef>
+          <a:effectRef idx="2">
+            <a:schemeClr val="accent1"/>
+          </a:effectRef>
+          <a:fontRef idx="minor">
+            <a:schemeClr val="lt1"/>
+          </a:fontRef>
+        </p:style>
+        <p:txBody>
+          <a:bodyPr rtlCol="0" anchor="ctr"/>
+          <a:lstStyle/>
+          <a:p>
+            <a:pPr algn="ctr"/>
+          </a:p>
+        </p:txBody>
+      </p:sp>
+      <p:sp>
+        <p:nvSpPr>
+          <p:cNvPr id="13" name="TextBox 12"/>
+          <p:cNvSpPr txBox="1"/>
+          <p:nvPr/>
+        </p:nvSpPr>
+        <p:spPr>
+          <a:xfrm>
+            <a:off x="594360" y="2331720"/>
+            <a:ext cx="777240" cy="822960"/>
+          </a:xfrm>
+          <a:prstGeom prst="rect">
+            <a:avLst/>
+          </a:prstGeom>
+          <a:noFill/>
+        </p:spPr>
+        <p:txBody>
+          <a:bodyPr wrap="square" anchor="ctr"/>
+          <a:lstStyle/>
+          <a:p>
+            <a:pPr algn="ctr">
+              <a:lnSpc>
+                <a:spcPct val="135000"/>
+              </a:lnSpc>
+              <a:spcBef>
+                <a:spcPts val="0"/>
+              </a:spcBef>
+              <a:spcAft>
+                <a:spcPts val="0"/>
+              </a:spcAft>
+            </a:pPr>
+            <a:r>
+              <a:rPr sz="800" b="1">
+                <a:solidFill>
+                  <a:srgbClr val="FFFFFF"/>
+                </a:solidFill>
+                <a:latin typeface="IPAPGothic"/>
+              </a:rPr>
+              <a:t>共同
+提案</a:t>
+            </a:r>
+          </a:p>
+        </p:txBody>
+      </p:sp>
+      <p:sp>
+        <p:nvSpPr>
+          <p:cNvPr id="14" name="TextBox 13"/>
+          <p:cNvSpPr txBox="1"/>
+          <p:nvPr/>
+        </p:nvSpPr>
+        <p:spPr>
+          <a:xfrm>
+            <a:off x="1508760" y="2286000"/>
+            <a:ext cx="6675120" cy="347472"/>
           </a:xfrm>
           <a:prstGeom prst="rect">
             <a:avLst/>
@@ -9535,7 +12090,7 @@
           <a:bodyPr wrap="square"/>
           <a:lstStyle/>
           <a:p>
-            <a:pPr algn="ctr">
+            <a:pPr algn="l">
               <a:lnSpc>
                 <a:spcPct val="135000"/>
               </a:lnSpc>
@@ -9549,118 +12104,117 @@
             <a:r>
               <a:rPr sz="1100" b="1">
                 <a:solidFill>
+                  <a:srgbClr val="1E293B"/>
+                </a:solidFill>
+                <a:latin typeface="IPAPGothic"/>
+              </a:rPr>
+              <a:t>B. 共同ソリューション型</a:t>
+            </a:r>
+          </a:p>
+        </p:txBody>
+      </p:sp>
+      <p:sp>
+        <p:nvSpPr>
+          <p:cNvPr id="15" name="TextBox 14"/>
+          <p:cNvSpPr txBox="1"/>
+          <p:nvPr/>
+        </p:nvSpPr>
+        <p:spPr>
+          <a:xfrm>
+            <a:off x="1508760" y="2578608"/>
+            <a:ext cx="6675120" cy="310896"/>
+          </a:xfrm>
+          <a:prstGeom prst="rect">
+            <a:avLst/>
+          </a:prstGeom>
+          <a:noFill/>
+        </p:spPr>
+        <p:txBody>
+          <a:bodyPr wrap="square"/>
+          <a:lstStyle/>
+          <a:p>
+            <a:pPr algn="l">
+              <a:lnSpc>
+                <a:spcPct val="135000"/>
+              </a:lnSpc>
+              <a:spcBef>
+                <a:spcPts val="0"/>
+              </a:spcBef>
+              <a:spcAft>
+                <a:spcPts val="0"/>
+              </a:spcAft>
+            </a:pPr>
+            <a:r>
+              <a:rPr sz="1000" b="0">
+                <a:solidFill>
+                  <a:srgbClr val="475569"/>
+                </a:solidFill>
+                <a:latin typeface="IPAPGothic"/>
+              </a:rPr>
+              <a:t>貴社コンサルにTokiStorageを組み込んだ共同提案。ESG・地方創生・文化保存の「出口」として千年記録を位置づけ。</a:t>
+            </a:r>
+          </a:p>
+        </p:txBody>
+      </p:sp>
+      <p:sp>
+        <p:nvSpPr>
+          <p:cNvPr id="16" name="TextBox 15"/>
+          <p:cNvSpPr txBox="1"/>
+          <p:nvPr/>
+        </p:nvSpPr>
+        <p:spPr>
+          <a:xfrm>
+            <a:off x="1508760" y="2944368"/>
+            <a:ext cx="6675120" cy="201168"/>
+          </a:xfrm>
+          <a:prstGeom prst="rect">
+            <a:avLst/>
+          </a:prstGeom>
+          <a:noFill/>
+        </p:spPr>
+        <p:txBody>
+          <a:bodyPr wrap="square"/>
+          <a:lstStyle/>
+          <a:p>
+            <a:pPr algn="l">
+              <a:lnSpc>
+                <a:spcPct val="135000"/>
+              </a:lnSpc>
+              <a:spcBef>
+                <a:spcPts val="0"/>
+              </a:spcBef>
+              <a:spcAft>
+                <a:spcPts val="0"/>
+              </a:spcAft>
+            </a:pPr>
+            <a:r>
+              <a:rPr sz="900" b="0">
+                <a:solidFill>
                   <a:srgbClr val="2563EB"/>
                 </a:solidFill>
                 <a:latin typeface="IPAPGothic"/>
               </a:rPr>
-              <a:t>パートナー（貴社）</a:t>
-            </a:r>
-          </a:p>
-        </p:txBody>
-      </p:sp>
-      <p:sp>
-        <p:nvSpPr>
-          <p:cNvPr id="11" name="TextBox 10"/>
-          <p:cNvSpPr txBox="1"/>
-          <p:nvPr/>
-        </p:nvSpPr>
-        <p:spPr>
-          <a:xfrm>
-            <a:off x="3520440" y="1517904"/>
-            <a:ext cx="2103120" cy="466344"/>
-          </a:xfrm>
-          <a:prstGeom prst="rect">
-            <a:avLst/>
-          </a:prstGeom>
-          <a:noFill/>
-        </p:spPr>
-        <p:txBody>
-          <a:bodyPr wrap="square"/>
-          <a:lstStyle/>
-          <a:p>
-            <a:pPr algn="ctr">
-              <a:lnSpc>
-                <a:spcPct val="135000"/>
-              </a:lnSpc>
-              <a:spcBef>
-                <a:spcPts val="0"/>
-              </a:spcBef>
-              <a:spcAft>
-                <a:spcPts val="0"/>
-              </a:spcAft>
-            </a:pPr>
-            <a:r>
-              <a:rPr sz="1000" b="0">
-                <a:solidFill>
-                  <a:srgbClr val="475569"/>
-                </a:solidFill>
-                <a:latin typeface="IPAPGothic"/>
-              </a:rPr>
-              <a:t>紹介フィー or 共同提案収益
-クライアントLTV向上</a:t>
-            </a:r>
-          </a:p>
-        </p:txBody>
-      </p:sp>
-      <p:sp>
-        <p:nvSpPr>
-          <p:cNvPr id="12" name="TextBox 11"/>
-          <p:cNvSpPr txBox="1"/>
-          <p:nvPr/>
-        </p:nvSpPr>
-        <p:spPr>
-          <a:xfrm>
-            <a:off x="5760720" y="1371600"/>
-            <a:ext cx="274320" cy="320040"/>
-          </a:xfrm>
-          <a:prstGeom prst="rect">
-            <a:avLst/>
-          </a:prstGeom>
-          <a:noFill/>
-        </p:spPr>
-        <p:txBody>
-          <a:bodyPr wrap="square"/>
-          <a:lstStyle/>
-          <a:p>
-            <a:pPr algn="ctr">
-              <a:lnSpc>
-                <a:spcPct val="135000"/>
-              </a:lnSpc>
-              <a:spcBef>
-                <a:spcPts val="0"/>
-              </a:spcBef>
-              <a:spcAft>
-                <a:spcPts val="0"/>
-              </a:spcAft>
-            </a:pPr>
-            <a:r>
-              <a:rPr sz="1800" b="0">
-                <a:solidFill>
-                  <a:srgbClr val="94A3B8"/>
-                </a:solidFill>
-                <a:latin typeface="IPAPGothic"/>
-              </a:rPr>
-              <a:t>←</a:t>
-            </a:r>
-          </a:p>
-        </p:txBody>
-      </p:sp>
-      <p:sp>
-        <p:nvSpPr>
-          <p:cNvPr id="13" name="Rectangle 12"/>
+              <a:t>例：自治体DX→地域記憶アーカイブ / ホテルCX改革→ゲスト記録のアップグレード</a:t>
+            </a:r>
+          </a:p>
+        </p:txBody>
+      </p:sp>
+      <p:sp>
+        <p:nvSpPr>
+          <p:cNvPr id="17" name="Rectangle 16"/>
           <p:cNvSpPr/>
           <p:nvPr/>
         </p:nvSpPr>
         <p:spPr>
           <a:xfrm>
-            <a:off x="6080760" y="1097280"/>
-            <a:ext cx="2286000" cy="960120"/>
+            <a:off x="457200" y="3374136"/>
+            <a:ext cx="7863840" cy="1051560"/>
           </a:xfrm>
           <a:prstGeom prst="rect">
             <a:avLst/>
           </a:prstGeom>
           <a:solidFill>
-            <a:srgbClr val="FDF8E8"/>
+            <a:srgbClr val="FFFFFF"/>
           </a:solidFill>
           <a:ln w="9525">
             <a:solidFill>
@@ -9692,107 +12246,20 @@
       </p:sp>
       <p:sp>
         <p:nvSpPr>
-          <p:cNvPr id="14" name="TextBox 13"/>
-          <p:cNvSpPr txBox="1"/>
-          <p:nvPr/>
-        </p:nvSpPr>
-        <p:spPr>
-          <a:xfrm>
-            <a:off x="6172200" y="1170432"/>
-            <a:ext cx="2103120" cy="274320"/>
-          </a:xfrm>
-          <a:prstGeom prst="rect">
-            <a:avLst/>
-          </a:prstGeom>
-          <a:noFill/>
-        </p:spPr>
-        <p:txBody>
-          <a:bodyPr wrap="square"/>
-          <a:lstStyle/>
-          <a:p>
-            <a:pPr algn="ctr">
-              <a:lnSpc>
-                <a:spcPct val="135000"/>
-              </a:lnSpc>
-              <a:spcBef>
-                <a:spcPts val="0"/>
-              </a:spcBef>
-              <a:spcAft>
-                <a:spcPts val="0"/>
-              </a:spcAft>
-            </a:pPr>
-            <a:r>
-              <a:rPr sz="1100" b="1">
-                <a:solidFill>
-                  <a:srgbClr val="92400E"/>
-                </a:solidFill>
-                <a:latin typeface="IPAPGothic"/>
-              </a:rPr>
-              <a:t>TokiStorage</a:t>
-            </a:r>
-          </a:p>
-        </p:txBody>
-      </p:sp>
-      <p:sp>
-        <p:nvSpPr>
-          <p:cNvPr id="15" name="TextBox 14"/>
-          <p:cNvSpPr txBox="1"/>
-          <p:nvPr/>
-        </p:nvSpPr>
-        <p:spPr>
-          <a:xfrm>
-            <a:off x="6172200" y="1517904"/>
-            <a:ext cx="2103120" cy="466344"/>
-          </a:xfrm>
-          <a:prstGeom prst="rect">
-            <a:avLst/>
-          </a:prstGeom>
-          <a:noFill/>
-        </p:spPr>
-        <p:txBody>
-          <a:bodyPr wrap="square"/>
-          <a:lstStyle/>
-          <a:p>
-            <a:pPr algn="ctr">
-              <a:lnSpc>
-                <a:spcPct val="135000"/>
-              </a:lnSpc>
-              <a:spcBef>
-                <a:spcPts val="0"/>
-              </a:spcBef>
-              <a:spcAft>
-                <a:spcPts val="0"/>
-              </a:spcAft>
-            </a:pPr>
-            <a:r>
-              <a:rPr sz="1000" b="0">
-                <a:solidFill>
-                  <a:srgbClr val="475569"/>
-                </a:solidFill>
-                <a:latin typeface="IPAPGothic"/>
-              </a:rPr>
-              <a:t>技術・思想・納品
-収益の一部→SoulCarrier活動</a:t>
-            </a:r>
-          </a:p>
-        </p:txBody>
-      </p:sp>
-      <p:sp>
-        <p:nvSpPr>
-          <p:cNvPr id="16" name="Rectangle 15"/>
+          <p:cNvPr id="18" name="Rectangle 17"/>
           <p:cNvSpPr/>
           <p:nvPr/>
         </p:nvSpPr>
         <p:spPr>
           <a:xfrm>
-            <a:off x="457200" y="2423160"/>
-            <a:ext cx="7863840" cy="1051560"/>
+            <a:off x="594360" y="3493008"/>
+            <a:ext cx="777240" cy="822960"/>
           </a:xfrm>
           <a:prstGeom prst="rect">
             <a:avLst/>
           </a:prstGeom>
           <a:solidFill>
-            <a:srgbClr val="EFF6FF"/>
+            <a:srgbClr val="16A34A"/>
           </a:solidFill>
           <a:ln>
             <a:noFill/>
@@ -9822,57 +12289,58 @@
       </p:sp>
       <p:sp>
         <p:nvSpPr>
-          <p:cNvPr id="17" name="Rectangle 16"/>
-          <p:cNvSpPr/>
-          <p:nvPr/>
-        </p:nvSpPr>
-        <p:spPr>
-          <a:xfrm>
-            <a:off x="457200" y="2423160"/>
-            <a:ext cx="54864" cy="1051560"/>
-          </a:xfrm>
-          <a:prstGeom prst="rect">
-            <a:avLst/>
-          </a:prstGeom>
-          <a:solidFill>
-            <a:srgbClr val="2563EB"/>
-          </a:solidFill>
-          <a:ln>
-            <a:noFill/>
-          </a:ln>
-        </p:spPr>
-        <p:style>
-          <a:lnRef idx="1">
-            <a:schemeClr val="accent1"/>
-          </a:lnRef>
-          <a:fillRef idx="3">
-            <a:schemeClr val="accent1"/>
-          </a:fillRef>
-          <a:effectRef idx="2">
-            <a:schemeClr val="accent1"/>
-          </a:effectRef>
-          <a:fontRef idx="minor">
-            <a:schemeClr val="lt1"/>
-          </a:fontRef>
-        </p:style>
-        <p:txBody>
-          <a:bodyPr rtlCol="0" anchor="ctr"/>
-          <a:lstStyle/>
-          <a:p>
-            <a:pPr algn="ctr"/>
-          </a:p>
-        </p:txBody>
-      </p:sp>
-      <p:sp>
-        <p:nvSpPr>
-          <p:cNvPr id="18" name="TextBox 17"/>
-          <p:cNvSpPr txBox="1"/>
-          <p:nvPr/>
-        </p:nvSpPr>
-        <p:spPr>
-          <a:xfrm>
-            <a:off x="685800" y="2514600"/>
-            <a:ext cx="7543800" cy="256032"/>
+          <p:cNvPr id="19" name="TextBox 18"/>
+          <p:cNvSpPr txBox="1"/>
+          <p:nvPr/>
+        </p:nvSpPr>
+        <p:spPr>
+          <a:xfrm>
+            <a:off x="594360" y="3493008"/>
+            <a:ext cx="777240" cy="822960"/>
+          </a:xfrm>
+          <a:prstGeom prst="rect">
+            <a:avLst/>
+          </a:prstGeom>
+          <a:noFill/>
+        </p:spPr>
+        <p:txBody>
+          <a:bodyPr wrap="square" anchor="ctr"/>
+          <a:lstStyle/>
+          <a:p>
+            <a:pPr algn="ctr">
+              <a:lnSpc>
+                <a:spcPct val="135000"/>
+              </a:lnSpc>
+              <a:spcBef>
+                <a:spcPts val="0"/>
+              </a:spcBef>
+              <a:spcAft>
+                <a:spcPts val="0"/>
+              </a:spcAft>
+            </a:pPr>
+            <a:r>
+              <a:rPr sz="800" b="1">
+                <a:solidFill>
+                  <a:srgbClr val="FFFFFF"/>
+                </a:solidFill>
+                <a:latin typeface="IPAPGothic"/>
+              </a:rPr>
+              <a:t>事業
+共創</a:t>
+            </a:r>
+          </a:p>
+        </p:txBody>
+      </p:sp>
+      <p:sp>
+        <p:nvSpPr>
+          <p:cNvPr id="20" name="TextBox 19"/>
+          <p:cNvSpPr txBox="1"/>
+          <p:nvPr/>
+        </p:nvSpPr>
+        <p:spPr>
+          <a:xfrm>
+            <a:off x="1508760" y="3447288"/>
+            <a:ext cx="6675120" cy="347472"/>
           </a:xfrm>
           <a:prstGeom prst="rect">
             <a:avLst/>
@@ -9901,21 +12369,21 @@
                 </a:solidFill>
                 <a:latin typeface="IPAPGothic"/>
               </a:rPr>
-              <a:t>初期パートナー優遇</a:t>
-            </a:r>
-          </a:p>
-        </p:txBody>
-      </p:sp>
-      <p:sp>
-        <p:nvSpPr>
-          <p:cNvPr id="19" name="TextBox 18"/>
-          <p:cNvSpPr txBox="1"/>
-          <p:nvPr/>
-        </p:nvSpPr>
-        <p:spPr>
-          <a:xfrm>
-            <a:off x="685800" y="2834640"/>
-            <a:ext cx="7543800" cy="548640"/>
+              <a:t>C. 新規事業共創型</a:t>
+            </a:r>
+          </a:p>
+        </p:txBody>
+      </p:sp>
+      <p:sp>
+        <p:nvSpPr>
+          <p:cNvPr id="21" name="TextBox 20"/>
+          <p:cNvSpPr txBox="1"/>
+          <p:nvPr/>
+        </p:nvSpPr>
+        <p:spPr>
+          <a:xfrm>
+            <a:off x="1508760" y="3739896"/>
+            <a:ext cx="6675120" cy="310896"/>
           </a:xfrm>
           <a:prstGeom prst="rect">
             <a:avLst/>
@@ -9944,14 +12412,57 @@
                 </a:solidFill>
                 <a:latin typeface="IPAPGothic"/>
               </a:rPr>
-              <a:t>複数のコンサルティングファームに順次ご提案を進めています。最初に提携いただいたファームには、紹介モデルの優先条件・エリア独占権など、初期パートナーならではのインセンティブをご用意します。</a:t>
-            </a:r>
-          </a:p>
-        </p:txBody>
-      </p:sp>
-      <p:sp>
-        <p:nvSpPr>
-          <p:cNvPr id="20" name="Rectangle 19"/>
+              <a:t>存在証明を軸に新規事業を共同立ち上げ。技術・思想・ユースケースはTokiStorage、市場アクセス・信用・スケールは貴社。</a:t>
+            </a:r>
+          </a:p>
+        </p:txBody>
+      </p:sp>
+      <p:sp>
+        <p:nvSpPr>
+          <p:cNvPr id="22" name="TextBox 21"/>
+          <p:cNvSpPr txBox="1"/>
+          <p:nvPr/>
+        </p:nvSpPr>
+        <p:spPr>
+          <a:xfrm>
+            <a:off x="1508760" y="4105656"/>
+            <a:ext cx="6675120" cy="201168"/>
+          </a:xfrm>
+          <a:prstGeom prst="rect">
+            <a:avLst/>
+          </a:prstGeom>
+          <a:noFill/>
+        </p:spPr>
+        <p:txBody>
+          <a:bodyPr wrap="square"/>
+          <a:lstStyle/>
+          <a:p>
+            <a:pPr algn="l">
+              <a:lnSpc>
+                <a:spcPct val="135000"/>
+              </a:lnSpc>
+              <a:spcBef>
+                <a:spcPts val="0"/>
+              </a:spcBef>
+              <a:spcAft>
+                <a:spcPts val="0"/>
+              </a:spcAft>
+            </a:pPr>
+            <a:r>
+              <a:rPr sz="900" b="0">
+                <a:solidFill>
+                  <a:srgbClr val="2563EB"/>
+                </a:solidFill>
+                <a:latin typeface="IPAPGothic"/>
+              </a:rPr>
+              <a:t>例：メモリアルテック新規事業 / 企業向け永続アーカイブサービス</a:t>
+            </a:r>
+          </a:p>
+        </p:txBody>
+      </p:sp>
+      <p:sp>
+        <p:nvSpPr>
+          <p:cNvPr id="23" name="Rectangle 22"/>
           <p:cNvSpPr/>
           <p:nvPr/>
         </p:nvSpPr>
@@ -9994,7 +12505,7 @@
       </p:sp>
       <p:sp>
         <p:nvSpPr>
-          <p:cNvPr id="21" name="TextBox 20"/>
+          <p:cNvPr id="24" name="TextBox 23"/>
           <p:cNvSpPr txBox="1"/>
           <p:nvPr/>
         </p:nvSpPr>
@@ -10037,7 +12548,7 @@
       </p:sp>
       <p:sp>
         <p:nvSpPr>
-          <p:cNvPr id="22" name="TextBox 21"/>
+          <p:cNvPr id="25" name="TextBox 24"/>
           <p:cNvSpPr txBox="1"/>
           <p:nvPr/>
         </p:nvSpPr>
@@ -10080,7 +12591,7 @@
       </p:sp>
       <p:sp>
         <p:nvSpPr>
-          <p:cNvPr id="23" name="TextBox 22"/>
+          <p:cNvPr id="26" name="TextBox 25"/>
           <p:cNvSpPr txBox="1"/>
           <p:nvPr/>
         </p:nvSpPr>
@@ -10220,7 +12731,7 @@
                 </a:solidFill>
                 <a:latin typeface="IPAPGothic"/>
               </a:rPr>
-              <a:t>葬祭・ホスピタリティ・宗教法人・自治体・ESG・金融の6領域で特に高い親和性がある</a:t>
+              <a:t>主要AI 3社と文化機関が独立に評価——社会的信頼が構築されている</a:t>
             </a:r>
           </a:p>
         </p:txBody>
@@ -10263,64 +12774,21 @@
                 </a:solidFill>
                 <a:latin typeface="IPAPGothic"/>
               </a:rPr>
-              <a:t>CLIENT FIT</a:t>
-            </a:r>
-          </a:p>
-        </p:txBody>
-      </p:sp>
-      <p:sp>
-        <p:nvSpPr>
-          <p:cNvPr id="5" name="TextBox 4"/>
-          <p:cNvSpPr txBox="1"/>
-          <p:nvPr/>
-        </p:nvSpPr>
-        <p:spPr>
-          <a:xfrm>
-            <a:off x="457200" y="1005840"/>
-            <a:ext cx="7315200" cy="274320"/>
-          </a:xfrm>
-          <a:prstGeom prst="rect">
-            <a:avLst/>
-          </a:prstGeom>
-          <a:noFill/>
-        </p:spPr>
-        <p:txBody>
-          <a:bodyPr wrap="square"/>
-          <a:lstStyle/>
-          <a:p>
-            <a:pPr algn="l">
-              <a:lnSpc>
-                <a:spcPct val="135000"/>
-              </a:lnSpc>
-              <a:spcBef>
-                <a:spcPts val="0"/>
-              </a:spcBef>
-              <a:spcAft>
-                <a:spcPts val="0"/>
-              </a:spcAft>
-            </a:pPr>
-            <a:r>
-              <a:rPr sz="1100" b="0">
-                <a:solidFill>
-                  <a:srgbClr val="475569"/>
-                </a:solidFill>
-                <a:latin typeface="IPAPGothic"/>
-              </a:rPr>
-              <a:t>貴社のクライアントポートフォリオに、以下のセクターはありませんか。</a:t>
-            </a:r>
-          </a:p>
-        </p:txBody>
-      </p:sp>
-      <p:sp>
-        <p:nvSpPr>
-          <p:cNvPr id="6" name="Rectangle 5"/>
+              <a:t>TRACTION &amp; TRUST</a:t>
+            </a:r>
+          </a:p>
+        </p:txBody>
+      </p:sp>
+      <p:sp>
+        <p:nvSpPr>
+          <p:cNvPr id="5" name="Rectangle 4"/>
           <p:cNvSpPr/>
           <p:nvPr/>
         </p:nvSpPr>
         <p:spPr>
           <a:xfrm>
-            <a:off x="457200" y="1371600"/>
-            <a:ext cx="2606040" cy="1417320"/>
+            <a:off x="457200" y="1051560"/>
+            <a:ext cx="2606040" cy="2011680"/>
           </a:xfrm>
           <a:prstGeom prst="rect">
             <a:avLst/>
@@ -10358,186 +12826,143 @@
       </p:sp>
       <p:sp>
         <p:nvSpPr>
-          <p:cNvPr id="7" name="Oval 6"/>
+          <p:cNvPr id="6" name="TextBox 5"/>
+          <p:cNvSpPr txBox="1"/>
+          <p:nvPr/>
+        </p:nvSpPr>
+        <p:spPr>
+          <a:xfrm>
+            <a:off x="594360" y="1143000"/>
+            <a:ext cx="2331720" cy="228600"/>
+          </a:xfrm>
+          <a:prstGeom prst="rect">
+            <a:avLst/>
+          </a:prstGeom>
+          <a:noFill/>
+        </p:spPr>
+        <p:txBody>
+          <a:bodyPr wrap="square"/>
+          <a:lstStyle/>
+          <a:p>
+            <a:pPr algn="l">
+              <a:lnSpc>
+                <a:spcPct val="135000"/>
+              </a:lnSpc>
+              <a:spcBef>
+                <a:spcPts val="0"/>
+              </a:spcBef>
+              <a:spcAft>
+                <a:spcPts val="0"/>
+              </a:spcAft>
+            </a:pPr>
+            <a:r>
+              <a:rPr sz="900" b="1">
+                <a:solidFill>
+                  <a:srgbClr val="2563EB"/>
+                </a:solidFill>
+                <a:latin typeface="IPAPGothic"/>
+              </a:rPr>
+              <a:t>Claude / Anthropic</a:t>
+            </a:r>
+          </a:p>
+        </p:txBody>
+      </p:sp>
+      <p:sp>
+        <p:nvSpPr>
+          <p:cNvPr id="7" name="TextBox 6"/>
+          <p:cNvSpPr txBox="1"/>
+          <p:nvPr/>
+        </p:nvSpPr>
+        <p:spPr>
+          <a:xfrm>
+            <a:off x="594360" y="1417320"/>
+            <a:ext cx="2331720" cy="274320"/>
+          </a:xfrm>
+          <a:prstGeom prst="rect">
+            <a:avLst/>
+          </a:prstGeom>
+          <a:noFill/>
+        </p:spPr>
+        <p:txBody>
+          <a:bodyPr wrap="square"/>
+          <a:lstStyle/>
+          <a:p>
+            <a:pPr algn="l">
+              <a:lnSpc>
+                <a:spcPct val="135000"/>
+              </a:lnSpc>
+              <a:spcBef>
+                <a:spcPts val="0"/>
+              </a:spcBef>
+              <a:spcAft>
+                <a:spcPts val="0"/>
+              </a:spcAft>
+            </a:pPr>
+            <a:r>
+              <a:rPr sz="1100" b="1">
+                <a:solidFill>
+                  <a:srgbClr val="1E293B"/>
+                </a:solidFill>
+                <a:latin typeface="IPAPGothic"/>
+              </a:rPr>
+              <a:t>三層構造の設計評価</a:t>
+            </a:r>
+          </a:p>
+        </p:txBody>
+      </p:sp>
+      <p:sp>
+        <p:nvSpPr>
+          <p:cNvPr id="8" name="TextBox 7"/>
+          <p:cNvSpPr txBox="1"/>
+          <p:nvPr/>
+        </p:nvSpPr>
+        <p:spPr>
+          <a:xfrm>
+            <a:off x="594360" y="1737360"/>
+            <a:ext cx="2331720" cy="1234440"/>
+          </a:xfrm>
+          <a:prstGeom prst="rect">
+            <a:avLst/>
+          </a:prstGeom>
+          <a:noFill/>
+        </p:spPr>
+        <p:txBody>
+          <a:bodyPr wrap="square"/>
+          <a:lstStyle/>
+          <a:p>
+            <a:pPr algn="l">
+              <a:lnSpc>
+                <a:spcPct val="135000"/>
+              </a:lnSpc>
+              <a:spcBef>
+                <a:spcPts val="0"/>
+              </a:spcBef>
+              <a:spcAft>
+                <a:spcPts val="0"/>
+              </a:spcAft>
+            </a:pPr>
+            <a:r>
+              <a:rPr sz="1000" b="0">
+                <a:solidFill>
+                  <a:srgbClr val="475569"/>
+                </a:solidFill>
+                <a:latin typeface="IPAPGothic"/>
+              </a:rPr>
+              <a:t>「三層構造は単一障害点を排除し、情報の生存率を極限まで高めている」</a:t>
+            </a:r>
+          </a:p>
+        </p:txBody>
+      </p:sp>
+      <p:sp>
+        <p:nvSpPr>
+          <p:cNvPr id="9" name="Rectangle 8"/>
           <p:cNvSpPr/>
           <p:nvPr/>
         </p:nvSpPr>
         <p:spPr>
           <a:xfrm>
-            <a:off x="1568196" y="1463040"/>
-            <a:ext cx="384048" cy="384048"/>
-          </a:xfrm>
-          <a:prstGeom prst="ellipse">
-            <a:avLst/>
-          </a:prstGeom>
-          <a:solidFill>
-            <a:srgbClr val="EFF6FF"/>
-          </a:solidFill>
-          <a:ln>
-            <a:noFill/>
-          </a:ln>
-        </p:spPr>
-        <p:style>
-          <a:lnRef idx="1">
-            <a:schemeClr val="accent1"/>
-          </a:lnRef>
-          <a:fillRef idx="3">
-            <a:schemeClr val="accent1"/>
-          </a:fillRef>
-          <a:effectRef idx="2">
-            <a:schemeClr val="accent1"/>
-          </a:effectRef>
-          <a:fontRef idx="minor">
-            <a:schemeClr val="lt1"/>
-          </a:fontRef>
-        </p:style>
-        <p:txBody>
-          <a:bodyPr rtlCol="0" anchor="ctr"/>
-          <a:lstStyle/>
-          <a:p>
-            <a:pPr algn="ctr"/>
-          </a:p>
-        </p:txBody>
-      </p:sp>
-      <p:sp>
-        <p:nvSpPr>
-          <p:cNvPr id="8" name="TextBox 7"/>
-          <p:cNvSpPr txBox="1"/>
-          <p:nvPr/>
-        </p:nvSpPr>
-        <p:spPr>
-          <a:xfrm>
-            <a:off x="1568196" y="1463040"/>
-            <a:ext cx="384048" cy="384048"/>
-          </a:xfrm>
-          <a:prstGeom prst="rect">
-            <a:avLst/>
-          </a:prstGeom>
-          <a:noFill/>
-        </p:spPr>
-        <p:txBody>
-          <a:bodyPr wrap="square" anchor="ctr"/>
-          <a:lstStyle/>
-          <a:p>
-            <a:pPr algn="ctr">
-              <a:lnSpc>
-                <a:spcPct val="135000"/>
-              </a:lnSpc>
-              <a:spcBef>
-                <a:spcPts val="0"/>
-              </a:spcBef>
-              <a:spcAft>
-                <a:spcPts val="0"/>
-              </a:spcAft>
-            </a:pPr>
-            <a:r>
-              <a:rPr sz="1200" b="1">
-                <a:solidFill>
-                  <a:srgbClr val="2563EB"/>
-                </a:solidFill>
-                <a:latin typeface="IPAPGothic"/>
-              </a:rPr>
-              <a:t>M</a:t>
-            </a:r>
-          </a:p>
-        </p:txBody>
-      </p:sp>
-      <p:sp>
-        <p:nvSpPr>
-          <p:cNvPr id="9" name="TextBox 8"/>
-          <p:cNvSpPr txBox="1"/>
-          <p:nvPr/>
-        </p:nvSpPr>
-        <p:spPr>
-          <a:xfrm>
-            <a:off x="530352" y="1883664"/>
-            <a:ext cx="2459736" cy="237744"/>
-          </a:xfrm>
-          <a:prstGeom prst="rect">
-            <a:avLst/>
-          </a:prstGeom>
-          <a:noFill/>
-        </p:spPr>
-        <p:txBody>
-          <a:bodyPr wrap="square"/>
-          <a:lstStyle/>
-          <a:p>
-            <a:pPr algn="ctr">
-              <a:lnSpc>
-                <a:spcPct val="135000"/>
-              </a:lnSpc>
-              <a:spcBef>
-                <a:spcPts val="0"/>
-              </a:spcBef>
-              <a:spcAft>
-                <a:spcPts val="0"/>
-              </a:spcAft>
-            </a:pPr>
-            <a:r>
-              <a:rPr sz="1100" b="1">
-                <a:solidFill>
-                  <a:srgbClr val="1E293B"/>
-                </a:solidFill>
-                <a:latin typeface="IPAPGothic"/>
-              </a:rPr>
-              <a:t>葬祭・メモリアル</a:t>
-            </a:r>
-          </a:p>
-        </p:txBody>
-      </p:sp>
-      <p:sp>
-        <p:nvSpPr>
-          <p:cNvPr id="10" name="TextBox 9"/>
-          <p:cNvSpPr txBox="1"/>
-          <p:nvPr/>
-        </p:nvSpPr>
-        <p:spPr>
-          <a:xfrm>
-            <a:off x="530352" y="2194560"/>
-            <a:ext cx="2459736" cy="521208"/>
-          </a:xfrm>
-          <a:prstGeom prst="rect">
-            <a:avLst/>
-          </a:prstGeom>
-          <a:noFill/>
-        </p:spPr>
-        <p:txBody>
-          <a:bodyPr wrap="square"/>
-          <a:lstStyle/>
-          <a:p>
-            <a:pPr algn="ctr">
-              <a:lnSpc>
-                <a:spcPct val="135000"/>
-              </a:lnSpc>
-              <a:spcBef>
-                <a:spcPts val="0"/>
-              </a:spcBef>
-              <a:spcAft>
-                <a:spcPts val="0"/>
-              </a:spcAft>
-            </a:pPr>
-            <a:r>
-              <a:rPr sz="900" b="0">
-                <a:solidFill>
-                  <a:srgbClr val="475569"/>
-                </a:solidFill>
-                <a:latin typeface="IPAPGothic"/>
-              </a:rPr>
-              <a:t>墓じまい代替、永代供養デジタル化、遺族向け新サービス</a:t>
-            </a:r>
-          </a:p>
-        </p:txBody>
-      </p:sp>
-      <p:sp>
-        <p:nvSpPr>
-          <p:cNvPr id="11" name="Rectangle 10"/>
-          <p:cNvSpPr/>
-          <p:nvPr/>
-        </p:nvSpPr>
-        <p:spPr>
-          <a:xfrm>
-            <a:off x="3273552" y="1371600"/>
-            <a:ext cx="2606040" cy="1417320"/>
+            <a:off x="3273552" y="1051560"/>
+            <a:ext cx="2606040" cy="2011680"/>
           </a:xfrm>
           <a:prstGeom prst="rect">
             <a:avLst/>
@@ -10575,186 +13000,143 @@
       </p:sp>
       <p:sp>
         <p:nvSpPr>
-          <p:cNvPr id="12" name="Oval 11"/>
+          <p:cNvPr id="10" name="TextBox 9"/>
+          <p:cNvSpPr txBox="1"/>
+          <p:nvPr/>
+        </p:nvSpPr>
+        <p:spPr>
+          <a:xfrm>
+            <a:off x="3410712" y="1143000"/>
+            <a:ext cx="2331720" cy="228600"/>
+          </a:xfrm>
+          <a:prstGeom prst="rect">
+            <a:avLst/>
+          </a:prstGeom>
+          <a:noFill/>
+        </p:spPr>
+        <p:txBody>
+          <a:bodyPr wrap="square"/>
+          <a:lstStyle/>
+          <a:p>
+            <a:pPr algn="l">
+              <a:lnSpc>
+                <a:spcPct val="135000"/>
+              </a:lnSpc>
+              <a:spcBef>
+                <a:spcPts val="0"/>
+              </a:spcBef>
+              <a:spcAft>
+                <a:spcPts val="0"/>
+              </a:spcAft>
+            </a:pPr>
+            <a:r>
+              <a:rPr sz="900" b="1">
+                <a:solidFill>
+                  <a:srgbClr val="2563EB"/>
+                </a:solidFill>
+                <a:latin typeface="IPAPGothic"/>
+              </a:rPr>
+              <a:t>Gemini / Google</a:t>
+            </a:r>
+          </a:p>
+        </p:txBody>
+      </p:sp>
+      <p:sp>
+        <p:nvSpPr>
+          <p:cNvPr id="11" name="TextBox 10"/>
+          <p:cNvSpPr txBox="1"/>
+          <p:nvPr/>
+        </p:nvSpPr>
+        <p:spPr>
+          <a:xfrm>
+            <a:off x="3410712" y="1417320"/>
+            <a:ext cx="2331720" cy="274320"/>
+          </a:xfrm>
+          <a:prstGeom prst="rect">
+            <a:avLst/>
+          </a:prstGeom>
+          <a:noFill/>
+        </p:spPr>
+        <p:txBody>
+          <a:bodyPr wrap="square"/>
+          <a:lstStyle/>
+          <a:p>
+            <a:pPr algn="l">
+              <a:lnSpc>
+                <a:spcPct val="135000"/>
+              </a:lnSpc>
+              <a:spcBef>
+                <a:spcPts val="0"/>
+              </a:spcBef>
+              <a:spcAft>
+                <a:spcPts val="0"/>
+              </a:spcAft>
+            </a:pPr>
+            <a:r>
+              <a:rPr sz="1100" b="1">
+                <a:solidFill>
+                  <a:srgbClr val="1E293B"/>
+                </a:solidFill>
+                <a:latin typeface="IPAPGothic"/>
+              </a:rPr>
+              <a:t>制度活用の高度さ</a:t>
+            </a:r>
+          </a:p>
+        </p:txBody>
+      </p:sp>
+      <p:sp>
+        <p:nvSpPr>
+          <p:cNvPr id="12" name="TextBox 11"/>
+          <p:cNvSpPr txBox="1"/>
+          <p:nvPr/>
+        </p:nvSpPr>
+        <p:spPr>
+          <a:xfrm>
+            <a:off x="3410712" y="1737360"/>
+            <a:ext cx="2331720" cy="1234440"/>
+          </a:xfrm>
+          <a:prstGeom prst="rect">
+            <a:avLst/>
+          </a:prstGeom>
+          <a:noFill/>
+        </p:spPr>
+        <p:txBody>
+          <a:bodyPr wrap="square"/>
+          <a:lstStyle/>
+          <a:p>
+            <a:pPr algn="l">
+              <a:lnSpc>
+                <a:spcPct val="135000"/>
+              </a:lnSpc>
+              <a:spcBef>
+                <a:spcPts val="0"/>
+              </a:spcBef>
+              <a:spcAft>
+                <a:spcPts val="0"/>
+              </a:spcAft>
+            </a:pPr>
+            <a:r>
+              <a:rPr sz="1000" b="0">
+                <a:solidFill>
+                  <a:srgbClr val="475569"/>
+                </a:solidFill>
+                <a:latin typeface="IPAPGothic"/>
+              </a:rPr>
+              <a:t>「法制度のアーキテクチャを逆手に取った高度なデザイン」</a:t>
+            </a:r>
+          </a:p>
+        </p:txBody>
+      </p:sp>
+      <p:sp>
+        <p:nvSpPr>
+          <p:cNvPr id="13" name="Rectangle 12"/>
           <p:cNvSpPr/>
           <p:nvPr/>
         </p:nvSpPr>
         <p:spPr>
           <a:xfrm>
-            <a:off x="4384548" y="1463040"/>
-            <a:ext cx="384048" cy="384048"/>
-          </a:xfrm>
-          <a:prstGeom prst="ellipse">
-            <a:avLst/>
-          </a:prstGeom>
-          <a:solidFill>
-            <a:srgbClr val="EFF6FF"/>
-          </a:solidFill>
-          <a:ln>
-            <a:noFill/>
-          </a:ln>
-        </p:spPr>
-        <p:style>
-          <a:lnRef idx="1">
-            <a:schemeClr val="accent1"/>
-          </a:lnRef>
-          <a:fillRef idx="3">
-            <a:schemeClr val="accent1"/>
-          </a:fillRef>
-          <a:effectRef idx="2">
-            <a:schemeClr val="accent1"/>
-          </a:effectRef>
-          <a:fontRef idx="minor">
-            <a:schemeClr val="lt1"/>
-          </a:fontRef>
-        </p:style>
-        <p:txBody>
-          <a:bodyPr rtlCol="0" anchor="ctr"/>
-          <a:lstStyle/>
-          <a:p>
-            <a:pPr algn="ctr"/>
-          </a:p>
-        </p:txBody>
-      </p:sp>
-      <p:sp>
-        <p:nvSpPr>
-          <p:cNvPr id="13" name="TextBox 12"/>
-          <p:cNvSpPr txBox="1"/>
-          <p:nvPr/>
-        </p:nvSpPr>
-        <p:spPr>
-          <a:xfrm>
-            <a:off x="4384548" y="1463040"/>
-            <a:ext cx="384048" cy="384048"/>
-          </a:xfrm>
-          <a:prstGeom prst="rect">
-            <a:avLst/>
-          </a:prstGeom>
-          <a:noFill/>
-        </p:spPr>
-        <p:txBody>
-          <a:bodyPr wrap="square" anchor="ctr"/>
-          <a:lstStyle/>
-          <a:p>
-            <a:pPr algn="ctr">
-              <a:lnSpc>
-                <a:spcPct val="135000"/>
-              </a:lnSpc>
-              <a:spcBef>
-                <a:spcPts val="0"/>
-              </a:spcBef>
-              <a:spcAft>
-                <a:spcPts val="0"/>
-              </a:spcAft>
-            </a:pPr>
-            <a:r>
-              <a:rPr sz="1200" b="1">
-                <a:solidFill>
-                  <a:srgbClr val="2563EB"/>
-                </a:solidFill>
-                <a:latin typeface="IPAPGothic"/>
-              </a:rPr>
-              <a:t>H</a:t>
-            </a:r>
-          </a:p>
-        </p:txBody>
-      </p:sp>
-      <p:sp>
-        <p:nvSpPr>
-          <p:cNvPr id="14" name="TextBox 13"/>
-          <p:cNvSpPr txBox="1"/>
-          <p:nvPr/>
-        </p:nvSpPr>
-        <p:spPr>
-          <a:xfrm>
-            <a:off x="3346704" y="1883664"/>
-            <a:ext cx="2459736" cy="237744"/>
-          </a:xfrm>
-          <a:prstGeom prst="rect">
-            <a:avLst/>
-          </a:prstGeom>
-          <a:noFill/>
-        </p:spPr>
-        <p:txBody>
-          <a:bodyPr wrap="square"/>
-          <a:lstStyle/>
-          <a:p>
-            <a:pPr algn="ctr">
-              <a:lnSpc>
-                <a:spcPct val="135000"/>
-              </a:lnSpc>
-              <a:spcBef>
-                <a:spcPts val="0"/>
-              </a:spcBef>
-              <a:spcAft>
-                <a:spcPts val="0"/>
-              </a:spcAft>
-            </a:pPr>
-            <a:r>
-              <a:rPr sz="1100" b="1">
-                <a:solidFill>
-                  <a:srgbClr val="1E293B"/>
-                </a:solidFill>
-                <a:latin typeface="IPAPGothic"/>
-              </a:rPr>
-              <a:t>ホスピタリティ</a:t>
-            </a:r>
-          </a:p>
-        </p:txBody>
-      </p:sp>
-      <p:sp>
-        <p:nvSpPr>
-          <p:cNvPr id="15" name="TextBox 14"/>
-          <p:cNvSpPr txBox="1"/>
-          <p:nvPr/>
-        </p:nvSpPr>
-        <p:spPr>
-          <a:xfrm>
-            <a:off x="3346704" y="2194560"/>
-            <a:ext cx="2459736" cy="521208"/>
-          </a:xfrm>
-          <a:prstGeom prst="rect">
-            <a:avLst/>
-          </a:prstGeom>
-          <a:noFill/>
-        </p:spPr>
-        <p:txBody>
-          <a:bodyPr wrap="square"/>
-          <a:lstStyle/>
-          <a:p>
-            <a:pPr algn="ctr">
-              <a:lnSpc>
-                <a:spcPct val="135000"/>
-              </a:lnSpc>
-              <a:spcBef>
-                <a:spcPts val="0"/>
-              </a:spcBef>
-              <a:spcAft>
-                <a:spcPts val="0"/>
-              </a:spcAft>
-            </a:pPr>
-            <a:r>
-              <a:rPr sz="900" b="0">
-                <a:solidFill>
-                  <a:srgbClr val="475569"/>
-                </a:solidFill>
-                <a:latin typeface="IPAPGothic"/>
-              </a:rPr>
-              <a:t>ウェディング記録、ホテルCX、記念日サービス</a:t>
-            </a:r>
-          </a:p>
-        </p:txBody>
-      </p:sp>
-      <p:sp>
-        <p:nvSpPr>
-          <p:cNvPr id="16" name="Rectangle 15"/>
-          <p:cNvSpPr/>
-          <p:nvPr/>
-        </p:nvSpPr>
-        <p:spPr>
-          <a:xfrm>
-            <a:off x="6089904" y="1371600"/>
-            <a:ext cx="2606040" cy="1417320"/>
+            <a:off x="6089904" y="1051560"/>
+            <a:ext cx="2606040" cy="2011680"/>
           </a:xfrm>
           <a:prstGeom prst="rect">
             <a:avLst/>
@@ -10792,20 +13174,149 @@
       </p:sp>
       <p:sp>
         <p:nvSpPr>
-          <p:cNvPr id="17" name="Oval 16"/>
+          <p:cNvPr id="14" name="TextBox 13"/>
+          <p:cNvSpPr txBox="1"/>
+          <p:nvPr/>
+        </p:nvSpPr>
+        <p:spPr>
+          <a:xfrm>
+            <a:off x="6227064" y="1143000"/>
+            <a:ext cx="2331720" cy="228600"/>
+          </a:xfrm>
+          <a:prstGeom prst="rect">
+            <a:avLst/>
+          </a:prstGeom>
+          <a:noFill/>
+        </p:spPr>
+        <p:txBody>
+          <a:bodyPr wrap="square"/>
+          <a:lstStyle/>
+          <a:p>
+            <a:pPr algn="l">
+              <a:lnSpc>
+                <a:spcPct val="135000"/>
+              </a:lnSpc>
+              <a:spcBef>
+                <a:spcPts val="0"/>
+              </a:spcBef>
+              <a:spcAft>
+                <a:spcPts val="0"/>
+              </a:spcAft>
+            </a:pPr>
+            <a:r>
+              <a:rPr sz="900" b="1">
+                <a:solidFill>
+                  <a:srgbClr val="2563EB"/>
+                </a:solidFill>
+                <a:latin typeface="IPAPGothic"/>
+              </a:rPr>
+              <a:t>ChatGPT / OpenAI</a:t>
+            </a:r>
+          </a:p>
+        </p:txBody>
+      </p:sp>
+      <p:sp>
+        <p:nvSpPr>
+          <p:cNvPr id="15" name="TextBox 14"/>
+          <p:cNvSpPr txBox="1"/>
+          <p:nvPr/>
+        </p:nvSpPr>
+        <p:spPr>
+          <a:xfrm>
+            <a:off x="6227064" y="1417320"/>
+            <a:ext cx="2331720" cy="274320"/>
+          </a:xfrm>
+          <a:prstGeom prst="rect">
+            <a:avLst/>
+          </a:prstGeom>
+          <a:noFill/>
+        </p:spPr>
+        <p:txBody>
+          <a:bodyPr wrap="square"/>
+          <a:lstStyle/>
+          <a:p>
+            <a:pPr algn="l">
+              <a:lnSpc>
+                <a:spcPct val="135000"/>
+              </a:lnSpc>
+              <a:spcBef>
+                <a:spcPts val="0"/>
+              </a:spcBef>
+              <a:spcAft>
+                <a:spcPts val="0"/>
+              </a:spcAft>
+            </a:pPr>
+            <a:r>
+              <a:rPr sz="1100" b="1">
+                <a:solidFill>
+                  <a:srgbClr val="1E293B"/>
+                </a:solidFill>
+                <a:latin typeface="IPAPGothic"/>
+              </a:rPr>
+              <a:t>コストパフォーマンス</a:t>
+            </a:r>
+          </a:p>
+        </p:txBody>
+      </p:sp>
+      <p:sp>
+        <p:nvSpPr>
+          <p:cNvPr id="16" name="TextBox 15"/>
+          <p:cNvSpPr txBox="1"/>
+          <p:nvPr/>
+        </p:nvSpPr>
+        <p:spPr>
+          <a:xfrm>
+            <a:off x="6227064" y="1737360"/>
+            <a:ext cx="2331720" cy="1234440"/>
+          </a:xfrm>
+          <a:prstGeom prst="rect">
+            <a:avLst/>
+          </a:prstGeom>
+          <a:noFill/>
+        </p:spPr>
+        <p:txBody>
+          <a:bodyPr wrap="square"/>
+          <a:lstStyle/>
+          <a:p>
+            <a:pPr algn="l">
+              <a:lnSpc>
+                <a:spcPct val="135000"/>
+              </a:lnSpc>
+              <a:spcBef>
+                <a:spcPts val="0"/>
+              </a:spcBef>
+              <a:spcAft>
+                <a:spcPts val="0"/>
+              </a:spcAft>
+            </a:pPr>
+            <a:r>
+              <a:rPr sz="1000" b="0">
+                <a:solidFill>
+                  <a:srgbClr val="475569"/>
+                </a:solidFill>
+                <a:latin typeface="IPAPGothic"/>
+              </a:rPr>
+              <a:t>「年間50円のコストは驚異的な価値」</a:t>
+            </a:r>
+          </a:p>
+        </p:txBody>
+      </p:sp>
+      <p:sp>
+        <p:nvSpPr>
+          <p:cNvPr id="17" name="Rectangle 16"/>
           <p:cNvSpPr/>
           <p:nvPr/>
         </p:nvSpPr>
         <p:spPr>
           <a:xfrm>
-            <a:off x="7200900" y="1463040"/>
-            <a:ext cx="384048" cy="384048"/>
-          </a:xfrm>
-          <a:prstGeom prst="ellipse">
+            <a:off x="457200" y="3246120"/>
+            <a:ext cx="7863840" cy="640080"/>
+          </a:xfrm>
+          <a:prstGeom prst="rect">
             <a:avLst/>
           </a:prstGeom>
           <a:solidFill>
-            <a:srgbClr val="EFF6FF"/>
+            <a:srgbClr val="FDF8E8"/>
           </a:solidFill>
           <a:ln>
             <a:noFill/>
@@ -10835,154 +13346,23 @@
       </p:sp>
       <p:sp>
         <p:nvSpPr>
-          <p:cNvPr id="18" name="TextBox 17"/>
-          <p:cNvSpPr txBox="1"/>
-          <p:nvPr/>
-        </p:nvSpPr>
-        <p:spPr>
-          <a:xfrm>
-            <a:off x="7200900" y="1463040"/>
-            <a:ext cx="384048" cy="384048"/>
-          </a:xfrm>
-          <a:prstGeom prst="rect">
-            <a:avLst/>
-          </a:prstGeom>
-          <a:noFill/>
-        </p:spPr>
-        <p:txBody>
-          <a:bodyPr wrap="square" anchor="ctr"/>
-          <a:lstStyle/>
-          <a:p>
-            <a:pPr algn="ctr">
-              <a:lnSpc>
-                <a:spcPct val="135000"/>
-              </a:lnSpc>
-              <a:spcBef>
-                <a:spcPts val="0"/>
-              </a:spcBef>
-              <a:spcAft>
-                <a:spcPts val="0"/>
-              </a:spcAft>
-            </a:pPr>
-            <a:r>
-              <a:rPr sz="1200" b="1">
-                <a:solidFill>
-                  <a:srgbClr val="2563EB"/>
-                </a:solidFill>
-                <a:latin typeface="IPAPGothic"/>
-              </a:rPr>
-              <a:t>R</a:t>
-            </a:r>
-          </a:p>
-        </p:txBody>
-      </p:sp>
-      <p:sp>
-        <p:nvSpPr>
-          <p:cNvPr id="19" name="TextBox 18"/>
-          <p:cNvSpPr txBox="1"/>
-          <p:nvPr/>
-        </p:nvSpPr>
-        <p:spPr>
-          <a:xfrm>
-            <a:off x="6163056" y="1883664"/>
-            <a:ext cx="2459736" cy="237744"/>
-          </a:xfrm>
-          <a:prstGeom prst="rect">
-            <a:avLst/>
-          </a:prstGeom>
-          <a:noFill/>
-        </p:spPr>
-        <p:txBody>
-          <a:bodyPr wrap="square"/>
-          <a:lstStyle/>
-          <a:p>
-            <a:pPr algn="ctr">
-              <a:lnSpc>
-                <a:spcPct val="135000"/>
-              </a:lnSpc>
-              <a:spcBef>
-                <a:spcPts val="0"/>
-              </a:spcBef>
-              <a:spcAft>
-                <a:spcPts val="0"/>
-              </a:spcAft>
-            </a:pPr>
-            <a:r>
-              <a:rPr sz="1100" b="1">
-                <a:solidFill>
-                  <a:srgbClr val="1E293B"/>
-                </a:solidFill>
-                <a:latin typeface="IPAPGothic"/>
-              </a:rPr>
-              <a:t>宗教法人・寺社</a:t>
-            </a:r>
-          </a:p>
-        </p:txBody>
-      </p:sp>
-      <p:sp>
-        <p:nvSpPr>
-          <p:cNvPr id="20" name="TextBox 19"/>
-          <p:cNvSpPr txBox="1"/>
-          <p:nvPr/>
-        </p:nvSpPr>
-        <p:spPr>
-          <a:xfrm>
-            <a:off x="6163056" y="2194560"/>
-            <a:ext cx="2459736" cy="521208"/>
-          </a:xfrm>
-          <a:prstGeom prst="rect">
-            <a:avLst/>
-          </a:prstGeom>
-          <a:noFill/>
-        </p:spPr>
-        <p:txBody>
-          <a:bodyPr wrap="square"/>
-          <a:lstStyle/>
-          <a:p>
-            <a:pPr algn="ctr">
-              <a:lnSpc>
-                <a:spcPct val="135000"/>
-              </a:lnSpc>
-              <a:spcBef>
-                <a:spcPts val="0"/>
-              </a:spcBef>
-              <a:spcAft>
-                <a:spcPts val="0"/>
-              </a:spcAft>
-            </a:pPr>
-            <a:r>
-              <a:rPr sz="900" b="0">
-                <a:solidFill>
-                  <a:srgbClr val="475569"/>
-                </a:solidFill>
-                <a:latin typeface="IPAPGothic"/>
-              </a:rPr>
-              <a:t>檀家記録の永続化、参拝体験DX、文化財保存</a:t>
-            </a:r>
-          </a:p>
-        </p:txBody>
-      </p:sp>
-      <p:sp>
-        <p:nvSpPr>
-          <p:cNvPr id="21" name="Rectangle 20"/>
+          <p:cNvPr id="18" name="Rectangle 17"/>
           <p:cNvSpPr/>
           <p:nvPr/>
         </p:nvSpPr>
         <p:spPr>
           <a:xfrm>
-            <a:off x="457200" y="2926080"/>
-            <a:ext cx="2606040" cy="1417320"/>
+            <a:off x="457200" y="3246120"/>
+            <a:ext cx="54864" cy="640080"/>
           </a:xfrm>
           <a:prstGeom prst="rect">
             <a:avLst/>
           </a:prstGeom>
           <a:solidFill>
-            <a:srgbClr val="FFFFFF"/>
+            <a:srgbClr val="C9A962"/>
           </a:solidFill>
-          <a:ln w="9525">
-            <a:solidFill>
-              <a:srgbClr val="E2E8F0"/>
-            </a:solidFill>
+          <a:ln>
+            <a:noFill/>
           </a:ln>
         </p:spPr>
         <p:style>
@@ -11009,57 +13389,14 @@
       </p:sp>
       <p:sp>
         <p:nvSpPr>
-          <p:cNvPr id="22" name="Oval 21"/>
-          <p:cNvSpPr/>
-          <p:nvPr/>
-        </p:nvSpPr>
-        <p:spPr>
-          <a:xfrm>
-            <a:off x="1568196" y="3017520"/>
-            <a:ext cx="384048" cy="384048"/>
-          </a:xfrm>
-          <a:prstGeom prst="ellipse">
-            <a:avLst/>
-          </a:prstGeom>
-          <a:solidFill>
-            <a:srgbClr val="EFF6FF"/>
-          </a:solidFill>
-          <a:ln>
-            <a:noFill/>
-          </a:ln>
-        </p:spPr>
-        <p:style>
-          <a:lnRef idx="1">
-            <a:schemeClr val="accent1"/>
-          </a:lnRef>
-          <a:fillRef idx="3">
-            <a:schemeClr val="accent1"/>
-          </a:fillRef>
-          <a:effectRef idx="2">
-            <a:schemeClr val="accent1"/>
-          </a:effectRef>
-          <a:fontRef idx="minor">
-            <a:schemeClr val="lt1"/>
-          </a:fontRef>
-        </p:style>
-        <p:txBody>
-          <a:bodyPr rtlCol="0" anchor="ctr"/>
-          <a:lstStyle/>
-          <a:p>
-            <a:pPr algn="ctr"/>
-          </a:p>
-        </p:txBody>
-      </p:sp>
-      <p:sp>
-        <p:nvSpPr>
-          <p:cNvPr id="23" name="TextBox 22"/>
-          <p:cNvSpPr txBox="1"/>
-          <p:nvPr/>
-        </p:nvSpPr>
-        <p:spPr>
-          <a:xfrm>
-            <a:off x="1568196" y="3017520"/>
-            <a:ext cx="384048" cy="384048"/>
+          <p:cNvPr id="19" name="TextBox 18"/>
+          <p:cNvSpPr txBox="1"/>
+          <p:nvPr/>
+        </p:nvSpPr>
+        <p:spPr>
+          <a:xfrm>
+            <a:off x="685800" y="3337560"/>
+            <a:ext cx="7543800" cy="457200"/>
           </a:xfrm>
           <a:prstGeom prst="rect">
             <a:avLst/>
@@ -11070,552 +13407,32 @@
           <a:bodyPr wrap="square" anchor="ctr"/>
           <a:lstStyle/>
           <a:p>
-            <a:pPr algn="ctr">
-              <a:lnSpc>
-                <a:spcPct val="135000"/>
-              </a:lnSpc>
-              <a:spcBef>
-                <a:spcPts val="0"/>
-              </a:spcBef>
-              <a:spcAft>
-                <a:spcPts val="0"/>
-              </a:spcAft>
-            </a:pPr>
-            <a:r>
-              <a:rPr sz="1200" b="1">
-                <a:solidFill>
-                  <a:srgbClr val="2563EB"/>
-                </a:solidFill>
-                <a:latin typeface="IPAPGothic"/>
-              </a:rPr>
-              <a:t>G</a:t>
-            </a:r>
-          </a:p>
-        </p:txBody>
-      </p:sp>
-      <p:sp>
-        <p:nvSpPr>
-          <p:cNvPr id="24" name="TextBox 23"/>
-          <p:cNvSpPr txBox="1"/>
-          <p:nvPr/>
-        </p:nvSpPr>
-        <p:spPr>
-          <a:xfrm>
-            <a:off x="530352" y="3438144"/>
-            <a:ext cx="2459736" cy="237744"/>
-          </a:xfrm>
-          <a:prstGeom prst="rect">
-            <a:avLst/>
-          </a:prstGeom>
-          <a:noFill/>
-        </p:spPr>
-        <p:txBody>
-          <a:bodyPr wrap="square"/>
-          <a:lstStyle/>
-          <a:p>
-            <a:pPr algn="ctr">
-              <a:lnSpc>
-                <a:spcPct val="135000"/>
-              </a:lnSpc>
-              <a:spcBef>
-                <a:spcPts val="0"/>
-              </a:spcBef>
-              <a:spcAft>
-                <a:spcPts val="0"/>
-              </a:spcAft>
-            </a:pPr>
-            <a:r>
-              <a:rPr sz="1100" b="1">
-                <a:solidFill>
-                  <a:srgbClr val="1E293B"/>
-                </a:solidFill>
-                <a:latin typeface="IPAPGothic"/>
-              </a:rPr>
-              <a:t>自治体・教育</a:t>
-            </a:r>
-          </a:p>
-        </p:txBody>
-      </p:sp>
-      <p:sp>
-        <p:nvSpPr>
-          <p:cNvPr id="25" name="TextBox 24"/>
-          <p:cNvSpPr txBox="1"/>
-          <p:nvPr/>
-        </p:nvSpPr>
-        <p:spPr>
-          <a:xfrm>
-            <a:off x="530352" y="3749040"/>
-            <a:ext cx="2459736" cy="521208"/>
-          </a:xfrm>
-          <a:prstGeom prst="rect">
-            <a:avLst/>
-          </a:prstGeom>
-          <a:noFill/>
-        </p:spPr>
-        <p:txBody>
-          <a:bodyPr wrap="square"/>
-          <a:lstStyle/>
-          <a:p>
-            <a:pPr algn="ctr">
-              <a:lnSpc>
-                <a:spcPct val="135000"/>
-              </a:lnSpc>
-              <a:spcBef>
-                <a:spcPts val="0"/>
-              </a:spcBef>
-              <a:spcAft>
-                <a:spcPts val="0"/>
-              </a:spcAft>
-            </a:pPr>
-            <a:r>
-              <a:rPr sz="900" b="0">
+            <a:pPr algn="l">
+              <a:lnSpc>
+                <a:spcPct val="135000"/>
+              </a:lnSpc>
+              <a:spcBef>
+                <a:spcPts val="0"/>
+              </a:spcBef>
+              <a:spcAft>
+                <a:spcPts val="0"/>
+              </a:spcAft>
+            </a:pPr>
+            <a:r>
+              <a:rPr sz="1000" b="0">
                 <a:solidFill>
                   <a:srgbClr val="475569"/>
                 </a:solidFill>
                 <a:latin typeface="IPAPGothic"/>
               </a:rPr>
-              <a:t>地域アーカイブ、災害記録、学校史の永続化</a:t>
-            </a:r>
-          </a:p>
-        </p:txBody>
-      </p:sp>
-      <p:sp>
-        <p:nvSpPr>
-          <p:cNvPr id="26" name="Rectangle 25"/>
-          <p:cNvSpPr/>
-          <p:nvPr/>
-        </p:nvSpPr>
-        <p:spPr>
-          <a:xfrm>
-            <a:off x="3273552" y="2926080"/>
-            <a:ext cx="2606040" cy="1417320"/>
-          </a:xfrm>
-          <a:prstGeom prst="rect">
-            <a:avLst/>
-          </a:prstGeom>
-          <a:solidFill>
-            <a:srgbClr val="FFFFFF"/>
-          </a:solidFill>
-          <a:ln w="9525">
-            <a:solidFill>
-              <a:srgbClr val="E2E8F0"/>
-            </a:solidFill>
-          </a:ln>
-        </p:spPr>
-        <p:style>
-          <a:lnRef idx="1">
-            <a:schemeClr val="accent1"/>
-          </a:lnRef>
-          <a:fillRef idx="3">
-            <a:schemeClr val="accent1"/>
-          </a:fillRef>
-          <a:effectRef idx="2">
-            <a:schemeClr val="accent1"/>
-          </a:effectRef>
-          <a:fontRef idx="minor">
-            <a:schemeClr val="lt1"/>
-          </a:fontRef>
-        </p:style>
-        <p:txBody>
-          <a:bodyPr rtlCol="0" anchor="ctr"/>
-          <a:lstStyle/>
-          <a:p>
-            <a:pPr algn="ctr"/>
-          </a:p>
-        </p:txBody>
-      </p:sp>
-      <p:sp>
-        <p:nvSpPr>
-          <p:cNvPr id="27" name="Oval 26"/>
-          <p:cNvSpPr/>
-          <p:nvPr/>
-        </p:nvSpPr>
-        <p:spPr>
-          <a:xfrm>
-            <a:off x="4384548" y="3017520"/>
-            <a:ext cx="384048" cy="384048"/>
-          </a:xfrm>
-          <a:prstGeom prst="ellipse">
-            <a:avLst/>
-          </a:prstGeom>
-          <a:solidFill>
-            <a:srgbClr val="EFF6FF"/>
-          </a:solidFill>
-          <a:ln>
-            <a:noFill/>
-          </a:ln>
-        </p:spPr>
-        <p:style>
-          <a:lnRef idx="1">
-            <a:schemeClr val="accent1"/>
-          </a:lnRef>
-          <a:fillRef idx="3">
-            <a:schemeClr val="accent1"/>
-          </a:fillRef>
-          <a:effectRef idx="2">
-            <a:schemeClr val="accent1"/>
-          </a:effectRef>
-          <a:fontRef idx="minor">
-            <a:schemeClr val="lt1"/>
-          </a:fontRef>
-        </p:style>
-        <p:txBody>
-          <a:bodyPr rtlCol="0" anchor="ctr"/>
-          <a:lstStyle/>
-          <a:p>
-            <a:pPr algn="ctr"/>
-          </a:p>
-        </p:txBody>
-      </p:sp>
-      <p:sp>
-        <p:nvSpPr>
-          <p:cNvPr id="28" name="TextBox 27"/>
-          <p:cNvSpPr txBox="1"/>
-          <p:nvPr/>
-        </p:nvSpPr>
-        <p:spPr>
-          <a:xfrm>
-            <a:off x="4384548" y="3017520"/>
-            <a:ext cx="384048" cy="384048"/>
-          </a:xfrm>
-          <a:prstGeom prst="rect">
-            <a:avLst/>
-          </a:prstGeom>
-          <a:noFill/>
-        </p:spPr>
-        <p:txBody>
-          <a:bodyPr wrap="square" anchor="ctr"/>
-          <a:lstStyle/>
-          <a:p>
-            <a:pPr algn="ctr">
-              <a:lnSpc>
-                <a:spcPct val="135000"/>
-              </a:lnSpc>
-              <a:spcBef>
-                <a:spcPts val="0"/>
-              </a:spcBef>
-              <a:spcAft>
-                <a:spcPts val="0"/>
-              </a:spcAft>
-            </a:pPr>
-            <a:r>
-              <a:rPr sz="1200" b="1">
-                <a:solidFill>
-                  <a:srgbClr val="2563EB"/>
-                </a:solidFill>
-                <a:latin typeface="IPAPGothic"/>
-              </a:rPr>
-              <a:t>E</a:t>
-            </a:r>
-          </a:p>
-        </p:txBody>
-      </p:sp>
-      <p:sp>
-        <p:nvSpPr>
-          <p:cNvPr id="29" name="TextBox 28"/>
-          <p:cNvSpPr txBox="1"/>
-          <p:nvPr/>
-        </p:nvSpPr>
-        <p:spPr>
-          <a:xfrm>
-            <a:off x="3346704" y="3438144"/>
-            <a:ext cx="2459736" cy="237744"/>
-          </a:xfrm>
-          <a:prstGeom prst="rect">
-            <a:avLst/>
-          </a:prstGeom>
-          <a:noFill/>
-        </p:spPr>
-        <p:txBody>
-          <a:bodyPr wrap="square"/>
-          <a:lstStyle/>
-          <a:p>
-            <a:pPr algn="ctr">
-              <a:lnSpc>
-                <a:spcPct val="135000"/>
-              </a:lnSpc>
-              <a:spcBef>
-                <a:spcPts val="0"/>
-              </a:spcBef>
-              <a:spcAft>
-                <a:spcPts val="0"/>
-              </a:spcAft>
-            </a:pPr>
-            <a:r>
-              <a:rPr sz="1100" b="1">
-                <a:solidFill>
-                  <a:srgbClr val="1E293B"/>
-                </a:solidFill>
-                <a:latin typeface="IPAPGothic"/>
-              </a:rPr>
-              <a:t>ESG・サステナビリティ</a:t>
-            </a:r>
-          </a:p>
-        </p:txBody>
-      </p:sp>
-      <p:sp>
-        <p:nvSpPr>
-          <p:cNvPr id="30" name="TextBox 29"/>
-          <p:cNvSpPr txBox="1"/>
-          <p:nvPr/>
-        </p:nvSpPr>
-        <p:spPr>
-          <a:xfrm>
-            <a:off x="3346704" y="3749040"/>
-            <a:ext cx="2459736" cy="521208"/>
-          </a:xfrm>
-          <a:prstGeom prst="rect">
-            <a:avLst/>
-          </a:prstGeom>
-          <a:noFill/>
-        </p:spPr>
-        <p:txBody>
-          <a:bodyPr wrap="square"/>
-          <a:lstStyle/>
-          <a:p>
-            <a:pPr algn="ctr">
-              <a:lnSpc>
-                <a:spcPct val="135000"/>
-              </a:lnSpc>
-              <a:spcBef>
-                <a:spcPts val="0"/>
-              </a:spcBef>
-              <a:spcAft>
-                <a:spcPts val="0"/>
-              </a:spcAft>
-            </a:pPr>
-            <a:r>
-              <a:rPr sz="900" b="0">
-                <a:solidFill>
-                  <a:srgbClr val="475569"/>
-                </a:solidFill>
-                <a:latin typeface="IPAPGothic"/>
-              </a:rPr>
-              <a:t>1000年設計の企業理念記録、SDGs実績の永続証明</a:t>
-            </a:r>
-          </a:p>
-        </p:txBody>
-      </p:sp>
-      <p:sp>
-        <p:nvSpPr>
-          <p:cNvPr id="31" name="Rectangle 30"/>
-          <p:cNvSpPr/>
-          <p:nvPr/>
-        </p:nvSpPr>
-        <p:spPr>
-          <a:xfrm>
-            <a:off x="6089904" y="2926080"/>
-            <a:ext cx="2606040" cy="1417320"/>
-          </a:xfrm>
-          <a:prstGeom prst="rect">
-            <a:avLst/>
-          </a:prstGeom>
-          <a:solidFill>
-            <a:srgbClr val="FFFFFF"/>
-          </a:solidFill>
-          <a:ln w="9525">
-            <a:solidFill>
-              <a:srgbClr val="E2E8F0"/>
-            </a:solidFill>
-          </a:ln>
-        </p:spPr>
-        <p:style>
-          <a:lnRef idx="1">
-            <a:schemeClr val="accent1"/>
-          </a:lnRef>
-          <a:fillRef idx="3">
-            <a:schemeClr val="accent1"/>
-          </a:fillRef>
-          <a:effectRef idx="2">
-            <a:schemeClr val="accent1"/>
-          </a:effectRef>
-          <a:fontRef idx="minor">
-            <a:schemeClr val="lt1"/>
-          </a:fontRef>
-        </p:style>
-        <p:txBody>
-          <a:bodyPr rtlCol="0" anchor="ctr"/>
-          <a:lstStyle/>
-          <a:p>
-            <a:pPr algn="ctr"/>
-          </a:p>
-        </p:txBody>
-      </p:sp>
-      <p:sp>
-        <p:nvSpPr>
-          <p:cNvPr id="32" name="Oval 31"/>
-          <p:cNvSpPr/>
-          <p:nvPr/>
-        </p:nvSpPr>
-        <p:spPr>
-          <a:xfrm>
-            <a:off x="7200900" y="3017520"/>
-            <a:ext cx="384048" cy="384048"/>
-          </a:xfrm>
-          <a:prstGeom prst="ellipse">
-            <a:avLst/>
-          </a:prstGeom>
-          <a:solidFill>
-            <a:srgbClr val="EFF6FF"/>
-          </a:solidFill>
-          <a:ln>
-            <a:noFill/>
-          </a:ln>
-        </p:spPr>
-        <p:style>
-          <a:lnRef idx="1">
-            <a:schemeClr val="accent1"/>
-          </a:lnRef>
-          <a:fillRef idx="3">
-            <a:schemeClr val="accent1"/>
-          </a:fillRef>
-          <a:effectRef idx="2">
-            <a:schemeClr val="accent1"/>
-          </a:effectRef>
-          <a:fontRef idx="minor">
-            <a:schemeClr val="lt1"/>
-          </a:fontRef>
-        </p:style>
-        <p:txBody>
-          <a:bodyPr rtlCol="0" anchor="ctr"/>
-          <a:lstStyle/>
-          <a:p>
-            <a:pPr algn="ctr"/>
-          </a:p>
-        </p:txBody>
-      </p:sp>
-      <p:sp>
-        <p:nvSpPr>
-          <p:cNvPr id="33" name="TextBox 32"/>
-          <p:cNvSpPr txBox="1"/>
-          <p:nvPr/>
-        </p:nvSpPr>
-        <p:spPr>
-          <a:xfrm>
-            <a:off x="7200900" y="3017520"/>
-            <a:ext cx="384048" cy="384048"/>
-          </a:xfrm>
-          <a:prstGeom prst="rect">
-            <a:avLst/>
-          </a:prstGeom>
-          <a:noFill/>
-        </p:spPr>
-        <p:txBody>
-          <a:bodyPr wrap="square" anchor="ctr"/>
-          <a:lstStyle/>
-          <a:p>
-            <a:pPr algn="ctr">
-              <a:lnSpc>
-                <a:spcPct val="135000"/>
-              </a:lnSpc>
-              <a:spcBef>
-                <a:spcPts val="0"/>
-              </a:spcBef>
-              <a:spcAft>
-                <a:spcPts val="0"/>
-              </a:spcAft>
-            </a:pPr>
-            <a:r>
-              <a:rPr sz="1200" b="1">
-                <a:solidFill>
-                  <a:srgbClr val="2563EB"/>
-                </a:solidFill>
-                <a:latin typeface="IPAPGothic"/>
-              </a:rPr>
-              <a:t>F</a:t>
-            </a:r>
-          </a:p>
-        </p:txBody>
-      </p:sp>
-      <p:sp>
-        <p:nvSpPr>
-          <p:cNvPr id="34" name="TextBox 33"/>
-          <p:cNvSpPr txBox="1"/>
-          <p:nvPr/>
-        </p:nvSpPr>
-        <p:spPr>
-          <a:xfrm>
-            <a:off x="6163056" y="3438144"/>
-            <a:ext cx="2459736" cy="237744"/>
-          </a:xfrm>
-          <a:prstGeom prst="rect">
-            <a:avLst/>
-          </a:prstGeom>
-          <a:noFill/>
-        </p:spPr>
-        <p:txBody>
-          <a:bodyPr wrap="square"/>
-          <a:lstStyle/>
-          <a:p>
-            <a:pPr algn="ctr">
-              <a:lnSpc>
-                <a:spcPct val="135000"/>
-              </a:lnSpc>
-              <a:spcBef>
-                <a:spcPts val="0"/>
-              </a:spcBef>
-              <a:spcAft>
-                <a:spcPts val="0"/>
-              </a:spcAft>
-            </a:pPr>
-            <a:r>
-              <a:rPr sz="1100" b="1">
-                <a:solidFill>
-                  <a:srgbClr val="1E293B"/>
-                </a:solidFill>
-                <a:latin typeface="IPAPGothic"/>
-              </a:rPr>
-              <a:t>金融・保険</a:t>
-            </a:r>
-          </a:p>
-        </p:txBody>
-      </p:sp>
-      <p:sp>
-        <p:nvSpPr>
-          <p:cNvPr id="35" name="TextBox 34"/>
-          <p:cNvSpPr txBox="1"/>
-          <p:nvPr/>
-        </p:nvSpPr>
-        <p:spPr>
-          <a:xfrm>
-            <a:off x="6163056" y="3749040"/>
-            <a:ext cx="2459736" cy="521208"/>
-          </a:xfrm>
-          <a:prstGeom prst="rect">
-            <a:avLst/>
-          </a:prstGeom>
-          <a:noFill/>
-        </p:spPr>
-        <p:txBody>
-          <a:bodyPr wrap="square"/>
-          <a:lstStyle/>
-          <a:p>
-            <a:pPr algn="ctr">
-              <a:lnSpc>
-                <a:spcPct val="135000"/>
-              </a:lnSpc>
-              <a:spcBef>
-                <a:spcPts val="0"/>
-              </a:spcBef>
-              <a:spcAft>
-                <a:spcPts val="0"/>
-              </a:spcAft>
-            </a:pPr>
-            <a:r>
-              <a:rPr sz="900" b="0">
-                <a:solidFill>
-                  <a:srgbClr val="475569"/>
-                </a:solidFill>
-                <a:latin typeface="IPAPGothic"/>
-              </a:rPr>
-              <a:t>終活関連サービス連携、デジタル遺品対策</a:t>
-            </a:r>
-          </a:p>
-        </p:txBody>
-      </p:sp>
-      <p:sp>
-        <p:nvSpPr>
-          <p:cNvPr id="36" name="Rectangle 35"/>
+              <a:t>伊勢神宮 式年遷宮奉納（2026）/ 比叡山延暦寺 根本中堂 不滅の法灯奉納（2026）/ 個人事業開業届出済（2026.2.11）</a:t>
+            </a:r>
+          </a:p>
+        </p:txBody>
+      </p:sp>
+      <p:sp>
+        <p:nvSpPr>
+          <p:cNvPr id="20" name="Rectangle 19"/>
           <p:cNvSpPr/>
           <p:nvPr/>
         </p:nvSpPr>
@@ -11658,7 +13475,7 @@
       </p:sp>
       <p:sp>
         <p:nvSpPr>
-          <p:cNvPr id="37" name="TextBox 36"/>
+          <p:cNvPr id="21" name="TextBox 20"/>
           <p:cNvSpPr txBox="1"/>
           <p:nvPr/>
         </p:nvSpPr>
@@ -11701,7 +13518,7 @@
       </p:sp>
       <p:sp>
         <p:nvSpPr>
-          <p:cNvPr id="38" name="TextBox 37"/>
+          <p:cNvPr id="22" name="TextBox 21"/>
           <p:cNvSpPr txBox="1"/>
           <p:nvPr/>
         </p:nvSpPr>
@@ -11744,7 +13561,7 @@
       </p:sp>
       <p:sp>
         <p:nvSpPr>
-          <p:cNvPr id="39" name="TextBox 38"/>
+          <p:cNvPr id="23" name="TextBox 22"/>
           <p:cNvSpPr txBox="1"/>
           <p:nvPr/>
         </p:nvSpPr>
@@ -11884,7 +13701,7 @@
                 </a:solidFill>
                 <a:latin typeface="IPAPGothic"/>
               </a:rPr>
-              <a:t>代表はBig4出身であり、ファームのコンプライアンス要件を理解した上で提携モデルを設計している</a:t>
+              <a:t>クライアント・パートナー・TokiStorageの三者がWinになる収益設計を採用している</a:t>
             </a:r>
           </a:p>
         </p:txBody>
@@ -11927,137 +13744,27 @@
                 </a:solidFill>
                 <a:latin typeface="IPAPGothic"/>
               </a:rPr>
-              <a:t>TEAM &amp; INDEPENDENCE</a:t>
-            </a:r>
-          </a:p>
-        </p:txBody>
-      </p:sp>
-      <p:pic>
-        <p:nvPicPr>
-          <p:cNvPr id="5" name="Picture 4" descr="_deck_profile.png"/>
-          <p:cNvPicPr>
-            <a:picLocks noChangeAspect="1"/>
-          </p:cNvPicPr>
-          <p:nvPr/>
-        </p:nvPicPr>
-        <p:blipFill>
-          <a:blip r:embed="rId2"/>
-          <a:stretch>
-            <a:fillRect/>
-          </a:stretch>
-        </p:blipFill>
-        <p:spPr>
-          <a:xfrm>
-            <a:off x="457200" y="1024128"/>
-            <a:ext cx="914400" cy="914400"/>
-          </a:xfrm>
-          <a:prstGeom prst="rect">
-            <a:avLst/>
-          </a:prstGeom>
-        </p:spPr>
-      </p:pic>
-      <p:sp>
-        <p:nvSpPr>
-          <p:cNvPr id="6" name="TextBox 5"/>
-          <p:cNvSpPr txBox="1"/>
-          <p:nvPr/>
-        </p:nvSpPr>
-        <p:spPr>
-          <a:xfrm>
-            <a:off x="1508760" y="1078992"/>
-            <a:ext cx="6675120" cy="320040"/>
-          </a:xfrm>
-          <a:prstGeom prst="rect">
-            <a:avLst/>
-          </a:prstGeom>
-          <a:noFill/>
-        </p:spPr>
-        <p:txBody>
-          <a:bodyPr wrap="square"/>
-          <a:lstStyle/>
-          <a:p>
-            <a:pPr algn="l">
-              <a:lnSpc>
-                <a:spcPct val="135000"/>
-              </a:lnSpc>
-              <a:spcBef>
-                <a:spcPts val="0"/>
-              </a:spcBef>
-              <a:spcAft>
-                <a:spcPts val="0"/>
-              </a:spcAft>
-            </a:pPr>
-            <a:r>
-              <a:rPr sz="1300" b="1">
-                <a:solidFill>
-                  <a:srgbClr val="1E293B"/>
-                </a:solidFill>
-                <a:latin typeface="IPAPGothic"/>
-              </a:rPr>
-              <a:t>佐藤卓也 — TokiStorage 代表</a:t>
-            </a:r>
-          </a:p>
-        </p:txBody>
-      </p:sp>
-      <p:sp>
-        <p:nvSpPr>
-          <p:cNvPr id="7" name="TextBox 6"/>
-          <p:cNvSpPr txBox="1"/>
-          <p:nvPr/>
-        </p:nvSpPr>
-        <p:spPr>
-          <a:xfrm>
-            <a:off x="1508760" y="1444752"/>
-            <a:ext cx="6675120" cy="1097280"/>
-          </a:xfrm>
-          <a:prstGeom prst="rect">
-            <a:avLst/>
-          </a:prstGeom>
-          <a:noFill/>
-        </p:spPr>
-        <p:txBody>
-          <a:bodyPr wrap="square"/>
-          <a:lstStyle/>
-          <a:p>
-            <a:pPr algn="l">
-              <a:lnSpc>
-                <a:spcPct val="135000"/>
-              </a:lnSpc>
-              <a:spcBef>
-                <a:spcPts val="0"/>
-              </a:spcBef>
-              <a:spcAft>
-                <a:spcPts val="0"/>
-              </a:spcAft>
-            </a:pPr>
-            <a:r>
-              <a:rPr sz="1000" b="0">
-                <a:solidFill>
-                  <a:srgbClr val="475569"/>
-                </a:solidFill>
-                <a:latin typeface="IPAPGothic"/>
-              </a:rPr>
-              <a:t>大手コンサルティングファームでの経験を経て、半導体製造装置のエンジニアリング20年超。タイムレスタウン新浦安（250世帯）の自治会長として「ゆりかごから墓場まで」のコミュニティ運営を経験。SoulCarrier活動で「記憶が消える恐怖」を目の当たりにし、TokiStorageを着想。マウイ・山中湖でのオフグリッド実証を経て、制度に依存しない千年設計の技術を完成。</a:t>
-            </a:r>
-          </a:p>
-        </p:txBody>
-      </p:sp>
-      <p:sp>
-        <p:nvSpPr>
-          <p:cNvPr id="8" name="Rectangle 7"/>
+              <a:t>REVENUE FLOW</a:t>
+            </a:r>
+          </a:p>
+        </p:txBody>
+      </p:sp>
+      <p:sp>
+        <p:nvSpPr>
+          <p:cNvPr id="5" name="Rectangle 4"/>
           <p:cNvSpPr/>
           <p:nvPr/>
         </p:nvSpPr>
         <p:spPr>
           <a:xfrm>
-            <a:off x="457200" y="2459736"/>
-            <a:ext cx="1028700" cy="402336"/>
+            <a:off x="777240" y="1097280"/>
+            <a:ext cx="2286000" cy="960120"/>
           </a:xfrm>
           <a:prstGeom prst="rect">
             <a:avLst/>
           </a:prstGeom>
           <a:solidFill>
-            <a:srgbClr val="F1F5F9"/>
+            <a:srgbClr val="F0FDF4"/>
           </a:solidFill>
           <a:ln w="9525">
             <a:solidFill>
@@ -12089,22 +13796,22 @@
       </p:sp>
       <p:sp>
         <p:nvSpPr>
-          <p:cNvPr id="9" name="TextBox 8"/>
-          <p:cNvSpPr txBox="1"/>
-          <p:nvPr/>
-        </p:nvSpPr>
-        <p:spPr>
-          <a:xfrm>
-            <a:off x="548640" y="2459736"/>
-            <a:ext cx="845820" cy="402336"/>
-          </a:xfrm>
-          <a:prstGeom prst="rect">
-            <a:avLst/>
-          </a:prstGeom>
-          <a:noFill/>
-        </p:spPr>
-        <p:txBody>
-          <a:bodyPr wrap="square" anchor="ctr"/>
+          <p:cNvPr id="6" name="TextBox 5"/>
+          <p:cNvSpPr txBox="1"/>
+          <p:nvPr/>
+        </p:nvSpPr>
+        <p:spPr>
+          <a:xfrm>
+            <a:off x="868680" y="1170432"/>
+            <a:ext cx="2103120" cy="274320"/>
+          </a:xfrm>
+          <a:prstGeom prst="rect">
+            <a:avLst/>
+          </a:prstGeom>
+          <a:noFill/>
+        </p:spPr>
+        <p:txBody>
+          <a:bodyPr wrap="square"/>
           <a:lstStyle/>
           <a:p>
             <a:pPr algn="ctr">
@@ -12119,33 +13826,120 @@
               </a:spcAft>
             </a:pPr>
             <a:r>
-              <a:rPr sz="800" b="0">
+              <a:rPr sz="1100" b="1">
+                <a:solidFill>
+                  <a:srgbClr val="16A34A"/>
+                </a:solidFill>
+                <a:latin typeface="IPAPGothic"/>
+              </a:rPr>
+              <a:t>クライアント</a:t>
+            </a:r>
+          </a:p>
+        </p:txBody>
+      </p:sp>
+      <p:sp>
+        <p:nvSpPr>
+          <p:cNvPr id="7" name="TextBox 6"/>
+          <p:cNvSpPr txBox="1"/>
+          <p:nvPr/>
+        </p:nvSpPr>
+        <p:spPr>
+          <a:xfrm>
+            <a:off x="868680" y="1517904"/>
+            <a:ext cx="2103120" cy="466344"/>
+          </a:xfrm>
+          <a:prstGeom prst="rect">
+            <a:avLst/>
+          </a:prstGeom>
+          <a:noFill/>
+        </p:spPr>
+        <p:txBody>
+          <a:bodyPr wrap="square"/>
+          <a:lstStyle/>
+          <a:p>
+            <a:pPr algn="ctr">
+              <a:lnSpc>
+                <a:spcPct val="135000"/>
+              </a:lnSpc>
+              <a:spcBef>
+                <a:spcPts val="0"/>
+              </a:spcBef>
+              <a:spcAft>
+                <a:spcPts val="0"/>
+              </a:spcAft>
+            </a:pPr>
+            <a:r>
+              <a:rPr sz="1000" b="0">
                 <a:solidFill>
                   <a:srgbClr val="475569"/>
                 </a:solidFill>
                 <a:latin typeface="IPAPGothic"/>
               </a:rPr>
-              <a:t>元Big4ファーム</a:t>
-            </a:r>
-          </a:p>
-        </p:txBody>
-      </p:sp>
-      <p:sp>
-        <p:nvSpPr>
-          <p:cNvPr id="10" name="Rectangle 9"/>
+              <a:t>千年の存在証明
+社会的意義の実感</a:t>
+            </a:r>
+          </a:p>
+        </p:txBody>
+      </p:sp>
+      <p:sp>
+        <p:nvSpPr>
+          <p:cNvPr id="8" name="TextBox 7"/>
+          <p:cNvSpPr txBox="1"/>
+          <p:nvPr/>
+        </p:nvSpPr>
+        <p:spPr>
+          <a:xfrm>
+            <a:off x="3108960" y="1371600"/>
+            <a:ext cx="274320" cy="320040"/>
+          </a:xfrm>
+          <a:prstGeom prst="rect">
+            <a:avLst/>
+          </a:prstGeom>
+          <a:noFill/>
+        </p:spPr>
+        <p:txBody>
+          <a:bodyPr wrap="square"/>
+          <a:lstStyle/>
+          <a:p>
+            <a:pPr algn="ctr">
+              <a:lnSpc>
+                <a:spcPct val="135000"/>
+              </a:lnSpc>
+              <a:spcBef>
+                <a:spcPts val="0"/>
+              </a:spcBef>
+              <a:spcAft>
+                <a:spcPts val="0"/>
+              </a:spcAft>
+            </a:pPr>
+            <a:r>
+              <a:rPr sz="1800" b="0">
+                <a:solidFill>
+                  <a:srgbClr val="94A3B8"/>
+                </a:solidFill>
+                <a:latin typeface="IPAPGothic"/>
+              </a:rPr>
+              <a:t>←</a:t>
+            </a:r>
+          </a:p>
+        </p:txBody>
+      </p:sp>
+      <p:sp>
+        <p:nvSpPr>
+          <p:cNvPr id="9" name="Rectangle 8"/>
           <p:cNvSpPr/>
           <p:nvPr/>
         </p:nvSpPr>
         <p:spPr>
           <a:xfrm>
-            <a:off x="1595628" y="2459736"/>
-            <a:ext cx="1508760" cy="402336"/>
+            <a:off x="3429000" y="1097280"/>
+            <a:ext cx="2286000" cy="960120"/>
           </a:xfrm>
           <a:prstGeom prst="rect">
             <a:avLst/>
           </a:prstGeom>
           <a:solidFill>
-            <a:srgbClr val="F1F5F9"/>
+            <a:srgbClr val="EFF6FF"/>
           </a:solidFill>
           <a:ln w="9525">
             <a:solidFill>
@@ -12177,22 +13971,65 @@
       </p:sp>
       <p:sp>
         <p:nvSpPr>
+          <p:cNvPr id="10" name="TextBox 9"/>
+          <p:cNvSpPr txBox="1"/>
+          <p:nvPr/>
+        </p:nvSpPr>
+        <p:spPr>
+          <a:xfrm>
+            <a:off x="3520440" y="1170432"/>
+            <a:ext cx="2103120" cy="274320"/>
+          </a:xfrm>
+          <a:prstGeom prst="rect">
+            <a:avLst/>
+          </a:prstGeom>
+          <a:noFill/>
+        </p:spPr>
+        <p:txBody>
+          <a:bodyPr wrap="square"/>
+          <a:lstStyle/>
+          <a:p>
+            <a:pPr algn="ctr">
+              <a:lnSpc>
+                <a:spcPct val="135000"/>
+              </a:lnSpc>
+              <a:spcBef>
+                <a:spcPts val="0"/>
+              </a:spcBef>
+              <a:spcAft>
+                <a:spcPts val="0"/>
+              </a:spcAft>
+            </a:pPr>
+            <a:r>
+              <a:rPr sz="1100" b="1">
+                <a:solidFill>
+                  <a:srgbClr val="2563EB"/>
+                </a:solidFill>
+                <a:latin typeface="IPAPGothic"/>
+              </a:rPr>
+              <a:t>パートナー（貴社）</a:t>
+            </a:r>
+          </a:p>
+        </p:txBody>
+      </p:sp>
+      <p:sp>
+        <p:nvSpPr>
           <p:cNvPr id="11" name="TextBox 10"/>
           <p:cNvSpPr txBox="1"/>
           <p:nvPr/>
         </p:nvSpPr>
         <p:spPr>
           <a:xfrm>
-            <a:off x="1687068" y="2459736"/>
-            <a:ext cx="1325880" cy="402336"/>
-          </a:xfrm>
-          <a:prstGeom prst="rect">
-            <a:avLst/>
-          </a:prstGeom>
-          <a:noFill/>
-        </p:spPr>
-        <p:txBody>
-          <a:bodyPr wrap="square" anchor="ctr"/>
+            <a:off x="3520440" y="1517904"/>
+            <a:ext cx="2103120" cy="466344"/>
+          </a:xfrm>
+          <a:prstGeom prst="rect">
+            <a:avLst/>
+          </a:prstGeom>
+          <a:noFill/>
+        </p:spPr>
+        <p:txBody>
+          <a:bodyPr wrap="square"/>
           <a:lstStyle/>
           <a:p>
             <a:pPr algn="ctr">
@@ -12207,33 +14044,77 @@
               </a:spcAft>
             </a:pPr>
             <a:r>
-              <a:rPr sz="800" b="0">
+              <a:rPr sz="1000" b="0">
                 <a:solidFill>
                   <a:srgbClr val="475569"/>
                 </a:solidFill>
                 <a:latin typeface="IPAPGothic"/>
               </a:rPr>
-              <a:t>半導体エンジニアリング 20年+</a:t>
-            </a:r>
-          </a:p>
-        </p:txBody>
-      </p:sp>
-      <p:sp>
-        <p:nvSpPr>
-          <p:cNvPr id="12" name="Rectangle 11"/>
+              <a:t>紹介フィー or 共同提案収益
+クライアントLTV向上</a:t>
+            </a:r>
+          </a:p>
+        </p:txBody>
+      </p:sp>
+      <p:sp>
+        <p:nvSpPr>
+          <p:cNvPr id="12" name="TextBox 11"/>
+          <p:cNvSpPr txBox="1"/>
+          <p:nvPr/>
+        </p:nvSpPr>
+        <p:spPr>
+          <a:xfrm>
+            <a:off x="5760720" y="1371600"/>
+            <a:ext cx="274320" cy="320040"/>
+          </a:xfrm>
+          <a:prstGeom prst="rect">
+            <a:avLst/>
+          </a:prstGeom>
+          <a:noFill/>
+        </p:spPr>
+        <p:txBody>
+          <a:bodyPr wrap="square"/>
+          <a:lstStyle/>
+          <a:p>
+            <a:pPr algn="ctr">
+              <a:lnSpc>
+                <a:spcPct val="135000"/>
+              </a:lnSpc>
+              <a:spcBef>
+                <a:spcPts val="0"/>
+              </a:spcBef>
+              <a:spcAft>
+                <a:spcPts val="0"/>
+              </a:spcAft>
+            </a:pPr>
+            <a:r>
+              <a:rPr sz="1800" b="0">
+                <a:solidFill>
+                  <a:srgbClr val="94A3B8"/>
+                </a:solidFill>
+                <a:latin typeface="IPAPGothic"/>
+              </a:rPr>
+              <a:t>←</a:t>
+            </a:r>
+          </a:p>
+        </p:txBody>
+      </p:sp>
+      <p:sp>
+        <p:nvSpPr>
+          <p:cNvPr id="13" name="Rectangle 12"/>
           <p:cNvSpPr/>
           <p:nvPr/>
         </p:nvSpPr>
         <p:spPr>
           <a:xfrm>
-            <a:off x="3214116" y="2459736"/>
-            <a:ext cx="1165860" cy="402336"/>
+            <a:off x="6080760" y="1097280"/>
+            <a:ext cx="2286000" cy="960120"/>
           </a:xfrm>
           <a:prstGeom prst="rect">
             <a:avLst/>
           </a:prstGeom>
           <a:solidFill>
-            <a:srgbClr val="F1F5F9"/>
+            <a:srgbClr val="FDF8E8"/>
           </a:solidFill>
           <a:ln w="9525">
             <a:solidFill>
@@ -12265,22 +14146,22 @@
       </p:sp>
       <p:sp>
         <p:nvSpPr>
-          <p:cNvPr id="13" name="TextBox 12"/>
-          <p:cNvSpPr txBox="1"/>
-          <p:nvPr/>
-        </p:nvSpPr>
-        <p:spPr>
-          <a:xfrm>
-            <a:off x="3305556" y="2459736"/>
-            <a:ext cx="982980" cy="402336"/>
-          </a:xfrm>
-          <a:prstGeom prst="rect">
-            <a:avLst/>
-          </a:prstGeom>
-          <a:noFill/>
-        </p:spPr>
-        <p:txBody>
-          <a:bodyPr wrap="square" anchor="ctr"/>
+          <p:cNvPr id="14" name="TextBox 13"/>
+          <p:cNvSpPr txBox="1"/>
+          <p:nvPr/>
+        </p:nvSpPr>
+        <p:spPr>
+          <a:xfrm>
+            <a:off x="6172200" y="1170432"/>
+            <a:ext cx="2103120" cy="274320"/>
+          </a:xfrm>
+          <a:prstGeom prst="rect">
+            <a:avLst/>
+          </a:prstGeom>
+          <a:noFill/>
+        </p:spPr>
+        <p:txBody>
+          <a:bodyPr wrap="square"/>
           <a:lstStyle/>
           <a:p>
             <a:pPr algn="ctr">
@@ -12295,101 +14176,57 @@
               </a:spcAft>
             </a:pPr>
             <a:r>
-              <a:rPr sz="800" b="0">
+              <a:rPr sz="1100" b="1">
+                <a:solidFill>
+                  <a:srgbClr val="92400E"/>
+                </a:solidFill>
+                <a:latin typeface="IPAPGothic"/>
+              </a:rPr>
+              <a:t>TokiStorage</a:t>
+            </a:r>
+          </a:p>
+        </p:txBody>
+      </p:sp>
+      <p:sp>
+        <p:nvSpPr>
+          <p:cNvPr id="15" name="TextBox 14"/>
+          <p:cNvSpPr txBox="1"/>
+          <p:nvPr/>
+        </p:nvSpPr>
+        <p:spPr>
+          <a:xfrm>
+            <a:off x="6172200" y="1517904"/>
+            <a:ext cx="2103120" cy="466344"/>
+          </a:xfrm>
+          <a:prstGeom prst="rect">
+            <a:avLst/>
+          </a:prstGeom>
+          <a:noFill/>
+        </p:spPr>
+        <p:txBody>
+          <a:bodyPr wrap="square"/>
+          <a:lstStyle/>
+          <a:p>
+            <a:pPr algn="ctr">
+              <a:lnSpc>
+                <a:spcPct val="135000"/>
+              </a:lnSpc>
+              <a:spcBef>
+                <a:spcPts val="0"/>
+              </a:spcBef>
+              <a:spcAft>
+                <a:spcPts val="0"/>
+              </a:spcAft>
+            </a:pPr>
+            <a:r>
+              <a:rPr sz="1000" b="0">
                 <a:solidFill>
                   <a:srgbClr val="475569"/>
                 </a:solidFill>
                 <a:latin typeface="IPAPGothic"/>
               </a:rPr>
-              <a:t>自治会長（250世帯）</a:t>
-            </a:r>
-          </a:p>
-        </p:txBody>
-      </p:sp>
-      <p:sp>
-        <p:nvSpPr>
-          <p:cNvPr id="14" name="Rectangle 13"/>
-          <p:cNvSpPr/>
-          <p:nvPr/>
-        </p:nvSpPr>
-        <p:spPr>
-          <a:xfrm>
-            <a:off x="4489704" y="2459736"/>
-            <a:ext cx="1303020" cy="402336"/>
-          </a:xfrm>
-          <a:prstGeom prst="rect">
-            <a:avLst/>
-          </a:prstGeom>
-          <a:solidFill>
-            <a:srgbClr val="F1F5F9"/>
-          </a:solidFill>
-          <a:ln w="9525">
-            <a:solidFill>
-              <a:srgbClr val="E2E8F0"/>
-            </a:solidFill>
-          </a:ln>
-        </p:spPr>
-        <p:style>
-          <a:lnRef idx="1">
-            <a:schemeClr val="accent1"/>
-          </a:lnRef>
-          <a:fillRef idx="3">
-            <a:schemeClr val="accent1"/>
-          </a:fillRef>
-          <a:effectRef idx="2">
-            <a:schemeClr val="accent1"/>
-          </a:effectRef>
-          <a:fontRef idx="minor">
-            <a:schemeClr val="lt1"/>
-          </a:fontRef>
-        </p:style>
-        <p:txBody>
-          <a:bodyPr rtlCol="0" anchor="ctr"/>
-          <a:lstStyle/>
-          <a:p>
-            <a:pPr algn="ctr"/>
-          </a:p>
-        </p:txBody>
-      </p:sp>
-      <p:sp>
-        <p:nvSpPr>
-          <p:cNvPr id="15" name="TextBox 14"/>
-          <p:cNvSpPr txBox="1"/>
-          <p:nvPr/>
-        </p:nvSpPr>
-        <p:spPr>
-          <a:xfrm>
-            <a:off x="4581144" y="2459736"/>
-            <a:ext cx="1120140" cy="402336"/>
-          </a:xfrm>
-          <a:prstGeom prst="rect">
-            <a:avLst/>
-          </a:prstGeom>
-          <a:noFill/>
-        </p:spPr>
-        <p:txBody>
-          <a:bodyPr wrap="square" anchor="ctr"/>
-          <a:lstStyle/>
-          <a:p>
-            <a:pPr algn="ctr">
-              <a:lnSpc>
-                <a:spcPct val="135000"/>
-              </a:lnSpc>
-              <a:spcBef>
-                <a:spcPts val="0"/>
-              </a:spcBef>
-              <a:spcAft>
-                <a:spcPts val="0"/>
-              </a:spcAft>
-            </a:pPr>
-            <a:r>
-              <a:rPr sz="800" b="0">
-                <a:solidFill>
-                  <a:srgbClr val="475569"/>
-                </a:solidFill>
-                <a:latin typeface="IPAPGothic"/>
-              </a:rPr>
-              <a:t>SoulCarrier主宰</a:t>
+              <a:t>技術・思想・納品
+収益の一部→SoulCarrier活動</a:t>
             </a:r>
           </a:p>
         </p:txBody>
@@ -12402,183 +14239,7 @@
         </p:nvSpPr>
         <p:spPr>
           <a:xfrm>
-            <a:off x="5902452" y="2459736"/>
-            <a:ext cx="1097280" cy="402336"/>
-          </a:xfrm>
-          <a:prstGeom prst="rect">
-            <a:avLst/>
-          </a:prstGeom>
-          <a:solidFill>
-            <a:srgbClr val="F1F5F9"/>
-          </a:solidFill>
-          <a:ln w="9525">
-            <a:solidFill>
-              <a:srgbClr val="E2E8F0"/>
-            </a:solidFill>
-          </a:ln>
-        </p:spPr>
-        <p:style>
-          <a:lnRef idx="1">
-            <a:schemeClr val="accent1"/>
-          </a:lnRef>
-          <a:fillRef idx="3">
-            <a:schemeClr val="accent1"/>
-          </a:fillRef>
-          <a:effectRef idx="2">
-            <a:schemeClr val="accent1"/>
-          </a:effectRef>
-          <a:fontRef idx="minor">
-            <a:schemeClr val="lt1"/>
-          </a:fontRef>
-        </p:style>
-        <p:txBody>
-          <a:bodyPr rtlCol="0" anchor="ctr"/>
-          <a:lstStyle/>
-          <a:p>
-            <a:pPr algn="ctr"/>
-          </a:p>
-        </p:txBody>
-      </p:sp>
-      <p:sp>
-        <p:nvSpPr>
-          <p:cNvPr id="17" name="TextBox 16"/>
-          <p:cNvSpPr txBox="1"/>
-          <p:nvPr/>
-        </p:nvSpPr>
-        <p:spPr>
-          <a:xfrm>
-            <a:off x="5993892" y="2459736"/>
-            <a:ext cx="914400" cy="402336"/>
-          </a:xfrm>
-          <a:prstGeom prst="rect">
-            <a:avLst/>
-          </a:prstGeom>
-          <a:noFill/>
-        </p:spPr>
-        <p:txBody>
-          <a:bodyPr wrap="square" anchor="ctr"/>
-          <a:lstStyle/>
-          <a:p>
-            <a:pPr algn="ctr">
-              <a:lnSpc>
-                <a:spcPct val="135000"/>
-              </a:lnSpc>
-              <a:spcBef>
-                <a:spcPts val="0"/>
-              </a:spcBef>
-              <a:spcAft>
-                <a:spcPts val="0"/>
-              </a:spcAft>
-            </a:pPr>
-            <a:r>
-              <a:rPr sz="800" b="0">
-                <a:solidFill>
-                  <a:srgbClr val="475569"/>
-                </a:solidFill>
-                <a:latin typeface="IPAPGothic"/>
-              </a:rPr>
-              <a:t>オフグリッド実証済み</a:t>
-            </a:r>
-          </a:p>
-        </p:txBody>
-      </p:sp>
-      <p:sp>
-        <p:nvSpPr>
-          <p:cNvPr id="18" name="Rectangle 17"/>
-          <p:cNvSpPr/>
-          <p:nvPr/>
-        </p:nvSpPr>
-        <p:spPr>
-          <a:xfrm>
-            <a:off x="7109460" y="2459736"/>
-            <a:ext cx="1371600" cy="402336"/>
-          </a:xfrm>
-          <a:prstGeom prst="rect">
-            <a:avLst/>
-          </a:prstGeom>
-          <a:solidFill>
-            <a:srgbClr val="F1F5F9"/>
-          </a:solidFill>
-          <a:ln w="9525">
-            <a:solidFill>
-              <a:srgbClr val="E2E8F0"/>
-            </a:solidFill>
-          </a:ln>
-        </p:spPr>
-        <p:style>
-          <a:lnRef idx="1">
-            <a:schemeClr val="accent1"/>
-          </a:lnRef>
-          <a:fillRef idx="3">
-            <a:schemeClr val="accent1"/>
-          </a:fillRef>
-          <a:effectRef idx="2">
-            <a:schemeClr val="accent1"/>
-          </a:effectRef>
-          <a:fontRef idx="minor">
-            <a:schemeClr val="lt1"/>
-          </a:fontRef>
-        </p:style>
-        <p:txBody>
-          <a:bodyPr rtlCol="0" anchor="ctr"/>
-          <a:lstStyle/>
-          <a:p>
-            <a:pPr algn="ctr"/>
-          </a:p>
-        </p:txBody>
-      </p:sp>
-      <p:sp>
-        <p:nvSpPr>
-          <p:cNvPr id="19" name="TextBox 18"/>
-          <p:cNvSpPr txBox="1"/>
-          <p:nvPr/>
-        </p:nvSpPr>
-        <p:spPr>
-          <a:xfrm>
-            <a:off x="7200900" y="2459736"/>
-            <a:ext cx="1188720" cy="402336"/>
-          </a:xfrm>
-          <a:prstGeom prst="rect">
-            <a:avLst/>
-          </a:prstGeom>
-          <a:noFill/>
-        </p:spPr>
-        <p:txBody>
-          <a:bodyPr wrap="square" anchor="ctr"/>
-          <a:lstStyle/>
-          <a:p>
-            <a:pPr algn="ctr">
-              <a:lnSpc>
-                <a:spcPct val="135000"/>
-              </a:lnSpc>
-              <a:spcBef>
-                <a:spcPts val="0"/>
-              </a:spcBef>
-              <a:spcAft>
-                <a:spcPts val="0"/>
-              </a:spcAft>
-            </a:pPr>
-            <a:r>
-              <a:rPr sz="800" b="0">
-                <a:solidFill>
-                  <a:srgbClr val="475569"/>
-                </a:solidFill>
-                <a:latin typeface="IPAPGothic"/>
-              </a:rPr>
-              <a:t>佐渡島移住予定（2026春）</a:t>
-            </a:r>
-          </a:p>
-        </p:txBody>
-      </p:sp>
-      <p:sp>
-        <p:nvSpPr>
-          <p:cNvPr id="20" name="Rectangle 19"/>
-          <p:cNvSpPr/>
-          <p:nvPr/>
-        </p:nvSpPr>
-        <p:spPr>
-          <a:xfrm>
-            <a:off x="457200" y="2962656"/>
+            <a:off x="457200" y="2423160"/>
             <a:ext cx="7863840" cy="1051560"/>
           </a:xfrm>
           <a:prstGeom prst="rect">
@@ -12615,13 +14276,13 @@
       </p:sp>
       <p:sp>
         <p:nvSpPr>
-          <p:cNvPr id="21" name="Rectangle 20"/>
+          <p:cNvPr id="17" name="Rectangle 16"/>
           <p:cNvSpPr/>
           <p:nvPr/>
         </p:nvSpPr>
         <p:spPr>
           <a:xfrm>
-            <a:off x="457200" y="2962656"/>
+            <a:off x="457200" y="2423160"/>
             <a:ext cx="54864" cy="1051560"/>
           </a:xfrm>
           <a:prstGeom prst="rect">
@@ -12658,13 +14319,13 @@
       </p:sp>
       <p:sp>
         <p:nvSpPr>
-          <p:cNvPr id="22" name="TextBox 21"/>
-          <p:cNvSpPr txBox="1"/>
-          <p:nvPr/>
-        </p:nvSpPr>
-        <p:spPr>
-          <a:xfrm>
-            <a:off x="685800" y="3054096"/>
+          <p:cNvPr id="18" name="TextBox 17"/>
+          <p:cNvSpPr txBox="1"/>
+          <p:nvPr/>
+        </p:nvSpPr>
+        <p:spPr>
+          <a:xfrm>
+            <a:off x="685800" y="2514600"/>
             <a:ext cx="7543800" cy="256032"/>
           </a:xfrm>
           <a:prstGeom prst="rect">
@@ -12688,27 +14349,27 @@
               </a:spcAft>
             </a:pPr>
             <a:r>
-              <a:rPr sz="1000" b="1">
+              <a:rPr sz="1100" b="1">
                 <a:solidFill>
                   <a:srgbClr val="1E293B"/>
                 </a:solidFill>
                 <a:latin typeface="IPAPGothic"/>
               </a:rPr>
-              <a:t>独立性（Independence）について</a:t>
-            </a:r>
-          </a:p>
-        </p:txBody>
-      </p:sp>
-      <p:sp>
-        <p:nvSpPr>
-          <p:cNvPr id="23" name="TextBox 22"/>
-          <p:cNvSpPr txBox="1"/>
-          <p:nvPr/>
-        </p:nvSpPr>
-        <p:spPr>
-          <a:xfrm>
-            <a:off x="685800" y="3364992"/>
-            <a:ext cx="7543800" cy="576072"/>
+              <a:t>初期パートナー優遇</a:t>
+            </a:r>
+          </a:p>
+        </p:txBody>
+      </p:sp>
+      <p:sp>
+        <p:nvSpPr>
+          <p:cNvPr id="19" name="TextBox 18"/>
+          <p:cNvSpPr txBox="1"/>
+          <p:nvPr/>
+        </p:nvSpPr>
+        <p:spPr>
+          <a:xfrm>
+            <a:off x="685800" y="2834640"/>
+            <a:ext cx="7543800" cy="548640"/>
           </a:xfrm>
           <a:prstGeom prst="rect">
             <a:avLst/>
@@ -12737,14 +14398,14 @@
                 </a:solidFill>
                 <a:latin typeface="IPAPGothic"/>
               </a:rPr>
-              <a:t>本提携はベンダーパートナーシップです。SalesforceやSAPの導入推奨と同じ構造であり、監査契約・出資関係は一切含みません。独立性に関する懸念が発生しない設計です。</a:t>
-            </a:r>
-          </a:p>
-        </p:txBody>
-      </p:sp>
-      <p:sp>
-        <p:nvSpPr>
-          <p:cNvPr id="24" name="Rectangle 23"/>
+              <a:t>複数のコンサルティングファームに順次ご提案を進めています。最初に提携いただいたファームには、紹介モデルの優先条件・エリア独占権など、初期パートナーならではのインセンティブをご用意します。</a:t>
+            </a:r>
+          </a:p>
+        </p:txBody>
+      </p:sp>
+      <p:sp>
+        <p:nvSpPr>
+          <p:cNvPr id="20" name="Rectangle 19"/>
           <p:cNvSpPr/>
           <p:nvPr/>
         </p:nvSpPr>
@@ -12787,7 +14448,7 @@
       </p:sp>
       <p:sp>
         <p:nvSpPr>
-          <p:cNvPr id="25" name="TextBox 24"/>
+          <p:cNvPr id="21" name="TextBox 20"/>
           <p:cNvSpPr txBox="1"/>
           <p:nvPr/>
         </p:nvSpPr>
@@ -12830,7 +14491,7 @@
       </p:sp>
       <p:sp>
         <p:nvSpPr>
-          <p:cNvPr id="26" name="TextBox 25"/>
+          <p:cNvPr id="22" name="TextBox 21"/>
           <p:cNvSpPr txBox="1"/>
           <p:nvPr/>
         </p:nvSpPr>
@@ -12873,7 +14534,7 @@
       </p:sp>
       <p:sp>
         <p:nvSpPr>
-          <p:cNvPr id="27" name="TextBox 26"/>
+          <p:cNvPr id="23" name="TextBox 22"/>
           <p:cNvSpPr txBox="1"/>
           <p:nvPr/>
         </p:nvSpPr>
@@ -12941,7 +14602,7 @@
         <p:spPr>
           <a:xfrm>
             <a:off x="0" y="0"/>
-            <a:ext cx="9144000" cy="5143500"/>
+            <a:ext cx="9144000" cy="594360"/>
           </a:xfrm>
           <a:prstGeom prst="rect">
             <a:avLst/>
@@ -12983,8 +14644,51 @@
         </p:nvSpPr>
         <p:spPr>
           <a:xfrm>
-            <a:off x="457200" y="137160"/>
-            <a:ext cx="3657600" cy="411480"/>
+            <a:off x="457200" y="0"/>
+            <a:ext cx="8229600" cy="594360"/>
+          </a:xfrm>
+          <a:prstGeom prst="rect">
+            <a:avLst/>
+          </a:prstGeom>
+          <a:noFill/>
+        </p:spPr>
+        <p:txBody>
+          <a:bodyPr wrap="square" anchor="ctr"/>
+          <a:lstStyle/>
+          <a:p>
+            <a:pPr algn="l">
+              <a:lnSpc>
+                <a:spcPct val="135000"/>
+              </a:lnSpc>
+              <a:spcBef>
+                <a:spcPts val="0"/>
+              </a:spcBef>
+              <a:spcAft>
+                <a:spcPts val="0"/>
+              </a:spcAft>
+            </a:pPr>
+            <a:r>
+              <a:rPr sz="1200" b="1">
+                <a:solidFill>
+                  <a:srgbClr val="FFFFFF"/>
+                </a:solidFill>
+                <a:latin typeface="IPAPGothic"/>
+              </a:rPr>
+              <a:t>葬祭・ホスピタリティ・宗教法人・自治体・ESG・金融の6領域で特に高い親和性がある</a:t>
+            </a:r>
+          </a:p>
+        </p:txBody>
+      </p:sp>
+      <p:sp>
+        <p:nvSpPr>
+          <p:cNvPr id="4" name="TextBox 3"/>
+          <p:cNvSpPr txBox="1"/>
+          <p:nvPr/>
+        </p:nvSpPr>
+        <p:spPr>
+          <a:xfrm>
+            <a:off x="457200" y="731520"/>
+            <a:ext cx="2743200" cy="274320"/>
           </a:xfrm>
           <a:prstGeom prst="rect">
             <a:avLst/>
@@ -13007,27 +14711,27 @@
               </a:spcAft>
             </a:pPr>
             <a:r>
-              <a:rPr sz="1300" b="1">
-                <a:solidFill>
-                  <a:srgbClr val="FFFFFF"/>
-                </a:solidFill>
-                <a:latin typeface="IPAPGothic"/>
-              </a:rPr>
-              <a:t>Next Step</a:t>
-            </a:r>
-          </a:p>
-        </p:txBody>
-      </p:sp>
-      <p:sp>
-        <p:nvSpPr>
-          <p:cNvPr id="4" name="TextBox 3"/>
-          <p:cNvSpPr txBox="1"/>
-          <p:nvPr/>
-        </p:nvSpPr>
-        <p:spPr>
-          <a:xfrm>
-            <a:off x="457200" y="777240"/>
-            <a:ext cx="7315200" cy="457200"/>
+              <a:rPr sz="1000" b="1">
+                <a:solidFill>
+                  <a:srgbClr val="2563EB"/>
+                </a:solidFill>
+                <a:latin typeface="IPAPGothic"/>
+              </a:rPr>
+              <a:t>CLIENT FIT</a:t>
+            </a:r>
+          </a:p>
+        </p:txBody>
+      </p:sp>
+      <p:sp>
+        <p:nvSpPr>
+          <p:cNvPr id="5" name="TextBox 4"/>
+          <p:cNvSpPr txBox="1"/>
+          <p:nvPr/>
+        </p:nvSpPr>
+        <p:spPr>
+          <a:xfrm>
+            <a:off x="457200" y="1005840"/>
+            <a:ext cx="7315200" cy="274320"/>
           </a:xfrm>
           <a:prstGeom prst="rect">
             <a:avLst/>
@@ -13050,36 +14754,38 @@
               </a:spcAft>
             </a:pPr>
             <a:r>
-              <a:rPr sz="2000" b="1">
-                <a:solidFill>
-                  <a:srgbClr val="FFFFFF"/>
-                </a:solidFill>
-                <a:latin typeface="IPAPGothic"/>
-              </a:rPr>
-              <a:t>ご検討のステップ</a:t>
-            </a:r>
-          </a:p>
-        </p:txBody>
-      </p:sp>
-      <p:sp>
-        <p:nvSpPr>
-          <p:cNvPr id="5" name="Oval 4"/>
+              <a:rPr sz="1100" b="0">
+                <a:solidFill>
+                  <a:srgbClr val="475569"/>
+                </a:solidFill>
+                <a:latin typeface="IPAPGothic"/>
+              </a:rPr>
+              <a:t>貴社のクライアントポートフォリオに、以下のセクターはありませんか。</a:t>
+            </a:r>
+          </a:p>
+        </p:txBody>
+      </p:sp>
+      <p:sp>
+        <p:nvSpPr>
+          <p:cNvPr id="6" name="Rectangle 5"/>
           <p:cNvSpPr/>
           <p:nvPr/>
         </p:nvSpPr>
         <p:spPr>
           <a:xfrm>
-            <a:off x="731520" y="1554480"/>
-            <a:ext cx="384048" cy="384048"/>
-          </a:xfrm>
-          <a:prstGeom prst="ellipse">
+            <a:off x="457200" y="1371600"/>
+            <a:ext cx="2606040" cy="1417320"/>
+          </a:xfrm>
+          <a:prstGeom prst="rect">
             <a:avLst/>
           </a:prstGeom>
           <a:solidFill>
-            <a:srgbClr val="2563EB"/>
+            <a:srgbClr val="FFFFFF"/>
           </a:solidFill>
-          <a:ln>
-            <a:noFill/>
+          <a:ln w="9525">
+            <a:solidFill>
+              <a:srgbClr val="E2E8F0"/>
+            </a:solidFill>
           </a:ln>
         </p:spPr>
         <p:style>
@@ -13106,149 +14812,20 @@
       </p:sp>
       <p:sp>
         <p:nvSpPr>
-          <p:cNvPr id="6" name="TextBox 5"/>
-          <p:cNvSpPr txBox="1"/>
-          <p:nvPr/>
-        </p:nvSpPr>
-        <p:spPr>
-          <a:xfrm>
-            <a:off x="731520" y="1554480"/>
+          <p:cNvPr id="7" name="Oval 6"/>
+          <p:cNvSpPr/>
+          <p:nvPr/>
+        </p:nvSpPr>
+        <p:spPr>
+          <a:xfrm>
+            <a:off x="1568196" y="1463040"/>
             <a:ext cx="384048" cy="384048"/>
           </a:xfrm>
-          <a:prstGeom prst="rect">
-            <a:avLst/>
-          </a:prstGeom>
-          <a:noFill/>
-        </p:spPr>
-        <p:txBody>
-          <a:bodyPr wrap="square" anchor="ctr"/>
-          <a:lstStyle/>
-          <a:p>
-            <a:pPr algn="ctr">
-              <a:lnSpc>
-                <a:spcPct val="135000"/>
-              </a:lnSpc>
-              <a:spcBef>
-                <a:spcPts val="0"/>
-              </a:spcBef>
-              <a:spcAft>
-                <a:spcPts val="0"/>
-              </a:spcAft>
-            </a:pPr>
-            <a:r>
-              <a:rPr sz="1000" b="1">
-                <a:solidFill>
-                  <a:srgbClr val="FFFFFF"/>
-                </a:solidFill>
-                <a:latin typeface="IPAPGothic"/>
-              </a:rPr>
-              <a:t>01</a:t>
-            </a:r>
-          </a:p>
-        </p:txBody>
-      </p:sp>
-      <p:sp>
-        <p:nvSpPr>
-          <p:cNvPr id="7" name="TextBox 6"/>
-          <p:cNvSpPr txBox="1"/>
-          <p:nvPr/>
-        </p:nvSpPr>
-        <p:spPr>
-          <a:xfrm>
-            <a:off x="1280160" y="1517904"/>
-            <a:ext cx="3657600" cy="274320"/>
-          </a:xfrm>
-          <a:prstGeom prst="rect">
-            <a:avLst/>
-          </a:prstGeom>
-          <a:noFill/>
-        </p:spPr>
-        <p:txBody>
-          <a:bodyPr wrap="square"/>
-          <a:lstStyle/>
-          <a:p>
-            <a:pPr algn="l">
-              <a:lnSpc>
-                <a:spcPct val="135000"/>
-              </a:lnSpc>
-              <a:spcBef>
-                <a:spcPts val="0"/>
-              </a:spcBef>
-              <a:spcAft>
-                <a:spcPts val="0"/>
-              </a:spcAft>
-            </a:pPr>
-            <a:r>
-              <a:rPr sz="1200" b="1">
-                <a:solidFill>
-                  <a:srgbClr val="FFFFFF"/>
-                </a:solidFill>
-                <a:latin typeface="IPAPGothic"/>
-              </a:rPr>
-              <a:t>初回ミーティング（30分）</a:t>
-            </a:r>
-          </a:p>
-        </p:txBody>
-      </p:sp>
-      <p:sp>
-        <p:nvSpPr>
-          <p:cNvPr id="8" name="TextBox 7"/>
-          <p:cNvSpPr txBox="1"/>
-          <p:nvPr/>
-        </p:nvSpPr>
-        <p:spPr>
-          <a:xfrm>
-            <a:off x="1280160" y="1773936"/>
-            <a:ext cx="6400800" cy="237744"/>
-          </a:xfrm>
-          <a:prstGeom prst="rect">
-            <a:avLst/>
-          </a:prstGeom>
-          <a:noFill/>
-        </p:spPr>
-        <p:txBody>
-          <a:bodyPr wrap="square"/>
-          <a:lstStyle/>
-          <a:p>
-            <a:pPr algn="l">
-              <a:lnSpc>
-                <a:spcPct val="135000"/>
-              </a:lnSpc>
-              <a:spcBef>
-                <a:spcPts val="0"/>
-              </a:spcBef>
-              <a:spcAft>
-                <a:spcPts val="0"/>
-              </a:spcAft>
-            </a:pPr>
-            <a:r>
-              <a:rPr sz="1000" b="0">
-                <a:solidFill>
-                  <a:srgbClr val="BBBBCC"/>
-                </a:solidFill>
-                <a:latin typeface="IPAPGothic"/>
-              </a:rPr>
-              <a:t>貴社クライアントの課題感・ポートフォリオを共有</a:t>
-            </a:r>
-          </a:p>
-        </p:txBody>
-      </p:sp>
-      <p:sp>
-        <p:nvSpPr>
-          <p:cNvPr id="9" name="Oval 8"/>
-          <p:cNvSpPr/>
-          <p:nvPr/>
-        </p:nvSpPr>
-        <p:spPr>
-          <a:xfrm>
-            <a:off x="731520" y="2212848"/>
-            <a:ext cx="384048" cy="384048"/>
-          </a:xfrm>
           <a:prstGeom prst="ellipse">
             <a:avLst/>
           </a:prstGeom>
           <a:solidFill>
-            <a:srgbClr val="2563EB"/>
+            <a:srgbClr val="EFF6FF"/>
           </a:solidFill>
           <a:ln>
             <a:noFill/>
@@ -13278,22 +14855,108 @@
       </p:sp>
       <p:sp>
         <p:nvSpPr>
+          <p:cNvPr id="8" name="TextBox 7"/>
+          <p:cNvSpPr txBox="1"/>
+          <p:nvPr/>
+        </p:nvSpPr>
+        <p:spPr>
+          <a:xfrm>
+            <a:off x="1568196" y="1463040"/>
+            <a:ext cx="384048" cy="384048"/>
+          </a:xfrm>
+          <a:prstGeom prst="rect">
+            <a:avLst/>
+          </a:prstGeom>
+          <a:noFill/>
+        </p:spPr>
+        <p:txBody>
+          <a:bodyPr wrap="square" anchor="ctr"/>
+          <a:lstStyle/>
+          <a:p>
+            <a:pPr algn="ctr">
+              <a:lnSpc>
+                <a:spcPct val="135000"/>
+              </a:lnSpc>
+              <a:spcBef>
+                <a:spcPts val="0"/>
+              </a:spcBef>
+              <a:spcAft>
+                <a:spcPts val="0"/>
+              </a:spcAft>
+            </a:pPr>
+            <a:r>
+              <a:rPr sz="1200" b="1">
+                <a:solidFill>
+                  <a:srgbClr val="2563EB"/>
+                </a:solidFill>
+                <a:latin typeface="IPAPGothic"/>
+              </a:rPr>
+              <a:t>M</a:t>
+            </a:r>
+          </a:p>
+        </p:txBody>
+      </p:sp>
+      <p:sp>
+        <p:nvSpPr>
+          <p:cNvPr id="9" name="TextBox 8"/>
+          <p:cNvSpPr txBox="1"/>
+          <p:nvPr/>
+        </p:nvSpPr>
+        <p:spPr>
+          <a:xfrm>
+            <a:off x="530352" y="1883664"/>
+            <a:ext cx="2459736" cy="237744"/>
+          </a:xfrm>
+          <a:prstGeom prst="rect">
+            <a:avLst/>
+          </a:prstGeom>
+          <a:noFill/>
+        </p:spPr>
+        <p:txBody>
+          <a:bodyPr wrap="square"/>
+          <a:lstStyle/>
+          <a:p>
+            <a:pPr algn="ctr">
+              <a:lnSpc>
+                <a:spcPct val="135000"/>
+              </a:lnSpc>
+              <a:spcBef>
+                <a:spcPts val="0"/>
+              </a:spcBef>
+              <a:spcAft>
+                <a:spcPts val="0"/>
+              </a:spcAft>
+            </a:pPr>
+            <a:r>
+              <a:rPr sz="1100" b="1">
+                <a:solidFill>
+                  <a:srgbClr val="1E293B"/>
+                </a:solidFill>
+                <a:latin typeface="IPAPGothic"/>
+              </a:rPr>
+              <a:t>葬祭・メモリアル</a:t>
+            </a:r>
+          </a:p>
+        </p:txBody>
+      </p:sp>
+      <p:sp>
+        <p:nvSpPr>
           <p:cNvPr id="10" name="TextBox 9"/>
           <p:cNvSpPr txBox="1"/>
           <p:nvPr/>
         </p:nvSpPr>
         <p:spPr>
           <a:xfrm>
-            <a:off x="731520" y="2212848"/>
-            <a:ext cx="384048" cy="384048"/>
-          </a:xfrm>
-          <a:prstGeom prst="rect">
-            <a:avLst/>
-          </a:prstGeom>
-          <a:noFill/>
-        </p:spPr>
-        <p:txBody>
-          <a:bodyPr wrap="square" anchor="ctr"/>
+            <a:off x="530352" y="2194560"/>
+            <a:ext cx="2459736" cy="521208"/>
+          </a:xfrm>
+          <a:prstGeom prst="rect">
+            <a:avLst/>
+          </a:prstGeom>
+          <a:noFill/>
+        </p:spPr>
+        <p:txBody>
+          <a:bodyPr wrap="square"/>
           <a:lstStyle/>
           <a:p>
             <a:pPr algn="ctr">
@@ -13308,122 +14971,38 @@
               </a:spcAft>
             </a:pPr>
             <a:r>
-              <a:rPr sz="1000" b="1">
-                <a:solidFill>
-                  <a:srgbClr val="FFFFFF"/>
-                </a:solidFill>
-                <a:latin typeface="IPAPGothic"/>
-              </a:rPr>
-              <a:t>02</a:t>
-            </a:r>
-          </a:p>
-        </p:txBody>
-      </p:sp>
-      <p:sp>
-        <p:nvSpPr>
-          <p:cNvPr id="11" name="TextBox 10"/>
-          <p:cNvSpPr txBox="1"/>
-          <p:nvPr/>
-        </p:nvSpPr>
-        <p:spPr>
-          <a:xfrm>
-            <a:off x="1280160" y="2176272"/>
-            <a:ext cx="3657600" cy="274320"/>
-          </a:xfrm>
-          <a:prstGeom prst="rect">
-            <a:avLst/>
-          </a:prstGeom>
-          <a:noFill/>
-        </p:spPr>
-        <p:txBody>
-          <a:bodyPr wrap="square"/>
-          <a:lstStyle/>
-          <a:p>
-            <a:pPr algn="l">
-              <a:lnSpc>
-                <a:spcPct val="135000"/>
-              </a:lnSpc>
-              <a:spcBef>
-                <a:spcPts val="0"/>
-              </a:spcBef>
-              <a:spcAft>
-                <a:spcPts val="0"/>
-              </a:spcAft>
-            </a:pPr>
-            <a:r>
-              <a:rPr sz="1200" b="1">
-                <a:solidFill>
-                  <a:srgbClr val="FFFFFF"/>
-                </a:solidFill>
-                <a:latin typeface="IPAPGothic"/>
-              </a:rPr>
-              <a:t>ユースケース選定</a:t>
-            </a:r>
-          </a:p>
-        </p:txBody>
-      </p:sp>
-      <p:sp>
-        <p:nvSpPr>
-          <p:cNvPr id="12" name="TextBox 11"/>
-          <p:cNvSpPr txBox="1"/>
-          <p:nvPr/>
-        </p:nvSpPr>
-        <p:spPr>
-          <a:xfrm>
-            <a:off x="1280160" y="2432304"/>
-            <a:ext cx="6400800" cy="237744"/>
-          </a:xfrm>
-          <a:prstGeom prst="rect">
-            <a:avLst/>
-          </a:prstGeom>
-          <a:noFill/>
-        </p:spPr>
-        <p:txBody>
-          <a:bodyPr wrap="square"/>
-          <a:lstStyle/>
-          <a:p>
-            <a:pPr algn="l">
-              <a:lnSpc>
-                <a:spcPct val="135000"/>
-              </a:lnSpc>
-              <a:spcBef>
-                <a:spcPts val="0"/>
-              </a:spcBef>
-              <a:spcAft>
-                <a:spcPts val="0"/>
-              </a:spcAft>
-            </a:pPr>
-            <a:r>
-              <a:rPr sz="1000" b="0">
-                <a:solidFill>
-                  <a:srgbClr val="BBBBCC"/>
-                </a:solidFill>
-                <a:latin typeface="IPAPGothic"/>
-              </a:rPr>
-              <a:t>貴社クライアントとの親和性が高い領域を整理</a:t>
-            </a:r>
-          </a:p>
-        </p:txBody>
-      </p:sp>
-      <p:sp>
-        <p:nvSpPr>
-          <p:cNvPr id="13" name="Oval 12"/>
+              <a:rPr sz="900" b="0">
+                <a:solidFill>
+                  <a:srgbClr val="475569"/>
+                </a:solidFill>
+                <a:latin typeface="IPAPGothic"/>
+              </a:rPr>
+              <a:t>墓じまい代替、永代供養デジタル化、遺族向け新サービス</a:t>
+            </a:r>
+          </a:p>
+        </p:txBody>
+      </p:sp>
+      <p:sp>
+        <p:nvSpPr>
+          <p:cNvPr id="11" name="Rectangle 10"/>
           <p:cNvSpPr/>
           <p:nvPr/>
         </p:nvSpPr>
         <p:spPr>
           <a:xfrm>
-            <a:off x="731520" y="2871216"/>
-            <a:ext cx="384048" cy="384048"/>
-          </a:xfrm>
-          <a:prstGeom prst="ellipse">
+            <a:off x="3273552" y="1371600"/>
+            <a:ext cx="2606040" cy="1417320"/>
+          </a:xfrm>
+          <a:prstGeom prst="rect">
             <a:avLst/>
           </a:prstGeom>
           <a:solidFill>
-            <a:srgbClr val="2563EB"/>
+            <a:srgbClr val="FFFFFF"/>
           </a:solidFill>
-          <a:ln>
-            <a:noFill/>
+          <a:ln w="9525">
+            <a:solidFill>
+              <a:srgbClr val="E2E8F0"/>
+            </a:solidFill>
           </a:ln>
         </p:spPr>
         <p:style>
@@ -13450,149 +15029,20 @@
       </p:sp>
       <p:sp>
         <p:nvSpPr>
-          <p:cNvPr id="14" name="TextBox 13"/>
-          <p:cNvSpPr txBox="1"/>
-          <p:nvPr/>
-        </p:nvSpPr>
-        <p:spPr>
-          <a:xfrm>
-            <a:off x="731520" y="2871216"/>
+          <p:cNvPr id="12" name="Oval 11"/>
+          <p:cNvSpPr/>
+          <p:nvPr/>
+        </p:nvSpPr>
+        <p:spPr>
+          <a:xfrm>
+            <a:off x="4384548" y="1463040"/>
             <a:ext cx="384048" cy="384048"/>
           </a:xfrm>
-          <a:prstGeom prst="rect">
-            <a:avLst/>
-          </a:prstGeom>
-          <a:noFill/>
-        </p:spPr>
-        <p:txBody>
-          <a:bodyPr wrap="square" anchor="ctr"/>
-          <a:lstStyle/>
-          <a:p>
-            <a:pPr algn="ctr">
-              <a:lnSpc>
-                <a:spcPct val="135000"/>
-              </a:lnSpc>
-              <a:spcBef>
-                <a:spcPts val="0"/>
-              </a:spcBef>
-              <a:spcAft>
-                <a:spcPts val="0"/>
-              </a:spcAft>
-            </a:pPr>
-            <a:r>
-              <a:rPr sz="1000" b="1">
-                <a:solidFill>
-                  <a:srgbClr val="FFFFFF"/>
-                </a:solidFill>
-                <a:latin typeface="IPAPGothic"/>
-              </a:rPr>
-              <a:t>03</a:t>
-            </a:r>
-          </a:p>
-        </p:txBody>
-      </p:sp>
-      <p:sp>
-        <p:nvSpPr>
-          <p:cNvPr id="15" name="TextBox 14"/>
-          <p:cNvSpPr txBox="1"/>
-          <p:nvPr/>
-        </p:nvSpPr>
-        <p:spPr>
-          <a:xfrm>
-            <a:off x="1280160" y="2834640"/>
-            <a:ext cx="3657600" cy="274320"/>
-          </a:xfrm>
-          <a:prstGeom prst="rect">
-            <a:avLst/>
-          </a:prstGeom>
-          <a:noFill/>
-        </p:spPr>
-        <p:txBody>
-          <a:bodyPr wrap="square"/>
-          <a:lstStyle/>
-          <a:p>
-            <a:pPr algn="l">
-              <a:lnSpc>
-                <a:spcPct val="135000"/>
-              </a:lnSpc>
-              <a:spcBef>
-                <a:spcPts val="0"/>
-              </a:spcBef>
-              <a:spcAft>
-                <a:spcPts val="0"/>
-              </a:spcAft>
-            </a:pPr>
-            <a:r>
-              <a:rPr sz="1200" b="1">
-                <a:solidFill>
-                  <a:srgbClr val="FFFFFF"/>
-                </a:solidFill>
-                <a:latin typeface="IPAPGothic"/>
-              </a:rPr>
-              <a:t>提携モデル設計</a:t>
-            </a:r>
-          </a:p>
-        </p:txBody>
-      </p:sp>
-      <p:sp>
-        <p:nvSpPr>
-          <p:cNvPr id="16" name="TextBox 15"/>
-          <p:cNvSpPr txBox="1"/>
-          <p:nvPr/>
-        </p:nvSpPr>
-        <p:spPr>
-          <a:xfrm>
-            <a:off x="1280160" y="3090672"/>
-            <a:ext cx="6400800" cy="237744"/>
-          </a:xfrm>
-          <a:prstGeom prst="rect">
-            <a:avLst/>
-          </a:prstGeom>
-          <a:noFill/>
-        </p:spPr>
-        <p:txBody>
-          <a:bodyPr wrap="square"/>
-          <a:lstStyle/>
-          <a:p>
-            <a:pPr algn="l">
-              <a:lnSpc>
-                <a:spcPct val="135000"/>
-              </a:lnSpc>
-              <a:spcBef>
-                <a:spcPts val="0"/>
-              </a:spcBef>
-              <a:spcAft>
-                <a:spcPts val="0"/>
-              </a:spcAft>
-            </a:pPr>
-            <a:r>
-              <a:rPr sz="1000" b="0">
-                <a:solidFill>
-                  <a:srgbClr val="BBBBCC"/>
-                </a:solidFill>
-                <a:latin typeface="IPAPGothic"/>
-              </a:rPr>
-              <a:t>最適なモデルの選択・条件・スコープの整理</a:t>
-            </a:r>
-          </a:p>
-        </p:txBody>
-      </p:sp>
-      <p:sp>
-        <p:nvSpPr>
-          <p:cNvPr id="17" name="Oval 16"/>
-          <p:cNvSpPr/>
-          <p:nvPr/>
-        </p:nvSpPr>
-        <p:spPr>
-          <a:xfrm>
-            <a:off x="731520" y="3529584"/>
-            <a:ext cx="384048" cy="384048"/>
-          </a:xfrm>
           <a:prstGeom prst="ellipse">
             <a:avLst/>
           </a:prstGeom>
           <a:solidFill>
-            <a:srgbClr val="2563EB"/>
+            <a:srgbClr val="EFF6FF"/>
           </a:solidFill>
           <a:ln>
             <a:noFill/>
@@ -13622,13 +15072,13 @@
       </p:sp>
       <p:sp>
         <p:nvSpPr>
-          <p:cNvPr id="18" name="TextBox 17"/>
-          <p:cNvSpPr txBox="1"/>
-          <p:nvPr/>
-        </p:nvSpPr>
-        <p:spPr>
-          <a:xfrm>
-            <a:off x="731520" y="3529584"/>
+          <p:cNvPr id="13" name="TextBox 12"/>
+          <p:cNvSpPr txBox="1"/>
+          <p:nvPr/>
+        </p:nvSpPr>
+        <p:spPr>
+          <a:xfrm>
+            <a:off x="4384548" y="1463040"/>
             <a:ext cx="384048" cy="384048"/>
           </a:xfrm>
           <a:prstGeom prst="rect">
@@ -13652,27 +15102,27 @@
               </a:spcAft>
             </a:pPr>
             <a:r>
-              <a:rPr sz="1000" b="1">
-                <a:solidFill>
-                  <a:srgbClr val="FFFFFF"/>
-                </a:solidFill>
-                <a:latin typeface="IPAPGothic"/>
-              </a:rPr>
-              <a:t>04</a:t>
-            </a:r>
-          </a:p>
-        </p:txBody>
-      </p:sp>
-      <p:sp>
-        <p:nvSpPr>
-          <p:cNvPr id="19" name="TextBox 18"/>
-          <p:cNvSpPr txBox="1"/>
-          <p:nvPr/>
-        </p:nvSpPr>
-        <p:spPr>
-          <a:xfrm>
-            <a:off x="1280160" y="3493008"/>
-            <a:ext cx="3657600" cy="274320"/>
+              <a:rPr sz="1200" b="1">
+                <a:solidFill>
+                  <a:srgbClr val="2563EB"/>
+                </a:solidFill>
+                <a:latin typeface="IPAPGothic"/>
+              </a:rPr>
+              <a:t>H</a:t>
+            </a:r>
+          </a:p>
+        </p:txBody>
+      </p:sp>
+      <p:sp>
+        <p:nvSpPr>
+          <p:cNvPr id="14" name="TextBox 13"/>
+          <p:cNvSpPr txBox="1"/>
+          <p:nvPr/>
+        </p:nvSpPr>
+        <p:spPr>
+          <a:xfrm>
+            <a:off x="3346704" y="1883664"/>
+            <a:ext cx="2459736" cy="237744"/>
           </a:xfrm>
           <a:prstGeom prst="rect">
             <a:avLst/>
@@ -13683,39 +15133,39 @@
           <a:bodyPr wrap="square"/>
           <a:lstStyle/>
           <a:p>
-            <a:pPr algn="l">
-              <a:lnSpc>
-                <a:spcPct val="135000"/>
-              </a:lnSpc>
-              <a:spcBef>
-                <a:spcPts val="0"/>
-              </a:spcBef>
-              <a:spcAft>
-                <a:spcPts val="0"/>
-              </a:spcAft>
-            </a:pPr>
-            <a:r>
-              <a:rPr sz="1200" b="1">
-                <a:solidFill>
-                  <a:srgbClr val="FFFFFF"/>
-                </a:solidFill>
-                <a:latin typeface="IPAPGothic"/>
-              </a:rPr>
-              <a:t>パイロット実施</a:t>
-            </a:r>
-          </a:p>
-        </p:txBody>
-      </p:sp>
-      <p:sp>
-        <p:nvSpPr>
-          <p:cNvPr id="20" name="TextBox 19"/>
-          <p:cNvSpPr txBox="1"/>
-          <p:nvPr/>
-        </p:nvSpPr>
-        <p:spPr>
-          <a:xfrm>
-            <a:off x="1280160" y="3749040"/>
-            <a:ext cx="6400800" cy="237744"/>
+            <a:pPr algn="ctr">
+              <a:lnSpc>
+                <a:spcPct val="135000"/>
+              </a:lnSpc>
+              <a:spcBef>
+                <a:spcPts val="0"/>
+              </a:spcBef>
+              <a:spcAft>
+                <a:spcPts val="0"/>
+              </a:spcAft>
+            </a:pPr>
+            <a:r>
+              <a:rPr sz="1100" b="1">
+                <a:solidFill>
+                  <a:srgbClr val="1E293B"/>
+                </a:solidFill>
+                <a:latin typeface="IPAPGothic"/>
+              </a:rPr>
+              <a:t>ホスピタリティ</a:t>
+            </a:r>
+          </a:p>
+        </p:txBody>
+      </p:sp>
+      <p:sp>
+        <p:nvSpPr>
+          <p:cNvPr id="15" name="TextBox 14"/>
+          <p:cNvSpPr txBox="1"/>
+          <p:nvPr/>
+        </p:nvSpPr>
+        <p:spPr>
+          <a:xfrm>
+            <a:off x="3346704" y="2194560"/>
+            <a:ext cx="2459736" cy="521208"/>
           </a:xfrm>
           <a:prstGeom prst="rect">
             <a:avLst/>
@@ -13726,91 +15176,50 @@
           <a:bodyPr wrap="square"/>
           <a:lstStyle/>
           <a:p>
-            <a:pPr algn="l">
-              <a:lnSpc>
-                <a:spcPct val="135000"/>
-              </a:lnSpc>
-              <a:spcBef>
-                <a:spcPts val="0"/>
-              </a:spcBef>
-              <a:spcAft>
-                <a:spcPts val="0"/>
-              </a:spcAft>
-            </a:pPr>
-            <a:r>
-              <a:rPr sz="1000" b="0">
-                <a:solidFill>
-                  <a:srgbClr val="BBBBCC"/>
-                </a:solidFill>
-                <a:latin typeface="IPAPGothic"/>
-              </a:rPr>
-              <a:t>1〜2件のクライアントで実証・フィードバック</a:t>
-            </a:r>
-          </a:p>
-        </p:txBody>
-      </p:sp>
-      <p:sp>
-        <p:nvSpPr>
-          <p:cNvPr id="21" name="TextBox 20"/>
-          <p:cNvSpPr txBox="1"/>
-          <p:nvPr/>
-        </p:nvSpPr>
-        <p:spPr>
-          <a:xfrm>
-            <a:off x="731520" y="4229100"/>
-            <a:ext cx="7315200" cy="274320"/>
-          </a:xfrm>
-          <a:prstGeom prst="rect">
-            <a:avLst/>
-          </a:prstGeom>
-          <a:noFill/>
-        </p:spPr>
-        <p:txBody>
-          <a:bodyPr wrap="square"/>
-          <a:lstStyle/>
-          <a:p>
-            <a:pPr algn="l">
-              <a:lnSpc>
-                <a:spcPct val="135000"/>
-              </a:lnSpc>
-              <a:spcBef>
-                <a:spcPts val="0"/>
-              </a:spcBef>
-              <a:spcAft>
-                <a:spcPts val="0"/>
-              </a:spcAft>
-            </a:pPr>
-            <a:r>
-              <a:rPr sz="1000" b="0">
-                <a:solidFill>
-                  <a:srgbClr val="94A3B8"/>
-                </a:solidFill>
-                <a:latin typeface="IPAPGothic"/>
-              </a:rPr>
-              <a:t>TokiStorage　佐藤卓也</a:t>
-            </a:r>
-          </a:p>
-        </p:txBody>
-      </p:sp>
-      <p:sp>
-        <p:nvSpPr>
-          <p:cNvPr id="22" name="Rectangle 21"/>
+            <a:pPr algn="ctr">
+              <a:lnSpc>
+                <a:spcPct val="135000"/>
+              </a:lnSpc>
+              <a:spcBef>
+                <a:spcPts val="0"/>
+              </a:spcBef>
+              <a:spcAft>
+                <a:spcPts val="0"/>
+              </a:spcAft>
+            </a:pPr>
+            <a:r>
+              <a:rPr sz="900" b="0">
+                <a:solidFill>
+                  <a:srgbClr val="475569"/>
+                </a:solidFill>
+                <a:latin typeface="IPAPGothic"/>
+              </a:rPr>
+              <a:t>ウェディング記録、ホテルCX、記念日サービス</a:t>
+            </a:r>
+          </a:p>
+        </p:txBody>
+      </p:sp>
+      <p:sp>
+        <p:nvSpPr>
+          <p:cNvPr id="16" name="Rectangle 15"/>
           <p:cNvSpPr/>
           <p:nvPr/>
         </p:nvSpPr>
         <p:spPr>
           <a:xfrm>
-            <a:off x="0" y="4613148"/>
-            <a:ext cx="9144000" cy="6350"/>
+            <a:off x="6089904" y="1371600"/>
+            <a:ext cx="2606040" cy="1417320"/>
           </a:xfrm>
           <a:prstGeom prst="rect">
             <a:avLst/>
           </a:prstGeom>
           <a:solidFill>
-            <a:srgbClr val="334455"/>
+            <a:srgbClr val="FFFFFF"/>
           </a:solidFill>
-          <a:ln>
-            <a:noFill/>
+          <a:ln w="9525">
+            <a:solidFill>
+              <a:srgbClr val="E2E8F0"/>
+            </a:solidFill>
           </a:ln>
         </p:spPr>
         <p:style>
@@ -13837,14 +15246,317 @@
       </p:sp>
       <p:sp>
         <p:nvSpPr>
+          <p:cNvPr id="17" name="Oval 16"/>
+          <p:cNvSpPr/>
+          <p:nvPr/>
+        </p:nvSpPr>
+        <p:spPr>
+          <a:xfrm>
+            <a:off x="7200900" y="1463040"/>
+            <a:ext cx="384048" cy="384048"/>
+          </a:xfrm>
+          <a:prstGeom prst="ellipse">
+            <a:avLst/>
+          </a:prstGeom>
+          <a:solidFill>
+            <a:srgbClr val="EFF6FF"/>
+          </a:solidFill>
+          <a:ln>
+            <a:noFill/>
+          </a:ln>
+        </p:spPr>
+        <p:style>
+          <a:lnRef idx="1">
+            <a:schemeClr val="accent1"/>
+          </a:lnRef>
+          <a:fillRef idx="3">
+            <a:schemeClr val="accent1"/>
+          </a:fillRef>
+          <a:effectRef idx="2">
+            <a:schemeClr val="accent1"/>
+          </a:effectRef>
+          <a:fontRef idx="minor">
+            <a:schemeClr val="lt1"/>
+          </a:fontRef>
+        </p:style>
+        <p:txBody>
+          <a:bodyPr rtlCol="0" anchor="ctr"/>
+          <a:lstStyle/>
+          <a:p>
+            <a:pPr algn="ctr"/>
+          </a:p>
+        </p:txBody>
+      </p:sp>
+      <p:sp>
+        <p:nvSpPr>
+          <p:cNvPr id="18" name="TextBox 17"/>
+          <p:cNvSpPr txBox="1"/>
+          <p:nvPr/>
+        </p:nvSpPr>
+        <p:spPr>
+          <a:xfrm>
+            <a:off x="7200900" y="1463040"/>
+            <a:ext cx="384048" cy="384048"/>
+          </a:xfrm>
+          <a:prstGeom prst="rect">
+            <a:avLst/>
+          </a:prstGeom>
+          <a:noFill/>
+        </p:spPr>
+        <p:txBody>
+          <a:bodyPr wrap="square" anchor="ctr"/>
+          <a:lstStyle/>
+          <a:p>
+            <a:pPr algn="ctr">
+              <a:lnSpc>
+                <a:spcPct val="135000"/>
+              </a:lnSpc>
+              <a:spcBef>
+                <a:spcPts val="0"/>
+              </a:spcBef>
+              <a:spcAft>
+                <a:spcPts val="0"/>
+              </a:spcAft>
+            </a:pPr>
+            <a:r>
+              <a:rPr sz="1200" b="1">
+                <a:solidFill>
+                  <a:srgbClr val="2563EB"/>
+                </a:solidFill>
+                <a:latin typeface="IPAPGothic"/>
+              </a:rPr>
+              <a:t>R</a:t>
+            </a:r>
+          </a:p>
+        </p:txBody>
+      </p:sp>
+      <p:sp>
+        <p:nvSpPr>
+          <p:cNvPr id="19" name="TextBox 18"/>
+          <p:cNvSpPr txBox="1"/>
+          <p:nvPr/>
+        </p:nvSpPr>
+        <p:spPr>
+          <a:xfrm>
+            <a:off x="6163056" y="1883664"/>
+            <a:ext cx="2459736" cy="237744"/>
+          </a:xfrm>
+          <a:prstGeom prst="rect">
+            <a:avLst/>
+          </a:prstGeom>
+          <a:noFill/>
+        </p:spPr>
+        <p:txBody>
+          <a:bodyPr wrap="square"/>
+          <a:lstStyle/>
+          <a:p>
+            <a:pPr algn="ctr">
+              <a:lnSpc>
+                <a:spcPct val="135000"/>
+              </a:lnSpc>
+              <a:spcBef>
+                <a:spcPts val="0"/>
+              </a:spcBef>
+              <a:spcAft>
+                <a:spcPts val="0"/>
+              </a:spcAft>
+            </a:pPr>
+            <a:r>
+              <a:rPr sz="1100" b="1">
+                <a:solidFill>
+                  <a:srgbClr val="1E293B"/>
+                </a:solidFill>
+                <a:latin typeface="IPAPGothic"/>
+              </a:rPr>
+              <a:t>宗教法人・寺社</a:t>
+            </a:r>
+          </a:p>
+        </p:txBody>
+      </p:sp>
+      <p:sp>
+        <p:nvSpPr>
+          <p:cNvPr id="20" name="TextBox 19"/>
+          <p:cNvSpPr txBox="1"/>
+          <p:nvPr/>
+        </p:nvSpPr>
+        <p:spPr>
+          <a:xfrm>
+            <a:off x="6163056" y="2194560"/>
+            <a:ext cx="2459736" cy="521208"/>
+          </a:xfrm>
+          <a:prstGeom prst="rect">
+            <a:avLst/>
+          </a:prstGeom>
+          <a:noFill/>
+        </p:spPr>
+        <p:txBody>
+          <a:bodyPr wrap="square"/>
+          <a:lstStyle/>
+          <a:p>
+            <a:pPr algn="ctr">
+              <a:lnSpc>
+                <a:spcPct val="135000"/>
+              </a:lnSpc>
+              <a:spcBef>
+                <a:spcPts val="0"/>
+              </a:spcBef>
+              <a:spcAft>
+                <a:spcPts val="0"/>
+              </a:spcAft>
+            </a:pPr>
+            <a:r>
+              <a:rPr sz="900" b="0">
+                <a:solidFill>
+                  <a:srgbClr val="475569"/>
+                </a:solidFill>
+                <a:latin typeface="IPAPGothic"/>
+              </a:rPr>
+              <a:t>檀家記録の永続化、参拝体験DX、文化財保存</a:t>
+            </a:r>
+          </a:p>
+        </p:txBody>
+      </p:sp>
+      <p:sp>
+        <p:nvSpPr>
+          <p:cNvPr id="21" name="Rectangle 20"/>
+          <p:cNvSpPr/>
+          <p:nvPr/>
+        </p:nvSpPr>
+        <p:spPr>
+          <a:xfrm>
+            <a:off x="457200" y="2926080"/>
+            <a:ext cx="2606040" cy="1417320"/>
+          </a:xfrm>
+          <a:prstGeom prst="rect">
+            <a:avLst/>
+          </a:prstGeom>
+          <a:solidFill>
+            <a:srgbClr val="FFFFFF"/>
+          </a:solidFill>
+          <a:ln w="9525">
+            <a:solidFill>
+              <a:srgbClr val="E2E8F0"/>
+            </a:solidFill>
+          </a:ln>
+        </p:spPr>
+        <p:style>
+          <a:lnRef idx="1">
+            <a:schemeClr val="accent1"/>
+          </a:lnRef>
+          <a:fillRef idx="3">
+            <a:schemeClr val="accent1"/>
+          </a:fillRef>
+          <a:effectRef idx="2">
+            <a:schemeClr val="accent1"/>
+          </a:effectRef>
+          <a:fontRef idx="minor">
+            <a:schemeClr val="lt1"/>
+          </a:fontRef>
+        </p:style>
+        <p:txBody>
+          <a:bodyPr rtlCol="0" anchor="ctr"/>
+          <a:lstStyle/>
+          <a:p>
+            <a:pPr algn="ctr"/>
+          </a:p>
+        </p:txBody>
+      </p:sp>
+      <p:sp>
+        <p:nvSpPr>
+          <p:cNvPr id="22" name="Oval 21"/>
+          <p:cNvSpPr/>
+          <p:nvPr/>
+        </p:nvSpPr>
+        <p:spPr>
+          <a:xfrm>
+            <a:off x="1568196" y="3017520"/>
+            <a:ext cx="384048" cy="384048"/>
+          </a:xfrm>
+          <a:prstGeom prst="ellipse">
+            <a:avLst/>
+          </a:prstGeom>
+          <a:solidFill>
+            <a:srgbClr val="EFF6FF"/>
+          </a:solidFill>
+          <a:ln>
+            <a:noFill/>
+          </a:ln>
+        </p:spPr>
+        <p:style>
+          <a:lnRef idx="1">
+            <a:schemeClr val="accent1"/>
+          </a:lnRef>
+          <a:fillRef idx="3">
+            <a:schemeClr val="accent1"/>
+          </a:fillRef>
+          <a:effectRef idx="2">
+            <a:schemeClr val="accent1"/>
+          </a:effectRef>
+          <a:fontRef idx="minor">
+            <a:schemeClr val="lt1"/>
+          </a:fontRef>
+        </p:style>
+        <p:txBody>
+          <a:bodyPr rtlCol="0" anchor="ctr"/>
+          <a:lstStyle/>
+          <a:p>
+            <a:pPr algn="ctr"/>
+          </a:p>
+        </p:txBody>
+      </p:sp>
+      <p:sp>
+        <p:nvSpPr>
           <p:cNvPr id="23" name="TextBox 22"/>
           <p:cNvSpPr txBox="1"/>
           <p:nvPr/>
         </p:nvSpPr>
         <p:spPr>
           <a:xfrm>
-            <a:off x="457200" y="4640580"/>
-            <a:ext cx="3657600" cy="320040"/>
+            <a:off x="1568196" y="3017520"/>
+            <a:ext cx="384048" cy="384048"/>
+          </a:xfrm>
+          <a:prstGeom prst="rect">
+            <a:avLst/>
+          </a:prstGeom>
+          <a:noFill/>
+        </p:spPr>
+        <p:txBody>
+          <a:bodyPr wrap="square" anchor="ctr"/>
+          <a:lstStyle/>
+          <a:p>
+            <a:pPr algn="ctr">
+              <a:lnSpc>
+                <a:spcPct val="135000"/>
+              </a:lnSpc>
+              <a:spcBef>
+                <a:spcPts val="0"/>
+              </a:spcBef>
+              <a:spcAft>
+                <a:spcPts val="0"/>
+              </a:spcAft>
+            </a:pPr>
+            <a:r>
+              <a:rPr sz="1200" b="1">
+                <a:solidFill>
+                  <a:srgbClr val="2563EB"/>
+                </a:solidFill>
+                <a:latin typeface="IPAPGothic"/>
+              </a:rPr>
+              <a:t>G</a:t>
+            </a:r>
+          </a:p>
+        </p:txBody>
+      </p:sp>
+      <p:sp>
+        <p:nvSpPr>
+          <p:cNvPr id="24" name="TextBox 23"/>
+          <p:cNvSpPr txBox="1"/>
+          <p:nvPr/>
+        </p:nvSpPr>
+        <p:spPr>
+          <a:xfrm>
+            <a:off x="530352" y="3438144"/>
+            <a:ext cx="2459736" cy="237744"/>
           </a:xfrm>
           <a:prstGeom prst="rect">
             <a:avLst/>
@@ -13855,6 +15567,569 @@
           <a:bodyPr wrap="square"/>
           <a:lstStyle/>
           <a:p>
+            <a:pPr algn="ctr">
+              <a:lnSpc>
+                <a:spcPct val="135000"/>
+              </a:lnSpc>
+              <a:spcBef>
+                <a:spcPts val="0"/>
+              </a:spcBef>
+              <a:spcAft>
+                <a:spcPts val="0"/>
+              </a:spcAft>
+            </a:pPr>
+            <a:r>
+              <a:rPr sz="1100" b="1">
+                <a:solidFill>
+                  <a:srgbClr val="1E293B"/>
+                </a:solidFill>
+                <a:latin typeface="IPAPGothic"/>
+              </a:rPr>
+              <a:t>自治体・教育</a:t>
+            </a:r>
+          </a:p>
+        </p:txBody>
+      </p:sp>
+      <p:sp>
+        <p:nvSpPr>
+          <p:cNvPr id="25" name="TextBox 24"/>
+          <p:cNvSpPr txBox="1"/>
+          <p:nvPr/>
+        </p:nvSpPr>
+        <p:spPr>
+          <a:xfrm>
+            <a:off x="530352" y="3749040"/>
+            <a:ext cx="2459736" cy="521208"/>
+          </a:xfrm>
+          <a:prstGeom prst="rect">
+            <a:avLst/>
+          </a:prstGeom>
+          <a:noFill/>
+        </p:spPr>
+        <p:txBody>
+          <a:bodyPr wrap="square"/>
+          <a:lstStyle/>
+          <a:p>
+            <a:pPr algn="ctr">
+              <a:lnSpc>
+                <a:spcPct val="135000"/>
+              </a:lnSpc>
+              <a:spcBef>
+                <a:spcPts val="0"/>
+              </a:spcBef>
+              <a:spcAft>
+                <a:spcPts val="0"/>
+              </a:spcAft>
+            </a:pPr>
+            <a:r>
+              <a:rPr sz="900" b="0">
+                <a:solidFill>
+                  <a:srgbClr val="475569"/>
+                </a:solidFill>
+                <a:latin typeface="IPAPGothic"/>
+              </a:rPr>
+              <a:t>地域アーカイブ、災害記録、学校史の永続化</a:t>
+            </a:r>
+          </a:p>
+        </p:txBody>
+      </p:sp>
+      <p:sp>
+        <p:nvSpPr>
+          <p:cNvPr id="26" name="Rectangle 25"/>
+          <p:cNvSpPr/>
+          <p:nvPr/>
+        </p:nvSpPr>
+        <p:spPr>
+          <a:xfrm>
+            <a:off x="3273552" y="2926080"/>
+            <a:ext cx="2606040" cy="1417320"/>
+          </a:xfrm>
+          <a:prstGeom prst="rect">
+            <a:avLst/>
+          </a:prstGeom>
+          <a:solidFill>
+            <a:srgbClr val="FFFFFF"/>
+          </a:solidFill>
+          <a:ln w="9525">
+            <a:solidFill>
+              <a:srgbClr val="E2E8F0"/>
+            </a:solidFill>
+          </a:ln>
+        </p:spPr>
+        <p:style>
+          <a:lnRef idx="1">
+            <a:schemeClr val="accent1"/>
+          </a:lnRef>
+          <a:fillRef idx="3">
+            <a:schemeClr val="accent1"/>
+          </a:fillRef>
+          <a:effectRef idx="2">
+            <a:schemeClr val="accent1"/>
+          </a:effectRef>
+          <a:fontRef idx="minor">
+            <a:schemeClr val="lt1"/>
+          </a:fontRef>
+        </p:style>
+        <p:txBody>
+          <a:bodyPr rtlCol="0" anchor="ctr"/>
+          <a:lstStyle/>
+          <a:p>
+            <a:pPr algn="ctr"/>
+          </a:p>
+        </p:txBody>
+      </p:sp>
+      <p:sp>
+        <p:nvSpPr>
+          <p:cNvPr id="27" name="Oval 26"/>
+          <p:cNvSpPr/>
+          <p:nvPr/>
+        </p:nvSpPr>
+        <p:spPr>
+          <a:xfrm>
+            <a:off x="4384548" y="3017520"/>
+            <a:ext cx="384048" cy="384048"/>
+          </a:xfrm>
+          <a:prstGeom prst="ellipse">
+            <a:avLst/>
+          </a:prstGeom>
+          <a:solidFill>
+            <a:srgbClr val="EFF6FF"/>
+          </a:solidFill>
+          <a:ln>
+            <a:noFill/>
+          </a:ln>
+        </p:spPr>
+        <p:style>
+          <a:lnRef idx="1">
+            <a:schemeClr val="accent1"/>
+          </a:lnRef>
+          <a:fillRef idx="3">
+            <a:schemeClr val="accent1"/>
+          </a:fillRef>
+          <a:effectRef idx="2">
+            <a:schemeClr val="accent1"/>
+          </a:effectRef>
+          <a:fontRef idx="minor">
+            <a:schemeClr val="lt1"/>
+          </a:fontRef>
+        </p:style>
+        <p:txBody>
+          <a:bodyPr rtlCol="0" anchor="ctr"/>
+          <a:lstStyle/>
+          <a:p>
+            <a:pPr algn="ctr"/>
+          </a:p>
+        </p:txBody>
+      </p:sp>
+      <p:sp>
+        <p:nvSpPr>
+          <p:cNvPr id="28" name="TextBox 27"/>
+          <p:cNvSpPr txBox="1"/>
+          <p:nvPr/>
+        </p:nvSpPr>
+        <p:spPr>
+          <a:xfrm>
+            <a:off x="4384548" y="3017520"/>
+            <a:ext cx="384048" cy="384048"/>
+          </a:xfrm>
+          <a:prstGeom prst="rect">
+            <a:avLst/>
+          </a:prstGeom>
+          <a:noFill/>
+        </p:spPr>
+        <p:txBody>
+          <a:bodyPr wrap="square" anchor="ctr"/>
+          <a:lstStyle/>
+          <a:p>
+            <a:pPr algn="ctr">
+              <a:lnSpc>
+                <a:spcPct val="135000"/>
+              </a:lnSpc>
+              <a:spcBef>
+                <a:spcPts val="0"/>
+              </a:spcBef>
+              <a:spcAft>
+                <a:spcPts val="0"/>
+              </a:spcAft>
+            </a:pPr>
+            <a:r>
+              <a:rPr sz="1200" b="1">
+                <a:solidFill>
+                  <a:srgbClr val="2563EB"/>
+                </a:solidFill>
+                <a:latin typeface="IPAPGothic"/>
+              </a:rPr>
+              <a:t>E</a:t>
+            </a:r>
+          </a:p>
+        </p:txBody>
+      </p:sp>
+      <p:sp>
+        <p:nvSpPr>
+          <p:cNvPr id="29" name="TextBox 28"/>
+          <p:cNvSpPr txBox="1"/>
+          <p:nvPr/>
+        </p:nvSpPr>
+        <p:spPr>
+          <a:xfrm>
+            <a:off x="3346704" y="3438144"/>
+            <a:ext cx="2459736" cy="237744"/>
+          </a:xfrm>
+          <a:prstGeom prst="rect">
+            <a:avLst/>
+          </a:prstGeom>
+          <a:noFill/>
+        </p:spPr>
+        <p:txBody>
+          <a:bodyPr wrap="square"/>
+          <a:lstStyle/>
+          <a:p>
+            <a:pPr algn="ctr">
+              <a:lnSpc>
+                <a:spcPct val="135000"/>
+              </a:lnSpc>
+              <a:spcBef>
+                <a:spcPts val="0"/>
+              </a:spcBef>
+              <a:spcAft>
+                <a:spcPts val="0"/>
+              </a:spcAft>
+            </a:pPr>
+            <a:r>
+              <a:rPr sz="1100" b="1">
+                <a:solidFill>
+                  <a:srgbClr val="1E293B"/>
+                </a:solidFill>
+                <a:latin typeface="IPAPGothic"/>
+              </a:rPr>
+              <a:t>ESG・サステナビリティ</a:t>
+            </a:r>
+          </a:p>
+        </p:txBody>
+      </p:sp>
+      <p:sp>
+        <p:nvSpPr>
+          <p:cNvPr id="30" name="TextBox 29"/>
+          <p:cNvSpPr txBox="1"/>
+          <p:nvPr/>
+        </p:nvSpPr>
+        <p:spPr>
+          <a:xfrm>
+            <a:off x="3346704" y="3749040"/>
+            <a:ext cx="2459736" cy="521208"/>
+          </a:xfrm>
+          <a:prstGeom prst="rect">
+            <a:avLst/>
+          </a:prstGeom>
+          <a:noFill/>
+        </p:spPr>
+        <p:txBody>
+          <a:bodyPr wrap="square"/>
+          <a:lstStyle/>
+          <a:p>
+            <a:pPr algn="ctr">
+              <a:lnSpc>
+                <a:spcPct val="135000"/>
+              </a:lnSpc>
+              <a:spcBef>
+                <a:spcPts val="0"/>
+              </a:spcBef>
+              <a:spcAft>
+                <a:spcPts val="0"/>
+              </a:spcAft>
+            </a:pPr>
+            <a:r>
+              <a:rPr sz="900" b="0">
+                <a:solidFill>
+                  <a:srgbClr val="475569"/>
+                </a:solidFill>
+                <a:latin typeface="IPAPGothic"/>
+              </a:rPr>
+              <a:t>1000年設計の企業理念記録、SDGs実績の永続証明</a:t>
+            </a:r>
+          </a:p>
+        </p:txBody>
+      </p:sp>
+      <p:sp>
+        <p:nvSpPr>
+          <p:cNvPr id="31" name="Rectangle 30"/>
+          <p:cNvSpPr/>
+          <p:nvPr/>
+        </p:nvSpPr>
+        <p:spPr>
+          <a:xfrm>
+            <a:off x="6089904" y="2926080"/>
+            <a:ext cx="2606040" cy="1417320"/>
+          </a:xfrm>
+          <a:prstGeom prst="rect">
+            <a:avLst/>
+          </a:prstGeom>
+          <a:solidFill>
+            <a:srgbClr val="FFFFFF"/>
+          </a:solidFill>
+          <a:ln w="9525">
+            <a:solidFill>
+              <a:srgbClr val="E2E8F0"/>
+            </a:solidFill>
+          </a:ln>
+        </p:spPr>
+        <p:style>
+          <a:lnRef idx="1">
+            <a:schemeClr val="accent1"/>
+          </a:lnRef>
+          <a:fillRef idx="3">
+            <a:schemeClr val="accent1"/>
+          </a:fillRef>
+          <a:effectRef idx="2">
+            <a:schemeClr val="accent1"/>
+          </a:effectRef>
+          <a:fontRef idx="minor">
+            <a:schemeClr val="lt1"/>
+          </a:fontRef>
+        </p:style>
+        <p:txBody>
+          <a:bodyPr rtlCol="0" anchor="ctr"/>
+          <a:lstStyle/>
+          <a:p>
+            <a:pPr algn="ctr"/>
+          </a:p>
+        </p:txBody>
+      </p:sp>
+      <p:sp>
+        <p:nvSpPr>
+          <p:cNvPr id="32" name="Oval 31"/>
+          <p:cNvSpPr/>
+          <p:nvPr/>
+        </p:nvSpPr>
+        <p:spPr>
+          <a:xfrm>
+            <a:off x="7200900" y="3017520"/>
+            <a:ext cx="384048" cy="384048"/>
+          </a:xfrm>
+          <a:prstGeom prst="ellipse">
+            <a:avLst/>
+          </a:prstGeom>
+          <a:solidFill>
+            <a:srgbClr val="EFF6FF"/>
+          </a:solidFill>
+          <a:ln>
+            <a:noFill/>
+          </a:ln>
+        </p:spPr>
+        <p:style>
+          <a:lnRef idx="1">
+            <a:schemeClr val="accent1"/>
+          </a:lnRef>
+          <a:fillRef idx="3">
+            <a:schemeClr val="accent1"/>
+          </a:fillRef>
+          <a:effectRef idx="2">
+            <a:schemeClr val="accent1"/>
+          </a:effectRef>
+          <a:fontRef idx="minor">
+            <a:schemeClr val="lt1"/>
+          </a:fontRef>
+        </p:style>
+        <p:txBody>
+          <a:bodyPr rtlCol="0" anchor="ctr"/>
+          <a:lstStyle/>
+          <a:p>
+            <a:pPr algn="ctr"/>
+          </a:p>
+        </p:txBody>
+      </p:sp>
+      <p:sp>
+        <p:nvSpPr>
+          <p:cNvPr id="33" name="TextBox 32"/>
+          <p:cNvSpPr txBox="1"/>
+          <p:nvPr/>
+        </p:nvSpPr>
+        <p:spPr>
+          <a:xfrm>
+            <a:off x="7200900" y="3017520"/>
+            <a:ext cx="384048" cy="384048"/>
+          </a:xfrm>
+          <a:prstGeom prst="rect">
+            <a:avLst/>
+          </a:prstGeom>
+          <a:noFill/>
+        </p:spPr>
+        <p:txBody>
+          <a:bodyPr wrap="square" anchor="ctr"/>
+          <a:lstStyle/>
+          <a:p>
+            <a:pPr algn="ctr">
+              <a:lnSpc>
+                <a:spcPct val="135000"/>
+              </a:lnSpc>
+              <a:spcBef>
+                <a:spcPts val="0"/>
+              </a:spcBef>
+              <a:spcAft>
+                <a:spcPts val="0"/>
+              </a:spcAft>
+            </a:pPr>
+            <a:r>
+              <a:rPr sz="1200" b="1">
+                <a:solidFill>
+                  <a:srgbClr val="2563EB"/>
+                </a:solidFill>
+                <a:latin typeface="IPAPGothic"/>
+              </a:rPr>
+              <a:t>F</a:t>
+            </a:r>
+          </a:p>
+        </p:txBody>
+      </p:sp>
+      <p:sp>
+        <p:nvSpPr>
+          <p:cNvPr id="34" name="TextBox 33"/>
+          <p:cNvSpPr txBox="1"/>
+          <p:nvPr/>
+        </p:nvSpPr>
+        <p:spPr>
+          <a:xfrm>
+            <a:off x="6163056" y="3438144"/>
+            <a:ext cx="2459736" cy="237744"/>
+          </a:xfrm>
+          <a:prstGeom prst="rect">
+            <a:avLst/>
+          </a:prstGeom>
+          <a:noFill/>
+        </p:spPr>
+        <p:txBody>
+          <a:bodyPr wrap="square"/>
+          <a:lstStyle/>
+          <a:p>
+            <a:pPr algn="ctr">
+              <a:lnSpc>
+                <a:spcPct val="135000"/>
+              </a:lnSpc>
+              <a:spcBef>
+                <a:spcPts val="0"/>
+              </a:spcBef>
+              <a:spcAft>
+                <a:spcPts val="0"/>
+              </a:spcAft>
+            </a:pPr>
+            <a:r>
+              <a:rPr sz="1100" b="1">
+                <a:solidFill>
+                  <a:srgbClr val="1E293B"/>
+                </a:solidFill>
+                <a:latin typeface="IPAPGothic"/>
+              </a:rPr>
+              <a:t>金融・保険</a:t>
+            </a:r>
+          </a:p>
+        </p:txBody>
+      </p:sp>
+      <p:sp>
+        <p:nvSpPr>
+          <p:cNvPr id="35" name="TextBox 34"/>
+          <p:cNvSpPr txBox="1"/>
+          <p:nvPr/>
+        </p:nvSpPr>
+        <p:spPr>
+          <a:xfrm>
+            <a:off x="6163056" y="3749040"/>
+            <a:ext cx="2459736" cy="521208"/>
+          </a:xfrm>
+          <a:prstGeom prst="rect">
+            <a:avLst/>
+          </a:prstGeom>
+          <a:noFill/>
+        </p:spPr>
+        <p:txBody>
+          <a:bodyPr wrap="square"/>
+          <a:lstStyle/>
+          <a:p>
+            <a:pPr algn="ctr">
+              <a:lnSpc>
+                <a:spcPct val="135000"/>
+              </a:lnSpc>
+              <a:spcBef>
+                <a:spcPts val="0"/>
+              </a:spcBef>
+              <a:spcAft>
+                <a:spcPts val="0"/>
+              </a:spcAft>
+            </a:pPr>
+            <a:r>
+              <a:rPr sz="900" b="0">
+                <a:solidFill>
+                  <a:srgbClr val="475569"/>
+                </a:solidFill>
+                <a:latin typeface="IPAPGothic"/>
+              </a:rPr>
+              <a:t>終活関連サービス連携、デジタル遺品対策</a:t>
+            </a:r>
+          </a:p>
+        </p:txBody>
+      </p:sp>
+      <p:sp>
+        <p:nvSpPr>
+          <p:cNvPr id="36" name="Rectangle 35"/>
+          <p:cNvSpPr/>
+          <p:nvPr/>
+        </p:nvSpPr>
+        <p:spPr>
+          <a:xfrm>
+            <a:off x="0" y="4796028"/>
+            <a:ext cx="9144000" cy="6350"/>
+          </a:xfrm>
+          <a:prstGeom prst="rect">
+            <a:avLst/>
+          </a:prstGeom>
+          <a:solidFill>
+            <a:srgbClr val="E2E8F0"/>
+          </a:solidFill>
+          <a:ln>
+            <a:noFill/>
+          </a:ln>
+        </p:spPr>
+        <p:style>
+          <a:lnRef idx="1">
+            <a:schemeClr val="accent1"/>
+          </a:lnRef>
+          <a:fillRef idx="3">
+            <a:schemeClr val="accent1"/>
+          </a:fillRef>
+          <a:effectRef idx="2">
+            <a:schemeClr val="accent1"/>
+          </a:effectRef>
+          <a:fontRef idx="minor">
+            <a:schemeClr val="lt1"/>
+          </a:fontRef>
+        </p:style>
+        <p:txBody>
+          <a:bodyPr rtlCol="0" anchor="ctr"/>
+          <a:lstStyle/>
+          <a:p>
+            <a:pPr algn="ctr"/>
+          </a:p>
+        </p:txBody>
+      </p:sp>
+      <p:sp>
+        <p:nvSpPr>
+          <p:cNvPr id="37" name="TextBox 36"/>
+          <p:cNvSpPr txBox="1"/>
+          <p:nvPr/>
+        </p:nvSpPr>
+        <p:spPr>
+          <a:xfrm>
+            <a:off x="457200" y="4821428"/>
+            <a:ext cx="3657600" cy="274320"/>
+          </a:xfrm>
+          <a:prstGeom prst="rect">
+            <a:avLst/>
+          </a:prstGeom>
+          <a:noFill/>
+        </p:spPr>
+        <p:txBody>
+          <a:bodyPr wrap="square"/>
+          <a:lstStyle/>
+          <a:p>
             <a:pPr algn="l">
               <a:lnSpc>
                 <a:spcPct val="135000"/>
@@ -13873,21 +16148,21 @@
                 </a:solidFill>
                 <a:latin typeface="IPAPGothic"/>
               </a:rPr>
-              <a:t>TokiStorage</a:t>
-            </a:r>
-          </a:p>
-        </p:txBody>
-      </p:sp>
-      <p:sp>
-        <p:nvSpPr>
-          <p:cNvPr id="24" name="TextBox 23"/>
-          <p:cNvSpPr txBox="1"/>
-          <p:nvPr/>
-        </p:nvSpPr>
-        <p:spPr>
-          <a:xfrm>
-            <a:off x="3657600" y="4640580"/>
-            <a:ext cx="1828800" cy="320040"/>
+              <a:t>TokiStorage — 協業提案</a:t>
+            </a:r>
+          </a:p>
+        </p:txBody>
+      </p:sp>
+      <p:sp>
+        <p:nvSpPr>
+          <p:cNvPr id="38" name="TextBox 37"/>
+          <p:cNvSpPr txBox="1"/>
+          <p:nvPr/>
+        </p:nvSpPr>
+        <p:spPr>
+          <a:xfrm>
+            <a:off x="3657600" y="4821428"/>
+            <a:ext cx="1828800" cy="274320"/>
           </a:xfrm>
           <a:prstGeom prst="rect">
             <a:avLst/>
@@ -13923,14 +16198,14 @@
       </p:sp>
       <p:sp>
         <p:nvSpPr>
-          <p:cNvPr id="25" name="TextBox 24"/>
-          <p:cNvSpPr txBox="1"/>
-          <p:nvPr/>
-        </p:nvSpPr>
-        <p:spPr>
-          <a:xfrm>
-            <a:off x="8229600" y="4640580"/>
-            <a:ext cx="457200" cy="320040"/>
+          <p:cNvPr id="39" name="TextBox 38"/>
+          <p:cNvSpPr txBox="1"/>
+          <p:nvPr/>
+        </p:nvSpPr>
+        <p:spPr>
+          <a:xfrm>
+            <a:off x="8229600" y="4821428"/>
+            <a:ext cx="457200" cy="274320"/>
           </a:xfrm>
           <a:prstGeom prst="rect">
             <a:avLst/>

--- a/tokistorage-partnership-deck.pptx
+++ b/tokistorage-partnership-deck.pptx
@@ -3144,7 +3144,7 @@
       </p:sp>
       <p:pic>
         <p:nvPicPr>
-          <p:cNvPr id="3" name="Picture 2" descr="tokistorage-icon-circle.png"/>
+          <p:cNvPr id="3" name="Picture 2" descr="tokistorage-icon-white-bg.png"/>
           <p:cNvPicPr>
             <a:picLocks noChangeAspect="1"/>
           </p:cNvPicPr>

--- a/tokistorage-partnership-deck.pptx
+++ b/tokistorage-partnership-deck.pptx
@@ -4175,7 +4175,7 @@
         <p:spPr>
           <a:xfrm>
             <a:off x="7109460" y="2459736"/>
-            <a:ext cx="1371600" cy="402336"/>
+            <a:ext cx="1097280" cy="402336"/>
           </a:xfrm>
           <a:prstGeom prst="rect">
             <a:avLst/>
@@ -4220,7 +4220,7 @@
         <p:spPr>
           <a:xfrm>
             <a:off x="7200900" y="2459736"/>
-            <a:ext cx="1188720" cy="402336"/>
+            <a:ext cx="914400" cy="402336"/>
           </a:xfrm>
           <a:prstGeom prst="rect">
             <a:avLst/>
@@ -4249,7 +4249,7 @@
                 </a:solidFill>
                 <a:latin typeface="IPAPGothic"/>
               </a:rPr>
-              <a:t>佐渡島移住予定（2026春）</a:t>
+              <a:t>佐渡島に拠点設置予定</a:t>
             </a:r>
           </a:p>
         </p:txBody>

--- a/tokistorage-partnership-deck.pptx
+++ b/tokistorage-partnership-deck.pptx
@@ -7170,7 +7170,7 @@
                 </a:solidFill>
                 <a:latin typeface="IPAPGothic"/>
               </a:rPr>
-              <a:t>Q</a:t>
+              <a:t>T</a:t>
             </a:r>
           </a:p>
         </p:txBody>
@@ -7213,7 +7213,7 @@
                 </a:solidFill>
                 <a:latin typeface="IPAPGothic"/>
               </a:rPr>
-              <a:t>三層分散保管アーキテクチャ</a:t>
+              <a:t>TokiQR — 無料で今すぐ体験</a:t>
             </a:r>
           </a:p>
         </p:txBody>
@@ -7256,7 +7256,7 @@
                 </a:solidFill>
                 <a:latin typeface="IPAPGothic"/>
               </a:rPr>
-              <a:t>物理層（石英ガラス/ラミネート）・国家層（国立国会図書館 法定納本）・民間層（GitHub）。3-2-1バックアップルールに完全準拠。単一障害点ゼロ。</a:t>
+              <a:t>声・顔・テキストをQRコードに。スマホだけで誰でも無料で作成、三層分散保管まで完結。PCT国際特許手続き中の独自音声符号化技術。</a:t>
             </a:r>
           </a:p>
         </p:txBody>
@@ -7387,7 +7387,7 @@
                 </a:solidFill>
                 <a:latin typeface="IPAPGothic"/>
               </a:rPr>
-              <a:t>U</a:t>
+              <a:t>Q</a:t>
             </a:r>
           </a:p>
         </p:txBody>
@@ -7430,7 +7430,7 @@
                 </a:solidFill>
                 <a:latin typeface="IPAPGothic"/>
               </a:rPr>
-              <a:t>200+ ユースケース（業界別整理済み）</a:t>
+              <a:t>三層分散保管アーキテクチャ</a:t>
             </a:r>
           </a:p>
         </p:txBody>
@@ -7473,7 +7473,7 @@
                 </a:solidFill>
                 <a:latin typeface="IPAPGothic"/>
               </a:rPr>
-              <a:t>終活・婚礼・寺社・学校・企業・自治体・NGO・ホテル・航空。提案書にそのまま転用可能な粒度。</a:t>
+              <a:t>物理層（石英ガラス/ラミネート）・国家層（国立国会図書館 法定納本）・民間層（GitHub）。3-2-1バックアップルール準拠。単一障害点ゼロ。</a:t>
             </a:r>
           </a:p>
         </p:txBody>
@@ -7604,7 +7604,7 @@
                 </a:solidFill>
                 <a:latin typeface="IPAPGothic"/>
               </a:rPr>
-              <a:t>E</a:t>
+              <a:t>U</a:t>
             </a:r>
           </a:p>
         </p:txBody>
@@ -7647,7 +7647,7 @@
                 </a:solidFill>
                 <a:latin typeface="IPAPGothic"/>
               </a:rPr>
-              <a:t>70+ 思想エッセイ（9領域）</a:t>
+              <a:t>200+ ユースケース（業界別整理済み）</a:t>
             </a:r>
           </a:p>
         </p:txBody>
@@ -7690,7 +7690,7 @@
                 </a:solidFill>
                 <a:latin typeface="IPAPGothic"/>
               </a:rPr>
-              <a:t>存在証明を心理学・宗教・経済・AI・宇宙まで展開。知的コンテンツとしてクライアント提案に活用可能。</a:t>
+              <a:t>終活・婚礼・寺社・学校・企業・自治体・NGO・ホテル・航空。提案書にそのまま転用可能な粒度。</a:t>
             </a:r>
           </a:p>
         </p:txBody>
@@ -7864,7 +7864,7 @@
                 </a:solidFill>
                 <a:latin typeface="IPAPGothic"/>
               </a:rPr>
-              <a:t>Pearl Soap + アンバサダー網</a:t>
+              <a:t>Pearl Soap + コーチ・アンバサダー認定</a:t>
             </a:r>
           </a:p>
         </p:txBody>
@@ -7907,7 +7907,7 @@
                 </a:solidFill>
                 <a:latin typeface="IPAPGothic"/>
               </a:rPr>
-              <a:t>贈与経済の実践。全国にワークショップ展開可能な分散型運動体。エンドユーザーとの接点を提供。</a:t>
+              <a:t>贈与経済の実践。認定コーチ・アンバサダーによる全国ワークショップ展開。分散型の運動体。</a:t>
             </a:r>
           </a:p>
         </p:txBody>
@@ -10614,7 +10614,7 @@
                 </a:solidFill>
                 <a:latin typeface="IPAPGothic"/>
               </a:rPr>
-              <a:t>体験プラン5,000円からスタートできる——エントリー障壁が極めて低い提案設計</a:t>
+              <a:t>TokiQRは無料——エントリー障壁ゼロの提案設計</a:t>
             </a:r>
           </a:p>
         </p:txBody>
@@ -10664,14 +10664,57 @@
       </p:sp>
       <p:sp>
         <p:nvSpPr>
-          <p:cNvPr id="5" name="Rectangle 4"/>
+          <p:cNvPr id="5" name="TextBox 4"/>
+          <p:cNvSpPr txBox="1"/>
+          <p:nvPr/>
+        </p:nvSpPr>
+        <p:spPr>
+          <a:xfrm>
+            <a:off x="457200" y="1005840"/>
+            <a:ext cx="3657600" cy="228600"/>
+          </a:xfrm>
+          <a:prstGeom prst="rect">
+            <a:avLst/>
+          </a:prstGeom>
+          <a:noFill/>
+        </p:spPr>
+        <p:txBody>
+          <a:bodyPr wrap="square"/>
+          <a:lstStyle/>
+          <a:p>
+            <a:pPr algn="l">
+              <a:lnSpc>
+                <a:spcPct val="135000"/>
+              </a:lnSpc>
+              <a:spcBef>
+                <a:spcPts val="0"/>
+              </a:spcBef>
+              <a:spcAft>
+                <a:spcPts val="0"/>
+              </a:spcAft>
+            </a:pPr>
+            <a:r>
+              <a:rPr sz="1000" b="1">
+                <a:solidFill>
+                  <a:srgbClr val="475569"/>
+                </a:solidFill>
+                <a:latin typeface="IPAPGothic"/>
+              </a:rPr>
+              <a:t>セルフサービス製品</a:t>
+            </a:r>
+          </a:p>
+        </p:txBody>
+      </p:sp>
+      <p:sp>
+        <p:nvSpPr>
+          <p:cNvPr id="6" name="Rectangle 5"/>
           <p:cNvSpPr/>
           <p:nvPr/>
         </p:nvSpPr>
         <p:spPr>
           <a:xfrm>
-            <a:off x="457200" y="1051560"/>
-            <a:ext cx="3931920" cy="1783080"/>
+            <a:off x="457200" y="1280160"/>
+            <a:ext cx="2606040" cy="1325880"/>
           </a:xfrm>
           <a:prstGeom prst="rect">
             <a:avLst/>
@@ -10709,14 +10752,14 @@
       </p:sp>
       <p:sp>
         <p:nvSpPr>
-          <p:cNvPr id="6" name="TextBox 5"/>
-          <p:cNvSpPr txBox="1"/>
-          <p:nvPr/>
-        </p:nvSpPr>
-        <p:spPr>
-          <a:xfrm>
-            <a:off x="594360" y="1143000"/>
-            <a:ext cx="3657600" cy="274320"/>
+          <p:cNvPr id="7" name="TextBox 6"/>
+          <p:cNvSpPr txBox="1"/>
+          <p:nvPr/>
+        </p:nvSpPr>
+        <p:spPr>
+          <a:xfrm>
+            <a:off x="566928" y="1353312"/>
+            <a:ext cx="2386584" cy="228600"/>
           </a:xfrm>
           <a:prstGeom prst="rect">
             <a:avLst/>
@@ -10739,27 +10782,27 @@
               </a:spcAft>
             </a:pPr>
             <a:r>
-              <a:rPr sz="1200" b="1">
+              <a:rPr sz="1100" b="1">
                 <a:solidFill>
                   <a:srgbClr val="1E293B"/>
                 </a:solidFill>
                 <a:latin typeface="IPAPGothic"/>
               </a:rPr>
-              <a:t>体験プラン</a:t>
-            </a:r>
-          </a:p>
-        </p:txBody>
-      </p:sp>
-      <p:sp>
-        <p:nvSpPr>
-          <p:cNvPr id="7" name="TextBox 6"/>
-          <p:cNvSpPr txBox="1"/>
-          <p:nvPr/>
-        </p:nvSpPr>
-        <p:spPr>
-          <a:xfrm>
-            <a:off x="594360" y="1435608"/>
-            <a:ext cx="3657600" cy="320040"/>
+              <a:t>TokiQR</a:t>
+            </a:r>
+          </a:p>
+        </p:txBody>
+      </p:sp>
+      <p:sp>
+        <p:nvSpPr>
+          <p:cNvPr id="8" name="TextBox 7"/>
+          <p:cNvSpPr txBox="1"/>
+          <p:nvPr/>
+        </p:nvSpPr>
+        <p:spPr>
+          <a:xfrm>
+            <a:off x="566928" y="1581912"/>
+            <a:ext cx="2386584" cy="274320"/>
           </a:xfrm>
           <a:prstGeom prst="rect">
             <a:avLst/>
@@ -10782,27 +10825,27 @@
               </a:spcAft>
             </a:pPr>
             <a:r>
-              <a:rPr sz="1400" b="1">
+              <a:rPr sz="1300" b="1">
                 <a:solidFill>
                   <a:srgbClr val="2563EB"/>
                 </a:solidFill>
                 <a:latin typeface="IPAPGothic"/>
               </a:rPr>
-              <a:t>¥5,000（税込）</a:t>
-            </a:r>
-          </a:p>
-        </p:txBody>
-      </p:sp>
-      <p:sp>
-        <p:nvSpPr>
-          <p:cNvPr id="8" name="TextBox 7"/>
-          <p:cNvSpPr txBox="1"/>
-          <p:nvPr/>
-        </p:nvSpPr>
-        <p:spPr>
-          <a:xfrm>
-            <a:off x="594360" y="1828800"/>
-            <a:ext cx="3657600" cy="914400"/>
+              <a:t>無料</a:t>
+            </a:r>
+          </a:p>
+        </p:txBody>
+      </p:sp>
+      <p:sp>
+        <p:nvSpPr>
+          <p:cNvPr id="9" name="TextBox 8"/>
+          <p:cNvSpPr txBox="1"/>
+          <p:nvPr/>
+        </p:nvSpPr>
+        <p:spPr>
+          <a:xfrm>
+            <a:off x="566928" y="1901952"/>
+            <a:ext cx="2386584" cy="612648"/>
           </a:xfrm>
           <a:prstGeom prst="rect">
             <a:avLst/>
@@ -10825,27 +10868,27 @@
               </a:spcAft>
             </a:pPr>
             <a:r>
-              <a:rPr sz="1000" b="0">
+              <a:rPr sz="900" b="0">
                 <a:solidFill>
                   <a:srgbClr val="475569"/>
                 </a:solidFill>
                 <a:latin typeface="IPAPGothic"/>
               </a:rPr>
-              <a:t>三層保管をA4ラミネートで体験。声のQRコード→ラミネート＋NDL納本＋GitHub格納。</a:t>
-            </a:r>
-          </a:p>
-        </p:txBody>
-      </p:sp>
-      <p:sp>
-        <p:nvSpPr>
-          <p:cNvPr id="9" name="Rectangle 8"/>
+              <a:t>声・顔・テキストをQRコードに。スマホだけで作成、NDL＋GitHubに三層保管。</a:t>
+            </a:r>
+          </a:p>
+        </p:txBody>
+      </p:sp>
+      <p:sp>
+        <p:nvSpPr>
+          <p:cNvPr id="10" name="Rectangle 9"/>
           <p:cNvSpPr/>
           <p:nvPr/>
         </p:nvSpPr>
         <p:spPr>
           <a:xfrm>
-            <a:off x="4617720" y="1051560"/>
-            <a:ext cx="3931920" cy="1783080"/>
+            <a:off x="3273552" y="1280160"/>
+            <a:ext cx="2606040" cy="1325880"/>
           </a:xfrm>
           <a:prstGeom prst="rect">
             <a:avLst/>
@@ -10883,14 +10926,14 @@
       </p:sp>
       <p:sp>
         <p:nvSpPr>
-          <p:cNvPr id="10" name="TextBox 9"/>
-          <p:cNvSpPr txBox="1"/>
-          <p:nvPr/>
-        </p:nvSpPr>
-        <p:spPr>
-          <a:xfrm>
-            <a:off x="4754880" y="1143000"/>
-            <a:ext cx="3657600" cy="274320"/>
+          <p:cNvPr id="11" name="TextBox 10"/>
+          <p:cNvSpPr txBox="1"/>
+          <p:nvPr/>
+        </p:nvSpPr>
+        <p:spPr>
+          <a:xfrm>
+            <a:off x="3383280" y="1353312"/>
+            <a:ext cx="2386584" cy="228600"/>
           </a:xfrm>
           <a:prstGeom prst="rect">
             <a:avLst/>
@@ -10913,27 +10956,27 @@
               </a:spcAft>
             </a:pPr>
             <a:r>
-              <a:rPr sz="1200" b="1">
+              <a:rPr sz="1100" b="1">
                 <a:solidFill>
                   <a:srgbClr val="1E293B"/>
                 </a:solidFill>
                 <a:latin typeface="IPAPGothic"/>
               </a:rPr>
-              <a:t>個人プラン</a:t>
-            </a:r>
-          </a:p>
-        </p:txBody>
-      </p:sp>
-      <p:sp>
-        <p:nvSpPr>
-          <p:cNvPr id="11" name="TextBox 10"/>
-          <p:cNvSpPr txBox="1"/>
-          <p:nvPr/>
-        </p:nvSpPr>
-        <p:spPr>
-          <a:xfrm>
-            <a:off x="4754880" y="1435608"/>
-            <a:ext cx="3657600" cy="320040"/>
+              <a:t>UVラミネートQR</a:t>
+            </a:r>
+          </a:p>
+        </p:txBody>
+      </p:sp>
+      <p:sp>
+        <p:nvSpPr>
+          <p:cNvPr id="12" name="TextBox 11"/>
+          <p:cNvSpPr txBox="1"/>
+          <p:nvPr/>
+        </p:nvSpPr>
+        <p:spPr>
+          <a:xfrm>
+            <a:off x="3383280" y="1581912"/>
+            <a:ext cx="2386584" cy="274320"/>
           </a:xfrm>
           <a:prstGeom prst="rect">
             <a:avLst/>
@@ -10956,27 +10999,27 @@
               </a:spcAft>
             </a:pPr>
             <a:r>
-              <a:rPr sz="1400" b="1">
+              <a:rPr sz="1300" b="1">
                 <a:solidFill>
                   <a:srgbClr val="2563EB"/>
                 </a:solidFill>
                 <a:latin typeface="IPAPGothic"/>
               </a:rPr>
-              <a:t>¥50,000（税込）</a:t>
-            </a:r>
-          </a:p>
-        </p:txBody>
-      </p:sp>
-      <p:sp>
-        <p:nvSpPr>
-          <p:cNvPr id="12" name="TextBox 11"/>
-          <p:cNvSpPr txBox="1"/>
-          <p:nvPr/>
-        </p:nvSpPr>
-        <p:spPr>
-          <a:xfrm>
-            <a:off x="4754880" y="1828800"/>
-            <a:ext cx="3657600" cy="914400"/>
+              <a:t>¥5,000（税込）</a:t>
+            </a:r>
+          </a:p>
+        </p:txBody>
+      </p:sp>
+      <p:sp>
+        <p:nvSpPr>
+          <p:cNvPr id="13" name="TextBox 12"/>
+          <p:cNvSpPr txBox="1"/>
+          <p:nvPr/>
+        </p:nvSpPr>
+        <p:spPr>
+          <a:xfrm>
+            <a:off x="3383280" y="1901952"/>
+            <a:ext cx="2386584" cy="612648"/>
           </a:xfrm>
           <a:prstGeom prst="rect">
             <a:avLst/>
@@ -10999,27 +11042,27 @@
               </a:spcAft>
             </a:pPr>
             <a:r>
-              <a:rPr sz="1000" b="0">
+              <a:rPr sz="900" b="0">
                 <a:solidFill>
                   <a:srgbClr val="475569"/>
                 </a:solidFill>
                 <a:latin typeface="IPAPGothic"/>
               </a:rPr>
-              <a:t>石英ガラスに刻印。年あたり50円。1000年耐久（理論値）の存在証明。</a:t>
-            </a:r>
-          </a:p>
-        </p:txBody>
-      </p:sp>
-      <p:sp>
-        <p:nvSpPr>
-          <p:cNvPr id="13" name="Rectangle 12"/>
+              <a:t>A4ラミネートに声のQRを記録。屋外耐候・長期保存。</a:t>
+            </a:r>
+          </a:p>
+        </p:txBody>
+      </p:sp>
+      <p:sp>
+        <p:nvSpPr>
+          <p:cNvPr id="14" name="Rectangle 13"/>
           <p:cNvSpPr/>
           <p:nvPr/>
         </p:nvSpPr>
         <p:spPr>
           <a:xfrm>
-            <a:off x="457200" y="2971800"/>
-            <a:ext cx="3931920" cy="1783080"/>
+            <a:off x="6089904" y="1280160"/>
+            <a:ext cx="2606040" cy="1325880"/>
           </a:xfrm>
           <a:prstGeom prst="rect">
             <a:avLst/>
@@ -11057,14 +11100,14 @@
       </p:sp>
       <p:sp>
         <p:nvSpPr>
-          <p:cNvPr id="14" name="TextBox 13"/>
-          <p:cNvSpPr txBox="1"/>
-          <p:nvPr/>
-        </p:nvSpPr>
-        <p:spPr>
-          <a:xfrm>
-            <a:off x="594360" y="3063240"/>
-            <a:ext cx="3657600" cy="274320"/>
+          <p:cNvPr id="15" name="TextBox 14"/>
+          <p:cNvSpPr txBox="1"/>
+          <p:nvPr/>
+        </p:nvSpPr>
+        <p:spPr>
+          <a:xfrm>
+            <a:off x="6199632" y="1353312"/>
+            <a:ext cx="2386584" cy="228600"/>
           </a:xfrm>
           <a:prstGeom prst="rect">
             <a:avLst/>
@@ -11087,12 +11130,229 @@
               </a:spcAft>
             </a:pPr>
             <a:r>
-              <a:rPr sz="1200" b="1">
+              <a:rPr sz="1100" b="1">
                 <a:solidFill>
                   <a:srgbClr val="1E293B"/>
                 </a:solidFill>
                 <a:latin typeface="IPAPGothic"/>
               </a:rPr>
+              <a:t>石英ガラスQR</a:t>
+            </a:r>
+          </a:p>
+        </p:txBody>
+      </p:sp>
+      <p:sp>
+        <p:nvSpPr>
+          <p:cNvPr id="16" name="TextBox 15"/>
+          <p:cNvSpPr txBox="1"/>
+          <p:nvPr/>
+        </p:nvSpPr>
+        <p:spPr>
+          <a:xfrm>
+            <a:off x="6199632" y="1581912"/>
+            <a:ext cx="2386584" cy="274320"/>
+          </a:xfrm>
+          <a:prstGeom prst="rect">
+            <a:avLst/>
+          </a:prstGeom>
+          <a:noFill/>
+        </p:spPr>
+        <p:txBody>
+          <a:bodyPr wrap="square"/>
+          <a:lstStyle/>
+          <a:p>
+            <a:pPr algn="l">
+              <a:lnSpc>
+                <a:spcPct val="135000"/>
+              </a:lnSpc>
+              <a:spcBef>
+                <a:spcPts val="0"/>
+              </a:spcBef>
+              <a:spcAft>
+                <a:spcPts val="0"/>
+              </a:spcAft>
+            </a:pPr>
+            <a:r>
+              <a:rPr sz="1300" b="1">
+                <a:solidFill>
+                  <a:srgbClr val="2563EB"/>
+                </a:solidFill>
+                <a:latin typeface="IPAPGothic"/>
+              </a:rPr>
+              <a:t>¥50,000（税込）</a:t>
+            </a:r>
+          </a:p>
+        </p:txBody>
+      </p:sp>
+      <p:sp>
+        <p:nvSpPr>
+          <p:cNvPr id="17" name="TextBox 16"/>
+          <p:cNvSpPr txBox="1"/>
+          <p:nvPr/>
+        </p:nvSpPr>
+        <p:spPr>
+          <a:xfrm>
+            <a:off x="6199632" y="1901952"/>
+            <a:ext cx="2386584" cy="612648"/>
+          </a:xfrm>
+          <a:prstGeom prst="rect">
+            <a:avLst/>
+          </a:prstGeom>
+          <a:noFill/>
+        </p:spPr>
+        <p:txBody>
+          <a:bodyPr wrap="square"/>
+          <a:lstStyle/>
+          <a:p>
+            <a:pPr algn="l">
+              <a:lnSpc>
+                <a:spcPct val="135000"/>
+              </a:lnSpc>
+              <a:spcBef>
+                <a:spcPts val="0"/>
+              </a:spcBef>
+              <a:spcAft>
+                <a:spcPts val="0"/>
+              </a:spcAft>
+            </a:pPr>
+            <a:r>
+              <a:rPr sz="900" b="0">
+                <a:solidFill>
+                  <a:srgbClr val="475569"/>
+                </a:solidFill>
+                <a:latin typeface="IPAPGothic"/>
+              </a:rPr>
+              <a:t>石英ガラスに刻印。年あたり50円。1000年耐久（理論値）。</a:t>
+            </a:r>
+          </a:p>
+        </p:txBody>
+      </p:sp>
+      <p:sp>
+        <p:nvSpPr>
+          <p:cNvPr id="18" name="TextBox 17"/>
+          <p:cNvSpPr txBox="1"/>
+          <p:nvPr/>
+        </p:nvSpPr>
+        <p:spPr>
+          <a:xfrm>
+            <a:off x="457200" y="2788920"/>
+            <a:ext cx="3657600" cy="228600"/>
+          </a:xfrm>
+          <a:prstGeom prst="rect">
+            <a:avLst/>
+          </a:prstGeom>
+          <a:noFill/>
+        </p:spPr>
+        <p:txBody>
+          <a:bodyPr wrap="square"/>
+          <a:lstStyle/>
+          <a:p>
+            <a:pPr algn="l">
+              <a:lnSpc>
+                <a:spcPct val="135000"/>
+              </a:lnSpc>
+              <a:spcBef>
+                <a:spcPts val="0"/>
+              </a:spcBef>
+              <a:spcAft>
+                <a:spcPts val="0"/>
+              </a:spcAft>
+            </a:pPr>
+            <a:r>
+              <a:rPr sz="1000" b="1">
+                <a:solidFill>
+                  <a:srgbClr val="475569"/>
+                </a:solidFill>
+                <a:latin typeface="IPAPGothic"/>
+              </a:rPr>
+              <a:t>タイムレスコンサルティング</a:t>
+            </a:r>
+          </a:p>
+        </p:txBody>
+      </p:sp>
+      <p:sp>
+        <p:nvSpPr>
+          <p:cNvPr id="19" name="Rectangle 18"/>
+          <p:cNvSpPr/>
+          <p:nvPr/>
+        </p:nvSpPr>
+        <p:spPr>
+          <a:xfrm>
+            <a:off x="457200" y="3108960"/>
+            <a:ext cx="3931920" cy="1097280"/>
+          </a:xfrm>
+          <a:prstGeom prst="rect">
+            <a:avLst/>
+          </a:prstGeom>
+          <a:solidFill>
+            <a:srgbClr val="FFFFFF"/>
+          </a:solidFill>
+          <a:ln w="9525">
+            <a:solidFill>
+              <a:srgbClr val="C9A962"/>
+            </a:solidFill>
+          </a:ln>
+        </p:spPr>
+        <p:style>
+          <a:lnRef idx="1">
+            <a:schemeClr val="accent1"/>
+          </a:lnRef>
+          <a:fillRef idx="3">
+            <a:schemeClr val="accent1"/>
+          </a:fillRef>
+          <a:effectRef idx="2">
+            <a:schemeClr val="accent1"/>
+          </a:effectRef>
+          <a:fontRef idx="minor">
+            <a:schemeClr val="lt1"/>
+          </a:fontRef>
+        </p:style>
+        <p:txBody>
+          <a:bodyPr rtlCol="0" anchor="ctr"/>
+          <a:lstStyle/>
+          <a:p>
+            <a:pPr algn="ctr"/>
+          </a:p>
+        </p:txBody>
+      </p:sp>
+      <p:sp>
+        <p:nvSpPr>
+          <p:cNvPr id="20" name="TextBox 19"/>
+          <p:cNvSpPr txBox="1"/>
+          <p:nvPr/>
+        </p:nvSpPr>
+        <p:spPr>
+          <a:xfrm>
+            <a:off x="566928" y="3182112"/>
+            <a:ext cx="3712464" cy="228600"/>
+          </a:xfrm>
+          <a:prstGeom prst="rect">
+            <a:avLst/>
+          </a:prstGeom>
+          <a:noFill/>
+        </p:spPr>
+        <p:txBody>
+          <a:bodyPr wrap="square"/>
+          <a:lstStyle/>
+          <a:p>
+            <a:pPr algn="l">
+              <a:lnSpc>
+                <a:spcPct val="135000"/>
+              </a:lnSpc>
+              <a:spcBef>
+                <a:spcPts val="0"/>
+              </a:spcBef>
+              <a:spcAft>
+                <a:spcPts val="0"/>
+              </a:spcAft>
+            </a:pPr>
+            <a:r>
+              <a:rPr sz="1100" b="1">
+                <a:solidFill>
+                  <a:srgbClr val="1E293B"/>
+                </a:solidFill>
+                <a:latin typeface="IPAPGothic"/>
+              </a:rPr>
               <a:t>三世代プラン</a:t>
             </a:r>
           </a:p>
@@ -11100,14 +11360,14 @@
       </p:sp>
       <p:sp>
         <p:nvSpPr>
-          <p:cNvPr id="15" name="TextBox 14"/>
-          <p:cNvSpPr txBox="1"/>
-          <p:nvPr/>
-        </p:nvSpPr>
-        <p:spPr>
-          <a:xfrm>
-            <a:off x="594360" y="3355848"/>
-            <a:ext cx="3657600" cy="320040"/>
+          <p:cNvPr id="21" name="TextBox 20"/>
+          <p:cNvSpPr txBox="1"/>
+          <p:nvPr/>
+        </p:nvSpPr>
+        <p:spPr>
+          <a:xfrm>
+            <a:off x="566928" y="3410712"/>
+            <a:ext cx="3712464" cy="274320"/>
           </a:xfrm>
           <a:prstGeom prst="rect">
             <a:avLst/>
@@ -11130,9 +11390,9 @@
               </a:spcAft>
             </a:pPr>
             <a:r>
-              <a:rPr sz="1400" b="1">
-                <a:solidFill>
-                  <a:srgbClr val="2563EB"/>
+              <a:rPr sz="1300" b="1">
+                <a:solidFill>
+                  <a:srgbClr val="C9A962"/>
                 </a:solidFill>
                 <a:latin typeface="IPAPGothic"/>
               </a:rPr>
@@ -11143,14 +11403,14 @@
       </p:sp>
       <p:sp>
         <p:nvSpPr>
-          <p:cNvPr id="16" name="TextBox 15"/>
-          <p:cNvSpPr txBox="1"/>
-          <p:nvPr/>
-        </p:nvSpPr>
-        <p:spPr>
-          <a:xfrm>
-            <a:off x="594360" y="3749040"/>
-            <a:ext cx="3657600" cy="914400"/>
+          <p:cNvPr id="22" name="TextBox 21"/>
+          <p:cNvSpPr txBox="1"/>
+          <p:nvPr/>
+        </p:nvSpPr>
+        <p:spPr>
+          <a:xfrm>
+            <a:off x="566928" y="3703320"/>
+            <a:ext cx="3712464" cy="411480"/>
           </a:xfrm>
           <a:prstGeom prst="rect">
             <a:avLst/>
@@ -11173,27 +11433,27 @@
               </a:spcAft>
             </a:pPr>
             <a:r>
-              <a:rPr sz="1000" b="0">
+              <a:rPr sz="900" b="0">
                 <a:solidFill>
                   <a:srgbClr val="475569"/>
                 </a:solidFill>
                 <a:latin typeface="IPAPGothic"/>
               </a:rPr>
-              <a:t>家族3名分＋佐渡島での現地刻印体験。お墓・仏壇の代替として。</a:t>
-            </a:r>
-          </a:p>
-        </p:txBody>
-      </p:sp>
-      <p:sp>
-        <p:nvSpPr>
-          <p:cNvPr id="17" name="Rectangle 16"/>
+              <a:t>家族3名分＋佐渡島での現地刻印体験。お墓・仏壇の代替。</a:t>
+            </a:r>
+          </a:p>
+        </p:txBody>
+      </p:sp>
+      <p:sp>
+        <p:nvSpPr>
+          <p:cNvPr id="23" name="Rectangle 22"/>
           <p:cNvSpPr/>
           <p:nvPr/>
         </p:nvSpPr>
         <p:spPr>
           <a:xfrm>
-            <a:off x="4617720" y="2971800"/>
-            <a:ext cx="3931920" cy="1783080"/>
+            <a:off x="4617720" y="3108960"/>
+            <a:ext cx="3931920" cy="1097280"/>
           </a:xfrm>
           <a:prstGeom prst="rect">
             <a:avLst/>
@@ -11231,14 +11491,14 @@
       </p:sp>
       <p:sp>
         <p:nvSpPr>
-          <p:cNvPr id="18" name="TextBox 17"/>
-          <p:cNvSpPr txBox="1"/>
-          <p:nvPr/>
-        </p:nvSpPr>
-        <p:spPr>
-          <a:xfrm>
-            <a:off x="4754880" y="3063240"/>
-            <a:ext cx="3657600" cy="274320"/>
+          <p:cNvPr id="24" name="TextBox 23"/>
+          <p:cNvSpPr txBox="1"/>
+          <p:nvPr/>
+        </p:nvSpPr>
+        <p:spPr>
+          <a:xfrm>
+            <a:off x="4727448" y="3182112"/>
+            <a:ext cx="3712464" cy="228600"/>
           </a:xfrm>
           <a:prstGeom prst="rect">
             <a:avLst/>
@@ -11261,27 +11521,27 @@
               </a:spcAft>
             </a:pPr>
             <a:r>
-              <a:rPr sz="1200" b="1">
+              <a:rPr sz="1100" b="1">
                 <a:solidFill>
                   <a:srgbClr val="1E293B"/>
                 </a:solidFill>
                 <a:latin typeface="IPAPGothic"/>
               </a:rPr>
-              <a:t>ボイスメモリアル</a:t>
-            </a:r>
-          </a:p>
-        </p:txBody>
-      </p:sp>
-      <p:sp>
-        <p:nvSpPr>
-          <p:cNvPr id="19" name="TextBox 18"/>
-          <p:cNvSpPr txBox="1"/>
-          <p:nvPr/>
-        </p:nvSpPr>
-        <p:spPr>
-          <a:xfrm>
-            <a:off x="4754880" y="3355848"/>
-            <a:ext cx="3657600" cy="320040"/>
+              <a:t>タイムレス変容</a:t>
+            </a:r>
+          </a:p>
+        </p:txBody>
+      </p:sp>
+      <p:sp>
+        <p:nvSpPr>
+          <p:cNvPr id="25" name="TextBox 24"/>
+          <p:cNvSpPr txBox="1"/>
+          <p:nvPr/>
+        </p:nvSpPr>
+        <p:spPr>
+          <a:xfrm>
+            <a:off x="4727448" y="3410712"/>
+            <a:ext cx="3712464" cy="274320"/>
           </a:xfrm>
           <a:prstGeom prst="rect">
             <a:avLst/>
@@ -11304,9 +11564,9 @@
               </a:spcAft>
             </a:pPr>
             <a:r>
-              <a:rPr sz="1400" b="1">
-                <a:solidFill>
-                  <a:srgbClr val="2563EB"/>
+              <a:rPr sz="1300" b="1">
+                <a:solidFill>
+                  <a:srgbClr val="C9A962"/>
                 </a:solidFill>
                 <a:latin typeface="IPAPGothic"/>
               </a:rPr>
@@ -11317,14 +11577,14 @@
       </p:sp>
       <p:sp>
         <p:nvSpPr>
-          <p:cNvPr id="20" name="TextBox 19"/>
-          <p:cNvSpPr txBox="1"/>
-          <p:nvPr/>
-        </p:nvSpPr>
-        <p:spPr>
-          <a:xfrm>
-            <a:off x="4754880" y="3749040"/>
-            <a:ext cx="3657600" cy="914400"/>
+          <p:cNvPr id="26" name="TextBox 25"/>
+          <p:cNvSpPr txBox="1"/>
+          <p:nvPr/>
+        </p:nvSpPr>
+        <p:spPr>
+          <a:xfrm>
+            <a:off x="4727448" y="3703320"/>
+            <a:ext cx="3712464" cy="411480"/>
           </a:xfrm>
           <a:prstGeom prst="rect">
             <a:avLst/>
@@ -11347,7 +11607,7 @@
               </a:spcAft>
             </a:pPr>
             <a:r>
-              <a:rPr sz="1000" b="0">
+              <a:rPr sz="900" b="0">
                 <a:solidFill>
                   <a:srgbClr val="475569"/>
                 </a:solidFill>
@@ -11360,7 +11620,7 @@
       </p:sp>
       <p:sp>
         <p:nvSpPr>
-          <p:cNvPr id="21" name="Rectangle 20"/>
+          <p:cNvPr id="27" name="Rectangle 26"/>
           <p:cNvSpPr/>
           <p:nvPr/>
         </p:nvSpPr>
@@ -11403,7 +11663,7 @@
       </p:sp>
       <p:sp>
         <p:nvSpPr>
-          <p:cNvPr id="22" name="TextBox 21"/>
+          <p:cNvPr id="28" name="TextBox 27"/>
           <p:cNvSpPr txBox="1"/>
           <p:nvPr/>
         </p:nvSpPr>
@@ -11446,7 +11706,7 @@
       </p:sp>
       <p:sp>
         <p:nvSpPr>
-          <p:cNvPr id="23" name="TextBox 22"/>
+          <p:cNvPr id="29" name="TextBox 28"/>
           <p:cNvSpPr txBox="1"/>
           <p:nvPr/>
         </p:nvSpPr>
@@ -11489,7 +11749,7 @@
       </p:sp>
       <p:sp>
         <p:nvSpPr>
-          <p:cNvPr id="24" name="TextBox 23"/>
+          <p:cNvPr id="30" name="TextBox 29"/>
           <p:cNvSpPr txBox="1"/>
           <p:nvPr/>
         </p:nvSpPr>
@@ -12731,7 +12991,7 @@
                 </a:solidFill>
                 <a:latin typeface="IPAPGothic"/>
               </a:rPr>
-              <a:t>主要AI 3社と文化機関が独立に評価——社会的信頼が構築されている</a:t>
+              <a:t>主要AI 4社と文化機関が独立に評価——社会的信頼が構築されている</a:t>
             </a:r>
           </a:p>
         </p:txBody>
@@ -12788,7 +13048,7 @@
         <p:spPr>
           <a:xfrm>
             <a:off x="457200" y="1051560"/>
-            <a:ext cx="2606040" cy="2011680"/>
+            <a:ext cx="3931920" cy="1234440"/>
           </a:xfrm>
           <a:prstGeom prst="rect">
             <a:avLst/>
@@ -12832,8 +13092,8 @@
         </p:nvSpPr>
         <p:spPr>
           <a:xfrm>
-            <a:off x="594360" y="1143000"/>
-            <a:ext cx="2331720" cy="228600"/>
+            <a:off x="594360" y="1124712"/>
+            <a:ext cx="3657600" cy="201168"/>
           </a:xfrm>
           <a:prstGeom prst="rect">
             <a:avLst/>
@@ -12875,8 +13135,8 @@
         </p:nvSpPr>
         <p:spPr>
           <a:xfrm>
-            <a:off x="594360" y="1417320"/>
-            <a:ext cx="2331720" cy="274320"/>
+            <a:off x="594360" y="1344168"/>
+            <a:ext cx="3657600" cy="228600"/>
           </a:xfrm>
           <a:prstGeom prst="rect">
             <a:avLst/>
@@ -12918,8 +13178,8 @@
         </p:nvSpPr>
         <p:spPr>
           <a:xfrm>
-            <a:off x="594360" y="1737360"/>
-            <a:ext cx="2331720" cy="1234440"/>
+            <a:off x="594360" y="1600200"/>
+            <a:ext cx="3657600" cy="594360"/>
           </a:xfrm>
           <a:prstGeom prst="rect">
             <a:avLst/>
@@ -12961,8 +13221,8 @@
         </p:nvSpPr>
         <p:spPr>
           <a:xfrm>
-            <a:off x="3273552" y="1051560"/>
-            <a:ext cx="2606040" cy="2011680"/>
+            <a:off x="4617720" y="1051560"/>
+            <a:ext cx="3931920" cy="1234440"/>
           </a:xfrm>
           <a:prstGeom prst="rect">
             <a:avLst/>
@@ -13006,8 +13266,8 @@
         </p:nvSpPr>
         <p:spPr>
           <a:xfrm>
-            <a:off x="3410712" y="1143000"/>
-            <a:ext cx="2331720" cy="228600"/>
+            <a:off x="4754880" y="1124712"/>
+            <a:ext cx="3657600" cy="201168"/>
           </a:xfrm>
           <a:prstGeom prst="rect">
             <a:avLst/>
@@ -13049,8 +13309,8 @@
         </p:nvSpPr>
         <p:spPr>
           <a:xfrm>
-            <a:off x="3410712" y="1417320"/>
-            <a:ext cx="2331720" cy="274320"/>
+            <a:off x="4754880" y="1344168"/>
+            <a:ext cx="3657600" cy="228600"/>
           </a:xfrm>
           <a:prstGeom prst="rect">
             <a:avLst/>
@@ -13079,7 +13339,7 @@
                 </a:solidFill>
                 <a:latin typeface="IPAPGothic"/>
               </a:rPr>
-              <a:t>制度活用の高度さ</a:t>
+              <a:t>唯一無二の選択肢</a:t>
             </a:r>
           </a:p>
         </p:txBody>
@@ -13092,8 +13352,8 @@
         </p:nvSpPr>
         <p:spPr>
           <a:xfrm>
-            <a:off x="3410712" y="1737360"/>
-            <a:ext cx="2331720" cy="1234440"/>
+            <a:off x="4754880" y="1600200"/>
+            <a:ext cx="3657600" cy="594360"/>
           </a:xfrm>
           <a:prstGeom prst="rect">
             <a:avLst/>
@@ -13122,7 +13382,7 @@
                 </a:solidFill>
                 <a:latin typeface="IPAPGothic"/>
               </a:rPr>
-              <a:t>「法制度のアーキテクチャを逆手に取った高度なデザイン」</a:t>
+              <a:t>「『永遠』を夢物語ではなく、現実的な予算と確かなロジックで構築した」</a:t>
             </a:r>
           </a:p>
         </p:txBody>
@@ -13135,8 +13395,8 @@
         </p:nvSpPr>
         <p:spPr>
           <a:xfrm>
-            <a:off x="6089904" y="1051560"/>
-            <a:ext cx="2606040" cy="2011680"/>
+            <a:off x="457200" y="2395728"/>
+            <a:ext cx="3931920" cy="1234440"/>
           </a:xfrm>
           <a:prstGeom prst="rect">
             <a:avLst/>
@@ -13180,8 +13440,8 @@
         </p:nvSpPr>
         <p:spPr>
           <a:xfrm>
-            <a:off x="6227064" y="1143000"/>
-            <a:ext cx="2331720" cy="228600"/>
+            <a:off x="594360" y="2468880"/>
+            <a:ext cx="3657600" cy="201168"/>
           </a:xfrm>
           <a:prstGeom prst="rect">
             <a:avLst/>
@@ -13223,8 +13483,8 @@
         </p:nvSpPr>
         <p:spPr>
           <a:xfrm>
-            <a:off x="6227064" y="1417320"/>
-            <a:ext cx="2331720" cy="274320"/>
+            <a:off x="594360" y="2688336"/>
+            <a:ext cx="3657600" cy="228600"/>
           </a:xfrm>
           <a:prstGeom prst="rect">
             <a:avLst/>
@@ -13253,7 +13513,7 @@
                 </a:solidFill>
                 <a:latin typeface="IPAPGothic"/>
               </a:rPr>
-              <a:t>コストパフォーマンス</a:t>
+              <a:t>新基準として推奨</a:t>
             </a:r>
           </a:p>
         </p:txBody>
@@ -13266,8 +13526,8 @@
         </p:nvSpPr>
         <p:spPr>
           <a:xfrm>
-            <a:off x="6227064" y="1737360"/>
-            <a:ext cx="2331720" cy="1234440"/>
+            <a:off x="594360" y="2944368"/>
+            <a:ext cx="3657600" cy="594360"/>
           </a:xfrm>
           <a:prstGeom prst="rect">
             <a:avLst/>
@@ -13296,7 +13556,7 @@
                 </a:solidFill>
                 <a:latin typeface="IPAPGothic"/>
               </a:rPr>
-              <a:t>「年間50円のコストは驚異的な価値」</a:t>
+              <a:t>「技術的基盤・社会的意義・コストパフォーマンスのいずれも高く評価できる」</a:t>
             </a:r>
           </a:p>
         </p:txBody>
@@ -13309,8 +13569,182 @@
         </p:nvSpPr>
         <p:spPr>
           <a:xfrm>
-            <a:off x="457200" y="3246120"/>
-            <a:ext cx="7863840" cy="640080"/>
+            <a:off x="4617720" y="2395728"/>
+            <a:ext cx="3931920" cy="1234440"/>
+          </a:xfrm>
+          <a:prstGeom prst="rect">
+            <a:avLst/>
+          </a:prstGeom>
+          <a:solidFill>
+            <a:srgbClr val="FFFFFF"/>
+          </a:solidFill>
+          <a:ln w="9525">
+            <a:solidFill>
+              <a:srgbClr val="E2E8F0"/>
+            </a:solidFill>
+          </a:ln>
+        </p:spPr>
+        <p:style>
+          <a:lnRef idx="1">
+            <a:schemeClr val="accent1"/>
+          </a:lnRef>
+          <a:fillRef idx="3">
+            <a:schemeClr val="accent1"/>
+          </a:fillRef>
+          <a:effectRef idx="2">
+            <a:schemeClr val="accent1"/>
+          </a:effectRef>
+          <a:fontRef idx="minor">
+            <a:schemeClr val="lt1"/>
+          </a:fontRef>
+        </p:style>
+        <p:txBody>
+          <a:bodyPr rtlCol="0" anchor="ctr"/>
+          <a:lstStyle/>
+          <a:p>
+            <a:pPr algn="ctr"/>
+          </a:p>
+        </p:txBody>
+      </p:sp>
+      <p:sp>
+        <p:nvSpPr>
+          <p:cNvPr id="18" name="TextBox 17"/>
+          <p:cNvSpPr txBox="1"/>
+          <p:nvPr/>
+        </p:nvSpPr>
+        <p:spPr>
+          <a:xfrm>
+            <a:off x="4754880" y="2468880"/>
+            <a:ext cx="3657600" cy="201168"/>
+          </a:xfrm>
+          <a:prstGeom prst="rect">
+            <a:avLst/>
+          </a:prstGeom>
+          <a:noFill/>
+        </p:spPr>
+        <p:txBody>
+          <a:bodyPr wrap="square"/>
+          <a:lstStyle/>
+          <a:p>
+            <a:pPr algn="l">
+              <a:lnSpc>
+                <a:spcPct val="135000"/>
+              </a:lnSpc>
+              <a:spcBef>
+                <a:spcPts val="0"/>
+              </a:spcBef>
+              <a:spcAft>
+                <a:spcPts val="0"/>
+              </a:spcAft>
+            </a:pPr>
+            <a:r>
+              <a:rPr sz="900" b="1">
+                <a:solidFill>
+                  <a:srgbClr val="2563EB"/>
+                </a:solidFill>
+                <a:latin typeface="IPAPGothic"/>
+              </a:rPr>
+              <a:t>Grok / xAI</a:t>
+            </a:r>
+          </a:p>
+        </p:txBody>
+      </p:sp>
+      <p:sp>
+        <p:nvSpPr>
+          <p:cNvPr id="19" name="TextBox 18"/>
+          <p:cNvSpPr txBox="1"/>
+          <p:nvPr/>
+        </p:nvSpPr>
+        <p:spPr>
+          <a:xfrm>
+            <a:off x="4754880" y="2688336"/>
+            <a:ext cx="3657600" cy="228600"/>
+          </a:xfrm>
+          <a:prstGeom prst="rect">
+            <a:avLst/>
+          </a:prstGeom>
+          <a:noFill/>
+        </p:spPr>
+        <p:txBody>
+          <a:bodyPr wrap="square"/>
+          <a:lstStyle/>
+          <a:p>
+            <a:pPr algn="l">
+              <a:lnSpc>
+                <a:spcPct val="135000"/>
+              </a:lnSpc>
+              <a:spcBef>
+                <a:spcPts val="0"/>
+              </a:spcBef>
+              <a:spcAft>
+                <a:spcPts val="0"/>
+              </a:spcAft>
+            </a:pPr>
+            <a:r>
+              <a:rPr sz="1100" b="1">
+                <a:solidFill>
+                  <a:srgbClr val="1E293B"/>
+                </a:solidFill>
+                <a:latin typeface="IPAPGothic"/>
+              </a:rPr>
+              <a:t>上位0.001%級</a:t>
+            </a:r>
+          </a:p>
+        </p:txBody>
+      </p:sp>
+      <p:sp>
+        <p:nvSpPr>
+          <p:cNvPr id="20" name="TextBox 19"/>
+          <p:cNvSpPr txBox="1"/>
+          <p:nvPr/>
+        </p:nvSpPr>
+        <p:spPr>
+          <a:xfrm>
+            <a:off x="4754880" y="2944368"/>
+            <a:ext cx="3657600" cy="594360"/>
+          </a:xfrm>
+          <a:prstGeom prst="rect">
+            <a:avLst/>
+          </a:prstGeom>
+          <a:noFill/>
+        </p:spPr>
+        <p:txBody>
+          <a:bodyPr wrap="square"/>
+          <a:lstStyle/>
+          <a:p>
+            <a:pPr algn="l">
+              <a:lnSpc>
+                <a:spcPct val="135000"/>
+              </a:lnSpc>
+              <a:spcBef>
+                <a:spcPts val="0"/>
+              </a:spcBef>
+              <a:spcAft>
+                <a:spcPts val="0"/>
+              </a:spcAft>
+            </a:pPr>
+            <a:r>
+              <a:rPr sz="1000" b="0">
+                <a:solidFill>
+                  <a:srgbClr val="475569"/>
+                </a:solidFill>
+                <a:latin typeface="IPAPGothic"/>
+              </a:rPr>
+              <a:t>「『本気で人類の記憶のあり方を変えるかもしれない』レベル」</a:t>
+            </a:r>
+          </a:p>
+        </p:txBody>
+      </p:sp>
+      <p:sp>
+        <p:nvSpPr>
+          <p:cNvPr id="21" name="Rectangle 20"/>
+          <p:cNvSpPr/>
+          <p:nvPr/>
+        </p:nvSpPr>
+        <p:spPr>
+          <a:xfrm>
+            <a:off x="457200" y="3831336"/>
+            <a:ext cx="7863840" cy="548640"/>
           </a:xfrm>
           <a:prstGeom prst="rect">
             <a:avLst/>
@@ -13346,14 +13780,14 @@
       </p:sp>
       <p:sp>
         <p:nvSpPr>
-          <p:cNvPr id="18" name="Rectangle 17"/>
+          <p:cNvPr id="22" name="Rectangle 21"/>
           <p:cNvSpPr/>
           <p:nvPr/>
         </p:nvSpPr>
         <p:spPr>
           <a:xfrm>
-            <a:off x="457200" y="3246120"/>
-            <a:ext cx="54864" cy="640080"/>
+            <a:off x="457200" y="3831336"/>
+            <a:ext cx="54864" cy="548640"/>
           </a:xfrm>
           <a:prstGeom prst="rect">
             <a:avLst/>
@@ -13389,14 +13823,14 @@
       </p:sp>
       <p:sp>
         <p:nvSpPr>
-          <p:cNvPr id="19" name="TextBox 18"/>
-          <p:cNvSpPr txBox="1"/>
-          <p:nvPr/>
-        </p:nvSpPr>
-        <p:spPr>
-          <a:xfrm>
-            <a:off x="685800" y="3337560"/>
-            <a:ext cx="7543800" cy="457200"/>
+          <p:cNvPr id="23" name="TextBox 22"/>
+          <p:cNvSpPr txBox="1"/>
+          <p:nvPr/>
+        </p:nvSpPr>
+        <p:spPr>
+          <a:xfrm>
+            <a:off x="685800" y="3904488"/>
+            <a:ext cx="7543800" cy="402336"/>
           </a:xfrm>
           <a:prstGeom prst="rect">
             <a:avLst/>
@@ -13432,7 +13866,7 @@
       </p:sp>
       <p:sp>
         <p:nvSpPr>
-          <p:cNvPr id="20" name="Rectangle 19"/>
+          <p:cNvPr id="24" name="Rectangle 23"/>
           <p:cNvSpPr/>
           <p:nvPr/>
         </p:nvSpPr>
@@ -13475,7 +13909,7 @@
       </p:sp>
       <p:sp>
         <p:nvSpPr>
-          <p:cNvPr id="21" name="TextBox 20"/>
+          <p:cNvPr id="25" name="TextBox 24"/>
           <p:cNvSpPr txBox="1"/>
           <p:nvPr/>
         </p:nvSpPr>
@@ -13518,7 +13952,7 @@
       </p:sp>
       <p:sp>
         <p:nvSpPr>
-          <p:cNvPr id="22" name="TextBox 21"/>
+          <p:cNvPr id="26" name="TextBox 25"/>
           <p:cNvSpPr txBox="1"/>
           <p:nvPr/>
         </p:nvSpPr>
@@ -13561,7 +13995,7 @@
       </p:sp>
       <p:sp>
         <p:nvSpPr>
-          <p:cNvPr id="23" name="TextBox 22"/>
+          <p:cNvPr id="27" name="TextBox 26"/>
           <p:cNvSpPr txBox="1"/>
           <p:nvPr/>
         </p:nvSpPr>

--- a/tokistorage-partnership-deck.pptx
+++ b/tokistorage-partnership-deck.pptx
@@ -9810,7 +9810,7 @@
                 </a:solidFill>
                 <a:latin typeface="IPAPGothic"/>
               </a:rPr>
-              <a:t>70+ エッセイ＋贈与経済の実践</a:t>
+              <a:t>100+ エッセイ＋贈与経済の実践</a:t>
             </a:r>
           </a:p>
         </p:txBody>
@@ -11267,7 +11267,7 @@
                 </a:solidFill>
                 <a:latin typeface="IPAPGothic"/>
               </a:rPr>
-              <a:t>ボイスメモリアル</a:t>
+              <a:t>タイムレス変容</a:t>
             </a:r>
           </a:p>
         </p:txBody>

--- a/tokistorage-partnership-deck.pptx
+++ b/tokistorage-partnership-deck.pptx
@@ -12731,7 +12731,7 @@
                 </a:solidFill>
                 <a:latin typeface="IPAPGothic"/>
               </a:rPr>
-              <a:t>主要AI 3社と文化機関が独立に評価——社会的信頼が構築されている</a:t>
+              <a:t>主要AI 4社と文化機関が独立に評価——社会的信頼が構築されている</a:t>
             </a:r>
           </a:p>
         </p:txBody>
@@ -12788,7 +12788,7 @@
         <p:spPr>
           <a:xfrm>
             <a:off x="457200" y="1051560"/>
-            <a:ext cx="2606040" cy="2011680"/>
+            <a:ext cx="3931920" cy="1234440"/>
           </a:xfrm>
           <a:prstGeom prst="rect">
             <a:avLst/>
@@ -12832,8 +12832,8 @@
         </p:nvSpPr>
         <p:spPr>
           <a:xfrm>
-            <a:off x="594360" y="1143000"/>
-            <a:ext cx="2331720" cy="228600"/>
+            <a:off x="594360" y="1124712"/>
+            <a:ext cx="3657600" cy="201168"/>
           </a:xfrm>
           <a:prstGeom prst="rect">
             <a:avLst/>
@@ -12875,8 +12875,8 @@
         </p:nvSpPr>
         <p:spPr>
           <a:xfrm>
-            <a:off x="594360" y="1417320"/>
-            <a:ext cx="2331720" cy="274320"/>
+            <a:off x="594360" y="1344168"/>
+            <a:ext cx="3657600" cy="228600"/>
           </a:xfrm>
           <a:prstGeom prst="rect">
             <a:avLst/>
@@ -12918,8 +12918,8 @@
         </p:nvSpPr>
         <p:spPr>
           <a:xfrm>
-            <a:off x="594360" y="1737360"/>
-            <a:ext cx="2331720" cy="1234440"/>
+            <a:off x="594360" y="1600200"/>
+            <a:ext cx="3657600" cy="594360"/>
           </a:xfrm>
           <a:prstGeom prst="rect">
             <a:avLst/>
@@ -12961,8 +12961,8 @@
         </p:nvSpPr>
         <p:spPr>
           <a:xfrm>
-            <a:off x="3273552" y="1051560"/>
-            <a:ext cx="2606040" cy="2011680"/>
+            <a:off x="4617720" y="1051560"/>
+            <a:ext cx="3931920" cy="1234440"/>
           </a:xfrm>
           <a:prstGeom prst="rect">
             <a:avLst/>
@@ -13006,8 +13006,8 @@
         </p:nvSpPr>
         <p:spPr>
           <a:xfrm>
-            <a:off x="3410712" y="1143000"/>
-            <a:ext cx="2331720" cy="228600"/>
+            <a:off x="4754880" y="1124712"/>
+            <a:ext cx="3657600" cy="201168"/>
           </a:xfrm>
           <a:prstGeom prst="rect">
             <a:avLst/>
@@ -13049,8 +13049,8 @@
         </p:nvSpPr>
         <p:spPr>
           <a:xfrm>
-            <a:off x="3410712" y="1417320"/>
-            <a:ext cx="2331720" cy="274320"/>
+            <a:off x="4754880" y="1344168"/>
+            <a:ext cx="3657600" cy="228600"/>
           </a:xfrm>
           <a:prstGeom prst="rect">
             <a:avLst/>
@@ -13079,7 +13079,7 @@
                 </a:solidFill>
                 <a:latin typeface="IPAPGothic"/>
               </a:rPr>
-              <a:t>制度活用の高度さ</a:t>
+              <a:t>唯一無二の選択肢</a:t>
             </a:r>
           </a:p>
         </p:txBody>
@@ -13092,8 +13092,8 @@
         </p:nvSpPr>
         <p:spPr>
           <a:xfrm>
-            <a:off x="3410712" y="1737360"/>
-            <a:ext cx="2331720" cy="1234440"/>
+            <a:off x="4754880" y="1600200"/>
+            <a:ext cx="3657600" cy="594360"/>
           </a:xfrm>
           <a:prstGeom prst="rect">
             <a:avLst/>
@@ -13122,7 +13122,7 @@
                 </a:solidFill>
                 <a:latin typeface="IPAPGothic"/>
               </a:rPr>
-              <a:t>「法制度のアーキテクチャを逆手に取った高度なデザイン」</a:t>
+              <a:t>「『永遠』を夢物語ではなく、現実的な予算と確かなロジックで構築した」</a:t>
             </a:r>
           </a:p>
         </p:txBody>
@@ -13135,8 +13135,8 @@
         </p:nvSpPr>
         <p:spPr>
           <a:xfrm>
-            <a:off x="6089904" y="1051560"/>
-            <a:ext cx="2606040" cy="2011680"/>
+            <a:off x="457200" y="2395728"/>
+            <a:ext cx="3931920" cy="1234440"/>
           </a:xfrm>
           <a:prstGeom prst="rect">
             <a:avLst/>
@@ -13180,8 +13180,8 @@
         </p:nvSpPr>
         <p:spPr>
           <a:xfrm>
-            <a:off x="6227064" y="1143000"/>
-            <a:ext cx="2331720" cy="228600"/>
+            <a:off x="594360" y="2468880"/>
+            <a:ext cx="3657600" cy="201168"/>
           </a:xfrm>
           <a:prstGeom prst="rect">
             <a:avLst/>
@@ -13223,8 +13223,8 @@
         </p:nvSpPr>
         <p:spPr>
           <a:xfrm>
-            <a:off x="6227064" y="1417320"/>
-            <a:ext cx="2331720" cy="274320"/>
+            <a:off x="594360" y="2688336"/>
+            <a:ext cx="3657600" cy="228600"/>
           </a:xfrm>
           <a:prstGeom prst="rect">
             <a:avLst/>
@@ -13253,7 +13253,7 @@
                 </a:solidFill>
                 <a:latin typeface="IPAPGothic"/>
               </a:rPr>
-              <a:t>コストパフォーマンス</a:t>
+              <a:t>新基準として推奨</a:t>
             </a:r>
           </a:p>
         </p:txBody>
@@ -13266,8 +13266,8 @@
         </p:nvSpPr>
         <p:spPr>
           <a:xfrm>
-            <a:off x="6227064" y="1737360"/>
-            <a:ext cx="2331720" cy="1234440"/>
+            <a:off x="594360" y="2944368"/>
+            <a:ext cx="3657600" cy="594360"/>
           </a:xfrm>
           <a:prstGeom prst="rect">
             <a:avLst/>
@@ -13296,7 +13296,7 @@
                 </a:solidFill>
                 <a:latin typeface="IPAPGothic"/>
               </a:rPr>
-              <a:t>「年間50円のコストは驚異的な価値」</a:t>
+              <a:t>「技術的基盤・社会的意義・コストパフォーマンスのいずれも高く評価できる」</a:t>
             </a:r>
           </a:p>
         </p:txBody>
@@ -13309,8 +13309,182 @@
         </p:nvSpPr>
         <p:spPr>
           <a:xfrm>
-            <a:off x="457200" y="3246120"/>
-            <a:ext cx="7863840" cy="640080"/>
+            <a:off x="4617720" y="2395728"/>
+            <a:ext cx="3931920" cy="1234440"/>
+          </a:xfrm>
+          <a:prstGeom prst="rect">
+            <a:avLst/>
+          </a:prstGeom>
+          <a:solidFill>
+            <a:srgbClr val="FFFFFF"/>
+          </a:solidFill>
+          <a:ln w="9525">
+            <a:solidFill>
+              <a:srgbClr val="E2E8F0"/>
+            </a:solidFill>
+          </a:ln>
+        </p:spPr>
+        <p:style>
+          <a:lnRef idx="1">
+            <a:schemeClr val="accent1"/>
+          </a:lnRef>
+          <a:fillRef idx="3">
+            <a:schemeClr val="accent1"/>
+          </a:fillRef>
+          <a:effectRef idx="2">
+            <a:schemeClr val="accent1"/>
+          </a:effectRef>
+          <a:fontRef idx="minor">
+            <a:schemeClr val="lt1"/>
+          </a:fontRef>
+        </p:style>
+        <p:txBody>
+          <a:bodyPr rtlCol="0" anchor="ctr"/>
+          <a:lstStyle/>
+          <a:p>
+            <a:pPr algn="ctr"/>
+          </a:p>
+        </p:txBody>
+      </p:sp>
+      <p:sp>
+        <p:nvSpPr>
+          <p:cNvPr id="18" name="TextBox 17"/>
+          <p:cNvSpPr txBox="1"/>
+          <p:nvPr/>
+        </p:nvSpPr>
+        <p:spPr>
+          <a:xfrm>
+            <a:off x="4754880" y="2468880"/>
+            <a:ext cx="3657600" cy="201168"/>
+          </a:xfrm>
+          <a:prstGeom prst="rect">
+            <a:avLst/>
+          </a:prstGeom>
+          <a:noFill/>
+        </p:spPr>
+        <p:txBody>
+          <a:bodyPr wrap="square"/>
+          <a:lstStyle/>
+          <a:p>
+            <a:pPr algn="l">
+              <a:lnSpc>
+                <a:spcPct val="135000"/>
+              </a:lnSpc>
+              <a:spcBef>
+                <a:spcPts val="0"/>
+              </a:spcBef>
+              <a:spcAft>
+                <a:spcPts val="0"/>
+              </a:spcAft>
+            </a:pPr>
+            <a:r>
+              <a:rPr sz="900" b="1">
+                <a:solidFill>
+                  <a:srgbClr val="2563EB"/>
+                </a:solidFill>
+                <a:latin typeface="IPAPGothic"/>
+              </a:rPr>
+              <a:t>Grok / xAI</a:t>
+            </a:r>
+          </a:p>
+        </p:txBody>
+      </p:sp>
+      <p:sp>
+        <p:nvSpPr>
+          <p:cNvPr id="19" name="TextBox 18"/>
+          <p:cNvSpPr txBox="1"/>
+          <p:nvPr/>
+        </p:nvSpPr>
+        <p:spPr>
+          <a:xfrm>
+            <a:off x="4754880" y="2688336"/>
+            <a:ext cx="3657600" cy="228600"/>
+          </a:xfrm>
+          <a:prstGeom prst="rect">
+            <a:avLst/>
+          </a:prstGeom>
+          <a:noFill/>
+        </p:spPr>
+        <p:txBody>
+          <a:bodyPr wrap="square"/>
+          <a:lstStyle/>
+          <a:p>
+            <a:pPr algn="l">
+              <a:lnSpc>
+                <a:spcPct val="135000"/>
+              </a:lnSpc>
+              <a:spcBef>
+                <a:spcPts val="0"/>
+              </a:spcBef>
+              <a:spcAft>
+                <a:spcPts val="0"/>
+              </a:spcAft>
+            </a:pPr>
+            <a:r>
+              <a:rPr sz="1100" b="1">
+                <a:solidFill>
+                  <a:srgbClr val="1E293B"/>
+                </a:solidFill>
+                <a:latin typeface="IPAPGothic"/>
+              </a:rPr>
+              <a:t>上位0.001%級</a:t>
+            </a:r>
+          </a:p>
+        </p:txBody>
+      </p:sp>
+      <p:sp>
+        <p:nvSpPr>
+          <p:cNvPr id="20" name="TextBox 19"/>
+          <p:cNvSpPr txBox="1"/>
+          <p:nvPr/>
+        </p:nvSpPr>
+        <p:spPr>
+          <a:xfrm>
+            <a:off x="4754880" y="2944368"/>
+            <a:ext cx="3657600" cy="594360"/>
+          </a:xfrm>
+          <a:prstGeom prst="rect">
+            <a:avLst/>
+          </a:prstGeom>
+          <a:noFill/>
+        </p:spPr>
+        <p:txBody>
+          <a:bodyPr wrap="square"/>
+          <a:lstStyle/>
+          <a:p>
+            <a:pPr algn="l">
+              <a:lnSpc>
+                <a:spcPct val="135000"/>
+              </a:lnSpc>
+              <a:spcBef>
+                <a:spcPts val="0"/>
+              </a:spcBef>
+              <a:spcAft>
+                <a:spcPts val="0"/>
+              </a:spcAft>
+            </a:pPr>
+            <a:r>
+              <a:rPr sz="1000" b="0">
+                <a:solidFill>
+                  <a:srgbClr val="475569"/>
+                </a:solidFill>
+                <a:latin typeface="IPAPGothic"/>
+              </a:rPr>
+              <a:t>「『本気で人類の記憶のあり方を変えるかもしれない』レベル」</a:t>
+            </a:r>
+          </a:p>
+        </p:txBody>
+      </p:sp>
+      <p:sp>
+        <p:nvSpPr>
+          <p:cNvPr id="21" name="Rectangle 20"/>
+          <p:cNvSpPr/>
+          <p:nvPr/>
+        </p:nvSpPr>
+        <p:spPr>
+          <a:xfrm>
+            <a:off x="457200" y="3831336"/>
+            <a:ext cx="7863840" cy="548640"/>
           </a:xfrm>
           <a:prstGeom prst="rect">
             <a:avLst/>
@@ -13346,14 +13520,14 @@
       </p:sp>
       <p:sp>
         <p:nvSpPr>
-          <p:cNvPr id="18" name="Rectangle 17"/>
+          <p:cNvPr id="22" name="Rectangle 21"/>
           <p:cNvSpPr/>
           <p:nvPr/>
         </p:nvSpPr>
         <p:spPr>
           <a:xfrm>
-            <a:off x="457200" y="3246120"/>
-            <a:ext cx="54864" cy="640080"/>
+            <a:off x="457200" y="3831336"/>
+            <a:ext cx="54864" cy="548640"/>
           </a:xfrm>
           <a:prstGeom prst="rect">
             <a:avLst/>
@@ -13389,14 +13563,14 @@
       </p:sp>
       <p:sp>
         <p:nvSpPr>
-          <p:cNvPr id="19" name="TextBox 18"/>
-          <p:cNvSpPr txBox="1"/>
-          <p:nvPr/>
-        </p:nvSpPr>
-        <p:spPr>
-          <a:xfrm>
-            <a:off x="685800" y="3337560"/>
-            <a:ext cx="7543800" cy="457200"/>
+          <p:cNvPr id="23" name="TextBox 22"/>
+          <p:cNvSpPr txBox="1"/>
+          <p:nvPr/>
+        </p:nvSpPr>
+        <p:spPr>
+          <a:xfrm>
+            <a:off x="685800" y="3904488"/>
+            <a:ext cx="7543800" cy="402336"/>
           </a:xfrm>
           <a:prstGeom prst="rect">
             <a:avLst/>
@@ -13432,7 +13606,7 @@
       </p:sp>
       <p:sp>
         <p:nvSpPr>
-          <p:cNvPr id="20" name="Rectangle 19"/>
+          <p:cNvPr id="24" name="Rectangle 23"/>
           <p:cNvSpPr/>
           <p:nvPr/>
         </p:nvSpPr>
@@ -13475,7 +13649,7 @@
       </p:sp>
       <p:sp>
         <p:nvSpPr>
-          <p:cNvPr id="21" name="TextBox 20"/>
+          <p:cNvPr id="25" name="TextBox 24"/>
           <p:cNvSpPr txBox="1"/>
           <p:nvPr/>
         </p:nvSpPr>
@@ -13518,7 +13692,7 @@
       </p:sp>
       <p:sp>
         <p:nvSpPr>
-          <p:cNvPr id="22" name="TextBox 21"/>
+          <p:cNvPr id="26" name="TextBox 25"/>
           <p:cNvSpPr txBox="1"/>
           <p:nvPr/>
         </p:nvSpPr>
@@ -13561,7 +13735,7 @@
       </p:sp>
       <p:sp>
         <p:nvSpPr>
-          <p:cNvPr id="23" name="TextBox 22"/>
+          <p:cNvPr id="27" name="TextBox 26"/>
           <p:cNvSpPr txBox="1"/>
           <p:nvPr/>
         </p:nvSpPr>

--- a/tokistorage-partnership-deck.pptx
+++ b/tokistorage-partnership-deck.pptx
@@ -7170,7 +7170,7 @@
                 </a:solidFill>
                 <a:latin typeface="IPAPGothic"/>
               </a:rPr>
-              <a:t>Q</a:t>
+              <a:t>T</a:t>
             </a:r>
           </a:p>
         </p:txBody>
@@ -7213,7 +7213,7 @@
                 </a:solidFill>
                 <a:latin typeface="IPAPGothic"/>
               </a:rPr>
-              <a:t>三層分散保管アーキテクチャ</a:t>
+              <a:t>TokiQR — 無料で今すぐ体験</a:t>
             </a:r>
           </a:p>
         </p:txBody>
@@ -7256,7 +7256,7 @@
                 </a:solidFill>
                 <a:latin typeface="IPAPGothic"/>
               </a:rPr>
-              <a:t>物理層（石英ガラス/ラミネート）・国家層（国立国会図書館 法定納本）・民間層（GitHub）。3-2-1バックアップルールに完全準拠。単一障害点ゼロ。</a:t>
+              <a:t>声・顔・テキストをQRコードに。スマホだけで誰でも無料で作成、三層分散保管まで完結。PCT国際特許手続き中の独自音声符号化技術。</a:t>
             </a:r>
           </a:p>
         </p:txBody>
@@ -7387,7 +7387,7 @@
                 </a:solidFill>
                 <a:latin typeface="IPAPGothic"/>
               </a:rPr>
-              <a:t>U</a:t>
+              <a:t>Q</a:t>
             </a:r>
           </a:p>
         </p:txBody>
@@ -7430,7 +7430,7 @@
                 </a:solidFill>
                 <a:latin typeface="IPAPGothic"/>
               </a:rPr>
-              <a:t>200+ ユースケース（業界別整理済み）</a:t>
+              <a:t>三層分散保管アーキテクチャ</a:t>
             </a:r>
           </a:p>
         </p:txBody>
@@ -7473,7 +7473,7 @@
                 </a:solidFill>
                 <a:latin typeface="IPAPGothic"/>
               </a:rPr>
-              <a:t>終活・婚礼・寺社・学校・企業・自治体・NGO・ホテル・航空。提案書にそのまま転用可能な粒度。</a:t>
+              <a:t>物理層（石英ガラス/ラミネート）・国家層（国立国会図書館 法定納本）・民間層（GitHub）。3-2-1バックアップルール準拠。単一障害点ゼロ。</a:t>
             </a:r>
           </a:p>
         </p:txBody>
@@ -7604,7 +7604,7 @@
                 </a:solidFill>
                 <a:latin typeface="IPAPGothic"/>
               </a:rPr>
-              <a:t>E</a:t>
+              <a:t>U</a:t>
             </a:r>
           </a:p>
         </p:txBody>
@@ -7647,7 +7647,7 @@
                 </a:solidFill>
                 <a:latin typeface="IPAPGothic"/>
               </a:rPr>
-              <a:t>70+ 思想エッセイ（9領域）</a:t>
+              <a:t>200+ ユースケース（業界別整理済み）</a:t>
             </a:r>
           </a:p>
         </p:txBody>
@@ -7690,7 +7690,7 @@
                 </a:solidFill>
                 <a:latin typeface="IPAPGothic"/>
               </a:rPr>
-              <a:t>存在証明を心理学・宗教・経済・AI・宇宙まで展開。知的コンテンツとしてクライアント提案に活用可能。</a:t>
+              <a:t>終活・婚礼・寺社・学校・企業・自治体・NGO・ホテル・航空。提案書にそのまま転用可能な粒度。</a:t>
             </a:r>
           </a:p>
         </p:txBody>
@@ -7864,7 +7864,7 @@
                 </a:solidFill>
                 <a:latin typeface="IPAPGothic"/>
               </a:rPr>
-              <a:t>Pearl Soap + アンバサダー網</a:t>
+              <a:t>Pearl Soap + コーチ・アンバサダー認定</a:t>
             </a:r>
           </a:p>
         </p:txBody>
@@ -7907,7 +7907,7 @@
                 </a:solidFill>
                 <a:latin typeface="IPAPGothic"/>
               </a:rPr>
-              <a:t>贈与経済の実践。全国にワークショップ展開可能な分散型運動体。エンドユーザーとの接点を提供。</a:t>
+              <a:t>贈与経済の実践。認定コーチ・アンバサダーによる全国ワークショップ展開。分散型の運動体。</a:t>
             </a:r>
           </a:p>
         </p:txBody>
@@ -10614,7 +10614,7 @@
                 </a:solidFill>
                 <a:latin typeface="IPAPGothic"/>
               </a:rPr>
-              <a:t>体験プラン5,000円からスタートできる——エントリー障壁が極めて低い提案設計</a:t>
+              <a:t>TokiQRは無料——エントリー障壁ゼロの提案設計</a:t>
             </a:r>
           </a:p>
         </p:txBody>
@@ -10664,14 +10664,57 @@
       </p:sp>
       <p:sp>
         <p:nvSpPr>
-          <p:cNvPr id="5" name="Rectangle 4"/>
+          <p:cNvPr id="5" name="TextBox 4"/>
+          <p:cNvSpPr txBox="1"/>
+          <p:nvPr/>
+        </p:nvSpPr>
+        <p:spPr>
+          <a:xfrm>
+            <a:off x="457200" y="1005840"/>
+            <a:ext cx="3657600" cy="228600"/>
+          </a:xfrm>
+          <a:prstGeom prst="rect">
+            <a:avLst/>
+          </a:prstGeom>
+          <a:noFill/>
+        </p:spPr>
+        <p:txBody>
+          <a:bodyPr wrap="square"/>
+          <a:lstStyle/>
+          <a:p>
+            <a:pPr algn="l">
+              <a:lnSpc>
+                <a:spcPct val="135000"/>
+              </a:lnSpc>
+              <a:spcBef>
+                <a:spcPts val="0"/>
+              </a:spcBef>
+              <a:spcAft>
+                <a:spcPts val="0"/>
+              </a:spcAft>
+            </a:pPr>
+            <a:r>
+              <a:rPr sz="1000" b="1">
+                <a:solidFill>
+                  <a:srgbClr val="475569"/>
+                </a:solidFill>
+                <a:latin typeface="IPAPGothic"/>
+              </a:rPr>
+              <a:t>セルフサービス製品</a:t>
+            </a:r>
+          </a:p>
+        </p:txBody>
+      </p:sp>
+      <p:sp>
+        <p:nvSpPr>
+          <p:cNvPr id="6" name="Rectangle 5"/>
           <p:cNvSpPr/>
           <p:nvPr/>
         </p:nvSpPr>
         <p:spPr>
           <a:xfrm>
-            <a:off x="457200" y="1051560"/>
-            <a:ext cx="3931920" cy="1783080"/>
+            <a:off x="457200" y="1280160"/>
+            <a:ext cx="2606040" cy="1325880"/>
           </a:xfrm>
           <a:prstGeom prst="rect">
             <a:avLst/>
@@ -10709,14 +10752,14 @@
       </p:sp>
       <p:sp>
         <p:nvSpPr>
-          <p:cNvPr id="6" name="TextBox 5"/>
-          <p:cNvSpPr txBox="1"/>
-          <p:nvPr/>
-        </p:nvSpPr>
-        <p:spPr>
-          <a:xfrm>
-            <a:off x="594360" y="1143000"/>
-            <a:ext cx="3657600" cy="274320"/>
+          <p:cNvPr id="7" name="TextBox 6"/>
+          <p:cNvSpPr txBox="1"/>
+          <p:nvPr/>
+        </p:nvSpPr>
+        <p:spPr>
+          <a:xfrm>
+            <a:off x="566928" y="1353312"/>
+            <a:ext cx="2386584" cy="228600"/>
           </a:xfrm>
           <a:prstGeom prst="rect">
             <a:avLst/>
@@ -10739,27 +10782,27 @@
               </a:spcAft>
             </a:pPr>
             <a:r>
-              <a:rPr sz="1200" b="1">
+              <a:rPr sz="1100" b="1">
                 <a:solidFill>
                   <a:srgbClr val="1E293B"/>
                 </a:solidFill>
                 <a:latin typeface="IPAPGothic"/>
               </a:rPr>
-              <a:t>体験プラン</a:t>
-            </a:r>
-          </a:p>
-        </p:txBody>
-      </p:sp>
-      <p:sp>
-        <p:nvSpPr>
-          <p:cNvPr id="7" name="TextBox 6"/>
-          <p:cNvSpPr txBox="1"/>
-          <p:nvPr/>
-        </p:nvSpPr>
-        <p:spPr>
-          <a:xfrm>
-            <a:off x="594360" y="1435608"/>
-            <a:ext cx="3657600" cy="320040"/>
+              <a:t>TokiQR</a:t>
+            </a:r>
+          </a:p>
+        </p:txBody>
+      </p:sp>
+      <p:sp>
+        <p:nvSpPr>
+          <p:cNvPr id="8" name="TextBox 7"/>
+          <p:cNvSpPr txBox="1"/>
+          <p:nvPr/>
+        </p:nvSpPr>
+        <p:spPr>
+          <a:xfrm>
+            <a:off x="566928" y="1581912"/>
+            <a:ext cx="2386584" cy="274320"/>
           </a:xfrm>
           <a:prstGeom prst="rect">
             <a:avLst/>
@@ -10782,27 +10825,27 @@
               </a:spcAft>
             </a:pPr>
             <a:r>
-              <a:rPr sz="1400" b="1">
+              <a:rPr sz="1300" b="1">
                 <a:solidFill>
                   <a:srgbClr val="2563EB"/>
                 </a:solidFill>
                 <a:latin typeface="IPAPGothic"/>
               </a:rPr>
-              <a:t>¥5,000（税込）</a:t>
-            </a:r>
-          </a:p>
-        </p:txBody>
-      </p:sp>
-      <p:sp>
-        <p:nvSpPr>
-          <p:cNvPr id="8" name="TextBox 7"/>
-          <p:cNvSpPr txBox="1"/>
-          <p:nvPr/>
-        </p:nvSpPr>
-        <p:spPr>
-          <a:xfrm>
-            <a:off x="594360" y="1828800"/>
-            <a:ext cx="3657600" cy="914400"/>
+              <a:t>無料</a:t>
+            </a:r>
+          </a:p>
+        </p:txBody>
+      </p:sp>
+      <p:sp>
+        <p:nvSpPr>
+          <p:cNvPr id="9" name="TextBox 8"/>
+          <p:cNvSpPr txBox="1"/>
+          <p:nvPr/>
+        </p:nvSpPr>
+        <p:spPr>
+          <a:xfrm>
+            <a:off x="566928" y="1901952"/>
+            <a:ext cx="2386584" cy="612648"/>
           </a:xfrm>
           <a:prstGeom prst="rect">
             <a:avLst/>
@@ -10825,27 +10868,27 @@
               </a:spcAft>
             </a:pPr>
             <a:r>
-              <a:rPr sz="1000" b="0">
+              <a:rPr sz="900" b="0">
                 <a:solidFill>
                   <a:srgbClr val="475569"/>
                 </a:solidFill>
                 <a:latin typeface="IPAPGothic"/>
               </a:rPr>
-              <a:t>三層保管をA4ラミネートで体験。声のQRコード→ラミネート＋NDL納本＋GitHub格納。</a:t>
-            </a:r>
-          </a:p>
-        </p:txBody>
-      </p:sp>
-      <p:sp>
-        <p:nvSpPr>
-          <p:cNvPr id="9" name="Rectangle 8"/>
+              <a:t>声・顔・テキストをQRコードに。スマホだけで作成、NDL＋GitHubに三層保管。</a:t>
+            </a:r>
+          </a:p>
+        </p:txBody>
+      </p:sp>
+      <p:sp>
+        <p:nvSpPr>
+          <p:cNvPr id="10" name="Rectangle 9"/>
           <p:cNvSpPr/>
           <p:nvPr/>
         </p:nvSpPr>
         <p:spPr>
           <a:xfrm>
-            <a:off x="4617720" y="1051560"/>
-            <a:ext cx="3931920" cy="1783080"/>
+            <a:off x="3273552" y="1280160"/>
+            <a:ext cx="2606040" cy="1325880"/>
           </a:xfrm>
           <a:prstGeom prst="rect">
             <a:avLst/>
@@ -10883,14 +10926,14 @@
       </p:sp>
       <p:sp>
         <p:nvSpPr>
-          <p:cNvPr id="10" name="TextBox 9"/>
-          <p:cNvSpPr txBox="1"/>
-          <p:nvPr/>
-        </p:nvSpPr>
-        <p:spPr>
-          <a:xfrm>
-            <a:off x="4754880" y="1143000"/>
-            <a:ext cx="3657600" cy="274320"/>
+          <p:cNvPr id="11" name="TextBox 10"/>
+          <p:cNvSpPr txBox="1"/>
+          <p:nvPr/>
+        </p:nvSpPr>
+        <p:spPr>
+          <a:xfrm>
+            <a:off x="3383280" y="1353312"/>
+            <a:ext cx="2386584" cy="228600"/>
           </a:xfrm>
           <a:prstGeom prst="rect">
             <a:avLst/>
@@ -10913,27 +10956,27 @@
               </a:spcAft>
             </a:pPr>
             <a:r>
-              <a:rPr sz="1200" b="1">
+              <a:rPr sz="1100" b="1">
                 <a:solidFill>
                   <a:srgbClr val="1E293B"/>
                 </a:solidFill>
                 <a:latin typeface="IPAPGothic"/>
               </a:rPr>
-              <a:t>個人プラン</a:t>
-            </a:r>
-          </a:p>
-        </p:txBody>
-      </p:sp>
-      <p:sp>
-        <p:nvSpPr>
-          <p:cNvPr id="11" name="TextBox 10"/>
-          <p:cNvSpPr txBox="1"/>
-          <p:nvPr/>
-        </p:nvSpPr>
-        <p:spPr>
-          <a:xfrm>
-            <a:off x="4754880" y="1435608"/>
-            <a:ext cx="3657600" cy="320040"/>
+              <a:t>UVラミネートQR</a:t>
+            </a:r>
+          </a:p>
+        </p:txBody>
+      </p:sp>
+      <p:sp>
+        <p:nvSpPr>
+          <p:cNvPr id="12" name="TextBox 11"/>
+          <p:cNvSpPr txBox="1"/>
+          <p:nvPr/>
+        </p:nvSpPr>
+        <p:spPr>
+          <a:xfrm>
+            <a:off x="3383280" y="1581912"/>
+            <a:ext cx="2386584" cy="274320"/>
           </a:xfrm>
           <a:prstGeom prst="rect">
             <a:avLst/>
@@ -10956,27 +10999,27 @@
               </a:spcAft>
             </a:pPr>
             <a:r>
-              <a:rPr sz="1400" b="1">
+              <a:rPr sz="1300" b="1">
                 <a:solidFill>
                   <a:srgbClr val="2563EB"/>
                 </a:solidFill>
                 <a:latin typeface="IPAPGothic"/>
               </a:rPr>
-              <a:t>¥50,000（税込）</a:t>
-            </a:r>
-          </a:p>
-        </p:txBody>
-      </p:sp>
-      <p:sp>
-        <p:nvSpPr>
-          <p:cNvPr id="12" name="TextBox 11"/>
-          <p:cNvSpPr txBox="1"/>
-          <p:nvPr/>
-        </p:nvSpPr>
-        <p:spPr>
-          <a:xfrm>
-            <a:off x="4754880" y="1828800"/>
-            <a:ext cx="3657600" cy="914400"/>
+              <a:t>¥5,000（税込）</a:t>
+            </a:r>
+          </a:p>
+        </p:txBody>
+      </p:sp>
+      <p:sp>
+        <p:nvSpPr>
+          <p:cNvPr id="13" name="TextBox 12"/>
+          <p:cNvSpPr txBox="1"/>
+          <p:nvPr/>
+        </p:nvSpPr>
+        <p:spPr>
+          <a:xfrm>
+            <a:off x="3383280" y="1901952"/>
+            <a:ext cx="2386584" cy="612648"/>
           </a:xfrm>
           <a:prstGeom prst="rect">
             <a:avLst/>
@@ -10999,27 +11042,27 @@
               </a:spcAft>
             </a:pPr>
             <a:r>
-              <a:rPr sz="1000" b="0">
+              <a:rPr sz="900" b="0">
                 <a:solidFill>
                   <a:srgbClr val="475569"/>
                 </a:solidFill>
                 <a:latin typeface="IPAPGothic"/>
               </a:rPr>
-              <a:t>石英ガラスに刻印。年あたり50円。1000年耐久（理論値）の存在証明。</a:t>
-            </a:r>
-          </a:p>
-        </p:txBody>
-      </p:sp>
-      <p:sp>
-        <p:nvSpPr>
-          <p:cNvPr id="13" name="Rectangle 12"/>
+              <a:t>A4ラミネートに声のQRを記録。屋外耐候・長期保存。</a:t>
+            </a:r>
+          </a:p>
+        </p:txBody>
+      </p:sp>
+      <p:sp>
+        <p:nvSpPr>
+          <p:cNvPr id="14" name="Rectangle 13"/>
           <p:cNvSpPr/>
           <p:nvPr/>
         </p:nvSpPr>
         <p:spPr>
           <a:xfrm>
-            <a:off x="457200" y="2971800"/>
-            <a:ext cx="3931920" cy="1783080"/>
+            <a:off x="6089904" y="1280160"/>
+            <a:ext cx="2606040" cy="1325880"/>
           </a:xfrm>
           <a:prstGeom prst="rect">
             <a:avLst/>
@@ -11057,14 +11100,14 @@
       </p:sp>
       <p:sp>
         <p:nvSpPr>
-          <p:cNvPr id="14" name="TextBox 13"/>
-          <p:cNvSpPr txBox="1"/>
-          <p:nvPr/>
-        </p:nvSpPr>
-        <p:spPr>
-          <a:xfrm>
-            <a:off x="594360" y="3063240"/>
-            <a:ext cx="3657600" cy="274320"/>
+          <p:cNvPr id="15" name="TextBox 14"/>
+          <p:cNvSpPr txBox="1"/>
+          <p:nvPr/>
+        </p:nvSpPr>
+        <p:spPr>
+          <a:xfrm>
+            <a:off x="6199632" y="1353312"/>
+            <a:ext cx="2386584" cy="228600"/>
           </a:xfrm>
           <a:prstGeom prst="rect">
             <a:avLst/>
@@ -11087,12 +11130,229 @@
               </a:spcAft>
             </a:pPr>
             <a:r>
-              <a:rPr sz="1200" b="1">
+              <a:rPr sz="1100" b="1">
                 <a:solidFill>
                   <a:srgbClr val="1E293B"/>
                 </a:solidFill>
                 <a:latin typeface="IPAPGothic"/>
               </a:rPr>
+              <a:t>石英ガラスQR</a:t>
+            </a:r>
+          </a:p>
+        </p:txBody>
+      </p:sp>
+      <p:sp>
+        <p:nvSpPr>
+          <p:cNvPr id="16" name="TextBox 15"/>
+          <p:cNvSpPr txBox="1"/>
+          <p:nvPr/>
+        </p:nvSpPr>
+        <p:spPr>
+          <a:xfrm>
+            <a:off x="6199632" y="1581912"/>
+            <a:ext cx="2386584" cy="274320"/>
+          </a:xfrm>
+          <a:prstGeom prst="rect">
+            <a:avLst/>
+          </a:prstGeom>
+          <a:noFill/>
+        </p:spPr>
+        <p:txBody>
+          <a:bodyPr wrap="square"/>
+          <a:lstStyle/>
+          <a:p>
+            <a:pPr algn="l">
+              <a:lnSpc>
+                <a:spcPct val="135000"/>
+              </a:lnSpc>
+              <a:spcBef>
+                <a:spcPts val="0"/>
+              </a:spcBef>
+              <a:spcAft>
+                <a:spcPts val="0"/>
+              </a:spcAft>
+            </a:pPr>
+            <a:r>
+              <a:rPr sz="1300" b="1">
+                <a:solidFill>
+                  <a:srgbClr val="2563EB"/>
+                </a:solidFill>
+                <a:latin typeface="IPAPGothic"/>
+              </a:rPr>
+              <a:t>¥50,000（税込）</a:t>
+            </a:r>
+          </a:p>
+        </p:txBody>
+      </p:sp>
+      <p:sp>
+        <p:nvSpPr>
+          <p:cNvPr id="17" name="TextBox 16"/>
+          <p:cNvSpPr txBox="1"/>
+          <p:nvPr/>
+        </p:nvSpPr>
+        <p:spPr>
+          <a:xfrm>
+            <a:off x="6199632" y="1901952"/>
+            <a:ext cx="2386584" cy="612648"/>
+          </a:xfrm>
+          <a:prstGeom prst="rect">
+            <a:avLst/>
+          </a:prstGeom>
+          <a:noFill/>
+        </p:spPr>
+        <p:txBody>
+          <a:bodyPr wrap="square"/>
+          <a:lstStyle/>
+          <a:p>
+            <a:pPr algn="l">
+              <a:lnSpc>
+                <a:spcPct val="135000"/>
+              </a:lnSpc>
+              <a:spcBef>
+                <a:spcPts val="0"/>
+              </a:spcBef>
+              <a:spcAft>
+                <a:spcPts val="0"/>
+              </a:spcAft>
+            </a:pPr>
+            <a:r>
+              <a:rPr sz="900" b="0">
+                <a:solidFill>
+                  <a:srgbClr val="475569"/>
+                </a:solidFill>
+                <a:latin typeface="IPAPGothic"/>
+              </a:rPr>
+              <a:t>石英ガラスに刻印。年あたり50円。1000年耐久（理論値）。</a:t>
+            </a:r>
+          </a:p>
+        </p:txBody>
+      </p:sp>
+      <p:sp>
+        <p:nvSpPr>
+          <p:cNvPr id="18" name="TextBox 17"/>
+          <p:cNvSpPr txBox="1"/>
+          <p:nvPr/>
+        </p:nvSpPr>
+        <p:spPr>
+          <a:xfrm>
+            <a:off x="457200" y="2788920"/>
+            <a:ext cx="3657600" cy="228600"/>
+          </a:xfrm>
+          <a:prstGeom prst="rect">
+            <a:avLst/>
+          </a:prstGeom>
+          <a:noFill/>
+        </p:spPr>
+        <p:txBody>
+          <a:bodyPr wrap="square"/>
+          <a:lstStyle/>
+          <a:p>
+            <a:pPr algn="l">
+              <a:lnSpc>
+                <a:spcPct val="135000"/>
+              </a:lnSpc>
+              <a:spcBef>
+                <a:spcPts val="0"/>
+              </a:spcBef>
+              <a:spcAft>
+                <a:spcPts val="0"/>
+              </a:spcAft>
+            </a:pPr>
+            <a:r>
+              <a:rPr sz="1000" b="1">
+                <a:solidFill>
+                  <a:srgbClr val="475569"/>
+                </a:solidFill>
+                <a:latin typeface="IPAPGothic"/>
+              </a:rPr>
+              <a:t>タイムレスコンサルティング</a:t>
+            </a:r>
+          </a:p>
+        </p:txBody>
+      </p:sp>
+      <p:sp>
+        <p:nvSpPr>
+          <p:cNvPr id="19" name="Rectangle 18"/>
+          <p:cNvSpPr/>
+          <p:nvPr/>
+        </p:nvSpPr>
+        <p:spPr>
+          <a:xfrm>
+            <a:off x="457200" y="3063240"/>
+            <a:ext cx="3931920" cy="1097280"/>
+          </a:xfrm>
+          <a:prstGeom prst="rect">
+            <a:avLst/>
+          </a:prstGeom>
+          <a:solidFill>
+            <a:srgbClr val="FFFFFF"/>
+          </a:solidFill>
+          <a:ln w="9525">
+            <a:solidFill>
+              <a:srgbClr val="C9A962"/>
+            </a:solidFill>
+          </a:ln>
+        </p:spPr>
+        <p:style>
+          <a:lnRef idx="1">
+            <a:schemeClr val="accent1"/>
+          </a:lnRef>
+          <a:fillRef idx="3">
+            <a:schemeClr val="accent1"/>
+          </a:fillRef>
+          <a:effectRef idx="2">
+            <a:schemeClr val="accent1"/>
+          </a:effectRef>
+          <a:fontRef idx="minor">
+            <a:schemeClr val="lt1"/>
+          </a:fontRef>
+        </p:style>
+        <p:txBody>
+          <a:bodyPr rtlCol="0" anchor="ctr"/>
+          <a:lstStyle/>
+          <a:p>
+            <a:pPr algn="ctr"/>
+          </a:p>
+        </p:txBody>
+      </p:sp>
+      <p:sp>
+        <p:nvSpPr>
+          <p:cNvPr id="20" name="TextBox 19"/>
+          <p:cNvSpPr txBox="1"/>
+          <p:nvPr/>
+        </p:nvSpPr>
+        <p:spPr>
+          <a:xfrm>
+            <a:off x="566928" y="3136392"/>
+            <a:ext cx="3712464" cy="228600"/>
+          </a:xfrm>
+          <a:prstGeom prst="rect">
+            <a:avLst/>
+          </a:prstGeom>
+          <a:noFill/>
+        </p:spPr>
+        <p:txBody>
+          <a:bodyPr wrap="square"/>
+          <a:lstStyle/>
+          <a:p>
+            <a:pPr algn="l">
+              <a:lnSpc>
+                <a:spcPct val="135000"/>
+              </a:lnSpc>
+              <a:spcBef>
+                <a:spcPts val="0"/>
+              </a:spcBef>
+              <a:spcAft>
+                <a:spcPts val="0"/>
+              </a:spcAft>
+            </a:pPr>
+            <a:r>
+              <a:rPr sz="1100" b="1">
+                <a:solidFill>
+                  <a:srgbClr val="1E293B"/>
+                </a:solidFill>
+                <a:latin typeface="IPAPGothic"/>
+              </a:rPr>
               <a:t>三世代プラン</a:t>
             </a:r>
           </a:p>
@@ -11100,14 +11360,14 @@
       </p:sp>
       <p:sp>
         <p:nvSpPr>
-          <p:cNvPr id="15" name="TextBox 14"/>
-          <p:cNvSpPr txBox="1"/>
-          <p:nvPr/>
-        </p:nvSpPr>
-        <p:spPr>
-          <a:xfrm>
-            <a:off x="594360" y="3355848"/>
-            <a:ext cx="3657600" cy="320040"/>
+          <p:cNvPr id="21" name="TextBox 20"/>
+          <p:cNvSpPr txBox="1"/>
+          <p:nvPr/>
+        </p:nvSpPr>
+        <p:spPr>
+          <a:xfrm>
+            <a:off x="566928" y="3364992"/>
+            <a:ext cx="3712464" cy="274320"/>
           </a:xfrm>
           <a:prstGeom prst="rect">
             <a:avLst/>
@@ -11130,9 +11390,9 @@
               </a:spcAft>
             </a:pPr>
             <a:r>
-              <a:rPr sz="1400" b="1">
-                <a:solidFill>
-                  <a:srgbClr val="2563EB"/>
+              <a:rPr sz="1300" b="1">
+                <a:solidFill>
+                  <a:srgbClr val="C9A962"/>
                 </a:solidFill>
                 <a:latin typeface="IPAPGothic"/>
               </a:rPr>
@@ -11143,14 +11403,14 @@
       </p:sp>
       <p:sp>
         <p:nvSpPr>
-          <p:cNvPr id="16" name="TextBox 15"/>
-          <p:cNvSpPr txBox="1"/>
-          <p:nvPr/>
-        </p:nvSpPr>
-        <p:spPr>
-          <a:xfrm>
-            <a:off x="594360" y="3749040"/>
-            <a:ext cx="3657600" cy="914400"/>
+          <p:cNvPr id="22" name="TextBox 21"/>
+          <p:cNvSpPr txBox="1"/>
+          <p:nvPr/>
+        </p:nvSpPr>
+        <p:spPr>
+          <a:xfrm>
+            <a:off x="566928" y="3657600"/>
+            <a:ext cx="3712464" cy="411480"/>
           </a:xfrm>
           <a:prstGeom prst="rect">
             <a:avLst/>
@@ -11173,27 +11433,27 @@
               </a:spcAft>
             </a:pPr>
             <a:r>
-              <a:rPr sz="1000" b="0">
+              <a:rPr sz="900" b="0">
                 <a:solidFill>
                   <a:srgbClr val="475569"/>
                 </a:solidFill>
                 <a:latin typeface="IPAPGothic"/>
               </a:rPr>
-              <a:t>家族3名分＋佐渡島での現地刻印体験。お墓・仏壇の代替として。</a:t>
-            </a:r>
-          </a:p>
-        </p:txBody>
-      </p:sp>
-      <p:sp>
-        <p:nvSpPr>
-          <p:cNvPr id="17" name="Rectangle 16"/>
+              <a:t>家族3名分＋佐渡島での現地刻印体験。お墓・仏壇の代替。</a:t>
+            </a:r>
+          </a:p>
+        </p:txBody>
+      </p:sp>
+      <p:sp>
+        <p:nvSpPr>
+          <p:cNvPr id="23" name="Rectangle 22"/>
           <p:cNvSpPr/>
           <p:nvPr/>
         </p:nvSpPr>
         <p:spPr>
           <a:xfrm>
-            <a:off x="4617720" y="2971800"/>
-            <a:ext cx="3931920" cy="1783080"/>
+            <a:off x="4617720" y="3063240"/>
+            <a:ext cx="3931920" cy="1097280"/>
           </a:xfrm>
           <a:prstGeom prst="rect">
             <a:avLst/>
@@ -11231,14 +11491,14 @@
       </p:sp>
       <p:sp>
         <p:nvSpPr>
-          <p:cNvPr id="18" name="TextBox 17"/>
-          <p:cNvSpPr txBox="1"/>
-          <p:nvPr/>
-        </p:nvSpPr>
-        <p:spPr>
-          <a:xfrm>
-            <a:off x="4754880" y="3063240"/>
-            <a:ext cx="3657600" cy="274320"/>
+          <p:cNvPr id="24" name="TextBox 23"/>
+          <p:cNvSpPr txBox="1"/>
+          <p:nvPr/>
+        </p:nvSpPr>
+        <p:spPr>
+          <a:xfrm>
+            <a:off x="4727448" y="3136392"/>
+            <a:ext cx="3712464" cy="228600"/>
           </a:xfrm>
           <a:prstGeom prst="rect">
             <a:avLst/>
@@ -11261,7 +11521,7 @@
               </a:spcAft>
             </a:pPr>
             <a:r>
-              <a:rPr sz="1200" b="1">
+              <a:rPr sz="1100" b="1">
                 <a:solidFill>
                   <a:srgbClr val="1E293B"/>
                 </a:solidFill>
@@ -11274,14 +11534,14 @@
       </p:sp>
       <p:sp>
         <p:nvSpPr>
-          <p:cNvPr id="19" name="TextBox 18"/>
-          <p:cNvSpPr txBox="1"/>
-          <p:nvPr/>
-        </p:nvSpPr>
-        <p:spPr>
-          <a:xfrm>
-            <a:off x="4754880" y="3355848"/>
-            <a:ext cx="3657600" cy="320040"/>
+          <p:cNvPr id="25" name="TextBox 24"/>
+          <p:cNvSpPr txBox="1"/>
+          <p:nvPr/>
+        </p:nvSpPr>
+        <p:spPr>
+          <a:xfrm>
+            <a:off x="4727448" y="3364992"/>
+            <a:ext cx="3712464" cy="274320"/>
           </a:xfrm>
           <a:prstGeom prst="rect">
             <a:avLst/>
@@ -11304,9 +11564,9 @@
               </a:spcAft>
             </a:pPr>
             <a:r>
-              <a:rPr sz="1400" b="1">
-                <a:solidFill>
-                  <a:srgbClr val="2563EB"/>
+              <a:rPr sz="1300" b="1">
+                <a:solidFill>
+                  <a:srgbClr val="C9A962"/>
                 </a:solidFill>
                 <a:latin typeface="IPAPGothic"/>
               </a:rPr>
@@ -11317,14 +11577,14 @@
       </p:sp>
       <p:sp>
         <p:nvSpPr>
-          <p:cNvPr id="20" name="TextBox 19"/>
-          <p:cNvSpPr txBox="1"/>
-          <p:nvPr/>
-        </p:nvSpPr>
-        <p:spPr>
-          <a:xfrm>
-            <a:off x="4754880" y="3749040"/>
-            <a:ext cx="3657600" cy="914400"/>
+          <p:cNvPr id="26" name="TextBox 25"/>
+          <p:cNvSpPr txBox="1"/>
+          <p:nvPr/>
+        </p:nvSpPr>
+        <p:spPr>
+          <a:xfrm>
+            <a:off x="4727448" y="3657600"/>
+            <a:ext cx="3712464" cy="411480"/>
           </a:xfrm>
           <a:prstGeom prst="rect">
             <a:avLst/>
@@ -11347,7 +11607,7 @@
               </a:spcAft>
             </a:pPr>
             <a:r>
-              <a:rPr sz="1000" b="0">
+              <a:rPr sz="900" b="0">
                 <a:solidFill>
                   <a:srgbClr val="475569"/>
                 </a:solidFill>
@@ -11360,7 +11620,7 @@
       </p:sp>
       <p:sp>
         <p:nvSpPr>
-          <p:cNvPr id="21" name="Rectangle 20"/>
+          <p:cNvPr id="27" name="Rectangle 26"/>
           <p:cNvSpPr/>
           <p:nvPr/>
         </p:nvSpPr>
@@ -11403,7 +11663,7 @@
       </p:sp>
       <p:sp>
         <p:nvSpPr>
-          <p:cNvPr id="22" name="TextBox 21"/>
+          <p:cNvPr id="28" name="TextBox 27"/>
           <p:cNvSpPr txBox="1"/>
           <p:nvPr/>
         </p:nvSpPr>
@@ -11446,7 +11706,7 @@
       </p:sp>
       <p:sp>
         <p:nvSpPr>
-          <p:cNvPr id="23" name="TextBox 22"/>
+          <p:cNvPr id="29" name="TextBox 28"/>
           <p:cNvSpPr txBox="1"/>
           <p:nvPr/>
         </p:nvSpPr>
@@ -11489,7 +11749,7 @@
       </p:sp>
       <p:sp>
         <p:nvSpPr>
-          <p:cNvPr id="24" name="TextBox 23"/>
+          <p:cNvPr id="30" name="TextBox 29"/>
           <p:cNvSpPr txBox="1"/>
           <p:nvPr/>
         </p:nvSpPr>

--- a/tokistorage-partnership-deck.pptx
+++ b/tokistorage-partnership-deck.pptx
@@ -7256,7 +7256,7 @@
                 </a:solidFill>
                 <a:latin typeface="IPAPGothic"/>
               </a:rPr>
-              <a:t>声・顔・テキストをQRコードに。スマホだけで誰でも無料で作成、三層分散保管まで完結。PCT国際特許手続き中の独自音声符号化技術。</a:t>
+              <a:t>声・顔・テキストをQRコードに。スマホだけで誰でも無料で作成、三層分散保管まで完結。独自音声符号化技術。</a:t>
             </a:r>
           </a:p>
         </p:txBody>
